--- a/Objetivos.pptx
+++ b/Objetivos.pptx
@@ -9,8 +9,9 @@
     <p:sldId id="261" r:id="rId3"/>
     <p:sldId id="257" r:id="rId4"/>
     <p:sldId id="258" r:id="rId5"/>
-    <p:sldId id="259" r:id="rId6"/>
-    <p:sldId id="260" r:id="rId7"/>
+    <p:sldId id="262" r:id="rId6"/>
+    <p:sldId id="259" r:id="rId7"/>
+    <p:sldId id="260" r:id="rId8"/>
   </p:sldIdLst>
   <p:sldSz cx="12192000" cy="6858000"/>
   <p:notesSz cx="6858000" cy="9144000"/>
@@ -117,6 +118,3610 @@
 </p:presentation>
 </file>
 
+<file path=ppt/revisionInfo.xml><?xml version="1.0" encoding="utf-8"?>
+<p1510:revInfo xmlns:a="http://schemas.openxmlformats.org/drawingml/2006/main" xmlns:r="http://schemas.openxmlformats.org/officeDocument/2006/relationships" xmlns:p1510="http://schemas.microsoft.com/office/powerpoint/2015/10/main">
+  <p1510:revLst>
+    <p1510:client id="{6582AE36-033B-4B1A-8C12-427885293D41}" v="560" dt="2020-02-24T18:35:16.342"/>
+    <p1510:client id="{B28695C3-3ED9-15CC-06B2-3C2097CB54FA}" v="425" dt="2020-02-24T19:35:12.993"/>
+    <p1510:client id="{E59C1276-5FD0-61AE-769B-848DA01AAB92}" v="54" dt="2020-02-25T02:57:36.683"/>
+    <p1510:client id="{FA168CE2-0FEE-4A9B-95D6-2C6CDEA862C4}" v="3" dt="2020-02-24T15:29:40.478"/>
+  </p1510:revLst>
+</p1510:revInfo>
+</file>
+
+<file path=ppt/changesInfos/changesInfo1.xml><?xml version="1.0" encoding="utf-8"?>
+<pc:chgInfo xmlns:a="http://schemas.openxmlformats.org/drawingml/2006/main" xmlns:r="http://schemas.openxmlformats.org/officeDocument/2006/relationships" xmlns:ac="http://schemas.microsoft.com/office/drawing/2013/main/command" xmlns:pc="http://schemas.microsoft.com/office/powerpoint/2013/main/command">
+  <pc:docChgLst>
+    <pc:chgData name="GONZALEZ JUAREZ, EDGAR RANULFO" userId="S::nt704044@iteso.mx::45deb683-0a65-4bbe-a65f-f6aadfab4d5b" providerId="AD" clId="Web-{6582AE36-033B-4B1A-8C12-427885293D41}"/>
+    <pc:docChg chg="addSld modSld">
+      <pc:chgData name="GONZALEZ JUAREZ, EDGAR RANULFO" userId="S::nt704044@iteso.mx::45deb683-0a65-4bbe-a65f-f6aadfab4d5b" providerId="AD" clId="Web-{6582AE36-033B-4B1A-8C12-427885293D41}" dt="2020-02-24T18:35:16.342" v="543" actId="20577"/>
+      <pc:docMkLst>
+        <pc:docMk/>
+      </pc:docMkLst>
+      <pc:sldChg chg="modSp">
+        <pc:chgData name="GONZALEZ JUAREZ, EDGAR RANULFO" userId="S::nt704044@iteso.mx::45deb683-0a65-4bbe-a65f-f6aadfab4d5b" providerId="AD" clId="Web-{6582AE36-033B-4B1A-8C12-427885293D41}" dt="2020-02-24T16:20:57.729" v="20" actId="1076"/>
+        <pc:sldMkLst>
+          <pc:docMk/>
+          <pc:sldMk cId="1239683755" sldId="256"/>
+        </pc:sldMkLst>
+        <pc:spChg chg="mod">
+          <ac:chgData name="GONZALEZ JUAREZ, EDGAR RANULFO" userId="S::nt704044@iteso.mx::45deb683-0a65-4bbe-a65f-f6aadfab4d5b" providerId="AD" clId="Web-{6582AE36-033B-4B1A-8C12-427885293D41}" dt="2020-02-24T16:19:56.151" v="3" actId="20577"/>
+          <ac:spMkLst>
+            <pc:docMk/>
+            <pc:sldMk cId="1239683755" sldId="256"/>
+            <ac:spMk id="2" creationId="{93C4E60A-3A5F-264E-AB10-75A57D7901AE}"/>
+          </ac:spMkLst>
+        </pc:spChg>
+        <pc:spChg chg="mod">
+          <ac:chgData name="GONZALEZ JUAREZ, EDGAR RANULFO" userId="S::nt704044@iteso.mx::45deb683-0a65-4bbe-a65f-f6aadfab4d5b" providerId="AD" clId="Web-{6582AE36-033B-4B1A-8C12-427885293D41}" dt="2020-02-24T16:20:57.729" v="20" actId="1076"/>
+          <ac:spMkLst>
+            <pc:docMk/>
+            <pc:sldMk cId="1239683755" sldId="256"/>
+            <ac:spMk id="3" creationId="{7ED6CC36-57EC-D147-BB46-47E14D976AE5}"/>
+          </ac:spMkLst>
+        </pc:spChg>
+        <pc:picChg chg="mod">
+          <ac:chgData name="GONZALEZ JUAREZ, EDGAR RANULFO" userId="S::nt704044@iteso.mx::45deb683-0a65-4bbe-a65f-f6aadfab4d5b" providerId="AD" clId="Web-{6582AE36-033B-4B1A-8C12-427885293D41}" dt="2020-02-24T16:19:46.729" v="1" actId="1076"/>
+          <ac:picMkLst>
+            <pc:docMk/>
+            <pc:sldMk cId="1239683755" sldId="256"/>
+            <ac:picMk id="5" creationId="{C5E48ABA-84D1-234C-B69A-ADE7F92A09BD}"/>
+          </ac:picMkLst>
+        </pc:picChg>
+        <pc:picChg chg="mod">
+          <ac:chgData name="GONZALEZ JUAREZ, EDGAR RANULFO" userId="S::nt704044@iteso.mx::45deb683-0a65-4bbe-a65f-f6aadfab4d5b" providerId="AD" clId="Web-{6582AE36-033B-4B1A-8C12-427885293D41}" dt="2020-02-24T16:20:51.182" v="19" actId="1076"/>
+          <ac:picMkLst>
+            <pc:docMk/>
+            <pc:sldMk cId="1239683755" sldId="256"/>
+            <ac:picMk id="7" creationId="{6D349698-91B3-7A40-80D0-4F6ADD69B816}"/>
+          </ac:picMkLst>
+        </pc:picChg>
+      </pc:sldChg>
+      <pc:sldChg chg="modSp">
+        <pc:chgData name="GONZALEZ JUAREZ, EDGAR RANULFO" userId="S::nt704044@iteso.mx::45deb683-0a65-4bbe-a65f-f6aadfab4d5b" providerId="AD" clId="Web-{6582AE36-033B-4B1A-8C12-427885293D41}" dt="2020-02-24T18:35:15.529" v="542" actId="20577"/>
+        <pc:sldMkLst>
+          <pc:docMk/>
+          <pc:sldMk cId="1458668643" sldId="257"/>
+        </pc:sldMkLst>
+        <pc:spChg chg="mod">
+          <ac:chgData name="GONZALEZ JUAREZ, EDGAR RANULFO" userId="S::nt704044@iteso.mx::45deb683-0a65-4bbe-a65f-f6aadfab4d5b" providerId="AD" clId="Web-{6582AE36-033B-4B1A-8C12-427885293D41}" dt="2020-02-24T18:35:15.529" v="542" actId="20577"/>
+          <ac:spMkLst>
+            <pc:docMk/>
+            <pc:sldMk cId="1458668643" sldId="257"/>
+            <ac:spMk id="3" creationId="{CCB46432-8AFB-3A4E-BFD7-7719BB31E943}"/>
+          </ac:spMkLst>
+        </pc:spChg>
+      </pc:sldChg>
+      <pc:sldChg chg="modSp">
+        <pc:chgData name="GONZALEZ JUAREZ, EDGAR RANULFO" userId="S::nt704044@iteso.mx::45deb683-0a65-4bbe-a65f-f6aadfab4d5b" providerId="AD" clId="Web-{6582AE36-033B-4B1A-8C12-427885293D41}" dt="2020-02-24T16:27:45.324" v="141" actId="14100"/>
+        <pc:sldMkLst>
+          <pc:docMk/>
+          <pc:sldMk cId="2945647010" sldId="258"/>
+        </pc:sldMkLst>
+        <pc:spChg chg="mod">
+          <ac:chgData name="GONZALEZ JUAREZ, EDGAR RANULFO" userId="S::nt704044@iteso.mx::45deb683-0a65-4bbe-a65f-f6aadfab4d5b" providerId="AD" clId="Web-{6582AE36-033B-4B1A-8C12-427885293D41}" dt="2020-02-24T16:27:45.324" v="141" actId="14100"/>
+          <ac:spMkLst>
+            <pc:docMk/>
+            <pc:sldMk cId="2945647010" sldId="258"/>
+            <ac:spMk id="3" creationId="{AF4555AA-EF74-0749-BCE6-2B73EA7879F7}"/>
+          </ac:spMkLst>
+        </pc:spChg>
+      </pc:sldChg>
+      <pc:sldChg chg="delSp modSp new">
+        <pc:chgData name="GONZALEZ JUAREZ, EDGAR RANULFO" userId="S::nt704044@iteso.mx::45deb683-0a65-4bbe-a65f-f6aadfab4d5b" providerId="AD" clId="Web-{6582AE36-033B-4B1A-8C12-427885293D41}" dt="2020-02-24T16:30:15.075" v="214" actId="20577"/>
+        <pc:sldMkLst>
+          <pc:docMk/>
+          <pc:sldMk cId="3818088132" sldId="262"/>
+        </pc:sldMkLst>
+        <pc:spChg chg="del">
+          <ac:chgData name="GONZALEZ JUAREZ, EDGAR RANULFO" userId="S::nt704044@iteso.mx::45deb683-0a65-4bbe-a65f-f6aadfab4d5b" providerId="AD" clId="Web-{6582AE36-033B-4B1A-8C12-427885293D41}" dt="2020-02-24T16:28:35.387" v="146"/>
+          <ac:spMkLst>
+            <pc:docMk/>
+            <pc:sldMk cId="3818088132" sldId="262"/>
+            <ac:spMk id="2" creationId="{CC686DCB-348D-431C-9D19-96B7A3C69563}"/>
+          </ac:spMkLst>
+        </pc:spChg>
+        <pc:spChg chg="mod">
+          <ac:chgData name="GONZALEZ JUAREZ, EDGAR RANULFO" userId="S::nt704044@iteso.mx::45deb683-0a65-4bbe-a65f-f6aadfab4d5b" providerId="AD" clId="Web-{6582AE36-033B-4B1A-8C12-427885293D41}" dt="2020-02-24T16:30:15.075" v="214" actId="20577"/>
+          <ac:spMkLst>
+            <pc:docMk/>
+            <pc:sldMk cId="3818088132" sldId="262"/>
+            <ac:spMk id="3" creationId="{2A477AE5-FD09-4D19-9E7E-C43AE5B9D0CB}"/>
+          </ac:spMkLst>
+        </pc:spChg>
+        <pc:spChg chg="mod">
+          <ac:chgData name="GONZALEZ JUAREZ, EDGAR RANULFO" userId="S::nt704044@iteso.mx::45deb683-0a65-4bbe-a65f-f6aadfab4d5b" providerId="AD" clId="Web-{6582AE36-033B-4B1A-8C12-427885293D41}" dt="2020-02-24T16:29:26.840" v="181" actId="20577"/>
+          <ac:spMkLst>
+            <pc:docMk/>
+            <pc:sldMk cId="3818088132" sldId="262"/>
+            <ac:spMk id="4" creationId="{E34448EB-ED9C-4904-ABC2-94D5AF429258}"/>
+          </ac:spMkLst>
+        </pc:spChg>
+        <pc:spChg chg="mod">
+          <ac:chgData name="GONZALEZ JUAREZ, EDGAR RANULFO" userId="S::nt704044@iteso.mx::45deb683-0a65-4bbe-a65f-f6aadfab4d5b" providerId="AD" clId="Web-{6582AE36-033B-4B1A-8C12-427885293D41}" dt="2020-02-24T16:30:12.465" v="211" actId="20577"/>
+          <ac:spMkLst>
+            <pc:docMk/>
+            <pc:sldMk cId="3818088132" sldId="262"/>
+            <ac:spMk id="5" creationId="{1A2A1A13-FCFF-4363-BA77-5FA08F76E97F}"/>
+          </ac:spMkLst>
+        </pc:spChg>
+        <pc:spChg chg="mod">
+          <ac:chgData name="GONZALEZ JUAREZ, EDGAR RANULFO" userId="S::nt704044@iteso.mx::45deb683-0a65-4bbe-a65f-f6aadfab4d5b" providerId="AD" clId="Web-{6582AE36-033B-4B1A-8C12-427885293D41}" dt="2020-02-24T16:30:06.028" v="207" actId="20577"/>
+          <ac:spMkLst>
+            <pc:docMk/>
+            <pc:sldMk cId="3818088132" sldId="262"/>
+            <ac:spMk id="6" creationId="{EB05B71B-7EE4-49BD-8966-B9694FDCB43C}"/>
+          </ac:spMkLst>
+        </pc:spChg>
+      </pc:sldChg>
+    </pc:docChg>
+  </pc:docChgLst>
+  <pc:docChgLst>
+    <pc:chgData name="FLORES OROZCO, OSCAR ALFONSO" userId="S::if710183@iteso.mx::cbabab3f-5c82-4661-a2f0-f7108694391b" providerId="AD" clId="Web-{E59C1276-5FD0-61AE-769B-848DA01AAB92}"/>
+    <pc:docChg chg="modSld">
+      <pc:chgData name="FLORES OROZCO, OSCAR ALFONSO" userId="S::if710183@iteso.mx::cbabab3f-5c82-4661-a2f0-f7108694391b" providerId="AD" clId="Web-{E59C1276-5FD0-61AE-769B-848DA01AAB92}" dt="2020-02-25T02:57:36.683" v="53" actId="20577"/>
+      <pc:docMkLst>
+        <pc:docMk/>
+      </pc:docMkLst>
+      <pc:sldChg chg="modSp">
+        <pc:chgData name="FLORES OROZCO, OSCAR ALFONSO" userId="S::if710183@iteso.mx::cbabab3f-5c82-4661-a2f0-f7108694391b" providerId="AD" clId="Web-{E59C1276-5FD0-61AE-769B-848DA01AAB92}" dt="2020-02-25T02:57:36.683" v="53" actId="20577"/>
+        <pc:sldMkLst>
+          <pc:docMk/>
+          <pc:sldMk cId="3605588211" sldId="259"/>
+        </pc:sldMkLst>
+        <pc:graphicFrameChg chg="modGraphic">
+          <ac:chgData name="FLORES OROZCO, OSCAR ALFONSO" userId="S::if710183@iteso.mx::cbabab3f-5c82-4661-a2f0-f7108694391b" providerId="AD" clId="Web-{E59C1276-5FD0-61AE-769B-848DA01AAB92}" dt="2020-02-25T02:57:36.683" v="53" actId="20577"/>
+          <ac:graphicFrameMkLst>
+            <pc:docMk/>
+            <pc:sldMk cId="3605588211" sldId="259"/>
+            <ac:graphicFrameMk id="8" creationId="{A315780E-96C6-45E6-BB07-CA0C2121F690}"/>
+          </ac:graphicFrameMkLst>
+        </pc:graphicFrameChg>
+      </pc:sldChg>
+    </pc:docChg>
+  </pc:docChgLst>
+  <pc:docChgLst>
+    <pc:chgData name="GONZALEZ JUAREZ, EDGAR RANULFO" userId="S::nt704044@iteso.mx::45deb683-0a65-4bbe-a65f-f6aadfab4d5b" providerId="AD" clId="Web-{FA168CE2-0FEE-4A9B-95D6-2C6CDEA862C4}"/>
+    <pc:docChg chg="modSld">
+      <pc:chgData name="GONZALEZ JUAREZ, EDGAR RANULFO" userId="S::nt704044@iteso.mx::45deb683-0a65-4bbe-a65f-f6aadfab4d5b" providerId="AD" clId="Web-{FA168CE2-0FEE-4A9B-95D6-2C6CDEA862C4}" dt="2020-02-24T15:29:21.571" v="1" actId="20577"/>
+      <pc:docMkLst>
+        <pc:docMk/>
+      </pc:docMkLst>
+      <pc:sldChg chg="modSp">
+        <pc:chgData name="GONZALEZ JUAREZ, EDGAR RANULFO" userId="S::nt704044@iteso.mx::45deb683-0a65-4bbe-a65f-f6aadfab4d5b" providerId="AD" clId="Web-{FA168CE2-0FEE-4A9B-95D6-2C6CDEA862C4}" dt="2020-02-24T15:29:21.571" v="1" actId="20577"/>
+        <pc:sldMkLst>
+          <pc:docMk/>
+          <pc:sldMk cId="1239683755" sldId="256"/>
+        </pc:sldMkLst>
+        <pc:spChg chg="mod">
+          <ac:chgData name="GONZALEZ JUAREZ, EDGAR RANULFO" userId="S::nt704044@iteso.mx::45deb683-0a65-4bbe-a65f-f6aadfab4d5b" providerId="AD" clId="Web-{FA168CE2-0FEE-4A9B-95D6-2C6CDEA862C4}" dt="2020-02-24T15:29:21.571" v="1" actId="20577"/>
+          <ac:spMkLst>
+            <pc:docMk/>
+            <pc:sldMk cId="1239683755" sldId="256"/>
+            <ac:spMk id="2" creationId="{93C4E60A-3A5F-264E-AB10-75A57D7901AE}"/>
+          </ac:spMkLst>
+        </pc:spChg>
+      </pc:sldChg>
+    </pc:docChg>
+  </pc:docChgLst>
+  <pc:docChgLst>
+    <pc:chgData name="FLORES OROZCO, OSCAR ALFONSO" userId="S::if710183@iteso.mx::cbabab3f-5c82-4661-a2f0-f7108694391b" providerId="AD" clId="Web-{B28695C3-3ED9-15CC-06B2-3C2097CB54FA}"/>
+    <pc:docChg chg="modSld">
+      <pc:chgData name="FLORES OROZCO, OSCAR ALFONSO" userId="S::if710183@iteso.mx::cbabab3f-5c82-4661-a2f0-f7108694391b" providerId="AD" clId="Web-{B28695C3-3ED9-15CC-06B2-3C2097CB54FA}" dt="2020-02-24T19:35:20.789" v="424" actId="14100"/>
+      <pc:docMkLst>
+        <pc:docMk/>
+      </pc:docMkLst>
+      <pc:sldChg chg="modSp">
+        <pc:chgData name="FLORES OROZCO, OSCAR ALFONSO" userId="S::if710183@iteso.mx::cbabab3f-5c82-4661-a2f0-f7108694391b" providerId="AD" clId="Web-{B28695C3-3ED9-15CC-06B2-3C2097CB54FA}" dt="2020-02-24T19:24:50.838" v="66" actId="20577"/>
+        <pc:sldMkLst>
+          <pc:docMk/>
+          <pc:sldMk cId="1239683755" sldId="256"/>
+        </pc:sldMkLst>
+        <pc:spChg chg="mod">
+          <ac:chgData name="FLORES OROZCO, OSCAR ALFONSO" userId="S::if710183@iteso.mx::cbabab3f-5c82-4661-a2f0-f7108694391b" providerId="AD" clId="Web-{B28695C3-3ED9-15CC-06B2-3C2097CB54FA}" dt="2020-02-24T19:24:50.838" v="66" actId="20577"/>
+          <ac:spMkLst>
+            <pc:docMk/>
+            <pc:sldMk cId="1239683755" sldId="256"/>
+            <ac:spMk id="3" creationId="{7ED6CC36-57EC-D147-BB46-47E14D976AE5}"/>
+          </ac:spMkLst>
+        </pc:spChg>
+      </pc:sldChg>
+      <pc:sldChg chg="addSp modSp">
+        <pc:chgData name="FLORES OROZCO, OSCAR ALFONSO" userId="S::if710183@iteso.mx::cbabab3f-5c82-4661-a2f0-f7108694391b" providerId="AD" clId="Web-{B28695C3-3ED9-15CC-06B2-3C2097CB54FA}" dt="2020-02-24T19:24:32.588" v="51"/>
+        <pc:sldMkLst>
+          <pc:docMk/>
+          <pc:sldMk cId="1458668643" sldId="257"/>
+        </pc:sldMkLst>
+        <pc:spChg chg="mod">
+          <ac:chgData name="FLORES OROZCO, OSCAR ALFONSO" userId="S::if710183@iteso.mx::cbabab3f-5c82-4661-a2f0-f7108694391b" providerId="AD" clId="Web-{B28695C3-3ED9-15CC-06B2-3C2097CB54FA}" dt="2020-02-24T19:23:16.057" v="43" actId="20577"/>
+          <ac:spMkLst>
+            <pc:docMk/>
+            <pc:sldMk cId="1458668643" sldId="257"/>
+            <ac:spMk id="3" creationId="{CCB46432-8AFB-3A4E-BFD7-7719BB31E943}"/>
+          </ac:spMkLst>
+        </pc:spChg>
+        <pc:picChg chg="add">
+          <ac:chgData name="FLORES OROZCO, OSCAR ALFONSO" userId="S::if710183@iteso.mx::cbabab3f-5c82-4661-a2f0-f7108694391b" providerId="AD" clId="Web-{B28695C3-3ED9-15CC-06B2-3C2097CB54FA}" dt="2020-02-24T19:24:32.572" v="50"/>
+          <ac:picMkLst>
+            <pc:docMk/>
+            <pc:sldMk cId="1458668643" sldId="257"/>
+            <ac:picMk id="5" creationId="{481C41DF-0FB3-42C2-BE9C-7350CBDE9BC9}"/>
+          </ac:picMkLst>
+        </pc:picChg>
+        <pc:picChg chg="add">
+          <ac:chgData name="FLORES OROZCO, OSCAR ALFONSO" userId="S::if710183@iteso.mx::cbabab3f-5c82-4661-a2f0-f7108694391b" providerId="AD" clId="Web-{B28695C3-3ED9-15CC-06B2-3C2097CB54FA}" dt="2020-02-24T19:24:32.588" v="51"/>
+          <ac:picMkLst>
+            <pc:docMk/>
+            <pc:sldMk cId="1458668643" sldId="257"/>
+            <ac:picMk id="7" creationId="{49776C3A-1300-4DBF-97D3-0947213A0381}"/>
+          </ac:picMkLst>
+        </pc:picChg>
+      </pc:sldChg>
+      <pc:sldChg chg="addSp modSp">
+        <pc:chgData name="FLORES OROZCO, OSCAR ALFONSO" userId="S::if710183@iteso.mx::cbabab3f-5c82-4661-a2f0-f7108694391b" providerId="AD" clId="Web-{B28695C3-3ED9-15CC-06B2-3C2097CB54FA}" dt="2020-02-24T19:35:10.414" v="421" actId="20577"/>
+        <pc:sldMkLst>
+          <pc:docMk/>
+          <pc:sldMk cId="2945647010" sldId="258"/>
+        </pc:sldMkLst>
+        <pc:spChg chg="mod">
+          <ac:chgData name="FLORES OROZCO, OSCAR ALFONSO" userId="S::if710183@iteso.mx::cbabab3f-5c82-4661-a2f0-f7108694391b" providerId="AD" clId="Web-{B28695C3-3ED9-15CC-06B2-3C2097CB54FA}" dt="2020-02-24T19:35:10.414" v="421" actId="20577"/>
+          <ac:spMkLst>
+            <pc:docMk/>
+            <pc:sldMk cId="2945647010" sldId="258"/>
+            <ac:spMk id="3" creationId="{AF4555AA-EF74-0749-BCE6-2B73EA7879F7}"/>
+          </ac:spMkLst>
+        </pc:spChg>
+        <pc:picChg chg="add">
+          <ac:chgData name="FLORES OROZCO, OSCAR ALFONSO" userId="S::if710183@iteso.mx::cbabab3f-5c82-4661-a2f0-f7108694391b" providerId="AD" clId="Web-{B28695C3-3ED9-15CC-06B2-3C2097CB54FA}" dt="2020-02-24T19:24:32.947" v="52"/>
+          <ac:picMkLst>
+            <pc:docMk/>
+            <pc:sldMk cId="2945647010" sldId="258"/>
+            <ac:picMk id="5" creationId="{1A950990-A69E-4AB0-BF3C-8F45BB1215C7}"/>
+          </ac:picMkLst>
+        </pc:picChg>
+        <pc:picChg chg="add">
+          <ac:chgData name="FLORES OROZCO, OSCAR ALFONSO" userId="S::if710183@iteso.mx::cbabab3f-5c82-4661-a2f0-f7108694391b" providerId="AD" clId="Web-{B28695C3-3ED9-15CC-06B2-3C2097CB54FA}" dt="2020-02-24T19:24:32.963" v="53"/>
+          <ac:picMkLst>
+            <pc:docMk/>
+            <pc:sldMk cId="2945647010" sldId="258"/>
+            <ac:picMk id="7" creationId="{360D90BB-B8FD-44C7-9514-3B318237E9CA}"/>
+          </ac:picMkLst>
+        </pc:picChg>
+      </pc:sldChg>
+      <pc:sldChg chg="addSp delSp modSp">
+        <pc:chgData name="FLORES OROZCO, OSCAR ALFONSO" userId="S::if710183@iteso.mx::cbabab3f-5c82-4661-a2f0-f7108694391b" providerId="AD" clId="Web-{B28695C3-3ED9-15CC-06B2-3C2097CB54FA}" dt="2020-02-24T19:35:20.789" v="424" actId="14100"/>
+        <pc:sldMkLst>
+          <pc:docMk/>
+          <pc:sldMk cId="3605588211" sldId="259"/>
+        </pc:sldMkLst>
+        <pc:spChg chg="del">
+          <ac:chgData name="FLORES OROZCO, OSCAR ALFONSO" userId="S::if710183@iteso.mx::cbabab3f-5c82-4661-a2f0-f7108694391b" providerId="AD" clId="Web-{B28695C3-3ED9-15CC-06B2-3C2097CB54FA}" dt="2020-02-24T19:27:24.806" v="113"/>
+          <ac:spMkLst>
+            <pc:docMk/>
+            <pc:sldMk cId="3605588211" sldId="259"/>
+            <ac:spMk id="3" creationId="{D8BBE944-B727-9340-9834-0F6A8961C821}"/>
+          </ac:spMkLst>
+        </pc:spChg>
+        <pc:graphicFrameChg chg="add mod modGraphic">
+          <ac:chgData name="FLORES OROZCO, OSCAR ALFONSO" userId="S::if710183@iteso.mx::cbabab3f-5c82-4661-a2f0-f7108694391b" providerId="AD" clId="Web-{B28695C3-3ED9-15CC-06B2-3C2097CB54FA}" dt="2020-02-24T19:35:20.789" v="424" actId="14100"/>
+          <ac:graphicFrameMkLst>
+            <pc:docMk/>
+            <pc:sldMk cId="3605588211" sldId="259"/>
+            <ac:graphicFrameMk id="8" creationId="{A315780E-96C6-45E6-BB07-CA0C2121F690}"/>
+          </ac:graphicFrameMkLst>
+        </pc:graphicFrameChg>
+        <pc:picChg chg="add">
+          <ac:chgData name="FLORES OROZCO, OSCAR ALFONSO" userId="S::if710183@iteso.mx::cbabab3f-5c82-4661-a2f0-f7108694391b" providerId="AD" clId="Web-{B28695C3-3ED9-15CC-06B2-3C2097CB54FA}" dt="2020-02-24T19:24:34.947" v="56"/>
+          <ac:picMkLst>
+            <pc:docMk/>
+            <pc:sldMk cId="3605588211" sldId="259"/>
+            <ac:picMk id="5" creationId="{4D3A1AFE-8A93-41E1-8C54-2BEECC1A9BD1}"/>
+          </ac:picMkLst>
+        </pc:picChg>
+        <pc:picChg chg="add">
+          <ac:chgData name="FLORES OROZCO, OSCAR ALFONSO" userId="S::if710183@iteso.mx::cbabab3f-5c82-4661-a2f0-f7108694391b" providerId="AD" clId="Web-{B28695C3-3ED9-15CC-06B2-3C2097CB54FA}" dt="2020-02-24T19:24:34.963" v="57"/>
+          <ac:picMkLst>
+            <pc:docMk/>
+            <pc:sldMk cId="3605588211" sldId="259"/>
+            <ac:picMk id="7" creationId="{290972E6-9D76-4601-A053-D24F5209DAEF}"/>
+          </ac:picMkLst>
+        </pc:picChg>
+      </pc:sldChg>
+      <pc:sldChg chg="addSp">
+        <pc:chgData name="FLORES OROZCO, OSCAR ALFONSO" userId="S::if710183@iteso.mx::cbabab3f-5c82-4661-a2f0-f7108694391b" providerId="AD" clId="Web-{B28695C3-3ED9-15CC-06B2-3C2097CB54FA}" dt="2020-02-24T19:24:35.400" v="59"/>
+        <pc:sldMkLst>
+          <pc:docMk/>
+          <pc:sldMk cId="2676257974" sldId="260"/>
+        </pc:sldMkLst>
+        <pc:picChg chg="add">
+          <ac:chgData name="FLORES OROZCO, OSCAR ALFONSO" userId="S::if710183@iteso.mx::cbabab3f-5c82-4661-a2f0-f7108694391b" providerId="AD" clId="Web-{B28695C3-3ED9-15CC-06B2-3C2097CB54FA}" dt="2020-02-24T19:24:35.385" v="58"/>
+          <ac:picMkLst>
+            <pc:docMk/>
+            <pc:sldMk cId="2676257974" sldId="260"/>
+            <ac:picMk id="5" creationId="{CAF2F1F8-A21F-422F-8A73-F4A903640A5C}"/>
+          </ac:picMkLst>
+        </pc:picChg>
+        <pc:picChg chg="add">
+          <ac:chgData name="FLORES OROZCO, OSCAR ALFONSO" userId="S::if710183@iteso.mx::cbabab3f-5c82-4661-a2f0-f7108694391b" providerId="AD" clId="Web-{B28695C3-3ED9-15CC-06B2-3C2097CB54FA}" dt="2020-02-24T19:24:35.400" v="59"/>
+          <ac:picMkLst>
+            <pc:docMk/>
+            <pc:sldMk cId="2676257974" sldId="260"/>
+            <ac:picMk id="7" creationId="{3F5EAE1F-54A6-405B-A768-101D97818E83}"/>
+          </ac:picMkLst>
+        </pc:picChg>
+      </pc:sldChg>
+      <pc:sldChg chg="addSp modSp">
+        <pc:chgData name="FLORES OROZCO, OSCAR ALFONSO" userId="S::if710183@iteso.mx::cbabab3f-5c82-4661-a2f0-f7108694391b" providerId="AD" clId="Web-{B28695C3-3ED9-15CC-06B2-3C2097CB54FA}" dt="2020-02-24T19:24:29.072" v="49" actId="1076"/>
+        <pc:sldMkLst>
+          <pc:docMk/>
+          <pc:sldMk cId="1361925305" sldId="261"/>
+        </pc:sldMkLst>
+        <pc:picChg chg="add mod">
+          <ac:chgData name="FLORES OROZCO, OSCAR ALFONSO" userId="S::if710183@iteso.mx::cbabab3f-5c82-4661-a2f0-f7108694391b" providerId="AD" clId="Web-{B28695C3-3ED9-15CC-06B2-3C2097CB54FA}" dt="2020-02-24T19:24:26.494" v="48" actId="1076"/>
+          <ac:picMkLst>
+            <pc:docMk/>
+            <pc:sldMk cId="1361925305" sldId="261"/>
+            <ac:picMk id="4" creationId="{00604345-A6C6-4EAD-8B66-4EC594AB146A}"/>
+          </ac:picMkLst>
+        </pc:picChg>
+        <pc:picChg chg="add mod">
+          <ac:chgData name="FLORES OROZCO, OSCAR ALFONSO" userId="S::if710183@iteso.mx::cbabab3f-5c82-4661-a2f0-f7108694391b" providerId="AD" clId="Web-{B28695C3-3ED9-15CC-06B2-3C2097CB54FA}" dt="2020-02-24T19:24:29.072" v="49" actId="1076"/>
+          <ac:picMkLst>
+            <pc:docMk/>
+            <pc:sldMk cId="1361925305" sldId="261"/>
+            <ac:picMk id="6" creationId="{6211E18F-CFB7-44FB-97C5-F8EABF18677D}"/>
+          </ac:picMkLst>
+        </pc:picChg>
+      </pc:sldChg>
+      <pc:sldChg chg="addSp">
+        <pc:chgData name="FLORES OROZCO, OSCAR ALFONSO" userId="S::if710183@iteso.mx::cbabab3f-5c82-4661-a2f0-f7108694391b" providerId="AD" clId="Web-{B28695C3-3ED9-15CC-06B2-3C2097CB54FA}" dt="2020-02-24T19:24:33.354" v="55"/>
+        <pc:sldMkLst>
+          <pc:docMk/>
+          <pc:sldMk cId="3818088132" sldId="262"/>
+        </pc:sldMkLst>
+        <pc:picChg chg="add">
+          <ac:chgData name="FLORES OROZCO, OSCAR ALFONSO" userId="S::if710183@iteso.mx::cbabab3f-5c82-4661-a2f0-f7108694391b" providerId="AD" clId="Web-{B28695C3-3ED9-15CC-06B2-3C2097CB54FA}" dt="2020-02-24T19:24:33.338" v="54"/>
+          <ac:picMkLst>
+            <pc:docMk/>
+            <pc:sldMk cId="3818088132" sldId="262"/>
+            <ac:picMk id="2" creationId="{AA623E9B-1EF0-4F5C-A46C-717F5D2EDBF5}"/>
+          </ac:picMkLst>
+        </pc:picChg>
+        <pc:picChg chg="add">
+          <ac:chgData name="FLORES OROZCO, OSCAR ALFONSO" userId="S::if710183@iteso.mx::cbabab3f-5c82-4661-a2f0-f7108694391b" providerId="AD" clId="Web-{B28695C3-3ED9-15CC-06B2-3C2097CB54FA}" dt="2020-02-24T19:24:33.354" v="55"/>
+          <ac:picMkLst>
+            <pc:docMk/>
+            <pc:sldMk cId="3818088132" sldId="262"/>
+            <ac:picMk id="9" creationId="{852F08FA-1D98-44CC-8DCC-B695175CDBAE}"/>
+          </ac:picMkLst>
+        </pc:picChg>
+      </pc:sldChg>
+    </pc:docChg>
+  </pc:docChgLst>
+</pc:chgInfo>
+</file>
+
+<file path=ppt/diagrams/colors1.xml><?xml version="1.0" encoding="utf-8"?>
+<dgm:colorsDef xmlns:dgm="http://schemas.openxmlformats.org/drawingml/2006/diagram" xmlns:a="http://schemas.openxmlformats.org/drawingml/2006/main" uniqueId="urn:microsoft.com/office/officeart/2005/8/colors/accent0_3">
+  <dgm:title val=""/>
+  <dgm:desc val=""/>
+  <dgm:catLst>
+    <dgm:cat type="mainScheme" pri="10300"/>
+  </dgm:catLst>
+  <dgm:styleLbl name="node0">
+    <dgm:fillClrLst meth="repeat">
+      <a:schemeClr val="dk2"/>
+    </dgm:fillClrLst>
+    <dgm:linClrLst meth="repeat">
+      <a:schemeClr val="lt2"/>
+    </dgm:linClrLst>
+    <dgm:effectClrLst/>
+    <dgm:txLinClrLst/>
+    <dgm:txFillClrLst/>
+    <dgm:txEffectClrLst/>
+  </dgm:styleLbl>
+  <dgm:styleLbl name="alignNode1">
+    <dgm:fillClrLst meth="repeat">
+      <a:schemeClr val="dk2"/>
+    </dgm:fillClrLst>
+    <dgm:linClrLst meth="repeat">
+      <a:schemeClr val="dk2"/>
+    </dgm:linClrLst>
+    <dgm:effectClrLst/>
+    <dgm:txLinClrLst/>
+    <dgm:txFillClrLst/>
+    <dgm:txEffectClrLst/>
+  </dgm:styleLbl>
+  <dgm:styleLbl name="node1">
+    <dgm:fillClrLst meth="repeat">
+      <a:schemeClr val="dk2"/>
+    </dgm:fillClrLst>
+    <dgm:linClrLst meth="repeat">
+      <a:schemeClr val="lt2"/>
+    </dgm:linClrLst>
+    <dgm:effectClrLst/>
+    <dgm:txLinClrLst/>
+    <dgm:txFillClrLst/>
+    <dgm:txEffectClrLst/>
+  </dgm:styleLbl>
+  <dgm:styleLbl name="lnNode1">
+    <dgm:fillClrLst meth="repeat">
+      <a:schemeClr val="dk2"/>
+    </dgm:fillClrLst>
+    <dgm:linClrLst meth="repeat">
+      <a:schemeClr val="lt2"/>
+    </dgm:linClrLst>
+    <dgm:effectClrLst/>
+    <dgm:txLinClrLst/>
+    <dgm:txFillClrLst/>
+    <dgm:txEffectClrLst/>
+  </dgm:styleLbl>
+  <dgm:styleLbl name="vennNode1">
+    <dgm:fillClrLst meth="repeat">
+      <a:schemeClr val="dk2">
+        <a:alpha val="50000"/>
+      </a:schemeClr>
+    </dgm:fillClrLst>
+    <dgm:linClrLst meth="repeat">
+      <a:schemeClr val="lt2"/>
+    </dgm:linClrLst>
+    <dgm:effectClrLst/>
+    <dgm:txLinClrLst/>
+    <dgm:txFillClrLst/>
+    <dgm:txEffectClrLst/>
+  </dgm:styleLbl>
+  <dgm:styleLbl name="node2">
+    <dgm:fillClrLst meth="repeat">
+      <a:schemeClr val="dk2"/>
+    </dgm:fillClrLst>
+    <dgm:linClrLst meth="repeat">
+      <a:schemeClr val="lt2"/>
+    </dgm:linClrLst>
+    <dgm:effectClrLst/>
+    <dgm:txLinClrLst/>
+    <dgm:txFillClrLst/>
+    <dgm:txEffectClrLst/>
+  </dgm:styleLbl>
+  <dgm:styleLbl name="node3">
+    <dgm:fillClrLst meth="repeat">
+      <a:schemeClr val="dk2"/>
+    </dgm:fillClrLst>
+    <dgm:linClrLst meth="repeat">
+      <a:schemeClr val="lt2"/>
+    </dgm:linClrLst>
+    <dgm:effectClrLst/>
+    <dgm:txLinClrLst/>
+    <dgm:txFillClrLst/>
+    <dgm:txEffectClrLst/>
+  </dgm:styleLbl>
+  <dgm:styleLbl name="node4">
+    <dgm:fillClrLst meth="repeat">
+      <a:schemeClr val="dk2"/>
+    </dgm:fillClrLst>
+    <dgm:linClrLst meth="repeat">
+      <a:schemeClr val="lt2"/>
+    </dgm:linClrLst>
+    <dgm:effectClrLst/>
+    <dgm:txLinClrLst/>
+    <dgm:txFillClrLst/>
+    <dgm:txEffectClrLst/>
+  </dgm:styleLbl>
+  <dgm:styleLbl name="fgImgPlace1">
+    <dgm:fillClrLst meth="repeat">
+      <a:schemeClr val="dk2">
+        <a:tint val="50000"/>
+      </a:schemeClr>
+    </dgm:fillClrLst>
+    <dgm:linClrLst meth="repeat">
+      <a:schemeClr val="lt2"/>
+    </dgm:linClrLst>
+    <dgm:effectClrLst/>
+    <dgm:txLinClrLst/>
+    <dgm:txFillClrLst meth="repeat">
+      <a:schemeClr val="lt2"/>
+    </dgm:txFillClrLst>
+    <dgm:txEffectClrLst/>
+  </dgm:styleLbl>
+  <dgm:styleLbl name="alignImgPlace1">
+    <dgm:fillClrLst meth="repeat">
+      <a:schemeClr val="dk2">
+        <a:tint val="50000"/>
+      </a:schemeClr>
+    </dgm:fillClrLst>
+    <dgm:linClrLst meth="repeat">
+      <a:schemeClr val="dk2">
+        <a:shade val="80000"/>
+      </a:schemeClr>
+    </dgm:linClrLst>
+    <dgm:effectClrLst/>
+    <dgm:txLinClrLst/>
+    <dgm:txFillClrLst meth="repeat">
+      <a:schemeClr val="lt2"/>
+    </dgm:txFillClrLst>
+    <dgm:txEffectClrLst/>
+  </dgm:styleLbl>
+  <dgm:styleLbl name="bgImgPlace1">
+    <dgm:fillClrLst meth="repeat">
+      <a:schemeClr val="dk2">
+        <a:tint val="50000"/>
+      </a:schemeClr>
+    </dgm:fillClrLst>
+    <dgm:linClrLst meth="repeat">
+      <a:schemeClr val="dk2">
+        <a:shade val="80000"/>
+      </a:schemeClr>
+    </dgm:linClrLst>
+    <dgm:effectClrLst/>
+    <dgm:txLinClrLst/>
+    <dgm:txFillClrLst meth="repeat">
+      <a:schemeClr val="lt2"/>
+    </dgm:txFillClrLst>
+    <dgm:txEffectClrLst/>
+  </dgm:styleLbl>
+  <dgm:styleLbl name="sibTrans2D1">
+    <dgm:fillClrLst meth="repeat">
+      <a:schemeClr val="dk2">
+        <a:tint val="60000"/>
+      </a:schemeClr>
+    </dgm:fillClrLst>
+    <dgm:linClrLst meth="repeat">
+      <a:schemeClr val="dk2">
+        <a:tint val="60000"/>
+      </a:schemeClr>
+    </dgm:linClrLst>
+    <dgm:effectClrLst/>
+    <dgm:txLinClrLst/>
+    <dgm:txFillClrLst/>
+    <dgm:txEffectClrLst/>
+  </dgm:styleLbl>
+  <dgm:styleLbl name="fgSibTrans2D1">
+    <dgm:fillClrLst meth="repeat">
+      <a:schemeClr val="dk2">
+        <a:tint val="60000"/>
+      </a:schemeClr>
+    </dgm:fillClrLst>
+    <dgm:linClrLst meth="repeat">
+      <a:schemeClr val="dk2">
+        <a:tint val="60000"/>
+      </a:schemeClr>
+    </dgm:linClrLst>
+    <dgm:effectClrLst/>
+    <dgm:txLinClrLst/>
+    <dgm:txFillClrLst/>
+    <dgm:txEffectClrLst/>
+  </dgm:styleLbl>
+  <dgm:styleLbl name="bgSibTrans2D1">
+    <dgm:fillClrLst meth="repeat">
+      <a:schemeClr val="dk2">
+        <a:tint val="60000"/>
+      </a:schemeClr>
+    </dgm:fillClrLst>
+    <dgm:linClrLst meth="repeat">
+      <a:schemeClr val="dk2">
+        <a:tint val="60000"/>
+      </a:schemeClr>
+    </dgm:linClrLst>
+    <dgm:effectClrLst/>
+    <dgm:txLinClrLst/>
+    <dgm:txFillClrLst/>
+    <dgm:txEffectClrLst/>
+  </dgm:styleLbl>
+  <dgm:styleLbl name="sibTrans1D1">
+    <dgm:fillClrLst meth="repeat">
+      <a:schemeClr val="dk2"/>
+    </dgm:fillClrLst>
+    <dgm:linClrLst meth="repeat">
+      <a:schemeClr val="dk2"/>
+    </dgm:linClrLst>
+    <dgm:effectClrLst/>
+    <dgm:txLinClrLst/>
+    <dgm:txFillClrLst meth="repeat">
+      <a:schemeClr val="lt2"/>
+    </dgm:txFillClrLst>
+    <dgm:txEffectClrLst/>
+  </dgm:styleLbl>
+  <dgm:styleLbl name="callout">
+    <dgm:fillClrLst meth="repeat">
+      <a:schemeClr val="dk2"/>
+    </dgm:fillClrLst>
+    <dgm:linClrLst meth="repeat">
+      <a:schemeClr val="dk2">
+        <a:tint val="50000"/>
+      </a:schemeClr>
+    </dgm:linClrLst>
+    <dgm:effectClrLst/>
+    <dgm:txLinClrLst/>
+    <dgm:txFillClrLst meth="repeat">
+      <a:schemeClr val="lt2"/>
+    </dgm:txFillClrLst>
+    <dgm:txEffectClrLst/>
+  </dgm:styleLbl>
+  <dgm:styleLbl name="asst0">
+    <dgm:fillClrLst meth="repeat">
+      <a:schemeClr val="dk2"/>
+    </dgm:fillClrLst>
+    <dgm:linClrLst meth="repeat">
+      <a:schemeClr val="lt2"/>
+    </dgm:linClrLst>
+    <dgm:effectClrLst/>
+    <dgm:txLinClrLst/>
+    <dgm:txFillClrLst/>
+    <dgm:txEffectClrLst/>
+  </dgm:styleLbl>
+  <dgm:styleLbl name="asst1">
+    <dgm:fillClrLst meth="repeat">
+      <a:schemeClr val="dk2"/>
+    </dgm:fillClrLst>
+    <dgm:linClrLst meth="repeat">
+      <a:schemeClr val="lt2"/>
+    </dgm:linClrLst>
+    <dgm:effectClrLst/>
+    <dgm:txLinClrLst/>
+    <dgm:txFillClrLst/>
+    <dgm:txEffectClrLst/>
+  </dgm:styleLbl>
+  <dgm:styleLbl name="asst2">
+    <dgm:fillClrLst meth="repeat">
+      <a:schemeClr val="dk2"/>
+    </dgm:fillClrLst>
+    <dgm:linClrLst meth="repeat">
+      <a:schemeClr val="lt2"/>
+    </dgm:linClrLst>
+    <dgm:effectClrLst/>
+    <dgm:txLinClrLst/>
+    <dgm:txFillClrLst/>
+    <dgm:txEffectClrLst/>
+  </dgm:styleLbl>
+  <dgm:styleLbl name="asst3">
+    <dgm:fillClrLst meth="repeat">
+      <a:schemeClr val="dk2"/>
+    </dgm:fillClrLst>
+    <dgm:linClrLst meth="repeat">
+      <a:schemeClr val="lt2"/>
+    </dgm:linClrLst>
+    <dgm:effectClrLst/>
+    <dgm:txLinClrLst/>
+    <dgm:txFillClrLst/>
+    <dgm:txEffectClrLst/>
+  </dgm:styleLbl>
+  <dgm:styleLbl name="asst4">
+    <dgm:fillClrLst meth="repeat">
+      <a:schemeClr val="dk2"/>
+    </dgm:fillClrLst>
+    <dgm:linClrLst meth="repeat">
+      <a:schemeClr val="lt2"/>
+    </dgm:linClrLst>
+    <dgm:effectClrLst/>
+    <dgm:txLinClrLst/>
+    <dgm:txFillClrLst/>
+    <dgm:txEffectClrLst/>
+  </dgm:styleLbl>
+  <dgm:styleLbl name="parChTrans2D1">
+    <dgm:fillClrLst meth="repeat">
+      <a:schemeClr val="dk2">
+        <a:tint val="60000"/>
+      </a:schemeClr>
+    </dgm:fillClrLst>
+    <dgm:linClrLst meth="repeat">
+      <a:schemeClr val="dk2">
+        <a:tint val="60000"/>
+      </a:schemeClr>
+    </dgm:linClrLst>
+    <dgm:effectClrLst/>
+    <dgm:txLinClrLst/>
+    <dgm:txFillClrLst meth="repeat">
+      <a:schemeClr val="lt2"/>
+    </dgm:txFillClrLst>
+    <dgm:txEffectClrLst/>
+  </dgm:styleLbl>
+  <dgm:styleLbl name="parChTrans2D2">
+    <dgm:fillClrLst meth="repeat">
+      <a:schemeClr val="dk2"/>
+    </dgm:fillClrLst>
+    <dgm:linClrLst meth="repeat">
+      <a:schemeClr val="dk2"/>
+    </dgm:linClrLst>
+    <dgm:effectClrLst/>
+    <dgm:txLinClrLst/>
+    <dgm:txFillClrLst meth="repeat">
+      <a:schemeClr val="lt2"/>
+    </dgm:txFillClrLst>
+    <dgm:txEffectClrLst/>
+  </dgm:styleLbl>
+  <dgm:styleLbl name="parChTrans2D3">
+    <dgm:fillClrLst meth="repeat">
+      <a:schemeClr val="dk2"/>
+    </dgm:fillClrLst>
+    <dgm:linClrLst meth="repeat">
+      <a:schemeClr val="dk2"/>
+    </dgm:linClrLst>
+    <dgm:effectClrLst/>
+    <dgm:txLinClrLst/>
+    <dgm:txFillClrLst meth="repeat">
+      <a:schemeClr val="lt2"/>
+    </dgm:txFillClrLst>
+    <dgm:txEffectClrLst/>
+  </dgm:styleLbl>
+  <dgm:styleLbl name="parChTrans2D4">
+    <dgm:fillClrLst meth="repeat">
+      <a:schemeClr val="dk2"/>
+    </dgm:fillClrLst>
+    <dgm:linClrLst meth="repeat">
+      <a:schemeClr val="dk2"/>
+    </dgm:linClrLst>
+    <dgm:effectClrLst/>
+    <dgm:txLinClrLst/>
+    <dgm:txFillClrLst meth="repeat">
+      <a:schemeClr val="lt2"/>
+    </dgm:txFillClrLst>
+    <dgm:txEffectClrLst/>
+  </dgm:styleLbl>
+  <dgm:styleLbl name="parChTrans1D1">
+    <dgm:fillClrLst meth="repeat">
+      <a:schemeClr val="dk2"/>
+    </dgm:fillClrLst>
+    <dgm:linClrLst meth="repeat">
+      <a:schemeClr val="dk2">
+        <a:shade val="60000"/>
+      </a:schemeClr>
+    </dgm:linClrLst>
+    <dgm:effectClrLst/>
+    <dgm:txLinClrLst/>
+    <dgm:txFillClrLst meth="repeat">
+      <a:schemeClr val="tx1"/>
+    </dgm:txFillClrLst>
+    <dgm:txEffectClrLst/>
+  </dgm:styleLbl>
+  <dgm:styleLbl name="parChTrans1D2">
+    <dgm:fillClrLst meth="repeat">
+      <a:schemeClr val="dk2"/>
+    </dgm:fillClrLst>
+    <dgm:linClrLst meth="repeat">
+      <a:schemeClr val="dk2">
+        <a:shade val="60000"/>
+      </a:schemeClr>
+    </dgm:linClrLst>
+    <dgm:effectClrLst/>
+    <dgm:txLinClrLst/>
+    <dgm:txFillClrLst meth="repeat">
+      <a:schemeClr val="tx1"/>
+    </dgm:txFillClrLst>
+    <dgm:txEffectClrLst/>
+  </dgm:styleLbl>
+  <dgm:styleLbl name="parChTrans1D3">
+    <dgm:fillClrLst meth="repeat">
+      <a:schemeClr val="dk2"/>
+    </dgm:fillClrLst>
+    <dgm:linClrLst meth="repeat">
+      <a:schemeClr val="dk2">
+        <a:shade val="80000"/>
+      </a:schemeClr>
+    </dgm:linClrLst>
+    <dgm:effectClrLst/>
+    <dgm:txLinClrLst/>
+    <dgm:txFillClrLst meth="repeat">
+      <a:schemeClr val="tx1"/>
+    </dgm:txFillClrLst>
+    <dgm:txEffectClrLst/>
+  </dgm:styleLbl>
+  <dgm:styleLbl name="parChTrans1D4">
+    <dgm:fillClrLst meth="repeat">
+      <a:schemeClr val="dk2"/>
+    </dgm:fillClrLst>
+    <dgm:linClrLst meth="repeat">
+      <a:schemeClr val="dk2">
+        <a:shade val="80000"/>
+      </a:schemeClr>
+    </dgm:linClrLst>
+    <dgm:effectClrLst/>
+    <dgm:txLinClrLst/>
+    <dgm:txFillClrLst meth="repeat">
+      <a:schemeClr val="tx1"/>
+    </dgm:txFillClrLst>
+    <dgm:txEffectClrLst/>
+  </dgm:styleLbl>
+  <dgm:styleLbl name="fgAcc1">
+    <dgm:fillClrLst meth="repeat">
+      <a:schemeClr val="lt2">
+        <a:alpha val="90000"/>
+      </a:schemeClr>
+    </dgm:fillClrLst>
+    <dgm:linClrLst meth="repeat">
+      <a:schemeClr val="dk2"/>
+    </dgm:linClrLst>
+    <dgm:effectClrLst/>
+    <dgm:txLinClrLst/>
+    <dgm:txFillClrLst meth="repeat">
+      <a:schemeClr val="dk1"/>
+    </dgm:txFillClrLst>
+    <dgm:txEffectClrLst/>
+  </dgm:styleLbl>
+  <dgm:styleLbl name="conFgAcc1">
+    <dgm:fillClrLst meth="repeat">
+      <a:schemeClr val="lt2">
+        <a:alpha val="90000"/>
+      </a:schemeClr>
+    </dgm:fillClrLst>
+    <dgm:linClrLst meth="repeat">
+      <a:schemeClr val="dk2"/>
+    </dgm:linClrLst>
+    <dgm:effectClrLst/>
+    <dgm:txLinClrLst/>
+    <dgm:txFillClrLst meth="repeat">
+      <a:schemeClr val="dk1"/>
+    </dgm:txFillClrLst>
+    <dgm:txEffectClrLst/>
+  </dgm:styleLbl>
+  <dgm:styleLbl name="alignAcc1">
+    <dgm:fillClrLst meth="repeat">
+      <a:schemeClr val="lt2">
+        <a:alpha val="90000"/>
+      </a:schemeClr>
+    </dgm:fillClrLst>
+    <dgm:linClrLst meth="repeat">
+      <a:schemeClr val="dk2"/>
+    </dgm:linClrLst>
+    <dgm:effectClrLst/>
+    <dgm:txLinClrLst/>
+    <dgm:txFillClrLst meth="repeat">
+      <a:schemeClr val="dk1"/>
+    </dgm:txFillClrLst>
+    <dgm:txEffectClrLst/>
+  </dgm:styleLbl>
+  <dgm:styleLbl name="trAlignAcc1">
+    <dgm:fillClrLst meth="repeat">
+      <a:schemeClr val="lt2">
+        <a:alpha val="40000"/>
+      </a:schemeClr>
+    </dgm:fillClrLst>
+    <dgm:linClrLst meth="repeat">
+      <a:schemeClr val="dk2"/>
+    </dgm:linClrLst>
+    <dgm:effectClrLst/>
+    <dgm:txLinClrLst/>
+    <dgm:txFillClrLst meth="repeat">
+      <a:schemeClr val="dk1"/>
+    </dgm:txFillClrLst>
+    <dgm:txEffectClrLst/>
+  </dgm:styleLbl>
+  <dgm:styleLbl name="bgAcc1">
+    <dgm:fillClrLst meth="repeat">
+      <a:schemeClr val="lt2">
+        <a:alpha val="90000"/>
+      </a:schemeClr>
+    </dgm:fillClrLst>
+    <dgm:linClrLst meth="repeat">
+      <a:schemeClr val="dk2"/>
+    </dgm:linClrLst>
+    <dgm:effectClrLst/>
+    <dgm:txLinClrLst/>
+    <dgm:txFillClrLst meth="repeat">
+      <a:schemeClr val="dk1"/>
+    </dgm:txFillClrLst>
+    <dgm:txEffectClrLst/>
+  </dgm:styleLbl>
+  <dgm:styleLbl name="solidFgAcc1">
+    <dgm:fillClrLst meth="repeat">
+      <a:schemeClr val="lt2"/>
+    </dgm:fillClrLst>
+    <dgm:linClrLst meth="repeat">
+      <a:schemeClr val="dk2"/>
+    </dgm:linClrLst>
+    <dgm:effectClrLst/>
+    <dgm:txLinClrLst/>
+    <dgm:txFillClrLst meth="repeat">
+      <a:schemeClr val="dk1"/>
+    </dgm:txFillClrLst>
+    <dgm:txEffectClrLst/>
+  </dgm:styleLbl>
+  <dgm:styleLbl name="solidAlignAcc1">
+    <dgm:fillClrLst meth="repeat">
+      <a:schemeClr val="lt2"/>
+    </dgm:fillClrLst>
+    <dgm:linClrLst meth="repeat">
+      <a:schemeClr val="dk2"/>
+    </dgm:linClrLst>
+    <dgm:effectClrLst/>
+    <dgm:txLinClrLst/>
+    <dgm:txFillClrLst meth="repeat">
+      <a:schemeClr val="dk1"/>
+    </dgm:txFillClrLst>
+    <dgm:txEffectClrLst/>
+  </dgm:styleLbl>
+  <dgm:styleLbl name="solidBgAcc1">
+    <dgm:fillClrLst meth="repeat">
+      <a:schemeClr val="lt2"/>
+    </dgm:fillClrLst>
+    <dgm:linClrLst meth="repeat">
+      <a:schemeClr val="dk2"/>
+    </dgm:linClrLst>
+    <dgm:effectClrLst/>
+    <dgm:txLinClrLst/>
+    <dgm:txFillClrLst meth="repeat">
+      <a:schemeClr val="dk1"/>
+    </dgm:txFillClrLst>
+    <dgm:txEffectClrLst/>
+  </dgm:styleLbl>
+  <dgm:styleLbl name="fgAccFollowNode1">
+    <dgm:fillClrLst meth="repeat">
+      <a:schemeClr val="dk2">
+        <a:alpha val="90000"/>
+        <a:tint val="40000"/>
+      </a:schemeClr>
+    </dgm:fillClrLst>
+    <dgm:linClrLst meth="repeat">
+      <a:schemeClr val="dk2">
+        <a:alpha val="90000"/>
+        <a:tint val="40000"/>
+      </a:schemeClr>
+    </dgm:linClrLst>
+    <dgm:effectClrLst/>
+    <dgm:txLinClrLst/>
+    <dgm:txFillClrLst meth="repeat">
+      <a:schemeClr val="dk1"/>
+    </dgm:txFillClrLst>
+    <dgm:txEffectClrLst/>
+  </dgm:styleLbl>
+  <dgm:styleLbl name="alignAccFollowNode1">
+    <dgm:fillClrLst meth="repeat">
+      <a:schemeClr val="dk2">
+        <a:alpha val="90000"/>
+        <a:tint val="40000"/>
+      </a:schemeClr>
+    </dgm:fillClrLst>
+    <dgm:linClrLst meth="repeat">
+      <a:schemeClr val="dk2">
+        <a:alpha val="90000"/>
+        <a:tint val="40000"/>
+      </a:schemeClr>
+    </dgm:linClrLst>
+    <dgm:effectClrLst/>
+    <dgm:txLinClrLst/>
+    <dgm:txFillClrLst meth="repeat">
+      <a:schemeClr val="dk1"/>
+    </dgm:txFillClrLst>
+    <dgm:txEffectClrLst/>
+  </dgm:styleLbl>
+  <dgm:styleLbl name="bgAccFollowNode1">
+    <dgm:fillClrLst meth="repeat">
+      <a:schemeClr val="dk2">
+        <a:alpha val="90000"/>
+        <a:tint val="40000"/>
+      </a:schemeClr>
+    </dgm:fillClrLst>
+    <dgm:linClrLst meth="repeat">
+      <a:schemeClr val="dk2">
+        <a:alpha val="90000"/>
+        <a:tint val="40000"/>
+      </a:schemeClr>
+    </dgm:linClrLst>
+    <dgm:effectClrLst/>
+    <dgm:txLinClrLst/>
+    <dgm:txFillClrLst meth="repeat">
+      <a:schemeClr val="dk1"/>
+    </dgm:txFillClrLst>
+    <dgm:txEffectClrLst/>
+  </dgm:styleLbl>
+  <dgm:styleLbl name="fgAcc0">
+    <dgm:fillClrLst meth="repeat">
+      <a:schemeClr val="lt2">
+        <a:alpha val="90000"/>
+      </a:schemeClr>
+    </dgm:fillClrLst>
+    <dgm:linClrLst meth="repeat">
+      <a:schemeClr val="dk2"/>
+    </dgm:linClrLst>
+    <dgm:effectClrLst/>
+    <dgm:txLinClrLst/>
+    <dgm:txFillClrLst meth="repeat">
+      <a:schemeClr val="dk1"/>
+    </dgm:txFillClrLst>
+    <dgm:txEffectClrLst/>
+  </dgm:styleLbl>
+  <dgm:styleLbl name="fgAcc2">
+    <dgm:fillClrLst meth="repeat">
+      <a:schemeClr val="lt2">
+        <a:alpha val="90000"/>
+      </a:schemeClr>
+    </dgm:fillClrLst>
+    <dgm:linClrLst meth="repeat">
+      <a:schemeClr val="dk2"/>
+    </dgm:linClrLst>
+    <dgm:effectClrLst/>
+    <dgm:txLinClrLst/>
+    <dgm:txFillClrLst meth="repeat">
+      <a:schemeClr val="dk1"/>
+    </dgm:txFillClrLst>
+    <dgm:txEffectClrLst/>
+  </dgm:styleLbl>
+  <dgm:styleLbl name="fgAcc3">
+    <dgm:fillClrLst meth="repeat">
+      <a:schemeClr val="lt2">
+        <a:alpha val="90000"/>
+      </a:schemeClr>
+    </dgm:fillClrLst>
+    <dgm:linClrLst meth="repeat">
+      <a:schemeClr val="dk2"/>
+    </dgm:linClrLst>
+    <dgm:effectClrLst/>
+    <dgm:txLinClrLst/>
+    <dgm:txFillClrLst meth="repeat">
+      <a:schemeClr val="dk1"/>
+    </dgm:txFillClrLst>
+    <dgm:txEffectClrLst/>
+  </dgm:styleLbl>
+  <dgm:styleLbl name="fgAcc4">
+    <dgm:fillClrLst meth="repeat">
+      <a:schemeClr val="lt2">
+        <a:alpha val="90000"/>
+      </a:schemeClr>
+    </dgm:fillClrLst>
+    <dgm:linClrLst meth="repeat">
+      <a:schemeClr val="dk2"/>
+    </dgm:linClrLst>
+    <dgm:effectClrLst/>
+    <dgm:txLinClrLst/>
+    <dgm:txFillClrLst meth="repeat">
+      <a:schemeClr val="dk1"/>
+    </dgm:txFillClrLst>
+    <dgm:txEffectClrLst/>
+  </dgm:styleLbl>
+  <dgm:styleLbl name="bgShp">
+    <dgm:fillClrLst meth="repeat">
+      <a:schemeClr val="dk2">
+        <a:tint val="40000"/>
+      </a:schemeClr>
+    </dgm:fillClrLst>
+    <dgm:linClrLst meth="repeat">
+      <a:schemeClr val="dk2"/>
+    </dgm:linClrLst>
+    <dgm:effectClrLst/>
+    <dgm:txLinClrLst/>
+    <dgm:txFillClrLst meth="repeat">
+      <a:schemeClr val="dk1"/>
+    </dgm:txFillClrLst>
+    <dgm:txEffectClrLst/>
+  </dgm:styleLbl>
+  <dgm:styleLbl name="dkBgShp">
+    <dgm:fillClrLst meth="repeat">
+      <a:schemeClr val="dk2">
+        <a:shade val="80000"/>
+      </a:schemeClr>
+    </dgm:fillClrLst>
+    <dgm:linClrLst meth="repeat">
+      <a:schemeClr val="dk2"/>
+    </dgm:linClrLst>
+    <dgm:effectClrLst/>
+    <dgm:txLinClrLst/>
+    <dgm:txFillClrLst meth="repeat">
+      <a:schemeClr val="lt1"/>
+    </dgm:txFillClrLst>
+    <dgm:txEffectClrLst/>
+  </dgm:styleLbl>
+  <dgm:styleLbl name="trBgShp">
+    <dgm:fillClrLst meth="repeat">
+      <a:schemeClr val="dk2">
+        <a:tint val="50000"/>
+        <a:alpha val="40000"/>
+      </a:schemeClr>
+    </dgm:fillClrLst>
+    <dgm:linClrLst meth="repeat">
+      <a:schemeClr val="dk2"/>
+    </dgm:linClrLst>
+    <dgm:effectClrLst/>
+    <dgm:txLinClrLst/>
+    <dgm:txFillClrLst meth="repeat">
+      <a:schemeClr val="lt1"/>
+    </dgm:txFillClrLst>
+    <dgm:txEffectClrLst/>
+  </dgm:styleLbl>
+  <dgm:styleLbl name="fgShp">
+    <dgm:fillClrLst meth="repeat">
+      <a:schemeClr val="dk2">
+        <a:tint val="60000"/>
+      </a:schemeClr>
+    </dgm:fillClrLst>
+    <dgm:linClrLst meth="repeat">
+      <a:schemeClr val="lt2"/>
+    </dgm:linClrLst>
+    <dgm:effectClrLst/>
+    <dgm:txLinClrLst/>
+    <dgm:txFillClrLst meth="repeat">
+      <a:schemeClr val="dk1"/>
+    </dgm:txFillClrLst>
+    <dgm:txEffectClrLst/>
+  </dgm:styleLbl>
+  <dgm:styleLbl name="revTx">
+    <dgm:fillClrLst meth="repeat">
+      <a:schemeClr val="lt2">
+        <a:alpha val="0"/>
+      </a:schemeClr>
+    </dgm:fillClrLst>
+    <dgm:linClrLst meth="repeat">
+      <a:schemeClr val="dk1">
+        <a:alpha val="0"/>
+      </a:schemeClr>
+    </dgm:linClrLst>
+    <dgm:effectClrLst/>
+    <dgm:txLinClrLst/>
+    <dgm:txFillClrLst meth="repeat">
+      <a:schemeClr val="tx1"/>
+    </dgm:txFillClrLst>
+    <dgm:txEffectClrLst/>
+  </dgm:styleLbl>
+</dgm:colorsDef>
+</file>
+
+<file path=ppt/diagrams/data1.xml><?xml version="1.0" encoding="utf-8"?>
+<dgm:dataModel xmlns:dgm="http://schemas.openxmlformats.org/drawingml/2006/diagram" xmlns:a="http://schemas.openxmlformats.org/drawingml/2006/main">
+  <dgm:ptLst>
+    <dgm:pt modelId="{5E169D4E-E665-47DF-8C21-74D25C7B53AB}" type="doc">
+      <dgm:prSet loTypeId="urn:microsoft.com/office/officeart/2005/8/layout/hProcess9" loCatId="process" qsTypeId="urn:microsoft.com/office/officeart/2005/8/quickstyle/simple1" qsCatId="simple" csTypeId="urn:microsoft.com/office/officeart/2005/8/colors/accent0_3" csCatId="mainScheme" phldr="1"/>
+      <dgm:spPr/>
+    </dgm:pt>
+    <dgm:pt modelId="{566E6149-5414-47E2-9E06-C25F155CE261}">
+      <dgm:prSet phldrT="[Texto]" phldr="0"/>
+      <dgm:spPr/>
+      <dgm:t>
+        <a:bodyPr/>
+        <a:lstStyle/>
+        <a:p>
+          <a:pPr rtl="0"/>
+          <a:r>
+            <a:rPr lang="es-ES" dirty="0">
+              <a:latin typeface="Franklin Gothic Book" panose="020B0503020102020204"/>
+            </a:rPr>
+            <a:t>Herramientas a</a:t>
+          </a:r>
+          <a:r>
+            <a:rPr lang="es-ES" b="0" i="0" u="none" strike="noStrike" cap="none" baseline="0" noProof="0" dirty="0">
+              <a:latin typeface="Franklin Gothic Book"/>
+            </a:rPr>
+            <a:t> utilizar</a:t>
+          </a:r>
+          <a:endParaRPr lang="es-ES" dirty="0"/>
+        </a:p>
+      </dgm:t>
+    </dgm:pt>
+    <dgm:pt modelId="{44DD7418-F7FE-4406-B555-969C2728C6CB}" type="parTrans" cxnId="{852FE933-D577-4B26-8C0A-0197F5B5D45F}">
+      <dgm:prSet/>
+      <dgm:spPr/>
+    </dgm:pt>
+    <dgm:pt modelId="{516A6B8B-E7EC-45B1-A2AB-D35FD1720E95}" type="sibTrans" cxnId="{852FE933-D577-4B26-8C0A-0197F5B5D45F}">
+      <dgm:prSet/>
+      <dgm:spPr/>
+    </dgm:pt>
+    <dgm:pt modelId="{E8B80405-E08E-4501-8CA6-9782A00BEDA1}">
+      <dgm:prSet phldrT="[Texto]" phldr="0"/>
+      <dgm:spPr/>
+      <dgm:t>
+        <a:bodyPr/>
+        <a:lstStyle/>
+        <a:p>
+          <a:pPr rtl="0"/>
+          <a:r>
+            <a:rPr lang="es-ES" dirty="0" err="1">
+              <a:latin typeface="Franklin Gothic Book" panose="020B0503020102020204"/>
+            </a:rPr>
+            <a:t>Jupyter</a:t>
+          </a:r>
+          <a:r>
+            <a:rPr lang="es-ES" dirty="0">
+              <a:latin typeface="Franklin Gothic Book" panose="020B0503020102020204"/>
+            </a:rPr>
+            <a:t> notebook</a:t>
+          </a:r>
+          <a:endParaRPr lang="es-ES" dirty="0"/>
+        </a:p>
+      </dgm:t>
+    </dgm:pt>
+    <dgm:pt modelId="{E45B81FC-E2E4-4FA1-B4EB-43FBEA56AE39}" type="parTrans" cxnId="{141D8AE2-C063-4AF9-A33C-80392657CCE6}">
+      <dgm:prSet/>
+      <dgm:spPr/>
+    </dgm:pt>
+    <dgm:pt modelId="{07972362-2143-48D4-B3AA-E678B19225D5}" type="sibTrans" cxnId="{141D8AE2-C063-4AF9-A33C-80392657CCE6}">
+      <dgm:prSet/>
+      <dgm:spPr/>
+    </dgm:pt>
+    <dgm:pt modelId="{C651DCCF-9C76-4B81-BFD3-ED1FC601BC1B}">
+      <dgm:prSet phldrT="[Texto]" phldr="0"/>
+      <dgm:spPr/>
+      <dgm:t>
+        <a:bodyPr/>
+        <a:lstStyle/>
+        <a:p>
+          <a:pPr rtl="0"/>
+          <a:r>
+            <a:rPr lang="es-ES" dirty="0">
+              <a:latin typeface="Franklin Gothic Book" panose="020B0503020102020204"/>
+            </a:rPr>
+            <a:t>Librerías a considerar</a:t>
+          </a:r>
+          <a:endParaRPr lang="es-ES" dirty="0"/>
+        </a:p>
+      </dgm:t>
+    </dgm:pt>
+    <dgm:pt modelId="{606A3EC6-C617-44D9-B3C3-E653D3644378}" type="parTrans" cxnId="{BFD2EB2F-C244-4CF8-811A-1E4AE3A2C793}">
+      <dgm:prSet/>
+      <dgm:spPr/>
+    </dgm:pt>
+    <dgm:pt modelId="{285FE26C-F23A-452A-B977-1634660A6756}" type="sibTrans" cxnId="{BFD2EB2F-C244-4CF8-811A-1E4AE3A2C793}">
+      <dgm:prSet/>
+      <dgm:spPr/>
+    </dgm:pt>
+    <dgm:pt modelId="{1DF90F56-0DD4-4A00-804F-9947935A7882}">
+      <dgm:prSet phldr="0"/>
+      <dgm:spPr/>
+      <dgm:t>
+        <a:bodyPr/>
+        <a:lstStyle/>
+        <a:p>
+          <a:pPr rtl="0"/>
+          <a:r>
+            <a:rPr lang="es-ES" b="0" i="0" u="none" strike="noStrike" cap="none" baseline="0" noProof="0" dirty="0">
+              <a:latin typeface="Franklin Gothic Book"/>
+            </a:rPr>
+            <a:t>Excel</a:t>
+          </a:r>
+        </a:p>
+      </dgm:t>
+    </dgm:pt>
+    <dgm:pt modelId="{C0DD96A3-E5F1-4559-B218-D40F0DA68176}" type="parTrans" cxnId="{D946C4FD-C986-47C0-B3BB-7D1837A453F2}">
+      <dgm:prSet/>
+      <dgm:spPr/>
+    </dgm:pt>
+    <dgm:pt modelId="{D97666D5-9DDC-494B-AFB9-78C7EC75C71B}" type="sibTrans" cxnId="{D946C4FD-C986-47C0-B3BB-7D1837A453F2}">
+      <dgm:prSet/>
+      <dgm:spPr/>
+    </dgm:pt>
+    <dgm:pt modelId="{86602EFF-810C-4A03-9D3D-8EB969BB4D1E}">
+      <dgm:prSet phldr="0"/>
+      <dgm:spPr/>
+      <dgm:t>
+        <a:bodyPr/>
+        <a:lstStyle/>
+        <a:p>
+          <a:r>
+            <a:rPr lang="es-ES" dirty="0" err="1">
+              <a:latin typeface="Franklin Gothic Book" panose="020B0503020102020204"/>
+            </a:rPr>
+            <a:t>pmarima</a:t>
+          </a:r>
+          <a:endParaRPr lang="es-ES" dirty="0">
+            <a:latin typeface="Franklin Gothic Book" panose="020B0503020102020204"/>
+          </a:endParaRPr>
+        </a:p>
+      </dgm:t>
+    </dgm:pt>
+    <dgm:pt modelId="{D82DB795-FFC2-41CD-9F66-7A1CB02901EC}" type="parTrans" cxnId="{3724DA89-1E66-4250-95BD-4EEFC64DF6EE}">
+      <dgm:prSet/>
+      <dgm:spPr/>
+    </dgm:pt>
+    <dgm:pt modelId="{0E8EF56A-A3DB-4DB7-8B66-5054C3A14B43}" type="sibTrans" cxnId="{3724DA89-1E66-4250-95BD-4EEFC64DF6EE}">
+      <dgm:prSet/>
+      <dgm:spPr/>
+    </dgm:pt>
+    <dgm:pt modelId="{312237D2-DE54-4A53-8B51-F8B6B544AD86}">
+      <dgm:prSet phldr="0"/>
+      <dgm:spPr/>
+      <dgm:t>
+        <a:bodyPr/>
+        <a:lstStyle/>
+        <a:p>
+          <a:r>
+            <a:rPr lang="es-ES" dirty="0">
+              <a:latin typeface="Franklin Gothic Book" panose="020B0503020102020204"/>
+            </a:rPr>
+            <a:t>statsmodels</a:t>
+          </a:r>
+        </a:p>
+      </dgm:t>
+    </dgm:pt>
+    <dgm:pt modelId="{16D0395B-156A-427A-9685-8ED5F203876B}" type="parTrans" cxnId="{2C354BBE-4090-4F68-AE01-65A6C1CD846C}">
+      <dgm:prSet/>
+      <dgm:spPr/>
+    </dgm:pt>
+    <dgm:pt modelId="{445403E0-16E9-455A-B875-89229822898C}" type="sibTrans" cxnId="{2C354BBE-4090-4F68-AE01-65A6C1CD846C}">
+      <dgm:prSet/>
+      <dgm:spPr/>
+    </dgm:pt>
+    <dgm:pt modelId="{1F5317A3-C8A3-42B0-93AF-E1F7EC66F99D}">
+      <dgm:prSet phldr="0"/>
+      <dgm:spPr/>
+      <dgm:t>
+        <a:bodyPr/>
+        <a:lstStyle/>
+        <a:p>
+          <a:pPr rtl="0"/>
+          <a:r>
+            <a:rPr lang="es-ES" dirty="0">
+              <a:latin typeface="Franklin Gothic Book" panose="020B0503020102020204"/>
+            </a:rPr>
+            <a:t>pandas</a:t>
+          </a:r>
+        </a:p>
+      </dgm:t>
+    </dgm:pt>
+    <dgm:pt modelId="{684AEE38-9483-4389-BCC5-9FF94B0C624B}" type="parTrans" cxnId="{28BA0134-B24F-4BA4-9CBC-CDDCCBB0150D}">
+      <dgm:prSet/>
+      <dgm:spPr/>
+    </dgm:pt>
+    <dgm:pt modelId="{BE428507-6E5A-4A72-A395-1D6968EB7D90}" type="sibTrans" cxnId="{28BA0134-B24F-4BA4-9CBC-CDDCCBB0150D}">
+      <dgm:prSet/>
+      <dgm:spPr/>
+    </dgm:pt>
+    <dgm:pt modelId="{D3FB7CBD-0BFF-4EC6-9A6D-5C12C4968119}">
+      <dgm:prSet phldr="0"/>
+      <dgm:spPr/>
+      <dgm:t>
+        <a:bodyPr/>
+        <a:lstStyle/>
+        <a:p>
+          <a:pPr rtl="0"/>
+          <a:r>
+            <a:rPr lang="es-ES" dirty="0">
+              <a:latin typeface="Franklin Gothic Book" panose="020B0503020102020204"/>
+            </a:rPr>
+            <a:t>numpy</a:t>
+          </a:r>
+        </a:p>
+      </dgm:t>
+    </dgm:pt>
+    <dgm:pt modelId="{0443B619-0A04-4BC1-A61D-CC36E1133C0D}" type="parTrans" cxnId="{F79D340B-627B-4D36-9FCA-11304C13A97B}">
+      <dgm:prSet/>
+      <dgm:spPr/>
+    </dgm:pt>
+    <dgm:pt modelId="{CEF9D69C-7380-4B8D-954B-80A694458451}" type="sibTrans" cxnId="{F79D340B-627B-4D36-9FCA-11304C13A97B}">
+      <dgm:prSet/>
+      <dgm:spPr/>
+    </dgm:pt>
+    <dgm:pt modelId="{229E1D95-DA7D-43A6-B254-8D5342E184E4}">
+      <dgm:prSet phldr="0"/>
+      <dgm:spPr/>
+      <dgm:t>
+        <a:bodyPr/>
+        <a:lstStyle/>
+        <a:p>
+          <a:pPr rtl="0"/>
+          <a:r>
+            <a:rPr lang="es-ES" dirty="0">
+              <a:latin typeface="Franklin Gothic Book" panose="020B0503020102020204"/>
+            </a:rPr>
+            <a:t>Meta a lograr</a:t>
+          </a:r>
+        </a:p>
+      </dgm:t>
+    </dgm:pt>
+    <dgm:pt modelId="{B8C810DC-2882-4F36-8CDE-0E2E3B54ADAF}" type="parTrans" cxnId="{F0BEB106-43F8-4972-8BD1-92417E0EE8D7}">
+      <dgm:prSet/>
+      <dgm:spPr/>
+    </dgm:pt>
+    <dgm:pt modelId="{28C70065-D593-4CEF-A667-B59137B31066}" type="sibTrans" cxnId="{F0BEB106-43F8-4972-8BD1-92417E0EE8D7}">
+      <dgm:prSet/>
+      <dgm:spPr/>
+    </dgm:pt>
+    <dgm:pt modelId="{DDB108ED-7763-4A70-B612-EE67721E60C2}">
+      <dgm:prSet phldr="0"/>
+      <dgm:spPr/>
+      <dgm:t>
+        <a:bodyPr/>
+        <a:lstStyle/>
+        <a:p>
+          <a:r>
+            <a:rPr lang="es-ES" dirty="0">
+              <a:latin typeface="Franklin Gothic Book" panose="020B0503020102020204"/>
+            </a:rPr>
+            <a:t>Python</a:t>
+          </a:r>
+        </a:p>
+      </dgm:t>
+    </dgm:pt>
+    <dgm:pt modelId="{A8A3F184-791B-4BE1-BDDB-64179DC13712}" type="parTrans" cxnId="{813FE3B8-B1ED-4488-854F-1659C3D27DC7}">
+      <dgm:prSet/>
+      <dgm:spPr/>
+    </dgm:pt>
+    <dgm:pt modelId="{DEA60333-8F4C-494A-B5F3-20F2DED08381}" type="sibTrans" cxnId="{813FE3B8-B1ED-4488-854F-1659C3D27DC7}">
+      <dgm:prSet/>
+      <dgm:spPr/>
+    </dgm:pt>
+    <dgm:pt modelId="{56FCB88C-3DB5-48BB-BBC1-933B0892A183}">
+      <dgm:prSet phldr="0"/>
+      <dgm:spPr/>
+      <dgm:t>
+        <a:bodyPr/>
+        <a:lstStyle/>
+        <a:p>
+          <a:pPr rtl="0"/>
+          <a:r>
+            <a:rPr lang="es-ES" dirty="0">
+              <a:latin typeface="Franklin Gothic Book" panose="020B0503020102020204"/>
+            </a:rPr>
+            <a:t>Modelos ARIMA para la predicción de generación en las plantas intermitentes</a:t>
+          </a:r>
+        </a:p>
+      </dgm:t>
+    </dgm:pt>
+    <dgm:pt modelId="{9242A2E5-C312-4603-A198-9B7E73748E9F}" type="parTrans" cxnId="{4CEF840A-C866-4C3F-A1EC-90805761F296}">
+      <dgm:prSet/>
+      <dgm:spPr/>
+    </dgm:pt>
+    <dgm:pt modelId="{5966756D-A22E-4C76-8E98-E348B2160043}" type="sibTrans" cxnId="{4CEF840A-C866-4C3F-A1EC-90805761F296}">
+      <dgm:prSet/>
+      <dgm:spPr/>
+    </dgm:pt>
+    <dgm:pt modelId="{C99263CC-1F5B-4648-9286-85EF66799BB5}">
+      <dgm:prSet phldr="0"/>
+      <dgm:spPr/>
+      <dgm:t>
+        <a:bodyPr/>
+        <a:lstStyle/>
+        <a:p>
+          <a:pPr rtl="0"/>
+          <a:r>
+            <a:rPr lang="es-ES" dirty="0">
+              <a:latin typeface="Franklin Gothic Book" panose="020B0503020102020204"/>
+            </a:rPr>
+            <a:t>Criterios a contemplar</a:t>
+          </a:r>
+        </a:p>
+      </dgm:t>
+    </dgm:pt>
+    <dgm:pt modelId="{A302C273-F965-43F8-B85B-6550E5D58DE0}" type="parTrans" cxnId="{C076A0E2-BB3B-492A-A2D4-0E25A132C21B}">
+      <dgm:prSet/>
+      <dgm:spPr/>
+    </dgm:pt>
+    <dgm:pt modelId="{FCCE83A8-0887-4234-84CC-5D62B47F2999}" type="sibTrans" cxnId="{C076A0E2-BB3B-492A-A2D4-0E25A132C21B}">
+      <dgm:prSet/>
+      <dgm:spPr/>
+    </dgm:pt>
+    <dgm:pt modelId="{D0D27EA0-BC51-44BA-A7F9-D2662D7AFB0A}">
+      <dgm:prSet phldr="0"/>
+      <dgm:spPr/>
+      <dgm:t>
+        <a:bodyPr/>
+        <a:lstStyle/>
+        <a:p>
+          <a:pPr rtl="0"/>
+          <a:r>
+            <a:rPr lang="es-ES" dirty="0">
+              <a:latin typeface="Franklin Gothic Book" panose="020B0503020102020204"/>
+            </a:rPr>
+            <a:t>MAPE y MAE &lt; 10%</a:t>
+          </a:r>
+        </a:p>
+      </dgm:t>
+    </dgm:pt>
+    <dgm:pt modelId="{96AD1ED6-44A4-47FC-B233-D9798C1A5BA7}" type="parTrans" cxnId="{D90CDB8F-D8E1-400E-8073-8F033B9E88B8}">
+      <dgm:prSet/>
+      <dgm:spPr/>
+    </dgm:pt>
+    <dgm:pt modelId="{E36B47E7-7B26-471C-8BF9-28CC0D5E3DF7}" type="sibTrans" cxnId="{D90CDB8F-D8E1-400E-8073-8F033B9E88B8}">
+      <dgm:prSet/>
+      <dgm:spPr/>
+    </dgm:pt>
+    <dgm:pt modelId="{EB1289DD-D3E3-433A-91BB-BFBE5DD1BB96}">
+      <dgm:prSet phldr="0"/>
+      <dgm:spPr/>
+      <dgm:t>
+        <a:bodyPr/>
+        <a:lstStyle/>
+        <a:p>
+          <a:pPr rtl="0"/>
+          <a:r>
+            <a:rPr lang="es-ES" dirty="0">
+              <a:latin typeface="Franklin Gothic Book" panose="020B0503020102020204"/>
+            </a:rPr>
+            <a:t>Tiempo de ejecución &lt; 10 minutos</a:t>
+          </a:r>
+        </a:p>
+      </dgm:t>
+    </dgm:pt>
+    <dgm:pt modelId="{B3EC3504-2982-4F19-9BB5-1376DBC672FC}" type="parTrans" cxnId="{E965AAB8-6641-42FC-A4AE-5047C783A3C7}">
+      <dgm:prSet/>
+      <dgm:spPr/>
+    </dgm:pt>
+    <dgm:pt modelId="{E55E8685-5E95-4A25-94C1-1D84F94750BB}" type="sibTrans" cxnId="{E965AAB8-6641-42FC-A4AE-5047C783A3C7}">
+      <dgm:prSet/>
+      <dgm:spPr/>
+    </dgm:pt>
+    <dgm:pt modelId="{5A8548ED-59BB-47D5-B73F-1F6CBE9E8246}">
+      <dgm:prSet phldr="0"/>
+      <dgm:spPr/>
+      <dgm:t>
+        <a:bodyPr/>
+        <a:lstStyle/>
+        <a:p>
+          <a:pPr rtl="0"/>
+          <a:r>
+            <a:rPr lang="es-ES" dirty="0">
+              <a:latin typeface="Franklin Gothic Book" panose="020B0503020102020204"/>
+            </a:rPr>
+            <a:t>Plataforma para sincronizar</a:t>
+          </a:r>
+        </a:p>
+      </dgm:t>
+    </dgm:pt>
+    <dgm:pt modelId="{B7CB221C-8A08-4712-949E-A49D169CF715}" type="parTrans" cxnId="{7DADF102-8ADD-4064-9B27-D2C7D3721DDC}">
+      <dgm:prSet/>
+      <dgm:spPr/>
+    </dgm:pt>
+    <dgm:pt modelId="{FD541FEE-A24B-40B0-A263-1F0796E4967B}" type="sibTrans" cxnId="{7DADF102-8ADD-4064-9B27-D2C7D3721DDC}">
+      <dgm:prSet/>
+      <dgm:spPr/>
+    </dgm:pt>
+    <dgm:pt modelId="{BB32758C-FA51-4F64-93B6-9F81C71D5278}">
+      <dgm:prSet phldr="0"/>
+      <dgm:spPr/>
+      <dgm:t>
+        <a:bodyPr/>
+        <a:lstStyle/>
+        <a:p>
+          <a:r>
+            <a:rPr lang="es-ES" dirty="0">
+              <a:latin typeface="Franklin Gothic Book" panose="020B0503020102020204"/>
+            </a:rPr>
+            <a:t>GitHub</a:t>
+          </a:r>
+        </a:p>
+      </dgm:t>
+    </dgm:pt>
+    <dgm:pt modelId="{EC9A49BA-0AA6-4997-9C35-0C1D45EFD050}" type="parTrans" cxnId="{103F521C-F426-4587-93C1-7DD279AFEF8F}">
+      <dgm:prSet/>
+      <dgm:spPr/>
+    </dgm:pt>
+    <dgm:pt modelId="{F11F7D7B-6BCF-40C2-ABFF-59C8164A1493}" type="sibTrans" cxnId="{103F521C-F426-4587-93C1-7DD279AFEF8F}">
+      <dgm:prSet/>
+      <dgm:spPr/>
+    </dgm:pt>
+    <dgm:pt modelId="{4583EA47-73EE-42AE-ACAB-10D9DCC615E5}">
+      <dgm:prSet phldr="0"/>
+      <dgm:spPr/>
+      <dgm:t>
+        <a:bodyPr/>
+        <a:lstStyle/>
+        <a:p>
+          <a:r>
+            <a:rPr lang="es-ES" dirty="0">
+              <a:latin typeface="Franklin Gothic Book" panose="020B0503020102020204"/>
+            </a:rPr>
+            <a:t>GitKraken</a:t>
+          </a:r>
+        </a:p>
+      </dgm:t>
+    </dgm:pt>
+    <dgm:pt modelId="{33AC1E7B-C58A-470C-B58D-273969922D8D}" type="parTrans" cxnId="{10FF8796-BE5F-4D9E-89DB-B0C0B75651BB}">
+      <dgm:prSet/>
+      <dgm:spPr/>
+    </dgm:pt>
+    <dgm:pt modelId="{3D8B8914-BEDA-4994-ABCB-60D3BDCBAEDA}" type="sibTrans" cxnId="{10FF8796-BE5F-4D9E-89DB-B0C0B75651BB}">
+      <dgm:prSet/>
+      <dgm:spPr/>
+    </dgm:pt>
+    <dgm:pt modelId="{5DDE445F-9914-4A2D-B9F7-484F0DC8218C}" type="pres">
+      <dgm:prSet presAssocID="{5E169D4E-E665-47DF-8C21-74D25C7B53AB}" presName="CompostProcess" presStyleCnt="0">
+        <dgm:presLayoutVars>
+          <dgm:dir/>
+          <dgm:resizeHandles val="exact"/>
+        </dgm:presLayoutVars>
+      </dgm:prSet>
+      <dgm:spPr/>
+    </dgm:pt>
+    <dgm:pt modelId="{B93453E7-E3A4-4A5A-8CA5-30214E99983A}" type="pres">
+      <dgm:prSet presAssocID="{5E169D4E-E665-47DF-8C21-74D25C7B53AB}" presName="arrow" presStyleLbl="bgShp" presStyleIdx="0" presStyleCnt="1"/>
+      <dgm:spPr/>
+    </dgm:pt>
+    <dgm:pt modelId="{1BE19CB4-4A51-4886-9134-05F4DAB2399A}" type="pres">
+      <dgm:prSet presAssocID="{5E169D4E-E665-47DF-8C21-74D25C7B53AB}" presName="linearProcess" presStyleCnt="0"/>
+      <dgm:spPr/>
+    </dgm:pt>
+    <dgm:pt modelId="{4D44B79E-2FA4-4D04-923D-DDB182FC3EDD}" type="pres">
+      <dgm:prSet presAssocID="{566E6149-5414-47E2-9E06-C25F155CE261}" presName="textNode" presStyleLbl="node1" presStyleIdx="0" presStyleCnt="5">
+        <dgm:presLayoutVars>
+          <dgm:bulletEnabled val="1"/>
+        </dgm:presLayoutVars>
+      </dgm:prSet>
+      <dgm:spPr/>
+    </dgm:pt>
+    <dgm:pt modelId="{76C4580D-3E68-4A69-8A9B-DC9B6A2AFEA1}" type="pres">
+      <dgm:prSet presAssocID="{516A6B8B-E7EC-45B1-A2AB-D35FD1720E95}" presName="sibTrans" presStyleCnt="0"/>
+      <dgm:spPr/>
+    </dgm:pt>
+    <dgm:pt modelId="{90E1DD51-E411-4F0E-B155-7FA86A47E358}" type="pres">
+      <dgm:prSet presAssocID="{5A8548ED-59BB-47D5-B73F-1F6CBE9E8246}" presName="textNode" presStyleLbl="node1" presStyleIdx="1" presStyleCnt="5">
+        <dgm:presLayoutVars>
+          <dgm:bulletEnabled val="1"/>
+        </dgm:presLayoutVars>
+      </dgm:prSet>
+      <dgm:spPr/>
+    </dgm:pt>
+    <dgm:pt modelId="{95BAD62A-049D-4EDA-9501-95A08F9B4655}" type="pres">
+      <dgm:prSet presAssocID="{FD541FEE-A24B-40B0-A263-1F0796E4967B}" presName="sibTrans" presStyleCnt="0"/>
+      <dgm:spPr/>
+    </dgm:pt>
+    <dgm:pt modelId="{CB1CDA73-5F1F-48E0-83B2-C7A9EF811319}" type="pres">
+      <dgm:prSet presAssocID="{C651DCCF-9C76-4B81-BFD3-ED1FC601BC1B}" presName="textNode" presStyleLbl="node1" presStyleIdx="2" presStyleCnt="5">
+        <dgm:presLayoutVars>
+          <dgm:bulletEnabled val="1"/>
+        </dgm:presLayoutVars>
+      </dgm:prSet>
+      <dgm:spPr/>
+    </dgm:pt>
+    <dgm:pt modelId="{A94C3704-B1BF-4BD5-B285-BBFFEBDF3AEF}" type="pres">
+      <dgm:prSet presAssocID="{285FE26C-F23A-452A-B977-1634660A6756}" presName="sibTrans" presStyleCnt="0"/>
+      <dgm:spPr/>
+    </dgm:pt>
+    <dgm:pt modelId="{48DCF71A-86DA-4F4D-B314-2F6F81536381}" type="pres">
+      <dgm:prSet presAssocID="{C99263CC-1F5B-4648-9286-85EF66799BB5}" presName="textNode" presStyleLbl="node1" presStyleIdx="3" presStyleCnt="5">
+        <dgm:presLayoutVars>
+          <dgm:bulletEnabled val="1"/>
+        </dgm:presLayoutVars>
+      </dgm:prSet>
+      <dgm:spPr/>
+    </dgm:pt>
+    <dgm:pt modelId="{DF2CCC1C-0DE9-4EB1-98CB-2206C61EF836}" type="pres">
+      <dgm:prSet presAssocID="{FCCE83A8-0887-4234-84CC-5D62B47F2999}" presName="sibTrans" presStyleCnt="0"/>
+      <dgm:spPr/>
+    </dgm:pt>
+    <dgm:pt modelId="{33CA34D7-7EA4-472B-B473-660254D53C05}" type="pres">
+      <dgm:prSet presAssocID="{229E1D95-DA7D-43A6-B254-8D5342E184E4}" presName="textNode" presStyleLbl="node1" presStyleIdx="4" presStyleCnt="5">
+        <dgm:presLayoutVars>
+          <dgm:bulletEnabled val="1"/>
+        </dgm:presLayoutVars>
+      </dgm:prSet>
+      <dgm:spPr/>
+    </dgm:pt>
+  </dgm:ptLst>
+  <dgm:cxnLst>
+    <dgm:cxn modelId="{7DADF102-8ADD-4064-9B27-D2C7D3721DDC}" srcId="{5E169D4E-E665-47DF-8C21-74D25C7B53AB}" destId="{5A8548ED-59BB-47D5-B73F-1F6CBE9E8246}" srcOrd="1" destOrd="0" parTransId="{B7CB221C-8A08-4712-949E-A49D169CF715}" sibTransId="{FD541FEE-A24B-40B0-A263-1F0796E4967B}"/>
+    <dgm:cxn modelId="{F0BEB106-43F8-4972-8BD1-92417E0EE8D7}" srcId="{5E169D4E-E665-47DF-8C21-74D25C7B53AB}" destId="{229E1D95-DA7D-43A6-B254-8D5342E184E4}" srcOrd="4" destOrd="0" parTransId="{B8C810DC-2882-4F36-8CDE-0E2E3B54ADAF}" sibTransId="{28C70065-D593-4CEF-A667-B59137B31066}"/>
+    <dgm:cxn modelId="{08DDD909-D2DD-4DA0-8DCD-7AE6C1704D10}" type="presOf" srcId="{1F5317A3-C8A3-42B0-93AF-E1F7EC66F99D}" destId="{CB1CDA73-5F1F-48E0-83B2-C7A9EF811319}" srcOrd="0" destOrd="1" presId="urn:microsoft.com/office/officeart/2005/8/layout/hProcess9"/>
+    <dgm:cxn modelId="{4CEF840A-C866-4C3F-A1EC-90805761F296}" srcId="{229E1D95-DA7D-43A6-B254-8D5342E184E4}" destId="{56FCB88C-3DB5-48BB-BBC1-933B0892A183}" srcOrd="0" destOrd="0" parTransId="{9242A2E5-C312-4603-A198-9B7E73748E9F}" sibTransId="{5966756D-A22E-4C76-8E98-E348B2160043}"/>
+    <dgm:cxn modelId="{F79D340B-627B-4D36-9FCA-11304C13A97B}" srcId="{C651DCCF-9C76-4B81-BFD3-ED1FC601BC1B}" destId="{D3FB7CBD-0BFF-4EC6-9A6D-5C12C4968119}" srcOrd="1" destOrd="0" parTransId="{0443B619-0A04-4BC1-A61D-CC36E1133C0D}" sibTransId="{CEF9D69C-7380-4B8D-954B-80A694458451}"/>
+    <dgm:cxn modelId="{103F521C-F426-4587-93C1-7DD279AFEF8F}" srcId="{5A8548ED-59BB-47D5-B73F-1F6CBE9E8246}" destId="{BB32758C-FA51-4F64-93B6-9F81C71D5278}" srcOrd="0" destOrd="0" parTransId="{EC9A49BA-0AA6-4997-9C35-0C1D45EFD050}" sibTransId="{F11F7D7B-6BCF-40C2-ABFF-59C8164A1493}"/>
+    <dgm:cxn modelId="{BFD2EB2F-C244-4CF8-811A-1E4AE3A2C793}" srcId="{5E169D4E-E665-47DF-8C21-74D25C7B53AB}" destId="{C651DCCF-9C76-4B81-BFD3-ED1FC601BC1B}" srcOrd="2" destOrd="0" parTransId="{606A3EC6-C617-44D9-B3C3-E653D3644378}" sibTransId="{285FE26C-F23A-452A-B977-1634660A6756}"/>
+    <dgm:cxn modelId="{AF8EC831-5FD5-4775-AF17-0EE1B015DAD5}" type="presOf" srcId="{DDB108ED-7763-4A70-B612-EE67721E60C2}" destId="{4D44B79E-2FA4-4D04-923D-DDB182FC3EDD}" srcOrd="0" destOrd="2" presId="urn:microsoft.com/office/officeart/2005/8/layout/hProcess9"/>
+    <dgm:cxn modelId="{852FE933-D577-4B26-8C0A-0197F5B5D45F}" srcId="{5E169D4E-E665-47DF-8C21-74D25C7B53AB}" destId="{566E6149-5414-47E2-9E06-C25F155CE261}" srcOrd="0" destOrd="0" parTransId="{44DD7418-F7FE-4406-B555-969C2728C6CB}" sibTransId="{516A6B8B-E7EC-45B1-A2AB-D35FD1720E95}"/>
+    <dgm:cxn modelId="{28BA0134-B24F-4BA4-9CBC-CDDCCBB0150D}" srcId="{C651DCCF-9C76-4B81-BFD3-ED1FC601BC1B}" destId="{1F5317A3-C8A3-42B0-93AF-E1F7EC66F99D}" srcOrd="0" destOrd="0" parTransId="{684AEE38-9483-4389-BCC5-9FF94B0C624B}" sibTransId="{BE428507-6E5A-4A72-A395-1D6968EB7D90}"/>
+    <dgm:cxn modelId="{3DEF6E38-1E38-4579-B770-A112F6C1CAA8}" type="presOf" srcId="{5A8548ED-59BB-47D5-B73F-1F6CBE9E8246}" destId="{90E1DD51-E411-4F0E-B155-7FA86A47E358}" srcOrd="0" destOrd="0" presId="urn:microsoft.com/office/officeart/2005/8/layout/hProcess9"/>
+    <dgm:cxn modelId="{3A57155D-BC27-4AC6-AD9E-F77C66BFECEE}" type="presOf" srcId="{229E1D95-DA7D-43A6-B254-8D5342E184E4}" destId="{33CA34D7-7EA4-472B-B473-660254D53C05}" srcOrd="0" destOrd="0" presId="urn:microsoft.com/office/officeart/2005/8/layout/hProcess9"/>
+    <dgm:cxn modelId="{555C8662-9104-4593-9779-48D00811BCD6}" type="presOf" srcId="{D3FB7CBD-0BFF-4EC6-9A6D-5C12C4968119}" destId="{CB1CDA73-5F1F-48E0-83B2-C7A9EF811319}" srcOrd="0" destOrd="2" presId="urn:microsoft.com/office/officeart/2005/8/layout/hProcess9"/>
+    <dgm:cxn modelId="{E325B24B-F635-4AF1-8672-A213A77C5AB9}" type="presOf" srcId="{56FCB88C-3DB5-48BB-BBC1-933B0892A183}" destId="{33CA34D7-7EA4-472B-B473-660254D53C05}" srcOrd="0" destOrd="1" presId="urn:microsoft.com/office/officeart/2005/8/layout/hProcess9"/>
+    <dgm:cxn modelId="{5BA89A71-6509-44D7-ABEB-62935B17B2C5}" type="presOf" srcId="{C99263CC-1F5B-4648-9286-85EF66799BB5}" destId="{48DCF71A-86DA-4F4D-B314-2F6F81536381}" srcOrd="0" destOrd="0" presId="urn:microsoft.com/office/officeart/2005/8/layout/hProcess9"/>
+    <dgm:cxn modelId="{CB861754-3AF0-40E9-895D-5D5A8D508769}" type="presOf" srcId="{1DF90F56-0DD4-4A00-804F-9947935A7882}" destId="{4D44B79E-2FA4-4D04-923D-DDB182FC3EDD}" srcOrd="0" destOrd="1" presId="urn:microsoft.com/office/officeart/2005/8/layout/hProcess9"/>
+    <dgm:cxn modelId="{6731D078-C244-4827-90C3-B0C28A359C11}" type="presOf" srcId="{312237D2-DE54-4A53-8B51-F8B6B544AD86}" destId="{CB1CDA73-5F1F-48E0-83B2-C7A9EF811319}" srcOrd="0" destOrd="4" presId="urn:microsoft.com/office/officeart/2005/8/layout/hProcess9"/>
+    <dgm:cxn modelId="{A5A69C7C-8FFB-473A-A43D-CFBC6F468C86}" type="presOf" srcId="{EB1289DD-D3E3-433A-91BB-BFBE5DD1BB96}" destId="{48DCF71A-86DA-4F4D-B314-2F6F81536381}" srcOrd="0" destOrd="2" presId="urn:microsoft.com/office/officeart/2005/8/layout/hProcess9"/>
+    <dgm:cxn modelId="{3724DA89-1E66-4250-95BD-4EEFC64DF6EE}" srcId="{C651DCCF-9C76-4B81-BFD3-ED1FC601BC1B}" destId="{86602EFF-810C-4A03-9D3D-8EB969BB4D1E}" srcOrd="2" destOrd="0" parTransId="{D82DB795-FFC2-41CD-9F66-7A1CB02901EC}" sibTransId="{0E8EF56A-A3DB-4DB7-8B66-5054C3A14B43}"/>
+    <dgm:cxn modelId="{D90CDB8F-D8E1-400E-8073-8F033B9E88B8}" srcId="{C99263CC-1F5B-4648-9286-85EF66799BB5}" destId="{D0D27EA0-BC51-44BA-A7F9-D2662D7AFB0A}" srcOrd="0" destOrd="0" parTransId="{96AD1ED6-44A4-47FC-B233-D9798C1A5BA7}" sibTransId="{E36B47E7-7B26-471C-8BF9-28CC0D5E3DF7}"/>
+    <dgm:cxn modelId="{10FF8796-BE5F-4D9E-89DB-B0C0B75651BB}" srcId="{5A8548ED-59BB-47D5-B73F-1F6CBE9E8246}" destId="{4583EA47-73EE-42AE-ACAB-10D9DCC615E5}" srcOrd="1" destOrd="0" parTransId="{33AC1E7B-C58A-470C-B58D-273969922D8D}" sibTransId="{3D8B8914-BEDA-4994-ABCB-60D3BDCBAEDA}"/>
+    <dgm:cxn modelId="{57AA93A1-C002-4606-BC2B-72B30B4607AF}" type="presOf" srcId="{C651DCCF-9C76-4B81-BFD3-ED1FC601BC1B}" destId="{CB1CDA73-5F1F-48E0-83B2-C7A9EF811319}" srcOrd="0" destOrd="0" presId="urn:microsoft.com/office/officeart/2005/8/layout/hProcess9"/>
+    <dgm:cxn modelId="{36F348A4-7A2D-40D0-BCBC-EDC3D04836B7}" type="presOf" srcId="{E8B80405-E08E-4501-8CA6-9782A00BEDA1}" destId="{4D44B79E-2FA4-4D04-923D-DDB182FC3EDD}" srcOrd="0" destOrd="3" presId="urn:microsoft.com/office/officeart/2005/8/layout/hProcess9"/>
+    <dgm:cxn modelId="{796245A9-CEB1-4764-BED0-DFF4B4749EFE}" type="presOf" srcId="{D0D27EA0-BC51-44BA-A7F9-D2662D7AFB0A}" destId="{48DCF71A-86DA-4F4D-B314-2F6F81536381}" srcOrd="0" destOrd="1" presId="urn:microsoft.com/office/officeart/2005/8/layout/hProcess9"/>
+    <dgm:cxn modelId="{A82BF8B6-B239-44B3-B463-F749A8E03D2E}" type="presOf" srcId="{566E6149-5414-47E2-9E06-C25F155CE261}" destId="{4D44B79E-2FA4-4D04-923D-DDB182FC3EDD}" srcOrd="0" destOrd="0" presId="urn:microsoft.com/office/officeart/2005/8/layout/hProcess9"/>
+    <dgm:cxn modelId="{E965AAB8-6641-42FC-A4AE-5047C783A3C7}" srcId="{C99263CC-1F5B-4648-9286-85EF66799BB5}" destId="{EB1289DD-D3E3-433A-91BB-BFBE5DD1BB96}" srcOrd="1" destOrd="0" parTransId="{B3EC3504-2982-4F19-9BB5-1376DBC672FC}" sibTransId="{E55E8685-5E95-4A25-94C1-1D84F94750BB}"/>
+    <dgm:cxn modelId="{813FE3B8-B1ED-4488-854F-1659C3D27DC7}" srcId="{566E6149-5414-47E2-9E06-C25F155CE261}" destId="{DDB108ED-7763-4A70-B612-EE67721E60C2}" srcOrd="1" destOrd="0" parTransId="{A8A3F184-791B-4BE1-BDDB-64179DC13712}" sibTransId="{DEA60333-8F4C-494A-B5F3-20F2DED08381}"/>
+    <dgm:cxn modelId="{2C354BBE-4090-4F68-AE01-65A6C1CD846C}" srcId="{C651DCCF-9C76-4B81-BFD3-ED1FC601BC1B}" destId="{312237D2-DE54-4A53-8B51-F8B6B544AD86}" srcOrd="3" destOrd="0" parTransId="{16D0395B-156A-427A-9685-8ED5F203876B}" sibTransId="{445403E0-16E9-455A-B875-89229822898C}"/>
+    <dgm:cxn modelId="{B5E140C4-143D-463A-B7DB-4A34882E658E}" type="presOf" srcId="{5E169D4E-E665-47DF-8C21-74D25C7B53AB}" destId="{5DDE445F-9914-4A2D-B9F7-484F0DC8218C}" srcOrd="0" destOrd="0" presId="urn:microsoft.com/office/officeart/2005/8/layout/hProcess9"/>
+    <dgm:cxn modelId="{F9ED80D2-1059-413F-9867-C0A99DD75E3D}" type="presOf" srcId="{4583EA47-73EE-42AE-ACAB-10D9DCC615E5}" destId="{90E1DD51-E411-4F0E-B155-7FA86A47E358}" srcOrd="0" destOrd="2" presId="urn:microsoft.com/office/officeart/2005/8/layout/hProcess9"/>
+    <dgm:cxn modelId="{615296E0-B0A0-4F95-8629-0890D8F0DFB7}" type="presOf" srcId="{86602EFF-810C-4A03-9D3D-8EB969BB4D1E}" destId="{CB1CDA73-5F1F-48E0-83B2-C7A9EF811319}" srcOrd="0" destOrd="3" presId="urn:microsoft.com/office/officeart/2005/8/layout/hProcess9"/>
+    <dgm:cxn modelId="{141D8AE2-C063-4AF9-A33C-80392657CCE6}" srcId="{566E6149-5414-47E2-9E06-C25F155CE261}" destId="{E8B80405-E08E-4501-8CA6-9782A00BEDA1}" srcOrd="2" destOrd="0" parTransId="{E45B81FC-E2E4-4FA1-B4EB-43FBEA56AE39}" sibTransId="{07972362-2143-48D4-B3AA-E678B19225D5}"/>
+    <dgm:cxn modelId="{C076A0E2-BB3B-492A-A2D4-0E25A132C21B}" srcId="{5E169D4E-E665-47DF-8C21-74D25C7B53AB}" destId="{C99263CC-1F5B-4648-9286-85EF66799BB5}" srcOrd="3" destOrd="0" parTransId="{A302C273-F965-43F8-B85B-6550E5D58DE0}" sibTransId="{FCCE83A8-0887-4234-84CC-5D62B47F2999}"/>
+    <dgm:cxn modelId="{A28821E5-88AF-4306-A499-C0C28C47AAF8}" type="presOf" srcId="{BB32758C-FA51-4F64-93B6-9F81C71D5278}" destId="{90E1DD51-E411-4F0E-B155-7FA86A47E358}" srcOrd="0" destOrd="1" presId="urn:microsoft.com/office/officeart/2005/8/layout/hProcess9"/>
+    <dgm:cxn modelId="{D946C4FD-C986-47C0-B3BB-7D1837A453F2}" srcId="{566E6149-5414-47E2-9E06-C25F155CE261}" destId="{1DF90F56-0DD4-4A00-804F-9947935A7882}" srcOrd="0" destOrd="0" parTransId="{C0DD96A3-E5F1-4559-B218-D40F0DA68176}" sibTransId="{D97666D5-9DDC-494B-AFB9-78C7EC75C71B}"/>
+    <dgm:cxn modelId="{38564EE2-ED33-49A7-A71D-6EEA02845B75}" type="presParOf" srcId="{5DDE445F-9914-4A2D-B9F7-484F0DC8218C}" destId="{B93453E7-E3A4-4A5A-8CA5-30214E99983A}" srcOrd="0" destOrd="0" presId="urn:microsoft.com/office/officeart/2005/8/layout/hProcess9"/>
+    <dgm:cxn modelId="{62BF80F5-2941-4F76-ADD5-97E741BB75F3}" type="presParOf" srcId="{5DDE445F-9914-4A2D-B9F7-484F0DC8218C}" destId="{1BE19CB4-4A51-4886-9134-05F4DAB2399A}" srcOrd="1" destOrd="0" presId="urn:microsoft.com/office/officeart/2005/8/layout/hProcess9"/>
+    <dgm:cxn modelId="{EADA5F78-CBF8-42BA-B4DA-4CD6032AA657}" type="presParOf" srcId="{1BE19CB4-4A51-4886-9134-05F4DAB2399A}" destId="{4D44B79E-2FA4-4D04-923D-DDB182FC3EDD}" srcOrd="0" destOrd="0" presId="urn:microsoft.com/office/officeart/2005/8/layout/hProcess9"/>
+    <dgm:cxn modelId="{C5406AA7-083E-4DE2-AFE5-019277BCE2EE}" type="presParOf" srcId="{1BE19CB4-4A51-4886-9134-05F4DAB2399A}" destId="{76C4580D-3E68-4A69-8A9B-DC9B6A2AFEA1}" srcOrd="1" destOrd="0" presId="urn:microsoft.com/office/officeart/2005/8/layout/hProcess9"/>
+    <dgm:cxn modelId="{018801E2-FBAD-4EF3-B972-74EBA4266B50}" type="presParOf" srcId="{1BE19CB4-4A51-4886-9134-05F4DAB2399A}" destId="{90E1DD51-E411-4F0E-B155-7FA86A47E358}" srcOrd="2" destOrd="0" presId="urn:microsoft.com/office/officeart/2005/8/layout/hProcess9"/>
+    <dgm:cxn modelId="{3F45E1F3-2097-4D12-929D-160DD4390D6D}" type="presParOf" srcId="{1BE19CB4-4A51-4886-9134-05F4DAB2399A}" destId="{95BAD62A-049D-4EDA-9501-95A08F9B4655}" srcOrd="3" destOrd="0" presId="urn:microsoft.com/office/officeart/2005/8/layout/hProcess9"/>
+    <dgm:cxn modelId="{DAC7C204-0F91-4438-AA53-D724530CF41C}" type="presParOf" srcId="{1BE19CB4-4A51-4886-9134-05F4DAB2399A}" destId="{CB1CDA73-5F1F-48E0-83B2-C7A9EF811319}" srcOrd="4" destOrd="0" presId="urn:microsoft.com/office/officeart/2005/8/layout/hProcess9"/>
+    <dgm:cxn modelId="{60E39955-783D-4684-BD11-72D80B87FBA7}" type="presParOf" srcId="{1BE19CB4-4A51-4886-9134-05F4DAB2399A}" destId="{A94C3704-B1BF-4BD5-B285-BBFFEBDF3AEF}" srcOrd="5" destOrd="0" presId="urn:microsoft.com/office/officeart/2005/8/layout/hProcess9"/>
+    <dgm:cxn modelId="{3B0AFE0A-36A7-4227-AD38-02B99C5EC35A}" type="presParOf" srcId="{1BE19CB4-4A51-4886-9134-05F4DAB2399A}" destId="{48DCF71A-86DA-4F4D-B314-2F6F81536381}" srcOrd="6" destOrd="0" presId="urn:microsoft.com/office/officeart/2005/8/layout/hProcess9"/>
+    <dgm:cxn modelId="{E801BA19-9395-48D7-8E54-A657884301C9}" type="presParOf" srcId="{1BE19CB4-4A51-4886-9134-05F4DAB2399A}" destId="{DF2CCC1C-0DE9-4EB1-98CB-2206C61EF836}" srcOrd="7" destOrd="0" presId="urn:microsoft.com/office/officeart/2005/8/layout/hProcess9"/>
+    <dgm:cxn modelId="{457E126D-49AA-4F1A-9577-162B3C9A3187}" type="presParOf" srcId="{1BE19CB4-4A51-4886-9134-05F4DAB2399A}" destId="{33CA34D7-7EA4-472B-B473-660254D53C05}" srcOrd="8" destOrd="0" presId="urn:microsoft.com/office/officeart/2005/8/layout/hProcess9"/>
+  </dgm:cxnLst>
+  <dgm:bg/>
+  <dgm:whole/>
+  <dgm:extLst>
+    <a:ext uri="http://schemas.microsoft.com/office/drawing/2008/diagram">
+      <dsp:dataModelExt xmlns:dsp="http://schemas.microsoft.com/office/drawing/2008/diagram" relId="rId8" minVer="http://schemas.openxmlformats.org/drawingml/2006/diagram"/>
+    </a:ext>
+  </dgm:extLst>
+</dgm:dataModel>
+</file>
+
+<file path=ppt/diagrams/drawing1.xml><?xml version="1.0" encoding="utf-8"?>
+<dsp:drawing xmlns:dgm="http://schemas.openxmlformats.org/drawingml/2006/diagram" xmlns:dsp="http://schemas.microsoft.com/office/drawing/2008/diagram" xmlns:a="http://schemas.openxmlformats.org/drawingml/2006/main">
+  <dsp:spTree>
+    <dsp:nvGrpSpPr>
+      <dsp:cNvPr id="0" name=""/>
+      <dsp:cNvGrpSpPr/>
+    </dsp:nvGrpSpPr>
+    <dsp:grpSpPr/>
+    <dsp:sp modelId="{B93453E7-E3A4-4A5A-8CA5-30214E99983A}">
+      <dsp:nvSpPr>
+        <dsp:cNvPr id="0" name=""/>
+        <dsp:cNvSpPr/>
+      </dsp:nvSpPr>
+      <dsp:spPr>
+        <a:xfrm>
+          <a:off x="679748" y="0"/>
+          <a:ext cx="7703819" cy="3657600"/>
+        </a:xfrm>
+        <a:prstGeom prst="rightArrow">
+          <a:avLst/>
+        </a:prstGeom>
+        <a:solidFill>
+          <a:schemeClr val="dk2">
+            <a:tint val="40000"/>
+            <a:hueOff val="0"/>
+            <a:satOff val="0"/>
+            <a:lumOff val="0"/>
+            <a:alphaOff val="0"/>
+          </a:schemeClr>
+        </a:solidFill>
+        <a:ln>
+          <a:noFill/>
+        </a:ln>
+        <a:effectLst/>
+      </dsp:spPr>
+      <dsp:style>
+        <a:lnRef idx="0">
+          <a:scrgbClr r="0" g="0" b="0"/>
+        </a:lnRef>
+        <a:fillRef idx="1">
+          <a:scrgbClr r="0" g="0" b="0"/>
+        </a:fillRef>
+        <a:effectRef idx="0">
+          <a:scrgbClr r="0" g="0" b="0"/>
+        </a:effectRef>
+        <a:fontRef idx="minor"/>
+      </dsp:style>
+    </dsp:sp>
+    <dsp:sp modelId="{4D44B79E-2FA4-4D04-923D-DDB182FC3EDD}">
+      <dsp:nvSpPr>
+        <dsp:cNvPr id="0" name=""/>
+        <dsp:cNvSpPr/>
+      </dsp:nvSpPr>
+      <dsp:spPr>
+        <a:xfrm>
+          <a:off x="1562" y="1097279"/>
+          <a:ext cx="1739283" cy="1463040"/>
+        </a:xfrm>
+        <a:prstGeom prst="roundRect">
+          <a:avLst/>
+        </a:prstGeom>
+        <a:solidFill>
+          <a:schemeClr val="dk2">
+            <a:hueOff val="0"/>
+            <a:satOff val="0"/>
+            <a:lumOff val="0"/>
+            <a:alphaOff val="0"/>
+          </a:schemeClr>
+        </a:solidFill>
+        <a:ln w="34925" cap="flat" cmpd="sng" algn="in">
+          <a:solidFill>
+            <a:schemeClr val="lt2">
+              <a:hueOff val="0"/>
+              <a:satOff val="0"/>
+              <a:lumOff val="0"/>
+              <a:alphaOff val="0"/>
+            </a:schemeClr>
+          </a:solidFill>
+          <a:prstDash val="solid"/>
+        </a:ln>
+        <a:effectLst/>
+      </dsp:spPr>
+      <dsp:style>
+        <a:lnRef idx="2">
+          <a:scrgbClr r="0" g="0" b="0"/>
+        </a:lnRef>
+        <a:fillRef idx="1">
+          <a:scrgbClr r="0" g="0" b="0"/>
+        </a:fillRef>
+        <a:effectRef idx="0">
+          <a:scrgbClr r="0" g="0" b="0"/>
+        </a:effectRef>
+        <a:fontRef idx="minor">
+          <a:schemeClr val="lt1"/>
+        </a:fontRef>
+      </dsp:style>
+      <dsp:txBody>
+        <a:bodyPr spcFirstLastPara="0" vert="horz" wrap="square" lIns="60960" tIns="60960" rIns="60960" bIns="60960" numCol="1" spcCol="1270" anchor="t" anchorCtr="0">
+          <a:noAutofit/>
+        </a:bodyPr>
+        <a:lstStyle/>
+        <a:p>
+          <a:pPr marL="0" lvl="0" indent="0" algn="l" defTabSz="711200" rtl="0">
+            <a:lnSpc>
+              <a:spcPct val="90000"/>
+            </a:lnSpc>
+            <a:spcBef>
+              <a:spcPct val="0"/>
+            </a:spcBef>
+            <a:spcAft>
+              <a:spcPct val="35000"/>
+            </a:spcAft>
+            <a:buNone/>
+          </a:pPr>
+          <a:r>
+            <a:rPr lang="es-ES" sz="1600" kern="1200" dirty="0">
+              <a:latin typeface="Franklin Gothic Book" panose="020B0503020102020204"/>
+            </a:rPr>
+            <a:t>Herramientas a</a:t>
+          </a:r>
+          <a:r>
+            <a:rPr lang="es-ES" sz="1600" b="0" i="0" u="none" strike="noStrike" kern="1200" cap="none" baseline="0" noProof="0" dirty="0">
+              <a:latin typeface="Franklin Gothic Book"/>
+            </a:rPr>
+            <a:t> utilizar</a:t>
+          </a:r>
+          <a:endParaRPr lang="es-ES" sz="1600" kern="1200" dirty="0"/>
+        </a:p>
+        <a:p>
+          <a:pPr marL="114300" lvl="1" indent="-114300" algn="l" defTabSz="533400" rtl="0">
+            <a:lnSpc>
+              <a:spcPct val="90000"/>
+            </a:lnSpc>
+            <a:spcBef>
+              <a:spcPct val="0"/>
+            </a:spcBef>
+            <a:spcAft>
+              <a:spcPct val="15000"/>
+            </a:spcAft>
+            <a:buChar char="•"/>
+          </a:pPr>
+          <a:r>
+            <a:rPr lang="es-ES" sz="1200" b="0" i="0" u="none" strike="noStrike" kern="1200" cap="none" baseline="0" noProof="0" dirty="0">
+              <a:latin typeface="Franklin Gothic Book"/>
+            </a:rPr>
+            <a:t>Excel</a:t>
+          </a:r>
+        </a:p>
+        <a:p>
+          <a:pPr marL="114300" lvl="1" indent="-114300" algn="l" defTabSz="533400">
+            <a:lnSpc>
+              <a:spcPct val="90000"/>
+            </a:lnSpc>
+            <a:spcBef>
+              <a:spcPct val="0"/>
+            </a:spcBef>
+            <a:spcAft>
+              <a:spcPct val="15000"/>
+            </a:spcAft>
+            <a:buChar char="•"/>
+          </a:pPr>
+          <a:r>
+            <a:rPr lang="es-ES" sz="1200" kern="1200" dirty="0">
+              <a:latin typeface="Franklin Gothic Book" panose="020B0503020102020204"/>
+            </a:rPr>
+            <a:t>Python</a:t>
+          </a:r>
+        </a:p>
+        <a:p>
+          <a:pPr marL="114300" lvl="1" indent="-114300" algn="l" defTabSz="533400" rtl="0">
+            <a:lnSpc>
+              <a:spcPct val="90000"/>
+            </a:lnSpc>
+            <a:spcBef>
+              <a:spcPct val="0"/>
+            </a:spcBef>
+            <a:spcAft>
+              <a:spcPct val="15000"/>
+            </a:spcAft>
+            <a:buChar char="•"/>
+          </a:pPr>
+          <a:r>
+            <a:rPr lang="es-ES" sz="1200" kern="1200" dirty="0" err="1">
+              <a:latin typeface="Franklin Gothic Book" panose="020B0503020102020204"/>
+            </a:rPr>
+            <a:t>Jupyter</a:t>
+          </a:r>
+          <a:r>
+            <a:rPr lang="es-ES" sz="1200" kern="1200" dirty="0">
+              <a:latin typeface="Franklin Gothic Book" panose="020B0503020102020204"/>
+            </a:rPr>
+            <a:t> notebook</a:t>
+          </a:r>
+          <a:endParaRPr lang="es-ES" sz="1200" kern="1200" dirty="0"/>
+        </a:p>
+      </dsp:txBody>
+      <dsp:txXfrm>
+        <a:off x="72982" y="1168699"/>
+        <a:ext cx="1596443" cy="1320200"/>
+      </dsp:txXfrm>
+    </dsp:sp>
+    <dsp:sp modelId="{90E1DD51-E411-4F0E-B155-7FA86A47E358}">
+      <dsp:nvSpPr>
+        <dsp:cNvPr id="0" name=""/>
+        <dsp:cNvSpPr/>
+      </dsp:nvSpPr>
+      <dsp:spPr>
+        <a:xfrm>
+          <a:off x="1831789" y="1097279"/>
+          <a:ext cx="1739283" cy="1463040"/>
+        </a:xfrm>
+        <a:prstGeom prst="roundRect">
+          <a:avLst/>
+        </a:prstGeom>
+        <a:solidFill>
+          <a:schemeClr val="dk2">
+            <a:hueOff val="0"/>
+            <a:satOff val="0"/>
+            <a:lumOff val="0"/>
+            <a:alphaOff val="0"/>
+          </a:schemeClr>
+        </a:solidFill>
+        <a:ln w="34925" cap="flat" cmpd="sng" algn="in">
+          <a:solidFill>
+            <a:schemeClr val="lt2">
+              <a:hueOff val="0"/>
+              <a:satOff val="0"/>
+              <a:lumOff val="0"/>
+              <a:alphaOff val="0"/>
+            </a:schemeClr>
+          </a:solidFill>
+          <a:prstDash val="solid"/>
+        </a:ln>
+        <a:effectLst/>
+      </dsp:spPr>
+      <dsp:style>
+        <a:lnRef idx="2">
+          <a:scrgbClr r="0" g="0" b="0"/>
+        </a:lnRef>
+        <a:fillRef idx="1">
+          <a:scrgbClr r="0" g="0" b="0"/>
+        </a:fillRef>
+        <a:effectRef idx="0">
+          <a:scrgbClr r="0" g="0" b="0"/>
+        </a:effectRef>
+        <a:fontRef idx="minor">
+          <a:schemeClr val="lt1"/>
+        </a:fontRef>
+      </dsp:style>
+      <dsp:txBody>
+        <a:bodyPr spcFirstLastPara="0" vert="horz" wrap="square" lIns="60960" tIns="60960" rIns="60960" bIns="60960" numCol="1" spcCol="1270" anchor="t" anchorCtr="0">
+          <a:noAutofit/>
+        </a:bodyPr>
+        <a:lstStyle/>
+        <a:p>
+          <a:pPr marL="0" lvl="0" indent="0" algn="l" defTabSz="711200" rtl="0">
+            <a:lnSpc>
+              <a:spcPct val="90000"/>
+            </a:lnSpc>
+            <a:spcBef>
+              <a:spcPct val="0"/>
+            </a:spcBef>
+            <a:spcAft>
+              <a:spcPct val="35000"/>
+            </a:spcAft>
+            <a:buNone/>
+          </a:pPr>
+          <a:r>
+            <a:rPr lang="es-ES" sz="1600" kern="1200" dirty="0">
+              <a:latin typeface="Franklin Gothic Book" panose="020B0503020102020204"/>
+            </a:rPr>
+            <a:t>Plataforma para sincronizar</a:t>
+          </a:r>
+        </a:p>
+        <a:p>
+          <a:pPr marL="114300" lvl="1" indent="-114300" algn="l" defTabSz="533400">
+            <a:lnSpc>
+              <a:spcPct val="90000"/>
+            </a:lnSpc>
+            <a:spcBef>
+              <a:spcPct val="0"/>
+            </a:spcBef>
+            <a:spcAft>
+              <a:spcPct val="15000"/>
+            </a:spcAft>
+            <a:buChar char="•"/>
+          </a:pPr>
+          <a:r>
+            <a:rPr lang="es-ES" sz="1200" kern="1200" dirty="0">
+              <a:latin typeface="Franklin Gothic Book" panose="020B0503020102020204"/>
+            </a:rPr>
+            <a:t>GitHub</a:t>
+          </a:r>
+        </a:p>
+        <a:p>
+          <a:pPr marL="114300" lvl="1" indent="-114300" algn="l" defTabSz="533400">
+            <a:lnSpc>
+              <a:spcPct val="90000"/>
+            </a:lnSpc>
+            <a:spcBef>
+              <a:spcPct val="0"/>
+            </a:spcBef>
+            <a:spcAft>
+              <a:spcPct val="15000"/>
+            </a:spcAft>
+            <a:buChar char="•"/>
+          </a:pPr>
+          <a:r>
+            <a:rPr lang="es-ES" sz="1200" kern="1200" dirty="0">
+              <a:latin typeface="Franklin Gothic Book" panose="020B0503020102020204"/>
+            </a:rPr>
+            <a:t>GitKraken</a:t>
+          </a:r>
+        </a:p>
+      </dsp:txBody>
+      <dsp:txXfrm>
+        <a:off x="1903209" y="1168699"/>
+        <a:ext cx="1596443" cy="1320200"/>
+      </dsp:txXfrm>
+    </dsp:sp>
+    <dsp:sp modelId="{CB1CDA73-5F1F-48E0-83B2-C7A9EF811319}">
+      <dsp:nvSpPr>
+        <dsp:cNvPr id="0" name=""/>
+        <dsp:cNvSpPr/>
+      </dsp:nvSpPr>
+      <dsp:spPr>
+        <a:xfrm>
+          <a:off x="3662016" y="1097279"/>
+          <a:ext cx="1739283" cy="1463040"/>
+        </a:xfrm>
+        <a:prstGeom prst="roundRect">
+          <a:avLst/>
+        </a:prstGeom>
+        <a:solidFill>
+          <a:schemeClr val="dk2">
+            <a:hueOff val="0"/>
+            <a:satOff val="0"/>
+            <a:lumOff val="0"/>
+            <a:alphaOff val="0"/>
+          </a:schemeClr>
+        </a:solidFill>
+        <a:ln w="34925" cap="flat" cmpd="sng" algn="in">
+          <a:solidFill>
+            <a:schemeClr val="lt2">
+              <a:hueOff val="0"/>
+              <a:satOff val="0"/>
+              <a:lumOff val="0"/>
+              <a:alphaOff val="0"/>
+            </a:schemeClr>
+          </a:solidFill>
+          <a:prstDash val="solid"/>
+        </a:ln>
+        <a:effectLst/>
+      </dsp:spPr>
+      <dsp:style>
+        <a:lnRef idx="2">
+          <a:scrgbClr r="0" g="0" b="0"/>
+        </a:lnRef>
+        <a:fillRef idx="1">
+          <a:scrgbClr r="0" g="0" b="0"/>
+        </a:fillRef>
+        <a:effectRef idx="0">
+          <a:scrgbClr r="0" g="0" b="0"/>
+        </a:effectRef>
+        <a:fontRef idx="minor">
+          <a:schemeClr val="lt1"/>
+        </a:fontRef>
+      </dsp:style>
+      <dsp:txBody>
+        <a:bodyPr spcFirstLastPara="0" vert="horz" wrap="square" lIns="60960" tIns="60960" rIns="60960" bIns="60960" numCol="1" spcCol="1270" anchor="t" anchorCtr="0">
+          <a:noAutofit/>
+        </a:bodyPr>
+        <a:lstStyle/>
+        <a:p>
+          <a:pPr marL="0" lvl="0" indent="0" algn="l" defTabSz="711200" rtl="0">
+            <a:lnSpc>
+              <a:spcPct val="90000"/>
+            </a:lnSpc>
+            <a:spcBef>
+              <a:spcPct val="0"/>
+            </a:spcBef>
+            <a:spcAft>
+              <a:spcPct val="35000"/>
+            </a:spcAft>
+            <a:buNone/>
+          </a:pPr>
+          <a:r>
+            <a:rPr lang="es-ES" sz="1600" kern="1200" dirty="0">
+              <a:latin typeface="Franklin Gothic Book" panose="020B0503020102020204"/>
+            </a:rPr>
+            <a:t>Librerías a considerar</a:t>
+          </a:r>
+          <a:endParaRPr lang="es-ES" sz="1600" kern="1200" dirty="0"/>
+        </a:p>
+        <a:p>
+          <a:pPr marL="114300" lvl="1" indent="-114300" algn="l" defTabSz="533400" rtl="0">
+            <a:lnSpc>
+              <a:spcPct val="90000"/>
+            </a:lnSpc>
+            <a:spcBef>
+              <a:spcPct val="0"/>
+            </a:spcBef>
+            <a:spcAft>
+              <a:spcPct val="15000"/>
+            </a:spcAft>
+            <a:buChar char="•"/>
+          </a:pPr>
+          <a:r>
+            <a:rPr lang="es-ES" sz="1200" kern="1200" dirty="0">
+              <a:latin typeface="Franklin Gothic Book" panose="020B0503020102020204"/>
+            </a:rPr>
+            <a:t>pandas</a:t>
+          </a:r>
+        </a:p>
+        <a:p>
+          <a:pPr marL="114300" lvl="1" indent="-114300" algn="l" defTabSz="533400" rtl="0">
+            <a:lnSpc>
+              <a:spcPct val="90000"/>
+            </a:lnSpc>
+            <a:spcBef>
+              <a:spcPct val="0"/>
+            </a:spcBef>
+            <a:spcAft>
+              <a:spcPct val="15000"/>
+            </a:spcAft>
+            <a:buChar char="•"/>
+          </a:pPr>
+          <a:r>
+            <a:rPr lang="es-ES" sz="1200" kern="1200" dirty="0">
+              <a:latin typeface="Franklin Gothic Book" panose="020B0503020102020204"/>
+            </a:rPr>
+            <a:t>numpy</a:t>
+          </a:r>
+        </a:p>
+        <a:p>
+          <a:pPr marL="114300" lvl="1" indent="-114300" algn="l" defTabSz="533400">
+            <a:lnSpc>
+              <a:spcPct val="90000"/>
+            </a:lnSpc>
+            <a:spcBef>
+              <a:spcPct val="0"/>
+            </a:spcBef>
+            <a:spcAft>
+              <a:spcPct val="15000"/>
+            </a:spcAft>
+            <a:buChar char="•"/>
+          </a:pPr>
+          <a:r>
+            <a:rPr lang="es-ES" sz="1200" kern="1200" dirty="0" err="1">
+              <a:latin typeface="Franklin Gothic Book" panose="020B0503020102020204"/>
+            </a:rPr>
+            <a:t>pmarima</a:t>
+          </a:r>
+          <a:endParaRPr lang="es-ES" sz="1200" kern="1200" dirty="0">
+            <a:latin typeface="Franklin Gothic Book" panose="020B0503020102020204"/>
+          </a:endParaRPr>
+        </a:p>
+        <a:p>
+          <a:pPr marL="114300" lvl="1" indent="-114300" algn="l" defTabSz="533400">
+            <a:lnSpc>
+              <a:spcPct val="90000"/>
+            </a:lnSpc>
+            <a:spcBef>
+              <a:spcPct val="0"/>
+            </a:spcBef>
+            <a:spcAft>
+              <a:spcPct val="15000"/>
+            </a:spcAft>
+            <a:buChar char="•"/>
+          </a:pPr>
+          <a:r>
+            <a:rPr lang="es-ES" sz="1200" kern="1200" dirty="0">
+              <a:latin typeface="Franklin Gothic Book" panose="020B0503020102020204"/>
+            </a:rPr>
+            <a:t>statsmodels</a:t>
+          </a:r>
+        </a:p>
+      </dsp:txBody>
+      <dsp:txXfrm>
+        <a:off x="3733436" y="1168699"/>
+        <a:ext cx="1596443" cy="1320200"/>
+      </dsp:txXfrm>
+    </dsp:sp>
+    <dsp:sp modelId="{48DCF71A-86DA-4F4D-B314-2F6F81536381}">
+      <dsp:nvSpPr>
+        <dsp:cNvPr id="0" name=""/>
+        <dsp:cNvSpPr/>
+      </dsp:nvSpPr>
+      <dsp:spPr>
+        <a:xfrm>
+          <a:off x="5492243" y="1097279"/>
+          <a:ext cx="1739283" cy="1463040"/>
+        </a:xfrm>
+        <a:prstGeom prst="roundRect">
+          <a:avLst/>
+        </a:prstGeom>
+        <a:solidFill>
+          <a:schemeClr val="dk2">
+            <a:hueOff val="0"/>
+            <a:satOff val="0"/>
+            <a:lumOff val="0"/>
+            <a:alphaOff val="0"/>
+          </a:schemeClr>
+        </a:solidFill>
+        <a:ln w="34925" cap="flat" cmpd="sng" algn="in">
+          <a:solidFill>
+            <a:schemeClr val="lt2">
+              <a:hueOff val="0"/>
+              <a:satOff val="0"/>
+              <a:lumOff val="0"/>
+              <a:alphaOff val="0"/>
+            </a:schemeClr>
+          </a:solidFill>
+          <a:prstDash val="solid"/>
+        </a:ln>
+        <a:effectLst/>
+      </dsp:spPr>
+      <dsp:style>
+        <a:lnRef idx="2">
+          <a:scrgbClr r="0" g="0" b="0"/>
+        </a:lnRef>
+        <a:fillRef idx="1">
+          <a:scrgbClr r="0" g="0" b="0"/>
+        </a:fillRef>
+        <a:effectRef idx="0">
+          <a:scrgbClr r="0" g="0" b="0"/>
+        </a:effectRef>
+        <a:fontRef idx="minor">
+          <a:schemeClr val="lt1"/>
+        </a:fontRef>
+      </dsp:style>
+      <dsp:txBody>
+        <a:bodyPr spcFirstLastPara="0" vert="horz" wrap="square" lIns="60960" tIns="60960" rIns="60960" bIns="60960" numCol="1" spcCol="1270" anchor="t" anchorCtr="0">
+          <a:noAutofit/>
+        </a:bodyPr>
+        <a:lstStyle/>
+        <a:p>
+          <a:pPr marL="0" lvl="0" indent="0" algn="l" defTabSz="711200" rtl="0">
+            <a:lnSpc>
+              <a:spcPct val="90000"/>
+            </a:lnSpc>
+            <a:spcBef>
+              <a:spcPct val="0"/>
+            </a:spcBef>
+            <a:spcAft>
+              <a:spcPct val="35000"/>
+            </a:spcAft>
+            <a:buNone/>
+          </a:pPr>
+          <a:r>
+            <a:rPr lang="es-ES" sz="1600" kern="1200" dirty="0">
+              <a:latin typeface="Franklin Gothic Book" panose="020B0503020102020204"/>
+            </a:rPr>
+            <a:t>Criterios a contemplar</a:t>
+          </a:r>
+        </a:p>
+        <a:p>
+          <a:pPr marL="114300" lvl="1" indent="-114300" algn="l" defTabSz="533400" rtl="0">
+            <a:lnSpc>
+              <a:spcPct val="90000"/>
+            </a:lnSpc>
+            <a:spcBef>
+              <a:spcPct val="0"/>
+            </a:spcBef>
+            <a:spcAft>
+              <a:spcPct val="15000"/>
+            </a:spcAft>
+            <a:buChar char="•"/>
+          </a:pPr>
+          <a:r>
+            <a:rPr lang="es-ES" sz="1200" kern="1200" dirty="0">
+              <a:latin typeface="Franklin Gothic Book" panose="020B0503020102020204"/>
+            </a:rPr>
+            <a:t>MAPE y MAE &lt; 10%</a:t>
+          </a:r>
+        </a:p>
+        <a:p>
+          <a:pPr marL="114300" lvl="1" indent="-114300" algn="l" defTabSz="533400" rtl="0">
+            <a:lnSpc>
+              <a:spcPct val="90000"/>
+            </a:lnSpc>
+            <a:spcBef>
+              <a:spcPct val="0"/>
+            </a:spcBef>
+            <a:spcAft>
+              <a:spcPct val="15000"/>
+            </a:spcAft>
+            <a:buChar char="•"/>
+          </a:pPr>
+          <a:r>
+            <a:rPr lang="es-ES" sz="1200" kern="1200" dirty="0">
+              <a:latin typeface="Franklin Gothic Book" panose="020B0503020102020204"/>
+            </a:rPr>
+            <a:t>Tiempo de ejecución &lt; 10 minutos</a:t>
+          </a:r>
+        </a:p>
+      </dsp:txBody>
+      <dsp:txXfrm>
+        <a:off x="5563663" y="1168699"/>
+        <a:ext cx="1596443" cy="1320200"/>
+      </dsp:txXfrm>
+    </dsp:sp>
+    <dsp:sp modelId="{33CA34D7-7EA4-472B-B473-660254D53C05}">
+      <dsp:nvSpPr>
+        <dsp:cNvPr id="0" name=""/>
+        <dsp:cNvSpPr/>
+      </dsp:nvSpPr>
+      <dsp:spPr>
+        <a:xfrm>
+          <a:off x="7322470" y="1097279"/>
+          <a:ext cx="1739283" cy="1463040"/>
+        </a:xfrm>
+        <a:prstGeom prst="roundRect">
+          <a:avLst/>
+        </a:prstGeom>
+        <a:solidFill>
+          <a:schemeClr val="dk2">
+            <a:hueOff val="0"/>
+            <a:satOff val="0"/>
+            <a:lumOff val="0"/>
+            <a:alphaOff val="0"/>
+          </a:schemeClr>
+        </a:solidFill>
+        <a:ln w="34925" cap="flat" cmpd="sng" algn="in">
+          <a:solidFill>
+            <a:schemeClr val="lt2">
+              <a:hueOff val="0"/>
+              <a:satOff val="0"/>
+              <a:lumOff val="0"/>
+              <a:alphaOff val="0"/>
+            </a:schemeClr>
+          </a:solidFill>
+          <a:prstDash val="solid"/>
+        </a:ln>
+        <a:effectLst/>
+      </dsp:spPr>
+      <dsp:style>
+        <a:lnRef idx="2">
+          <a:scrgbClr r="0" g="0" b="0"/>
+        </a:lnRef>
+        <a:fillRef idx="1">
+          <a:scrgbClr r="0" g="0" b="0"/>
+        </a:fillRef>
+        <a:effectRef idx="0">
+          <a:scrgbClr r="0" g="0" b="0"/>
+        </a:effectRef>
+        <a:fontRef idx="minor">
+          <a:schemeClr val="lt1"/>
+        </a:fontRef>
+      </dsp:style>
+      <dsp:txBody>
+        <a:bodyPr spcFirstLastPara="0" vert="horz" wrap="square" lIns="60960" tIns="60960" rIns="60960" bIns="60960" numCol="1" spcCol="1270" anchor="t" anchorCtr="0">
+          <a:noAutofit/>
+        </a:bodyPr>
+        <a:lstStyle/>
+        <a:p>
+          <a:pPr marL="0" lvl="0" indent="0" algn="l" defTabSz="711200" rtl="0">
+            <a:lnSpc>
+              <a:spcPct val="90000"/>
+            </a:lnSpc>
+            <a:spcBef>
+              <a:spcPct val="0"/>
+            </a:spcBef>
+            <a:spcAft>
+              <a:spcPct val="35000"/>
+            </a:spcAft>
+            <a:buNone/>
+          </a:pPr>
+          <a:r>
+            <a:rPr lang="es-ES" sz="1600" kern="1200" dirty="0">
+              <a:latin typeface="Franklin Gothic Book" panose="020B0503020102020204"/>
+            </a:rPr>
+            <a:t>Meta a lograr</a:t>
+          </a:r>
+        </a:p>
+        <a:p>
+          <a:pPr marL="114300" lvl="1" indent="-114300" algn="l" defTabSz="533400" rtl="0">
+            <a:lnSpc>
+              <a:spcPct val="90000"/>
+            </a:lnSpc>
+            <a:spcBef>
+              <a:spcPct val="0"/>
+            </a:spcBef>
+            <a:spcAft>
+              <a:spcPct val="15000"/>
+            </a:spcAft>
+            <a:buChar char="•"/>
+          </a:pPr>
+          <a:r>
+            <a:rPr lang="es-ES" sz="1200" kern="1200" dirty="0">
+              <a:latin typeface="Franklin Gothic Book" panose="020B0503020102020204"/>
+            </a:rPr>
+            <a:t>Modelos ARIMA para la predicción de generación en las plantas intermitentes</a:t>
+          </a:r>
+        </a:p>
+      </dsp:txBody>
+      <dsp:txXfrm>
+        <a:off x="7393890" y="1168699"/>
+        <a:ext cx="1596443" cy="1320200"/>
+      </dsp:txXfrm>
+    </dsp:sp>
+  </dsp:spTree>
+</dsp:drawing>
+</file>
+
+<file path=ppt/diagrams/layout1.xml><?xml version="1.0" encoding="utf-8"?>
+<dgm:layoutDef xmlns:dgm="http://schemas.openxmlformats.org/drawingml/2006/diagram" xmlns:a="http://schemas.openxmlformats.org/drawingml/2006/main" uniqueId="urn:microsoft.com/office/officeart/2005/8/layout/hProcess9">
+  <dgm:title val=""/>
+  <dgm:desc val=""/>
+  <dgm:catLst>
+    <dgm:cat type="process" pri="5000"/>
+    <dgm:cat type="convert" pri="13000"/>
+  </dgm:catLst>
+  <dgm:sampData useDef="1">
+    <dgm:dataModel>
+      <dgm:ptLst/>
+      <dgm:bg/>
+      <dgm:whole/>
+    </dgm:dataModel>
+  </dgm:sampData>
+  <dgm:styleData>
+    <dgm:dataModel>
+      <dgm:ptLst>
+        <dgm:pt modelId="0" type="doc"/>
+        <dgm:pt modelId="1"/>
+        <dgm:pt modelId="2"/>
+      </dgm:ptLst>
+      <dgm:cxnLst>
+        <dgm:cxn modelId="3" srcId="0" destId="1" srcOrd="0" destOrd="0"/>
+        <dgm:cxn modelId="4" srcId="0" destId="2" srcOrd="1" destOrd="0"/>
+      </dgm:cxnLst>
+      <dgm:bg/>
+      <dgm:whole/>
+    </dgm:dataModel>
+  </dgm:styleData>
+  <dgm:clrData>
+    <dgm:dataModel>
+      <dgm:ptLst>
+        <dgm:pt modelId="0" type="doc"/>
+        <dgm:pt modelId="1"/>
+        <dgm:pt modelId="2"/>
+        <dgm:pt modelId="3"/>
+        <dgm:pt modelId="4"/>
+      </dgm:ptLst>
+      <dgm:cxnLst>
+        <dgm:cxn modelId="5" srcId="0" destId="1" srcOrd="0" destOrd="0"/>
+        <dgm:cxn modelId="6" srcId="0" destId="2" srcOrd="1" destOrd="0"/>
+        <dgm:cxn modelId="7" srcId="0" destId="3" srcOrd="2" destOrd="0"/>
+        <dgm:cxn modelId="8" srcId="0" destId="4" srcOrd="3" destOrd="0"/>
+      </dgm:cxnLst>
+      <dgm:bg/>
+      <dgm:whole/>
+    </dgm:dataModel>
+  </dgm:clrData>
+  <dgm:layoutNode name="CompostProcess">
+    <dgm:varLst>
+      <dgm:dir/>
+      <dgm:resizeHandles val="exact"/>
+    </dgm:varLst>
+    <dgm:alg type="composite">
+      <dgm:param type="horzAlign" val="ctr"/>
+      <dgm:param type="vertAlign" val="mid"/>
+    </dgm:alg>
+    <dgm:shape xmlns:r="http://schemas.openxmlformats.org/officeDocument/2006/relationships" r:blip="">
+      <dgm:adjLst/>
+    </dgm:shape>
+    <dgm:presOf/>
+    <dgm:constrLst>
+      <dgm:constr type="w" for="ch" forName="arrow" refType="w" fact="0.85"/>
+      <dgm:constr type="h" for="ch" forName="arrow" refType="h"/>
+      <dgm:constr type="ctrX" for="ch" forName="arrow" refType="w" fact="0.5"/>
+      <dgm:constr type="ctrY" for="ch" forName="arrow" refType="h" fact="0.5"/>
+      <dgm:constr type="w" for="ch" forName="linearProcess" refType="w"/>
+      <dgm:constr type="h" for="ch" forName="linearProcess" refType="h" fact="0.4"/>
+      <dgm:constr type="ctrX" for="ch" forName="linearProcess" refType="w" fact="0.5"/>
+      <dgm:constr type="ctrY" for="ch" forName="linearProcess" refType="h" fact="0.5"/>
+    </dgm:constrLst>
+    <dgm:ruleLst/>
+    <dgm:layoutNode name="arrow" styleLbl="bgShp">
+      <dgm:alg type="sp"/>
+      <dgm:choose name="Name0">
+        <dgm:if name="Name1" func="var" arg="dir" op="equ" val="norm">
+          <dgm:shape xmlns:r="http://schemas.openxmlformats.org/officeDocument/2006/relationships" type="rightArrow" r:blip="">
+            <dgm:adjLst/>
+          </dgm:shape>
+        </dgm:if>
+        <dgm:else name="Name2">
+          <dgm:shape xmlns:r="http://schemas.openxmlformats.org/officeDocument/2006/relationships" type="leftArrow" r:blip="">
+            <dgm:adjLst/>
+          </dgm:shape>
+        </dgm:else>
+      </dgm:choose>
+      <dgm:presOf/>
+      <dgm:constrLst/>
+      <dgm:ruleLst/>
+    </dgm:layoutNode>
+    <dgm:layoutNode name="linearProcess">
+      <dgm:choose name="Name3">
+        <dgm:if name="Name4" func="var" arg="dir" op="equ" val="norm">
+          <dgm:alg type="lin"/>
+        </dgm:if>
+        <dgm:else name="Name5">
+          <dgm:alg type="lin">
+            <dgm:param type="linDir" val="fromR"/>
+          </dgm:alg>
+        </dgm:else>
+      </dgm:choose>
+      <dgm:shape xmlns:r="http://schemas.openxmlformats.org/officeDocument/2006/relationships" r:blip="">
+        <dgm:adjLst/>
+      </dgm:shape>
+      <dgm:presOf/>
+      <dgm:constrLst>
+        <dgm:constr type="userA" for="ch" ptType="node" refType="w"/>
+        <dgm:constr type="h" for="ch" ptType="node" refType="h"/>
+        <dgm:constr type="w" for="ch" ptType="node" op="equ"/>
+        <dgm:constr type="w" for="ch" forName="sibTrans" refType="w" fact="0.05"/>
+        <dgm:constr type="primFontSz" for="ch" ptType="node" op="equ" val="65"/>
+      </dgm:constrLst>
+      <dgm:ruleLst/>
+      <dgm:forEach name="Name6" axis="ch" ptType="node">
+        <dgm:layoutNode name="textNode" styleLbl="node1">
+          <dgm:varLst>
+            <dgm:bulletEnabled val="1"/>
+          </dgm:varLst>
+          <dgm:alg type="tx"/>
+          <dgm:shape xmlns:r="http://schemas.openxmlformats.org/officeDocument/2006/relationships" type="roundRect" r:blip="">
+            <dgm:adjLst/>
+          </dgm:shape>
+          <dgm:presOf axis="desOrSelf" ptType="node"/>
+          <dgm:constrLst>
+            <dgm:constr type="userA"/>
+            <dgm:constr type="w" refType="userA" fact="0.3"/>
+            <dgm:constr type="tMarg" refType="primFontSz" fact="0.3"/>
+            <dgm:constr type="bMarg" refType="primFontSz" fact="0.3"/>
+            <dgm:constr type="lMarg" refType="primFontSz" fact="0.3"/>
+            <dgm:constr type="rMarg" refType="primFontSz" fact="0.3"/>
+          </dgm:constrLst>
+          <dgm:ruleLst>
+            <dgm:rule type="w" val="NaN" fact="1" max="NaN"/>
+            <dgm:rule type="primFontSz" val="5" fact="NaN" max="NaN"/>
+          </dgm:ruleLst>
+        </dgm:layoutNode>
+        <dgm:forEach name="Name7" axis="followSib" ptType="sibTrans" cnt="1">
+          <dgm:layoutNode name="sibTrans">
+            <dgm:alg type="sp"/>
+            <dgm:shape xmlns:r="http://schemas.openxmlformats.org/officeDocument/2006/relationships" r:blip="">
+              <dgm:adjLst/>
+            </dgm:shape>
+            <dgm:presOf/>
+            <dgm:constrLst/>
+            <dgm:ruleLst/>
+          </dgm:layoutNode>
+        </dgm:forEach>
+      </dgm:forEach>
+    </dgm:layoutNode>
+  </dgm:layoutNode>
+</dgm:layoutDef>
+</file>
+
+<file path=ppt/diagrams/quickStyle1.xml><?xml version="1.0" encoding="utf-8"?>
+<dgm:styleDef xmlns:dgm="http://schemas.openxmlformats.org/drawingml/2006/diagram" xmlns:a="http://schemas.openxmlformats.org/drawingml/2006/main" uniqueId="urn:microsoft.com/office/officeart/2005/8/quickstyle/simple1">
+  <dgm:title val=""/>
+  <dgm:desc val=""/>
+  <dgm:catLst>
+    <dgm:cat type="simple" pri="10100"/>
+  </dgm:catLst>
+  <dgm:scene3d>
+    <a:camera prst="orthographicFront"/>
+    <a:lightRig rig="threePt" dir="t"/>
+  </dgm:scene3d>
+  <dgm:styleLbl name="node0">
+    <dgm:scene3d>
+      <a:camera prst="orthographicFront"/>
+      <a:lightRig rig="threePt" dir="t"/>
+    </dgm:scene3d>
+    <dgm:sp3d/>
+    <dgm:txPr/>
+    <dgm:style>
+      <a:lnRef idx="2">
+        <a:scrgbClr r="0" g="0" b="0"/>
+      </a:lnRef>
+      <a:fillRef idx="1">
+        <a:scrgbClr r="0" g="0" b="0"/>
+      </a:fillRef>
+      <a:effectRef idx="0">
+        <a:scrgbClr r="0" g="0" b="0"/>
+      </a:effectRef>
+      <a:fontRef idx="minor">
+        <a:schemeClr val="lt1"/>
+      </a:fontRef>
+    </dgm:style>
+  </dgm:styleLbl>
+  <dgm:styleLbl name="lnNode1">
+    <dgm:scene3d>
+      <a:camera prst="orthographicFront"/>
+      <a:lightRig rig="threePt" dir="t"/>
+    </dgm:scene3d>
+    <dgm:sp3d/>
+    <dgm:txPr/>
+    <dgm:style>
+      <a:lnRef idx="2">
+        <a:scrgbClr r="0" g="0" b="0"/>
+      </a:lnRef>
+      <a:fillRef idx="1">
+        <a:scrgbClr r="0" g="0" b="0"/>
+      </a:fillRef>
+      <a:effectRef idx="0">
+        <a:scrgbClr r="0" g="0" b="0"/>
+      </a:effectRef>
+      <a:fontRef idx="minor">
+        <a:schemeClr val="lt1"/>
+      </a:fontRef>
+    </dgm:style>
+  </dgm:styleLbl>
+  <dgm:styleLbl name="vennNode1">
+    <dgm:scene3d>
+      <a:camera prst="orthographicFront"/>
+      <a:lightRig rig="threePt" dir="t"/>
+    </dgm:scene3d>
+    <dgm:sp3d/>
+    <dgm:txPr/>
+    <dgm:style>
+      <a:lnRef idx="2">
+        <a:scrgbClr r="0" g="0" b="0"/>
+      </a:lnRef>
+      <a:fillRef idx="1">
+        <a:scrgbClr r="0" g="0" b="0"/>
+      </a:fillRef>
+      <a:effectRef idx="0">
+        <a:scrgbClr r="0" g="0" b="0"/>
+      </a:effectRef>
+      <a:fontRef idx="minor">
+        <a:schemeClr val="tx1"/>
+      </a:fontRef>
+    </dgm:style>
+  </dgm:styleLbl>
+  <dgm:styleLbl name="alignNode1">
+    <dgm:scene3d>
+      <a:camera prst="orthographicFront"/>
+      <a:lightRig rig="threePt" dir="t"/>
+    </dgm:scene3d>
+    <dgm:sp3d/>
+    <dgm:txPr/>
+    <dgm:style>
+      <a:lnRef idx="2">
+        <a:scrgbClr r="0" g="0" b="0"/>
+      </a:lnRef>
+      <a:fillRef idx="1">
+        <a:scrgbClr r="0" g="0" b="0"/>
+      </a:fillRef>
+      <a:effectRef idx="0">
+        <a:scrgbClr r="0" g="0" b="0"/>
+      </a:effectRef>
+      <a:fontRef idx="minor">
+        <a:schemeClr val="lt1"/>
+      </a:fontRef>
+    </dgm:style>
+  </dgm:styleLbl>
+  <dgm:styleLbl name="node1">
+    <dgm:scene3d>
+      <a:camera prst="orthographicFront"/>
+      <a:lightRig rig="threePt" dir="t"/>
+    </dgm:scene3d>
+    <dgm:sp3d/>
+    <dgm:txPr/>
+    <dgm:style>
+      <a:lnRef idx="2">
+        <a:scrgbClr r="0" g="0" b="0"/>
+      </a:lnRef>
+      <a:fillRef idx="1">
+        <a:scrgbClr r="0" g="0" b="0"/>
+      </a:fillRef>
+      <a:effectRef idx="0">
+        <a:scrgbClr r="0" g="0" b="0"/>
+      </a:effectRef>
+      <a:fontRef idx="minor">
+        <a:schemeClr val="lt1"/>
+      </a:fontRef>
+    </dgm:style>
+  </dgm:styleLbl>
+  <dgm:styleLbl name="node2">
+    <dgm:scene3d>
+      <a:camera prst="orthographicFront"/>
+      <a:lightRig rig="threePt" dir="t"/>
+    </dgm:scene3d>
+    <dgm:sp3d/>
+    <dgm:txPr/>
+    <dgm:style>
+      <a:lnRef idx="2">
+        <a:scrgbClr r="0" g="0" b="0"/>
+      </a:lnRef>
+      <a:fillRef idx="1">
+        <a:scrgbClr r="0" g="0" b="0"/>
+      </a:fillRef>
+      <a:effectRef idx="0">
+        <a:scrgbClr r="0" g="0" b="0"/>
+      </a:effectRef>
+      <a:fontRef idx="minor">
+        <a:schemeClr val="lt1"/>
+      </a:fontRef>
+    </dgm:style>
+  </dgm:styleLbl>
+  <dgm:styleLbl name="node3">
+    <dgm:scene3d>
+      <a:camera prst="orthographicFront"/>
+      <a:lightRig rig="threePt" dir="t"/>
+    </dgm:scene3d>
+    <dgm:sp3d/>
+    <dgm:txPr/>
+    <dgm:style>
+      <a:lnRef idx="2">
+        <a:scrgbClr r="0" g="0" b="0"/>
+      </a:lnRef>
+      <a:fillRef idx="1">
+        <a:scrgbClr r="0" g="0" b="0"/>
+      </a:fillRef>
+      <a:effectRef idx="0">
+        <a:scrgbClr r="0" g="0" b="0"/>
+      </a:effectRef>
+      <a:fontRef idx="minor">
+        <a:schemeClr val="lt1"/>
+      </a:fontRef>
+    </dgm:style>
+  </dgm:styleLbl>
+  <dgm:styleLbl name="node4">
+    <dgm:scene3d>
+      <a:camera prst="orthographicFront"/>
+      <a:lightRig rig="threePt" dir="t"/>
+    </dgm:scene3d>
+    <dgm:sp3d/>
+    <dgm:txPr/>
+    <dgm:style>
+      <a:lnRef idx="2">
+        <a:scrgbClr r="0" g="0" b="0"/>
+      </a:lnRef>
+      <a:fillRef idx="1">
+        <a:scrgbClr r="0" g="0" b="0"/>
+      </a:fillRef>
+      <a:effectRef idx="0">
+        <a:scrgbClr r="0" g="0" b="0"/>
+      </a:effectRef>
+      <a:fontRef idx="minor">
+        <a:schemeClr val="lt1"/>
+      </a:fontRef>
+    </dgm:style>
+  </dgm:styleLbl>
+  <dgm:styleLbl name="fgImgPlace1">
+    <dgm:scene3d>
+      <a:camera prst="orthographicFront"/>
+      <a:lightRig rig="threePt" dir="t"/>
+    </dgm:scene3d>
+    <dgm:sp3d/>
+    <dgm:txPr/>
+    <dgm:style>
+      <a:lnRef idx="2">
+        <a:scrgbClr r="0" g="0" b="0"/>
+      </a:lnRef>
+      <a:fillRef idx="1">
+        <a:scrgbClr r="0" g="0" b="0"/>
+      </a:fillRef>
+      <a:effectRef idx="0">
+        <a:scrgbClr r="0" g="0" b="0"/>
+      </a:effectRef>
+      <a:fontRef idx="minor"/>
+    </dgm:style>
+  </dgm:styleLbl>
+  <dgm:styleLbl name="alignImgPlace1">
+    <dgm:scene3d>
+      <a:camera prst="orthographicFront"/>
+      <a:lightRig rig="threePt" dir="t"/>
+    </dgm:scene3d>
+    <dgm:sp3d/>
+    <dgm:txPr/>
+    <dgm:style>
+      <a:lnRef idx="2">
+        <a:scrgbClr r="0" g="0" b="0"/>
+      </a:lnRef>
+      <a:fillRef idx="1">
+        <a:scrgbClr r="0" g="0" b="0"/>
+      </a:fillRef>
+      <a:effectRef idx="0">
+        <a:scrgbClr r="0" g="0" b="0"/>
+      </a:effectRef>
+      <a:fontRef idx="minor"/>
+    </dgm:style>
+  </dgm:styleLbl>
+  <dgm:styleLbl name="bgImgPlace1">
+    <dgm:scene3d>
+      <a:camera prst="orthographicFront"/>
+      <a:lightRig rig="threePt" dir="t"/>
+    </dgm:scene3d>
+    <dgm:sp3d/>
+    <dgm:txPr/>
+    <dgm:style>
+      <a:lnRef idx="2">
+        <a:scrgbClr r="0" g="0" b="0"/>
+      </a:lnRef>
+      <a:fillRef idx="1">
+        <a:scrgbClr r="0" g="0" b="0"/>
+      </a:fillRef>
+      <a:effectRef idx="0">
+        <a:scrgbClr r="0" g="0" b="0"/>
+      </a:effectRef>
+      <a:fontRef idx="minor"/>
+    </dgm:style>
+  </dgm:styleLbl>
+  <dgm:styleLbl name="sibTrans2D1">
+    <dgm:scene3d>
+      <a:camera prst="orthographicFront"/>
+      <a:lightRig rig="threePt" dir="t"/>
+    </dgm:scene3d>
+    <dgm:sp3d/>
+    <dgm:txPr/>
+    <dgm:style>
+      <a:lnRef idx="0">
+        <a:scrgbClr r="0" g="0" b="0"/>
+      </a:lnRef>
+      <a:fillRef idx="1">
+        <a:scrgbClr r="0" g="0" b="0"/>
+      </a:fillRef>
+      <a:effectRef idx="0">
+        <a:scrgbClr r="0" g="0" b="0"/>
+      </a:effectRef>
+      <a:fontRef idx="minor">
+        <a:schemeClr val="lt1"/>
+      </a:fontRef>
+    </dgm:style>
+  </dgm:styleLbl>
+  <dgm:styleLbl name="fgSibTrans2D1">
+    <dgm:scene3d>
+      <a:camera prst="orthographicFront"/>
+      <a:lightRig rig="threePt" dir="t"/>
+    </dgm:scene3d>
+    <dgm:sp3d/>
+    <dgm:txPr/>
+    <dgm:style>
+      <a:lnRef idx="0">
+        <a:scrgbClr r="0" g="0" b="0"/>
+      </a:lnRef>
+      <a:fillRef idx="1">
+        <a:scrgbClr r="0" g="0" b="0"/>
+      </a:fillRef>
+      <a:effectRef idx="0">
+        <a:scrgbClr r="0" g="0" b="0"/>
+      </a:effectRef>
+      <a:fontRef idx="minor">
+        <a:schemeClr val="lt1"/>
+      </a:fontRef>
+    </dgm:style>
+  </dgm:styleLbl>
+  <dgm:styleLbl name="bgSibTrans2D1">
+    <dgm:scene3d>
+      <a:camera prst="orthographicFront"/>
+      <a:lightRig rig="threePt" dir="t"/>
+    </dgm:scene3d>
+    <dgm:sp3d/>
+    <dgm:txPr/>
+    <dgm:style>
+      <a:lnRef idx="0">
+        <a:scrgbClr r="0" g="0" b="0"/>
+      </a:lnRef>
+      <a:fillRef idx="1">
+        <a:scrgbClr r="0" g="0" b="0"/>
+      </a:fillRef>
+      <a:effectRef idx="0">
+        <a:scrgbClr r="0" g="0" b="0"/>
+      </a:effectRef>
+      <a:fontRef idx="minor">
+        <a:schemeClr val="lt1"/>
+      </a:fontRef>
+    </dgm:style>
+  </dgm:styleLbl>
+  <dgm:styleLbl name="sibTrans1D1">
+    <dgm:scene3d>
+      <a:camera prst="orthographicFront"/>
+      <a:lightRig rig="threePt" dir="t"/>
+    </dgm:scene3d>
+    <dgm:sp3d/>
+    <dgm:txPr/>
+    <dgm:style>
+      <a:lnRef idx="1">
+        <a:scrgbClr r="0" g="0" b="0"/>
+      </a:lnRef>
+      <a:fillRef idx="0">
+        <a:scrgbClr r="0" g="0" b="0"/>
+      </a:fillRef>
+      <a:effectRef idx="0">
+        <a:scrgbClr r="0" g="0" b="0"/>
+      </a:effectRef>
+      <a:fontRef idx="minor"/>
+    </dgm:style>
+  </dgm:styleLbl>
+  <dgm:styleLbl name="callout">
+    <dgm:scene3d>
+      <a:camera prst="orthographicFront"/>
+      <a:lightRig rig="threePt" dir="t"/>
+    </dgm:scene3d>
+    <dgm:sp3d/>
+    <dgm:txPr/>
+    <dgm:style>
+      <a:lnRef idx="2">
+        <a:scrgbClr r="0" g="0" b="0"/>
+      </a:lnRef>
+      <a:fillRef idx="1">
+        <a:scrgbClr r="0" g="0" b="0"/>
+      </a:fillRef>
+      <a:effectRef idx="0">
+        <a:scrgbClr r="0" g="0" b="0"/>
+      </a:effectRef>
+      <a:fontRef idx="minor"/>
+    </dgm:style>
+  </dgm:styleLbl>
+  <dgm:styleLbl name="asst0">
+    <dgm:scene3d>
+      <a:camera prst="orthographicFront"/>
+      <a:lightRig rig="threePt" dir="t"/>
+    </dgm:scene3d>
+    <dgm:sp3d/>
+    <dgm:txPr/>
+    <dgm:style>
+      <a:lnRef idx="2">
+        <a:scrgbClr r="0" g="0" b="0"/>
+      </a:lnRef>
+      <a:fillRef idx="1">
+        <a:scrgbClr r="0" g="0" b="0"/>
+      </a:fillRef>
+      <a:effectRef idx="0">
+        <a:scrgbClr r="0" g="0" b="0"/>
+      </a:effectRef>
+      <a:fontRef idx="minor">
+        <a:schemeClr val="lt1"/>
+      </a:fontRef>
+    </dgm:style>
+  </dgm:styleLbl>
+  <dgm:styleLbl name="asst1">
+    <dgm:scene3d>
+      <a:camera prst="orthographicFront"/>
+      <a:lightRig rig="threePt" dir="t"/>
+    </dgm:scene3d>
+    <dgm:sp3d/>
+    <dgm:txPr/>
+    <dgm:style>
+      <a:lnRef idx="2">
+        <a:scrgbClr r="0" g="0" b="0"/>
+      </a:lnRef>
+      <a:fillRef idx="1">
+        <a:scrgbClr r="0" g="0" b="0"/>
+      </a:fillRef>
+      <a:effectRef idx="0">
+        <a:scrgbClr r="0" g="0" b="0"/>
+      </a:effectRef>
+      <a:fontRef idx="minor">
+        <a:schemeClr val="lt1"/>
+      </a:fontRef>
+    </dgm:style>
+  </dgm:styleLbl>
+  <dgm:styleLbl name="asst2">
+    <dgm:scene3d>
+      <a:camera prst="orthographicFront"/>
+      <a:lightRig rig="threePt" dir="t"/>
+    </dgm:scene3d>
+    <dgm:sp3d/>
+    <dgm:txPr/>
+    <dgm:style>
+      <a:lnRef idx="2">
+        <a:scrgbClr r="0" g="0" b="0"/>
+      </a:lnRef>
+      <a:fillRef idx="1">
+        <a:scrgbClr r="0" g="0" b="0"/>
+      </a:fillRef>
+      <a:effectRef idx="0">
+        <a:scrgbClr r="0" g="0" b="0"/>
+      </a:effectRef>
+      <a:fontRef idx="minor">
+        <a:schemeClr val="lt1"/>
+      </a:fontRef>
+    </dgm:style>
+  </dgm:styleLbl>
+  <dgm:styleLbl name="asst3">
+    <dgm:scene3d>
+      <a:camera prst="orthographicFront"/>
+      <a:lightRig rig="threePt" dir="t"/>
+    </dgm:scene3d>
+    <dgm:sp3d/>
+    <dgm:txPr/>
+    <dgm:style>
+      <a:lnRef idx="2">
+        <a:scrgbClr r="0" g="0" b="0"/>
+      </a:lnRef>
+      <a:fillRef idx="1">
+        <a:scrgbClr r="0" g="0" b="0"/>
+      </a:fillRef>
+      <a:effectRef idx="0">
+        <a:scrgbClr r="0" g="0" b="0"/>
+      </a:effectRef>
+      <a:fontRef idx="minor">
+        <a:schemeClr val="lt1"/>
+      </a:fontRef>
+    </dgm:style>
+  </dgm:styleLbl>
+  <dgm:styleLbl name="asst4">
+    <dgm:scene3d>
+      <a:camera prst="orthographicFront"/>
+      <a:lightRig rig="threePt" dir="t"/>
+    </dgm:scene3d>
+    <dgm:sp3d/>
+    <dgm:txPr/>
+    <dgm:style>
+      <a:lnRef idx="2">
+        <a:scrgbClr r="0" g="0" b="0"/>
+      </a:lnRef>
+      <a:fillRef idx="1">
+        <a:scrgbClr r="0" g="0" b="0"/>
+      </a:fillRef>
+      <a:effectRef idx="0">
+        <a:scrgbClr r="0" g="0" b="0"/>
+      </a:effectRef>
+      <a:fontRef idx="minor">
+        <a:schemeClr val="lt1"/>
+      </a:fontRef>
+    </dgm:style>
+  </dgm:styleLbl>
+  <dgm:styleLbl name="parChTrans2D1">
+    <dgm:scene3d>
+      <a:camera prst="orthographicFront"/>
+      <a:lightRig rig="threePt" dir="t"/>
+    </dgm:scene3d>
+    <dgm:sp3d/>
+    <dgm:txPr/>
+    <dgm:style>
+      <a:lnRef idx="2">
+        <a:scrgbClr r="0" g="0" b="0"/>
+      </a:lnRef>
+      <a:fillRef idx="1">
+        <a:scrgbClr r="0" g="0" b="0"/>
+      </a:fillRef>
+      <a:effectRef idx="0">
+        <a:scrgbClr r="0" g="0" b="0"/>
+      </a:effectRef>
+      <a:fontRef idx="minor">
+        <a:schemeClr val="lt1"/>
+      </a:fontRef>
+    </dgm:style>
+  </dgm:styleLbl>
+  <dgm:styleLbl name="parChTrans2D2">
+    <dgm:scene3d>
+      <a:camera prst="orthographicFront"/>
+      <a:lightRig rig="threePt" dir="t"/>
+    </dgm:scene3d>
+    <dgm:sp3d/>
+    <dgm:txPr/>
+    <dgm:style>
+      <a:lnRef idx="2">
+        <a:scrgbClr r="0" g="0" b="0"/>
+      </a:lnRef>
+      <a:fillRef idx="1">
+        <a:scrgbClr r="0" g="0" b="0"/>
+      </a:fillRef>
+      <a:effectRef idx="0">
+        <a:scrgbClr r="0" g="0" b="0"/>
+      </a:effectRef>
+      <a:fontRef idx="minor">
+        <a:schemeClr val="lt1"/>
+      </a:fontRef>
+    </dgm:style>
+  </dgm:styleLbl>
+  <dgm:styleLbl name="parChTrans2D3">
+    <dgm:scene3d>
+      <a:camera prst="orthographicFront"/>
+      <a:lightRig rig="threePt" dir="t"/>
+    </dgm:scene3d>
+    <dgm:sp3d/>
+    <dgm:txPr/>
+    <dgm:style>
+      <a:lnRef idx="2">
+        <a:scrgbClr r="0" g="0" b="0"/>
+      </a:lnRef>
+      <a:fillRef idx="1">
+        <a:scrgbClr r="0" g="0" b="0"/>
+      </a:fillRef>
+      <a:effectRef idx="0">
+        <a:scrgbClr r="0" g="0" b="0"/>
+      </a:effectRef>
+      <a:fontRef idx="minor">
+        <a:schemeClr val="lt1"/>
+      </a:fontRef>
+    </dgm:style>
+  </dgm:styleLbl>
+  <dgm:styleLbl name="parChTrans2D4">
+    <dgm:scene3d>
+      <a:camera prst="orthographicFront"/>
+      <a:lightRig rig="threePt" dir="t"/>
+    </dgm:scene3d>
+    <dgm:sp3d/>
+    <dgm:txPr/>
+    <dgm:style>
+      <a:lnRef idx="2">
+        <a:scrgbClr r="0" g="0" b="0"/>
+      </a:lnRef>
+      <a:fillRef idx="1">
+        <a:scrgbClr r="0" g="0" b="0"/>
+      </a:fillRef>
+      <a:effectRef idx="0">
+        <a:scrgbClr r="0" g="0" b="0"/>
+      </a:effectRef>
+      <a:fontRef idx="minor">
+        <a:schemeClr val="lt1"/>
+      </a:fontRef>
+    </dgm:style>
+  </dgm:styleLbl>
+  <dgm:styleLbl name="parChTrans1D1">
+    <dgm:scene3d>
+      <a:camera prst="orthographicFront"/>
+      <a:lightRig rig="threePt" dir="t"/>
+    </dgm:scene3d>
+    <dgm:sp3d/>
+    <dgm:txPr/>
+    <dgm:style>
+      <a:lnRef idx="2">
+        <a:scrgbClr r="0" g="0" b="0"/>
+      </a:lnRef>
+      <a:fillRef idx="0">
+        <a:scrgbClr r="0" g="0" b="0"/>
+      </a:fillRef>
+      <a:effectRef idx="0">
+        <a:scrgbClr r="0" g="0" b="0"/>
+      </a:effectRef>
+      <a:fontRef idx="minor"/>
+    </dgm:style>
+  </dgm:styleLbl>
+  <dgm:styleLbl name="parChTrans1D2">
+    <dgm:scene3d>
+      <a:camera prst="orthographicFront"/>
+      <a:lightRig rig="threePt" dir="t"/>
+    </dgm:scene3d>
+    <dgm:sp3d/>
+    <dgm:txPr/>
+    <dgm:style>
+      <a:lnRef idx="2">
+        <a:scrgbClr r="0" g="0" b="0"/>
+      </a:lnRef>
+      <a:fillRef idx="0">
+        <a:scrgbClr r="0" g="0" b="0"/>
+      </a:fillRef>
+      <a:effectRef idx="0">
+        <a:scrgbClr r="0" g="0" b="0"/>
+      </a:effectRef>
+      <a:fontRef idx="minor"/>
+    </dgm:style>
+  </dgm:styleLbl>
+  <dgm:styleLbl name="parChTrans1D3">
+    <dgm:scene3d>
+      <a:camera prst="orthographicFront"/>
+      <a:lightRig rig="threePt" dir="t"/>
+    </dgm:scene3d>
+    <dgm:sp3d/>
+    <dgm:txPr/>
+    <dgm:style>
+      <a:lnRef idx="2">
+        <a:scrgbClr r="0" g="0" b="0"/>
+      </a:lnRef>
+      <a:fillRef idx="0">
+        <a:scrgbClr r="0" g="0" b="0"/>
+      </a:fillRef>
+      <a:effectRef idx="0">
+        <a:scrgbClr r="0" g="0" b="0"/>
+      </a:effectRef>
+      <a:fontRef idx="minor"/>
+    </dgm:style>
+  </dgm:styleLbl>
+  <dgm:styleLbl name="parChTrans1D4">
+    <dgm:scene3d>
+      <a:camera prst="orthographicFront"/>
+      <a:lightRig rig="threePt" dir="t"/>
+    </dgm:scene3d>
+    <dgm:sp3d/>
+    <dgm:txPr/>
+    <dgm:style>
+      <a:lnRef idx="2">
+        <a:scrgbClr r="0" g="0" b="0"/>
+      </a:lnRef>
+      <a:fillRef idx="0">
+        <a:scrgbClr r="0" g="0" b="0"/>
+      </a:fillRef>
+      <a:effectRef idx="0">
+        <a:scrgbClr r="0" g="0" b="0"/>
+      </a:effectRef>
+      <a:fontRef idx="minor"/>
+    </dgm:style>
+  </dgm:styleLbl>
+  <dgm:styleLbl name="fgAcc1">
+    <dgm:scene3d>
+      <a:camera prst="orthographicFront"/>
+      <a:lightRig rig="threePt" dir="t"/>
+    </dgm:scene3d>
+    <dgm:sp3d/>
+    <dgm:txPr/>
+    <dgm:style>
+      <a:lnRef idx="2">
+        <a:scrgbClr r="0" g="0" b="0"/>
+      </a:lnRef>
+      <a:fillRef idx="1">
+        <a:scrgbClr r="0" g="0" b="0"/>
+      </a:fillRef>
+      <a:effectRef idx="0">
+        <a:scrgbClr r="0" g="0" b="0"/>
+      </a:effectRef>
+      <a:fontRef idx="minor"/>
+    </dgm:style>
+  </dgm:styleLbl>
+  <dgm:styleLbl name="conFgAcc1">
+    <dgm:scene3d>
+      <a:camera prst="orthographicFront"/>
+      <a:lightRig rig="threePt" dir="t"/>
+    </dgm:scene3d>
+    <dgm:sp3d/>
+    <dgm:txPr/>
+    <dgm:style>
+      <a:lnRef idx="2">
+        <a:scrgbClr r="0" g="0" b="0"/>
+      </a:lnRef>
+      <a:fillRef idx="1">
+        <a:scrgbClr r="0" g="0" b="0"/>
+      </a:fillRef>
+      <a:effectRef idx="0">
+        <a:scrgbClr r="0" g="0" b="0"/>
+      </a:effectRef>
+      <a:fontRef idx="minor"/>
+    </dgm:style>
+  </dgm:styleLbl>
+  <dgm:styleLbl name="alignAcc1">
+    <dgm:scene3d>
+      <a:camera prst="orthographicFront"/>
+      <a:lightRig rig="threePt" dir="t"/>
+    </dgm:scene3d>
+    <dgm:sp3d/>
+    <dgm:txPr/>
+    <dgm:style>
+      <a:lnRef idx="2">
+        <a:scrgbClr r="0" g="0" b="0"/>
+      </a:lnRef>
+      <a:fillRef idx="1">
+        <a:scrgbClr r="0" g="0" b="0"/>
+      </a:fillRef>
+      <a:effectRef idx="0">
+        <a:scrgbClr r="0" g="0" b="0"/>
+      </a:effectRef>
+      <a:fontRef idx="minor"/>
+    </dgm:style>
+  </dgm:styleLbl>
+  <dgm:styleLbl name="trAlignAcc1">
+    <dgm:scene3d>
+      <a:camera prst="orthographicFront"/>
+      <a:lightRig rig="threePt" dir="t"/>
+    </dgm:scene3d>
+    <dgm:sp3d/>
+    <dgm:txPr/>
+    <dgm:style>
+      <a:lnRef idx="1">
+        <a:scrgbClr r="0" g="0" b="0"/>
+      </a:lnRef>
+      <a:fillRef idx="1">
+        <a:scrgbClr r="0" g="0" b="0"/>
+      </a:fillRef>
+      <a:effectRef idx="0">
+        <a:scrgbClr r="0" g="0" b="0"/>
+      </a:effectRef>
+      <a:fontRef idx="minor"/>
+    </dgm:style>
+  </dgm:styleLbl>
+  <dgm:styleLbl name="bgAcc1">
+    <dgm:scene3d>
+      <a:camera prst="orthographicFront"/>
+      <a:lightRig rig="threePt" dir="t"/>
+    </dgm:scene3d>
+    <dgm:sp3d/>
+    <dgm:txPr/>
+    <dgm:style>
+      <a:lnRef idx="2">
+        <a:scrgbClr r="0" g="0" b="0"/>
+      </a:lnRef>
+      <a:fillRef idx="1">
+        <a:scrgbClr r="0" g="0" b="0"/>
+      </a:fillRef>
+      <a:effectRef idx="0">
+        <a:scrgbClr r="0" g="0" b="0"/>
+      </a:effectRef>
+      <a:fontRef idx="minor"/>
+    </dgm:style>
+  </dgm:styleLbl>
+  <dgm:styleLbl name="solidFgAcc1">
+    <dgm:scene3d>
+      <a:camera prst="orthographicFront"/>
+      <a:lightRig rig="threePt" dir="t"/>
+    </dgm:scene3d>
+    <dgm:sp3d/>
+    <dgm:txPr/>
+    <dgm:style>
+      <a:lnRef idx="2">
+        <a:scrgbClr r="0" g="0" b="0"/>
+      </a:lnRef>
+      <a:fillRef idx="1">
+        <a:scrgbClr r="0" g="0" b="0"/>
+      </a:fillRef>
+      <a:effectRef idx="0">
+        <a:scrgbClr r="0" g="0" b="0"/>
+      </a:effectRef>
+      <a:fontRef idx="minor"/>
+    </dgm:style>
+  </dgm:styleLbl>
+  <dgm:styleLbl name="solidAlignAcc1">
+    <dgm:scene3d>
+      <a:camera prst="orthographicFront"/>
+      <a:lightRig rig="threePt" dir="t"/>
+    </dgm:scene3d>
+    <dgm:sp3d/>
+    <dgm:txPr/>
+    <dgm:style>
+      <a:lnRef idx="2">
+        <a:scrgbClr r="0" g="0" b="0"/>
+      </a:lnRef>
+      <a:fillRef idx="1">
+        <a:scrgbClr r="0" g="0" b="0"/>
+      </a:fillRef>
+      <a:effectRef idx="0">
+        <a:scrgbClr r="0" g="0" b="0"/>
+      </a:effectRef>
+      <a:fontRef idx="minor"/>
+    </dgm:style>
+  </dgm:styleLbl>
+  <dgm:styleLbl name="solidBgAcc1">
+    <dgm:scene3d>
+      <a:camera prst="orthographicFront"/>
+      <a:lightRig rig="threePt" dir="t"/>
+    </dgm:scene3d>
+    <dgm:sp3d/>
+    <dgm:txPr/>
+    <dgm:style>
+      <a:lnRef idx="2">
+        <a:scrgbClr r="0" g="0" b="0"/>
+      </a:lnRef>
+      <a:fillRef idx="1">
+        <a:scrgbClr r="0" g="0" b="0"/>
+      </a:fillRef>
+      <a:effectRef idx="0">
+        <a:scrgbClr r="0" g="0" b="0"/>
+      </a:effectRef>
+      <a:fontRef idx="minor"/>
+    </dgm:style>
+  </dgm:styleLbl>
+  <dgm:styleLbl name="fgAccFollowNode1">
+    <dgm:scene3d>
+      <a:camera prst="orthographicFront"/>
+      <a:lightRig rig="threePt" dir="t"/>
+    </dgm:scene3d>
+    <dgm:sp3d/>
+    <dgm:txPr/>
+    <dgm:style>
+      <a:lnRef idx="2">
+        <a:scrgbClr r="0" g="0" b="0"/>
+      </a:lnRef>
+      <a:fillRef idx="1">
+        <a:scrgbClr r="0" g="0" b="0"/>
+      </a:fillRef>
+      <a:effectRef idx="0">
+        <a:scrgbClr r="0" g="0" b="0"/>
+      </a:effectRef>
+      <a:fontRef idx="minor"/>
+    </dgm:style>
+  </dgm:styleLbl>
+  <dgm:styleLbl name="alignAccFollowNode1">
+    <dgm:scene3d>
+      <a:camera prst="orthographicFront"/>
+      <a:lightRig rig="threePt" dir="t"/>
+    </dgm:scene3d>
+    <dgm:sp3d/>
+    <dgm:txPr/>
+    <dgm:style>
+      <a:lnRef idx="2">
+        <a:scrgbClr r="0" g="0" b="0"/>
+      </a:lnRef>
+      <a:fillRef idx="1">
+        <a:scrgbClr r="0" g="0" b="0"/>
+      </a:fillRef>
+      <a:effectRef idx="0">
+        <a:scrgbClr r="0" g="0" b="0"/>
+      </a:effectRef>
+      <a:fontRef idx="minor"/>
+    </dgm:style>
+  </dgm:styleLbl>
+  <dgm:styleLbl name="bgAccFollowNode1">
+    <dgm:scene3d>
+      <a:camera prst="orthographicFront"/>
+      <a:lightRig rig="threePt" dir="t"/>
+    </dgm:scene3d>
+    <dgm:sp3d/>
+    <dgm:txPr/>
+    <dgm:style>
+      <a:lnRef idx="2">
+        <a:scrgbClr r="0" g="0" b="0"/>
+      </a:lnRef>
+      <a:fillRef idx="1">
+        <a:scrgbClr r="0" g="0" b="0"/>
+      </a:fillRef>
+      <a:effectRef idx="0">
+        <a:scrgbClr r="0" g="0" b="0"/>
+      </a:effectRef>
+      <a:fontRef idx="minor"/>
+    </dgm:style>
+  </dgm:styleLbl>
+  <dgm:styleLbl name="fgAcc0">
+    <dgm:scene3d>
+      <a:camera prst="orthographicFront"/>
+      <a:lightRig rig="threePt" dir="t"/>
+    </dgm:scene3d>
+    <dgm:sp3d/>
+    <dgm:txPr/>
+    <dgm:style>
+      <a:lnRef idx="2">
+        <a:scrgbClr r="0" g="0" b="0"/>
+      </a:lnRef>
+      <a:fillRef idx="1">
+        <a:scrgbClr r="0" g="0" b="0"/>
+      </a:fillRef>
+      <a:effectRef idx="0">
+        <a:scrgbClr r="0" g="0" b="0"/>
+      </a:effectRef>
+      <a:fontRef idx="minor"/>
+    </dgm:style>
+  </dgm:styleLbl>
+  <dgm:styleLbl name="fgAcc2">
+    <dgm:scene3d>
+      <a:camera prst="orthographicFront"/>
+      <a:lightRig rig="threePt" dir="t"/>
+    </dgm:scene3d>
+    <dgm:sp3d/>
+    <dgm:txPr/>
+    <dgm:style>
+      <a:lnRef idx="2">
+        <a:scrgbClr r="0" g="0" b="0"/>
+      </a:lnRef>
+      <a:fillRef idx="1">
+        <a:scrgbClr r="0" g="0" b="0"/>
+      </a:fillRef>
+      <a:effectRef idx="0">
+        <a:scrgbClr r="0" g="0" b="0"/>
+      </a:effectRef>
+      <a:fontRef idx="minor"/>
+    </dgm:style>
+  </dgm:styleLbl>
+  <dgm:styleLbl name="fgAcc3">
+    <dgm:scene3d>
+      <a:camera prst="orthographicFront"/>
+      <a:lightRig rig="threePt" dir="t"/>
+    </dgm:scene3d>
+    <dgm:sp3d/>
+    <dgm:txPr/>
+    <dgm:style>
+      <a:lnRef idx="2">
+        <a:scrgbClr r="0" g="0" b="0"/>
+      </a:lnRef>
+      <a:fillRef idx="1">
+        <a:scrgbClr r="0" g="0" b="0"/>
+      </a:fillRef>
+      <a:effectRef idx="0">
+        <a:scrgbClr r="0" g="0" b="0"/>
+      </a:effectRef>
+      <a:fontRef idx="minor"/>
+    </dgm:style>
+  </dgm:styleLbl>
+  <dgm:styleLbl name="fgAcc4">
+    <dgm:scene3d>
+      <a:camera prst="orthographicFront"/>
+      <a:lightRig rig="threePt" dir="t"/>
+    </dgm:scene3d>
+    <dgm:sp3d/>
+    <dgm:txPr/>
+    <dgm:style>
+      <a:lnRef idx="2">
+        <a:scrgbClr r="0" g="0" b="0"/>
+      </a:lnRef>
+      <a:fillRef idx="1">
+        <a:scrgbClr r="0" g="0" b="0"/>
+      </a:fillRef>
+      <a:effectRef idx="0">
+        <a:scrgbClr r="0" g="0" b="0"/>
+      </a:effectRef>
+      <a:fontRef idx="minor"/>
+    </dgm:style>
+  </dgm:styleLbl>
+  <dgm:styleLbl name="bgShp">
+    <dgm:scene3d>
+      <a:camera prst="orthographicFront"/>
+      <a:lightRig rig="threePt" dir="t"/>
+    </dgm:scene3d>
+    <dgm:sp3d/>
+    <dgm:txPr/>
+    <dgm:style>
+      <a:lnRef idx="0">
+        <a:scrgbClr r="0" g="0" b="0"/>
+      </a:lnRef>
+      <a:fillRef idx="1">
+        <a:scrgbClr r="0" g="0" b="0"/>
+      </a:fillRef>
+      <a:effectRef idx="0">
+        <a:scrgbClr r="0" g="0" b="0"/>
+      </a:effectRef>
+      <a:fontRef idx="minor"/>
+    </dgm:style>
+  </dgm:styleLbl>
+  <dgm:styleLbl name="dkBgShp">
+    <dgm:scene3d>
+      <a:camera prst="orthographicFront"/>
+      <a:lightRig rig="threePt" dir="t"/>
+    </dgm:scene3d>
+    <dgm:sp3d/>
+    <dgm:txPr/>
+    <dgm:style>
+      <a:lnRef idx="0">
+        <a:scrgbClr r="0" g="0" b="0"/>
+      </a:lnRef>
+      <a:fillRef idx="1">
+        <a:scrgbClr r="0" g="0" b="0"/>
+      </a:fillRef>
+      <a:effectRef idx="0">
+        <a:scrgbClr r="0" g="0" b="0"/>
+      </a:effectRef>
+      <a:fontRef idx="minor"/>
+    </dgm:style>
+  </dgm:styleLbl>
+  <dgm:styleLbl name="trBgShp">
+    <dgm:scene3d>
+      <a:camera prst="orthographicFront"/>
+      <a:lightRig rig="threePt" dir="t"/>
+    </dgm:scene3d>
+    <dgm:sp3d/>
+    <dgm:txPr/>
+    <dgm:style>
+      <a:lnRef idx="0">
+        <a:scrgbClr r="0" g="0" b="0"/>
+      </a:lnRef>
+      <a:fillRef idx="1">
+        <a:scrgbClr r="0" g="0" b="0"/>
+      </a:fillRef>
+      <a:effectRef idx="0">
+        <a:scrgbClr r="0" g="0" b="0"/>
+      </a:effectRef>
+      <a:fontRef idx="minor"/>
+    </dgm:style>
+  </dgm:styleLbl>
+  <dgm:styleLbl name="fgShp">
+    <dgm:scene3d>
+      <a:camera prst="orthographicFront"/>
+      <a:lightRig rig="threePt" dir="t"/>
+    </dgm:scene3d>
+    <dgm:sp3d/>
+    <dgm:txPr/>
+    <dgm:style>
+      <a:lnRef idx="2">
+        <a:scrgbClr r="0" g="0" b="0"/>
+      </a:lnRef>
+      <a:fillRef idx="1">
+        <a:scrgbClr r="0" g="0" b="0"/>
+      </a:fillRef>
+      <a:effectRef idx="0">
+        <a:scrgbClr r="0" g="0" b="0"/>
+      </a:effectRef>
+      <a:fontRef idx="minor"/>
+    </dgm:style>
+  </dgm:styleLbl>
+  <dgm:styleLbl name="revTx">
+    <dgm:scene3d>
+      <a:camera prst="orthographicFront"/>
+      <a:lightRig rig="threePt" dir="t"/>
+    </dgm:scene3d>
+    <dgm:sp3d/>
+    <dgm:txPr/>
+    <dgm:style>
+      <a:lnRef idx="0">
+        <a:scrgbClr r="0" g="0" b="0"/>
+      </a:lnRef>
+      <a:fillRef idx="0">
+        <a:scrgbClr r="0" g="0" b="0"/>
+      </a:fillRef>
+      <a:effectRef idx="0">
+        <a:scrgbClr r="0" g="0" b="0"/>
+      </a:effectRef>
+      <a:fontRef idx="minor"/>
+    </dgm:style>
+  </dgm:styleLbl>
+</dgm:styleDef>
+</file>
+
 <file path=ppt/slideLayouts/slideLayout1.xml><?xml version="1.0" encoding="utf-8"?>
 <p:sldLayout xmlns:a="http://schemas.openxmlformats.org/drawingml/2006/main" xmlns:r="http://schemas.openxmlformats.org/officeDocument/2006/relationships" xmlns:p="http://schemas.openxmlformats.org/presentationml/2006/main" type="title" preserve="1">
   <p:cSld name="Title Slide">
@@ -279,7 +3884,7 @@
             <a:fld id="{87DE6118-2437-4B30-8E3C-4D2BE6020583}" type="datetimeFigureOut">
               <a:rPr lang="en-US" dirty="0"/>
               <a:pPr/>
-              <a:t>2/24/20</a:t>
+              <a:t>2/24/2020</a:t>
             </a:fld>
             <a:endParaRPr lang="en-US" dirty="0"/>
           </a:p>
@@ -605,7 +4210,7 @@
           <a:p>
             <a:fld id="{87DE6118-2437-4B30-8E3C-4D2BE6020583}" type="datetimeFigureOut">
               <a:rPr lang="en-US" dirty="0"/>
-              <a:t>2/24/20</a:t>
+              <a:t>2/24/2020</a:t>
             </a:fld>
             <a:endParaRPr lang="en-US" dirty="0"/>
           </a:p>
@@ -780,7 +4385,7 @@
           <a:p>
             <a:fld id="{87DE6118-2437-4B30-8E3C-4D2BE6020583}" type="datetimeFigureOut">
               <a:rPr lang="en-US" dirty="0"/>
-              <a:t>2/24/20</a:t>
+              <a:t>2/24/2020</a:t>
             </a:fld>
             <a:endParaRPr lang="en-US" dirty="0"/>
           </a:p>
@@ -945,7 +4550,7 @@
           <a:p>
             <a:fld id="{87DE6118-2437-4B30-8E3C-4D2BE6020583}" type="datetimeFigureOut">
               <a:rPr lang="en-US" dirty="0"/>
-              <a:t>2/24/20</a:t>
+              <a:t>2/24/2020</a:t>
             </a:fld>
             <a:endParaRPr lang="en-US" dirty="0"/>
           </a:p>
@@ -1213,7 +4818,7 @@
             <a:fld id="{87DE6118-2437-4B30-8E3C-4D2BE6020583}" type="datetimeFigureOut">
               <a:rPr lang="en-US" dirty="0"/>
               <a:pPr/>
-              <a:t>2/24/20</a:t>
+              <a:t>2/24/2020</a:t>
             </a:fld>
             <a:endParaRPr lang="en-US" dirty="0"/>
           </a:p>
@@ -1603,7 +5208,7 @@
           <a:p>
             <a:fld id="{87DE6118-2437-4B30-8E3C-4D2BE6020583}" type="datetimeFigureOut">
               <a:rPr lang="en-US" dirty="0"/>
-              <a:t>2/24/20</a:t>
+              <a:t>2/24/2020</a:t>
             </a:fld>
             <a:endParaRPr lang="en-US" dirty="0"/>
           </a:p>
@@ -2075,7 +5680,7 @@
           <a:p>
             <a:fld id="{87DE6118-2437-4B30-8E3C-4D2BE6020583}" type="datetimeFigureOut">
               <a:rPr lang="en-US" dirty="0"/>
-              <a:t>2/24/20</a:t>
+              <a:t>2/24/2020</a:t>
             </a:fld>
             <a:endParaRPr lang="en-US" dirty="0"/>
           </a:p>
@@ -2188,7 +5793,7 @@
           <a:p>
             <a:fld id="{87DE6118-2437-4B30-8E3C-4D2BE6020583}" type="datetimeFigureOut">
               <a:rPr lang="en-US" dirty="0"/>
-              <a:t>2/24/20</a:t>
+              <a:t>2/24/2020</a:t>
             </a:fld>
             <a:endParaRPr lang="en-US" dirty="0"/>
           </a:p>
@@ -2278,7 +5883,7 @@
           <a:p>
             <a:fld id="{87DE6118-2437-4B30-8E3C-4D2BE6020583}" type="datetimeFigureOut">
               <a:rPr lang="en-US" dirty="0"/>
-              <a:t>2/24/20</a:t>
+              <a:t>2/24/2020</a:t>
             </a:fld>
             <a:endParaRPr lang="en-US" dirty="0"/>
           </a:p>
@@ -2620,7 +6225,7 @@
             <a:fld id="{87DE6118-2437-4B30-8E3C-4D2BE6020583}" type="datetimeFigureOut">
               <a:rPr lang="en-US" dirty="0"/>
               <a:pPr/>
-              <a:t>2/24/20</a:t>
+              <a:t>2/24/2020</a:t>
             </a:fld>
             <a:endParaRPr lang="en-US" dirty="0"/>
           </a:p>
@@ -3005,7 +6610,7 @@
             <a:fld id="{87DE6118-2437-4B30-8E3C-4D2BE6020583}" type="datetimeFigureOut">
               <a:rPr lang="en-US" dirty="0"/>
               <a:pPr/>
-              <a:t>2/24/20</a:t>
+              <a:t>2/24/2020</a:t>
             </a:fld>
             <a:endParaRPr lang="en-US" dirty="0"/>
           </a:p>
@@ -3282,7 +6887,7 @@
             <a:fld id="{87DE6118-2437-4B30-8E3C-4D2BE6020583}" type="datetimeFigureOut">
               <a:rPr lang="en-US" dirty="0"/>
               <a:pPr/>
-              <a:t>2/24/20</a:t>
+              <a:t>2/24/2020</a:t>
             </a:fld>
             <a:endParaRPr lang="en-US" dirty="0"/>
           </a:p>
@@ -3806,7 +7411,12 @@
             <p:ph type="ctrTitle"/>
           </p:nvPr>
         </p:nvSpPr>
-        <p:spPr/>
+        <p:spPr>
+          <a:xfrm>
+            <a:off x="2272480" y="1168344"/>
+            <a:ext cx="8361229" cy="2098226"/>
+          </a:xfrm>
+        </p:spPr>
         <p:txBody>
           <a:bodyPr/>
           <a:lstStyle/>
@@ -3814,7 +7424,7 @@
             <a:pPr algn="r"/>
             <a:r>
               <a:rPr lang="en-US" b="1" dirty="0"/>
-              <a:t>PAP ITESO </a:t>
+              <a:t>PAP ITESO</a:t>
             </a:r>
             <a:br>
               <a:rPr lang="en-US" b="1" dirty="0"/>
@@ -3843,48 +7453,63 @@
             <p:ph type="subTitle" idx="1"/>
           </p:nvPr>
         </p:nvSpPr>
-        <p:spPr/>
+        <p:spPr>
+          <a:xfrm>
+            <a:off x="4075927" y="4560625"/>
+            <a:ext cx="6831673" cy="1086237"/>
+          </a:xfrm>
+        </p:spPr>
         <p:txBody>
-          <a:bodyPr>
-            <a:normAutofit fontScale="92500" lnSpcReduction="10000"/>
+          <a:bodyPr vert="horz" lIns="91440" tIns="45720" rIns="91440" bIns="45720" rtlCol="0" anchor="t">
+            <a:noAutofit/>
           </a:bodyPr>
           <a:lstStyle/>
           <a:p>
-            <a:pPr algn="r"/>
-            <a:r>
-              <a:rPr lang="en-US" b="1" dirty="0"/>
+            <a:pPr algn="r">
+              <a:lnSpc>
+                <a:spcPct val="150000"/>
+              </a:lnSpc>
+            </a:pPr>
+            <a:r>
+              <a:rPr lang="en-US" sz="1400" b="1" dirty="0"/>
               <a:t>Flores Orozco, Oscar Alfonso</a:t>
             </a:r>
-          </a:p>
-          <a:p>
-            <a:pPr algn="r"/>
-            <a:r>
-              <a:rPr lang="en-US" b="1" dirty="0"/>
-              <a:t>Ramírez </a:t>
-            </a:r>
-            <a:r>
-              <a:rPr lang="en-US" b="1" dirty="0" err="1"/>
-              <a:t>Cambero</a:t>
-            </a:r>
-            <a:r>
-              <a:rPr lang="en-US" b="1" dirty="0"/>
-              <a:t>, Job</a:t>
-            </a:r>
-          </a:p>
-          <a:p>
-            <a:pPr algn="r"/>
-            <a:r>
-              <a:rPr lang="en-US" b="1" dirty="0"/>
+            <a:endParaRPr lang="es-ES"/>
+          </a:p>
+          <a:p>
+            <a:pPr algn="r">
+              <a:lnSpc>
+                <a:spcPct val="150000"/>
+              </a:lnSpc>
+            </a:pPr>
+            <a:r>
+              <a:rPr lang="en-US" sz="1400" b="1" dirty="0"/>
+              <a:t>Ramírez Cambero, Job</a:t>
+            </a:r>
+          </a:p>
+          <a:p>
+            <a:pPr algn="r">
+              <a:lnSpc>
+                <a:spcPct val="150000"/>
+              </a:lnSpc>
+            </a:pPr>
+            <a:r>
+              <a:rPr lang="en-US" sz="1400" b="1" dirty="0"/>
               <a:t>González Juárez, Edgar </a:t>
             </a:r>
             <a:r>
-              <a:rPr lang="en-US" b="1" dirty="0" err="1"/>
+              <a:rPr lang="en-US" sz="1400" b="1" err="1"/>
               <a:t>Ranulfo</a:t>
             </a:r>
-            <a:endParaRPr lang="en-US" b="1" dirty="0"/>
-          </a:p>
-          <a:p>
-            <a:endParaRPr lang="en-MX" dirty="0"/>
+            <a:endParaRPr lang="en-US" sz="2400" b="1" dirty="0"/>
+          </a:p>
+          <a:p>
+            <a:pPr>
+              <a:lnSpc>
+                <a:spcPct val="150000"/>
+              </a:lnSpc>
+            </a:pPr>
+            <a:endParaRPr lang="en-MX" sz="2800" dirty="0"/>
           </a:p>
         </p:txBody>
       </p:sp>
@@ -3910,8 +7535,8 @@
         </p:blipFill>
         <p:spPr>
           <a:xfrm>
-            <a:off x="1844546" y="1420472"/>
-            <a:ext cx="3078162" cy="2501007"/>
+            <a:off x="1424132" y="1299603"/>
+            <a:ext cx="1202066" cy="977007"/>
           </a:xfrm>
           <a:prstGeom prst="rect">
             <a:avLst/>
@@ -3951,8 +7576,8 @@
         </p:blipFill>
         <p:spPr>
           <a:xfrm>
-            <a:off x="1214438" y="4097072"/>
-            <a:ext cx="4366954" cy="972473"/>
+            <a:off x="1724190" y="4559527"/>
+            <a:ext cx="2580196" cy="573080"/>
           </a:xfrm>
           <a:prstGeom prst="rect">
             <a:avLst/>
@@ -4050,6 +7675,77 @@
           </a:p>
         </p:txBody>
       </p:sp>
+      <p:pic>
+        <p:nvPicPr>
+          <p:cNvPr id="4" name="Picture 4" descr="Imagen que contiene dibujo, ventana&#10;&#10;Descripción generada con confianza muy alta">
+            <a:extLst>
+              <a:ext uri="{FF2B5EF4-FFF2-40B4-BE49-F238E27FC236}">
+                <a16:creationId xmlns:a16="http://schemas.microsoft.com/office/drawing/2014/main" id="{00604345-A6C6-4EAD-8B66-4EC594AB146A}"/>
+              </a:ext>
+            </a:extLst>
+          </p:cNvPr>
+          <p:cNvPicPr>
+            <a:picLocks noChangeAspect="1"/>
+          </p:cNvPicPr>
+          <p:nvPr/>
+        </p:nvPicPr>
+        <p:blipFill>
+          <a:blip r:embed="rId2"/>
+          <a:stretch>
+            <a:fillRect/>
+          </a:stretch>
+        </p:blipFill>
+        <p:spPr>
+          <a:xfrm>
+            <a:off x="841426" y="5835744"/>
+            <a:ext cx="1202066" cy="977007"/>
+          </a:xfrm>
+          <a:prstGeom prst="rect">
+            <a:avLst/>
+          </a:prstGeom>
+        </p:spPr>
+      </p:pic>
+      <p:pic>
+        <p:nvPicPr>
+          <p:cNvPr id="6" name="Picture 6" descr="Imagen que contiene dibujo&#10;&#10;Descripción generada con confianza muy alta">
+            <a:extLst>
+              <a:ext uri="{FF2B5EF4-FFF2-40B4-BE49-F238E27FC236}">
+                <a16:creationId xmlns:a16="http://schemas.microsoft.com/office/drawing/2014/main" id="{6211E18F-CFB7-44FB-97C5-F8EABF18677D}"/>
+              </a:ext>
+            </a:extLst>
+          </p:cNvPr>
+          <p:cNvPicPr>
+            <a:picLocks noChangeAspect="1"/>
+          </p:cNvPicPr>
+          <p:nvPr/>
+        </p:nvPicPr>
+        <p:blipFill>
+          <a:blip r:embed="rId3">
+            <a:clrChange>
+              <a:clrFrom>
+                <a:srgbClr val="FFFFFF"/>
+              </a:clrFrom>
+              <a:clrTo>
+                <a:srgbClr val="FFFFFF">
+                  <a:alpha val="0"/>
+                </a:srgbClr>
+              </a:clrTo>
+            </a:clrChange>
+          </a:blip>
+          <a:stretch>
+            <a:fillRect/>
+          </a:stretch>
+        </p:blipFill>
+        <p:spPr>
+          <a:xfrm>
+            <a:off x="9532449" y="6235927"/>
+            <a:ext cx="2580196" cy="573080"/>
+          </a:xfrm>
+          <a:prstGeom prst="rect">
+            <a:avLst/>
+          </a:prstGeom>
+        </p:spPr>
+      </p:pic>
     </p:spTree>
     <p:extLst>
       <p:ext uri="{BB962C8B-B14F-4D97-AF65-F5344CB8AC3E}">
@@ -4126,13 +7822,298 @@
         </p:nvSpPr>
         <p:spPr/>
         <p:txBody>
-          <a:bodyPr/>
+          <a:bodyPr vert="horz" lIns="91440" tIns="45720" rIns="91440" bIns="45720" rtlCol="0" anchor="t">
+            <a:normAutofit/>
+          </a:bodyPr>
           <a:lstStyle/>
           <a:p>
+            <a:pPr marL="383540" indent="-383540"/>
+            <a:r>
+              <a:rPr lang="en-MX" dirty="0" err="1">
+                <a:ea typeface="+mn-lt"/>
+                <a:cs typeface="+mn-lt"/>
+              </a:rPr>
+              <a:t>Generar</a:t>
+            </a:r>
+            <a:r>
+              <a:rPr lang="en-MX" dirty="0">
+                <a:ea typeface="+mn-lt"/>
+                <a:cs typeface="+mn-lt"/>
+              </a:rPr>
+              <a:t> un </a:t>
+            </a:r>
+            <a:r>
+              <a:rPr lang="en-MX" dirty="0" err="1">
+                <a:ea typeface="+mn-lt"/>
+                <a:cs typeface="+mn-lt"/>
+              </a:rPr>
+              <a:t>modelo</a:t>
+            </a:r>
+            <a:r>
+              <a:rPr lang="en-MX" dirty="0">
+                <a:ea typeface="+mn-lt"/>
+                <a:cs typeface="+mn-lt"/>
+              </a:rPr>
+              <a:t> para el </a:t>
+            </a:r>
+            <a:r>
+              <a:rPr lang="en-MX" dirty="0" err="1">
+                <a:ea typeface="+mn-lt"/>
+                <a:cs typeface="+mn-lt"/>
+              </a:rPr>
+              <a:t>pronóstico</a:t>
+            </a:r>
+            <a:r>
+              <a:rPr lang="en-MX" dirty="0">
+                <a:ea typeface="+mn-lt"/>
+                <a:cs typeface="+mn-lt"/>
+              </a:rPr>
+              <a:t> de variables </a:t>
+            </a:r>
+            <a:r>
+              <a:rPr lang="en-MX" dirty="0" err="1">
+                <a:ea typeface="+mn-lt"/>
+                <a:cs typeface="+mn-lt"/>
+              </a:rPr>
+              <a:t>horarias</a:t>
+            </a:r>
+            <a:r>
+              <a:rPr lang="en-MX" dirty="0"/>
+              <a:t>, </a:t>
+            </a:r>
+            <a:r>
+              <a:rPr lang="en-MX" dirty="0" err="1"/>
+              <a:t>usando</a:t>
+            </a:r>
+            <a:r>
+              <a:rPr lang="en-MX" dirty="0"/>
+              <a:t> </a:t>
+            </a:r>
+            <a:r>
+              <a:rPr lang="en-MX" dirty="0" err="1"/>
+              <a:t>datos</a:t>
+            </a:r>
+            <a:r>
+              <a:rPr lang="en-MX" dirty="0"/>
+              <a:t> de </a:t>
+            </a:r>
+            <a:r>
+              <a:rPr lang="en-MX" dirty="0" err="1"/>
+              <a:t>generación</a:t>
+            </a:r>
+            <a:r>
+              <a:rPr lang="en-MX" dirty="0"/>
+              <a:t> de </a:t>
+            </a:r>
+            <a:r>
+              <a:rPr lang="en-MX" dirty="0" err="1"/>
+              <a:t>energía</a:t>
+            </a:r>
+            <a:r>
+              <a:rPr lang="en-MX" dirty="0"/>
+              <a:t> </a:t>
+            </a:r>
+            <a:r>
+              <a:rPr lang="en-MX" dirty="0" err="1"/>
+              <a:t>proveídos</a:t>
+            </a:r>
+            <a:r>
+              <a:rPr lang="en-MX" dirty="0"/>
+              <a:t> por el CENACE. </a:t>
+            </a:r>
+          </a:p>
+          <a:p>
+            <a:pPr marL="383540" indent="-383540"/>
+            <a:r>
+              <a:rPr lang="en-MX" dirty="0"/>
+              <a:t>Se </a:t>
+            </a:r>
+            <a:r>
+              <a:rPr lang="en-MX" dirty="0" err="1"/>
+              <a:t>utilizarán</a:t>
+            </a:r>
+            <a:r>
+              <a:rPr lang="en-MX" dirty="0"/>
+              <a:t> </a:t>
+            </a:r>
+            <a:r>
+              <a:rPr lang="en-MX" dirty="0" err="1"/>
+              <a:t>modelos</a:t>
+            </a:r>
+            <a:r>
+              <a:rPr lang="en-MX" dirty="0"/>
+              <a:t> </a:t>
+            </a:r>
+            <a:r>
+              <a:rPr lang="en-MX" dirty="0" err="1"/>
+              <a:t>autorregresivos</a:t>
+            </a:r>
+            <a:r>
+              <a:rPr lang="en-MX" dirty="0"/>
+              <a:t> ARIMA para </a:t>
+            </a:r>
+            <a:r>
+              <a:rPr lang="en-MX" dirty="0" err="1"/>
+              <a:t>hacer</a:t>
+            </a:r>
+            <a:r>
+              <a:rPr lang="en-MX" dirty="0"/>
+              <a:t> las </a:t>
+            </a:r>
+            <a:r>
+              <a:rPr lang="en-MX" dirty="0" err="1"/>
+              <a:t>predicciones</a:t>
+            </a:r>
+            <a:r>
+              <a:rPr lang="en-MX" dirty="0"/>
+              <a:t> y se </a:t>
+            </a:r>
+            <a:r>
+              <a:rPr lang="en-MX" dirty="0" err="1"/>
+              <a:t>hará</a:t>
+            </a:r>
+            <a:r>
+              <a:rPr lang="en-MX" dirty="0"/>
+              <a:t> una </a:t>
+            </a:r>
+            <a:r>
+              <a:rPr lang="en-MX" dirty="0" err="1"/>
+              <a:t>diferenciación</a:t>
+            </a:r>
+            <a:r>
+              <a:rPr lang="en-MX" dirty="0"/>
+              <a:t> entre </a:t>
+            </a:r>
+            <a:r>
+              <a:rPr lang="en-MX" dirty="0" err="1"/>
+              <a:t>plantas</a:t>
+            </a:r>
+            <a:r>
+              <a:rPr lang="en-MX" dirty="0"/>
+              <a:t> </a:t>
+            </a:r>
+            <a:r>
+              <a:rPr lang="en-MX" dirty="0" err="1"/>
+              <a:t>solares</a:t>
+            </a:r>
+            <a:r>
+              <a:rPr lang="en-MX" dirty="0"/>
+              <a:t> y </a:t>
+            </a:r>
+            <a:r>
+              <a:rPr lang="en-MX" dirty="0" err="1"/>
+              <a:t>eólicas</a:t>
+            </a:r>
+            <a:r>
+              <a:rPr lang="en-MX" dirty="0"/>
+              <a:t>, por </a:t>
+            </a:r>
+            <a:r>
+              <a:rPr lang="en-MX" dirty="0" err="1"/>
+              <a:t>su</a:t>
+            </a:r>
+            <a:r>
+              <a:rPr lang="en-MX" dirty="0"/>
+              <a:t> </a:t>
+            </a:r>
+            <a:r>
+              <a:rPr lang="en-MX" dirty="0" err="1"/>
+              <a:t>comportamiento</a:t>
+            </a:r>
+            <a:r>
+              <a:rPr lang="en-MX" dirty="0"/>
+              <a:t> que es </a:t>
+            </a:r>
+            <a:r>
+              <a:rPr lang="en-MX" dirty="0" err="1"/>
+              <a:t>distinto</a:t>
+            </a:r>
+            <a:r>
+              <a:rPr lang="en-MX" dirty="0"/>
+              <a:t>.</a:t>
+            </a:r>
+          </a:p>
+          <a:p>
+            <a:pPr marL="383540" indent="-383540"/>
             <a:endParaRPr lang="en-MX"/>
+          </a:p>
+          <a:p>
+            <a:pPr marL="383540" indent="-383540"/>
+            <a:endParaRPr lang="en-MX" dirty="0"/>
           </a:p>
         </p:txBody>
       </p:sp>
+      <p:pic>
+        <p:nvPicPr>
+          <p:cNvPr id="5" name="Picture 4" descr="Imagen que contiene dibujo, ventana&#10;&#10;Descripción generada con confianza muy alta">
+            <a:extLst>
+              <a:ext uri="{FF2B5EF4-FFF2-40B4-BE49-F238E27FC236}">
+                <a16:creationId xmlns:a16="http://schemas.microsoft.com/office/drawing/2014/main" id="{481C41DF-0FB3-42C2-BE9C-7350CBDE9BC9}"/>
+              </a:ext>
+            </a:extLst>
+          </p:cNvPr>
+          <p:cNvPicPr>
+            <a:picLocks noChangeAspect="1"/>
+          </p:cNvPicPr>
+          <p:nvPr/>
+        </p:nvPicPr>
+        <p:blipFill>
+          <a:blip r:embed="rId2"/>
+          <a:stretch>
+            <a:fillRect/>
+          </a:stretch>
+        </p:blipFill>
+        <p:spPr>
+          <a:xfrm>
+            <a:off x="841426" y="5835744"/>
+            <a:ext cx="1202066" cy="977007"/>
+          </a:xfrm>
+          <a:prstGeom prst="rect">
+            <a:avLst/>
+          </a:prstGeom>
+        </p:spPr>
+      </p:pic>
+      <p:pic>
+        <p:nvPicPr>
+          <p:cNvPr id="7" name="Picture 6" descr="Imagen que contiene dibujo&#10;&#10;Descripción generada con confianza muy alta">
+            <a:extLst>
+              <a:ext uri="{FF2B5EF4-FFF2-40B4-BE49-F238E27FC236}">
+                <a16:creationId xmlns:a16="http://schemas.microsoft.com/office/drawing/2014/main" id="{49776C3A-1300-4DBF-97D3-0947213A0381}"/>
+              </a:ext>
+            </a:extLst>
+          </p:cNvPr>
+          <p:cNvPicPr>
+            <a:picLocks noChangeAspect="1"/>
+          </p:cNvPicPr>
+          <p:nvPr/>
+        </p:nvPicPr>
+        <p:blipFill>
+          <a:blip r:embed="rId3">
+            <a:clrChange>
+              <a:clrFrom>
+                <a:srgbClr val="FFFFFF"/>
+              </a:clrFrom>
+              <a:clrTo>
+                <a:srgbClr val="FFFFFF">
+                  <a:alpha val="0"/>
+                </a:srgbClr>
+              </a:clrTo>
+            </a:clrChange>
+          </a:blip>
+          <a:stretch>
+            <a:fillRect/>
+          </a:stretch>
+        </p:blipFill>
+        <p:spPr>
+          <a:xfrm>
+            <a:off x="9532449" y="6235927"/>
+            <a:ext cx="2580196" cy="573080"/>
+          </a:xfrm>
+          <a:prstGeom prst="rect">
+            <a:avLst/>
+          </a:prstGeom>
+        </p:spPr>
+      </p:pic>
     </p:spTree>
     <p:extLst>
       <p:ext uri="{BB962C8B-B14F-4D97-AF65-F5344CB8AC3E}">
@@ -4207,15 +8188,548 @@
             <p:ph idx="1"/>
           </p:nvPr>
         </p:nvSpPr>
-        <p:spPr/>
+        <p:spPr>
+          <a:xfrm>
+            <a:off x="1371600" y="2012731"/>
+            <a:ext cx="9601200" cy="4243552"/>
+          </a:xfrm>
+        </p:spPr>
         <p:txBody>
-          <a:bodyPr/>
+          <a:bodyPr vert="horz" lIns="91440" tIns="45720" rIns="91440" bIns="45720" rtlCol="0" anchor="t">
+            <a:normAutofit/>
+          </a:bodyPr>
           <a:lstStyle/>
           <a:p>
+            <a:pPr marL="383540" indent="-383540"/>
+            <a:r>
+              <a:rPr lang="en-US" dirty="0" err="1">
+                <a:ea typeface="+mn-lt"/>
+                <a:cs typeface="+mn-lt"/>
+              </a:rPr>
+              <a:t>Buscar</a:t>
+            </a:r>
+            <a:r>
+              <a:rPr lang="en-US" dirty="0">
+                <a:ea typeface="+mn-lt"/>
+                <a:cs typeface="+mn-lt"/>
+              </a:rPr>
+              <a:t> </a:t>
+            </a:r>
+            <a:r>
+              <a:rPr lang="en-US" dirty="0" err="1">
+                <a:ea typeface="+mn-lt"/>
+                <a:cs typeface="+mn-lt"/>
+              </a:rPr>
+              <a:t>continuar</a:t>
+            </a:r>
+            <a:r>
+              <a:rPr lang="en-US" dirty="0">
+                <a:ea typeface="+mn-lt"/>
+                <a:cs typeface="+mn-lt"/>
+              </a:rPr>
+              <a:t> con el </a:t>
+            </a:r>
+            <a:r>
+              <a:rPr lang="en-US" dirty="0" err="1">
+                <a:ea typeface="+mn-lt"/>
+                <a:cs typeface="+mn-lt"/>
+              </a:rPr>
+              <a:t>trabajo</a:t>
+            </a:r>
+            <a:r>
+              <a:rPr lang="en-US" dirty="0">
+                <a:ea typeface="+mn-lt"/>
+                <a:cs typeface="+mn-lt"/>
+              </a:rPr>
+              <a:t> de </a:t>
+            </a:r>
+            <a:r>
+              <a:rPr lang="en-US" dirty="0" err="1">
+                <a:ea typeface="+mn-lt"/>
+                <a:cs typeface="+mn-lt"/>
+              </a:rPr>
+              <a:t>nuestros</a:t>
+            </a:r>
+            <a:r>
+              <a:rPr lang="en-US" dirty="0">
+                <a:ea typeface="+mn-lt"/>
+                <a:cs typeface="+mn-lt"/>
+              </a:rPr>
+              <a:t> </a:t>
+            </a:r>
+            <a:r>
+              <a:rPr lang="en-US" dirty="0" err="1">
+                <a:ea typeface="+mn-lt"/>
+                <a:cs typeface="+mn-lt"/>
+              </a:rPr>
+              <a:t>compañeros</a:t>
+            </a:r>
+            <a:r>
+              <a:rPr lang="en-US" dirty="0">
+                <a:ea typeface="+mn-lt"/>
+                <a:cs typeface="+mn-lt"/>
+              </a:rPr>
+              <a:t> del </a:t>
+            </a:r>
+            <a:r>
+              <a:rPr lang="en-US" dirty="0" err="1">
+                <a:ea typeface="+mn-lt"/>
+                <a:cs typeface="+mn-lt"/>
+              </a:rPr>
+              <a:t>semestre</a:t>
+            </a:r>
+            <a:r>
+              <a:rPr lang="en-US" dirty="0">
+                <a:ea typeface="+mn-lt"/>
+                <a:cs typeface="+mn-lt"/>
+              </a:rPr>
+              <a:t> anterior.</a:t>
+            </a:r>
+          </a:p>
+          <a:p>
+            <a:pPr marL="383540" indent="-383540"/>
+            <a:r>
+              <a:rPr lang="en-US" dirty="0" err="1">
+                <a:ea typeface="+mn-lt"/>
+                <a:cs typeface="+mn-lt"/>
+              </a:rPr>
+              <a:t>Obtener</a:t>
+            </a:r>
+            <a:r>
+              <a:rPr lang="en-US" dirty="0">
+                <a:ea typeface="+mn-lt"/>
+                <a:cs typeface="+mn-lt"/>
+              </a:rPr>
+              <a:t> </a:t>
+            </a:r>
+            <a:r>
+              <a:rPr lang="en-US" dirty="0" err="1">
+                <a:ea typeface="+mn-lt"/>
+                <a:cs typeface="+mn-lt"/>
+              </a:rPr>
+              <a:t>datos</a:t>
+            </a:r>
+            <a:r>
+              <a:rPr lang="en-US" dirty="0">
+                <a:ea typeface="+mn-lt"/>
+                <a:cs typeface="+mn-lt"/>
+              </a:rPr>
+              <a:t> </a:t>
+            </a:r>
+            <a:r>
+              <a:rPr lang="en-US" dirty="0" err="1">
+                <a:ea typeface="+mn-lt"/>
+                <a:cs typeface="+mn-lt"/>
+              </a:rPr>
+              <a:t>históricos</a:t>
+            </a:r>
+            <a:r>
+              <a:rPr lang="en-US" dirty="0">
+                <a:ea typeface="+mn-lt"/>
+                <a:cs typeface="+mn-lt"/>
+              </a:rPr>
+              <a:t>:</a:t>
+            </a:r>
             <a:endParaRPr lang="en-MX"/>
+          </a:p>
+          <a:p>
+            <a:pPr marL="0" indent="0">
+              <a:buNone/>
+            </a:pPr>
+            <a:r>
+              <a:rPr lang="en-US" dirty="0">
+                <a:ea typeface="+mn-lt"/>
+                <a:cs typeface="+mn-lt"/>
+              </a:rPr>
+              <a:t>                 </a:t>
+            </a:r>
+            <a:r>
+              <a:rPr lang="en-US" dirty="0" err="1">
+                <a:ea typeface="+mn-lt"/>
+                <a:cs typeface="+mn-lt"/>
+              </a:rPr>
+              <a:t>Plantas</a:t>
+            </a:r>
+            <a:r>
+              <a:rPr lang="en-US" dirty="0">
+                <a:ea typeface="+mn-lt"/>
+                <a:cs typeface="+mn-lt"/>
+              </a:rPr>
+              <a:t> </a:t>
+            </a:r>
+            <a:r>
+              <a:rPr lang="en-US" dirty="0" err="1">
+                <a:ea typeface="+mn-lt"/>
+                <a:cs typeface="+mn-lt"/>
+              </a:rPr>
+              <a:t>solares</a:t>
+            </a:r>
+            <a:r>
+              <a:rPr lang="en-US" dirty="0">
+                <a:ea typeface="+mn-lt"/>
+                <a:cs typeface="+mn-lt"/>
+              </a:rPr>
+              <a:t> (</a:t>
+            </a:r>
+            <a:r>
+              <a:rPr lang="en-US" dirty="0" err="1">
+                <a:ea typeface="+mn-lt"/>
+                <a:cs typeface="+mn-lt"/>
+              </a:rPr>
+              <a:t>fotovoltaicas</a:t>
+            </a:r>
+            <a:r>
+              <a:rPr lang="en-US" dirty="0">
+                <a:ea typeface="+mn-lt"/>
+                <a:cs typeface="+mn-lt"/>
+              </a:rPr>
+              <a:t>)</a:t>
+            </a:r>
+            <a:endParaRPr lang="en-MX" dirty="0">
+              <a:ea typeface="+mn-lt"/>
+              <a:cs typeface="+mn-lt"/>
+            </a:endParaRPr>
+          </a:p>
+          <a:p>
+            <a:pPr marL="0" indent="0">
+              <a:buNone/>
+            </a:pPr>
+            <a:r>
+              <a:rPr lang="en-US" dirty="0">
+                <a:ea typeface="+mn-lt"/>
+                <a:cs typeface="+mn-lt"/>
+              </a:rPr>
+              <a:t>                 </a:t>
+            </a:r>
+            <a:r>
+              <a:rPr lang="en-US" dirty="0" err="1">
+                <a:ea typeface="+mn-lt"/>
+                <a:cs typeface="+mn-lt"/>
+              </a:rPr>
+              <a:t>Plantas</a:t>
+            </a:r>
+            <a:r>
+              <a:rPr lang="en-US" dirty="0">
+                <a:ea typeface="+mn-lt"/>
+                <a:cs typeface="+mn-lt"/>
+              </a:rPr>
+              <a:t> </a:t>
+            </a:r>
+            <a:r>
+              <a:rPr lang="en-US" dirty="0" err="1">
+                <a:ea typeface="+mn-lt"/>
+                <a:cs typeface="+mn-lt"/>
+              </a:rPr>
+              <a:t>eólicas</a:t>
+            </a:r>
+            <a:r>
+              <a:rPr lang="en-US" dirty="0">
+                <a:ea typeface="+mn-lt"/>
+                <a:cs typeface="+mn-lt"/>
+              </a:rPr>
+              <a:t> (</a:t>
+            </a:r>
+            <a:r>
+              <a:rPr lang="en-US" dirty="0" err="1">
+                <a:ea typeface="+mn-lt"/>
+                <a:cs typeface="+mn-lt"/>
+              </a:rPr>
+              <a:t>aerogeneradores</a:t>
+            </a:r>
+            <a:r>
+              <a:rPr lang="en-US" dirty="0">
+                <a:ea typeface="+mn-lt"/>
+                <a:cs typeface="+mn-lt"/>
+              </a:rPr>
+              <a:t>)</a:t>
+            </a:r>
+            <a:endParaRPr lang="en-MX"/>
+          </a:p>
+          <a:p>
+            <a:pPr marL="383540" indent="-383540"/>
+            <a:r>
+              <a:rPr lang="en-US" dirty="0" err="1">
+                <a:ea typeface="+mn-lt"/>
+                <a:cs typeface="+mn-lt"/>
+              </a:rPr>
+              <a:t>Filtrar</a:t>
+            </a:r>
+            <a:r>
+              <a:rPr lang="en-US" dirty="0">
+                <a:ea typeface="+mn-lt"/>
+                <a:cs typeface="+mn-lt"/>
+              </a:rPr>
+              <a:t> y </a:t>
+            </a:r>
+            <a:r>
+              <a:rPr lang="en-US" dirty="0" err="1">
+                <a:ea typeface="+mn-lt"/>
+                <a:cs typeface="+mn-lt"/>
+              </a:rPr>
+              <a:t>ordernar</a:t>
+            </a:r>
+            <a:r>
+              <a:rPr lang="en-US" dirty="0">
+                <a:ea typeface="+mn-lt"/>
+                <a:cs typeface="+mn-lt"/>
+              </a:rPr>
+              <a:t> la </a:t>
+            </a:r>
+            <a:r>
+              <a:rPr lang="en-US" dirty="0" err="1">
+                <a:ea typeface="+mn-lt"/>
+                <a:cs typeface="+mn-lt"/>
+              </a:rPr>
+              <a:t>información</a:t>
+            </a:r>
+            <a:r>
+              <a:rPr lang="en-US" dirty="0">
+                <a:ea typeface="+mn-lt"/>
+                <a:cs typeface="+mn-lt"/>
+              </a:rPr>
+              <a:t> </a:t>
+            </a:r>
+            <a:r>
+              <a:rPr lang="en-US" dirty="0" err="1">
+                <a:ea typeface="+mn-lt"/>
+                <a:cs typeface="+mn-lt"/>
+              </a:rPr>
+              <a:t>obtenida</a:t>
+            </a:r>
+            <a:endParaRPr lang="en-MX" dirty="0" err="1"/>
+          </a:p>
+          <a:p>
+            <a:pPr marL="383540" indent="-383540"/>
+            <a:r>
+              <a:rPr lang="en-US" dirty="0" err="1">
+                <a:ea typeface="+mn-lt"/>
+                <a:cs typeface="+mn-lt"/>
+              </a:rPr>
+              <a:t>Obtener</a:t>
+            </a:r>
+            <a:r>
+              <a:rPr lang="en-US" dirty="0">
+                <a:ea typeface="+mn-lt"/>
+                <a:cs typeface="+mn-lt"/>
+              </a:rPr>
+              <a:t> un </a:t>
+            </a:r>
+            <a:r>
+              <a:rPr lang="en-US" dirty="0" err="1">
+                <a:ea typeface="+mn-lt"/>
+                <a:cs typeface="+mn-lt"/>
+              </a:rPr>
+              <a:t>modelo</a:t>
+            </a:r>
+            <a:r>
+              <a:rPr lang="en-US" dirty="0">
+                <a:ea typeface="+mn-lt"/>
+                <a:cs typeface="+mn-lt"/>
+              </a:rPr>
+              <a:t> para el </a:t>
+            </a:r>
+            <a:r>
+              <a:rPr lang="en-US" dirty="0" err="1">
+                <a:ea typeface="+mn-lt"/>
+                <a:cs typeface="+mn-lt"/>
+              </a:rPr>
+              <a:t>pronóstico</a:t>
+            </a:r>
+            <a:r>
+              <a:rPr lang="en-US" dirty="0">
+                <a:ea typeface="+mn-lt"/>
+                <a:cs typeface="+mn-lt"/>
+              </a:rPr>
+              <a:t> de las variables.</a:t>
+            </a:r>
+            <a:endParaRPr lang="en-MX" dirty="0"/>
+          </a:p>
+          <a:p>
+            <a:pPr marL="383540" indent="-383540"/>
+            <a:r>
+              <a:rPr lang="en-US" dirty="0" err="1">
+                <a:ea typeface="+mn-lt"/>
+                <a:cs typeface="+mn-lt"/>
+              </a:rPr>
+              <a:t>Probar</a:t>
+            </a:r>
+            <a:r>
+              <a:rPr lang="en-US" dirty="0">
+                <a:ea typeface="+mn-lt"/>
+                <a:cs typeface="+mn-lt"/>
+              </a:rPr>
+              <a:t> el </a:t>
+            </a:r>
+            <a:r>
+              <a:rPr lang="en-US" dirty="0" err="1">
+                <a:ea typeface="+mn-lt"/>
+                <a:cs typeface="+mn-lt"/>
+              </a:rPr>
+              <a:t>modelo</a:t>
+            </a:r>
+            <a:r>
+              <a:rPr lang="en-US" dirty="0">
+                <a:ea typeface="+mn-lt"/>
+                <a:cs typeface="+mn-lt"/>
+              </a:rPr>
+              <a:t> </a:t>
+            </a:r>
+            <a:r>
+              <a:rPr lang="en-US" dirty="0" err="1">
+                <a:ea typeface="+mn-lt"/>
+                <a:cs typeface="+mn-lt"/>
+              </a:rPr>
+              <a:t>obtenido</a:t>
+            </a:r>
+            <a:r>
+              <a:rPr lang="en-US" dirty="0">
+                <a:ea typeface="+mn-lt"/>
+                <a:cs typeface="+mn-lt"/>
+              </a:rPr>
+              <a:t> y </a:t>
+            </a:r>
+            <a:r>
+              <a:rPr lang="en-US" dirty="0" err="1">
+                <a:ea typeface="+mn-lt"/>
+                <a:cs typeface="+mn-lt"/>
+              </a:rPr>
+              <a:t>obtener</a:t>
+            </a:r>
+            <a:r>
+              <a:rPr lang="en-US" dirty="0">
+                <a:ea typeface="+mn-lt"/>
+                <a:cs typeface="+mn-lt"/>
+              </a:rPr>
+              <a:t> sus </a:t>
+            </a:r>
+            <a:r>
+              <a:rPr lang="en-US" dirty="0" err="1">
+                <a:ea typeface="+mn-lt"/>
+                <a:cs typeface="+mn-lt"/>
+              </a:rPr>
+              <a:t>estadísticos</a:t>
+            </a:r>
+            <a:r>
+              <a:rPr lang="en-US" dirty="0">
+                <a:ea typeface="+mn-lt"/>
+                <a:cs typeface="+mn-lt"/>
+              </a:rPr>
+              <a:t>.</a:t>
+            </a:r>
+            <a:endParaRPr lang="en-MX" dirty="0" err="1"/>
+          </a:p>
+          <a:p>
+            <a:pPr marL="383540" indent="-383540"/>
+            <a:r>
+              <a:rPr lang="en-US" dirty="0" err="1"/>
+              <a:t>Optimizar</a:t>
+            </a:r>
+            <a:r>
+              <a:rPr lang="en-US" dirty="0"/>
+              <a:t> el </a:t>
+            </a:r>
+            <a:r>
+              <a:rPr lang="en-US" dirty="0" err="1"/>
+              <a:t>tiempo</a:t>
+            </a:r>
+            <a:r>
+              <a:rPr lang="en-US" dirty="0"/>
+              <a:t> de </a:t>
+            </a:r>
+            <a:r>
+              <a:rPr lang="en-US" dirty="0" err="1"/>
+              <a:t>salida</a:t>
+            </a:r>
+            <a:r>
+              <a:rPr lang="en-US" dirty="0"/>
+              <a:t> del </a:t>
+            </a:r>
+            <a:r>
+              <a:rPr lang="en-US" dirty="0" err="1"/>
+              <a:t>código</a:t>
+            </a:r>
+            <a:r>
+              <a:rPr lang="en-US" dirty="0"/>
+              <a:t>.</a:t>
+            </a:r>
+          </a:p>
+          <a:p>
+            <a:pPr marL="383540" indent="-383540"/>
+            <a:endParaRPr lang="en-MX" dirty="0"/>
           </a:p>
         </p:txBody>
       </p:sp>
+      <p:pic>
+        <p:nvPicPr>
+          <p:cNvPr id="5" name="Picture 4" descr="Imagen que contiene dibujo, ventana&#10;&#10;Descripción generada con confianza muy alta">
+            <a:extLst>
+              <a:ext uri="{FF2B5EF4-FFF2-40B4-BE49-F238E27FC236}">
+                <a16:creationId xmlns:a16="http://schemas.microsoft.com/office/drawing/2014/main" id="{1A950990-A69E-4AB0-BF3C-8F45BB1215C7}"/>
+              </a:ext>
+            </a:extLst>
+          </p:cNvPr>
+          <p:cNvPicPr>
+            <a:picLocks noChangeAspect="1"/>
+          </p:cNvPicPr>
+          <p:nvPr/>
+        </p:nvPicPr>
+        <p:blipFill>
+          <a:blip r:embed="rId2"/>
+          <a:stretch>
+            <a:fillRect/>
+          </a:stretch>
+        </p:blipFill>
+        <p:spPr>
+          <a:xfrm>
+            <a:off x="841426" y="5835744"/>
+            <a:ext cx="1202066" cy="977007"/>
+          </a:xfrm>
+          <a:prstGeom prst="rect">
+            <a:avLst/>
+          </a:prstGeom>
+        </p:spPr>
+      </p:pic>
+      <p:pic>
+        <p:nvPicPr>
+          <p:cNvPr id="7" name="Picture 6" descr="Imagen que contiene dibujo&#10;&#10;Descripción generada con confianza muy alta">
+            <a:extLst>
+              <a:ext uri="{FF2B5EF4-FFF2-40B4-BE49-F238E27FC236}">
+                <a16:creationId xmlns:a16="http://schemas.microsoft.com/office/drawing/2014/main" id="{360D90BB-B8FD-44C7-9514-3B318237E9CA}"/>
+              </a:ext>
+            </a:extLst>
+          </p:cNvPr>
+          <p:cNvPicPr>
+            <a:picLocks noChangeAspect="1"/>
+          </p:cNvPicPr>
+          <p:nvPr/>
+        </p:nvPicPr>
+        <p:blipFill>
+          <a:blip r:embed="rId3">
+            <a:clrChange>
+              <a:clrFrom>
+                <a:srgbClr val="FFFFFF"/>
+              </a:clrFrom>
+              <a:clrTo>
+                <a:srgbClr val="FFFFFF">
+                  <a:alpha val="0"/>
+                </a:srgbClr>
+              </a:clrTo>
+            </a:clrChange>
+          </a:blip>
+          <a:stretch>
+            <a:fillRect/>
+          </a:stretch>
+        </p:blipFill>
+        <p:spPr>
+          <a:xfrm>
+            <a:off x="9532449" y="6235927"/>
+            <a:ext cx="2580196" cy="573080"/>
+          </a:xfrm>
+          <a:prstGeom prst="rect">
+            <a:avLst/>
+          </a:prstGeom>
+        </p:spPr>
+      </p:pic>
     </p:spTree>
     <p:extLst>
       <p:ext uri="{BB962C8B-B14F-4D97-AF65-F5344CB8AC3E}">
@@ -4230,6 +8744,712 @@
 </file>
 
 <file path=ppt/slides/slide5.xml><?xml version="1.0" encoding="utf-8"?>
+<p:sld xmlns:a="http://schemas.openxmlformats.org/drawingml/2006/main" xmlns:r="http://schemas.openxmlformats.org/officeDocument/2006/relationships" xmlns:p="http://schemas.openxmlformats.org/presentationml/2006/main">
+  <p:cSld>
+    <p:spTree>
+      <p:nvGrpSpPr>
+        <p:cNvPr id="1" name=""/>
+        <p:cNvGrpSpPr/>
+        <p:nvPr/>
+      </p:nvGrpSpPr>
+      <p:grpSpPr>
+        <a:xfrm>
+          <a:off x="0" y="0"/>
+          <a:ext cx="0" cy="0"/>
+          <a:chOff x="0" y="0"/>
+          <a:chExt cx="0" cy="0"/>
+        </a:xfrm>
+      </p:grpSpPr>
+      <p:sp>
+        <p:nvSpPr>
+          <p:cNvPr id="3" name="Text Placeholder 2">
+            <a:extLst>
+              <a:ext uri="{FF2B5EF4-FFF2-40B4-BE49-F238E27FC236}">
+                <a16:creationId xmlns:a16="http://schemas.microsoft.com/office/drawing/2014/main" id="{2A477AE5-FD09-4D19-9E7E-C43AE5B9D0CB}"/>
+              </a:ext>
+            </a:extLst>
+          </p:cNvPr>
+          <p:cNvSpPr>
+            <a:spLocks noGrp="1"/>
+          </p:cNvSpPr>
+          <p:nvPr>
+            <p:ph type="body" idx="1"/>
+          </p:nvPr>
+        </p:nvSpPr>
+        <p:spPr>
+          <a:xfrm>
+            <a:off x="1371600" y="575126"/>
+            <a:ext cx="4443984" cy="823912"/>
+          </a:xfrm>
+        </p:spPr>
+        <p:txBody>
+          <a:bodyPr/>
+          <a:lstStyle/>
+          <a:p>
+            <a:r>
+              <a:rPr lang="en-US" dirty="0" err="1">
+                <a:ea typeface="+mn-lt"/>
+                <a:cs typeface="+mn-lt"/>
+              </a:rPr>
+              <a:t>Plantas</a:t>
+            </a:r>
+            <a:r>
+              <a:rPr lang="en-US" dirty="0">
+                <a:ea typeface="+mn-lt"/>
+                <a:cs typeface="+mn-lt"/>
+              </a:rPr>
+              <a:t> </a:t>
+            </a:r>
+            <a:r>
+              <a:rPr lang="en-US" dirty="0" err="1">
+                <a:ea typeface="+mn-lt"/>
+                <a:cs typeface="+mn-lt"/>
+              </a:rPr>
+              <a:t>solares</a:t>
+            </a:r>
+            <a:r>
+              <a:rPr lang="en-US" dirty="0">
+                <a:ea typeface="+mn-lt"/>
+                <a:cs typeface="+mn-lt"/>
+              </a:rPr>
+              <a:t> (</a:t>
+            </a:r>
+            <a:r>
+              <a:rPr lang="en-US" dirty="0" err="1">
+                <a:ea typeface="+mn-lt"/>
+                <a:cs typeface="+mn-lt"/>
+              </a:rPr>
+              <a:t>fotovoltaicas</a:t>
+            </a:r>
+            <a:r>
+              <a:rPr lang="en-US" dirty="0">
+                <a:ea typeface="+mn-lt"/>
+                <a:cs typeface="+mn-lt"/>
+              </a:rPr>
+              <a:t>)</a:t>
+            </a:r>
+            <a:endParaRPr lang="en-US" dirty="0"/>
+          </a:p>
+        </p:txBody>
+      </p:sp>
+      <p:sp>
+        <p:nvSpPr>
+          <p:cNvPr id="4" name="Content Placeholder 3">
+            <a:extLst>
+              <a:ext uri="{FF2B5EF4-FFF2-40B4-BE49-F238E27FC236}">
+                <a16:creationId xmlns:a16="http://schemas.microsoft.com/office/drawing/2014/main" id="{E34448EB-ED9C-4904-ABC2-94D5AF429258}"/>
+              </a:ext>
+            </a:extLst>
+          </p:cNvPr>
+          <p:cNvSpPr>
+            <a:spLocks noGrp="1"/>
+          </p:cNvSpPr>
+          <p:nvPr>
+            <p:ph sz="half" idx="2"/>
+          </p:nvPr>
+        </p:nvSpPr>
+        <p:spPr>
+          <a:xfrm>
+            <a:off x="1371600" y="1991414"/>
+            <a:ext cx="4443984" cy="3875986"/>
+          </a:xfrm>
+        </p:spPr>
+        <p:txBody>
+          <a:bodyPr vert="horz" lIns="91440" tIns="45720" rIns="91440" bIns="45720" rtlCol="0" anchor="t">
+            <a:normAutofit/>
+          </a:bodyPr>
+          <a:lstStyle/>
+          <a:p>
+            <a:pPr marL="383540" indent="-383540"/>
+            <a:r>
+              <a:rPr lang="en-US" dirty="0" err="1">
+                <a:ea typeface="+mn-lt"/>
+                <a:cs typeface="+mn-lt"/>
+              </a:rPr>
+              <a:t>Energía</a:t>
+            </a:r>
+            <a:r>
+              <a:rPr lang="en-US" dirty="0">
+                <a:ea typeface="+mn-lt"/>
+                <a:cs typeface="+mn-lt"/>
+              </a:rPr>
+              <a:t> (MWh)</a:t>
+            </a:r>
+            <a:endParaRPr lang="en-US" dirty="0"/>
+          </a:p>
+          <a:p>
+            <a:pPr marL="383540" indent="-383540"/>
+            <a:r>
+              <a:rPr lang="en-US" dirty="0" err="1">
+                <a:ea typeface="+mn-lt"/>
+                <a:cs typeface="+mn-lt"/>
+              </a:rPr>
+              <a:t>Radiación</a:t>
+            </a:r>
+            <a:r>
+              <a:rPr lang="en-US" dirty="0">
+                <a:ea typeface="+mn-lt"/>
+                <a:cs typeface="+mn-lt"/>
+              </a:rPr>
+              <a:t> solar (kW/m2)</a:t>
+            </a:r>
+            <a:endParaRPr lang="en-US" dirty="0"/>
+          </a:p>
+          <a:p>
+            <a:pPr marL="383540" indent="-383540"/>
+            <a:r>
+              <a:rPr lang="en-US" dirty="0" err="1">
+                <a:ea typeface="+mn-lt"/>
+                <a:cs typeface="+mn-lt"/>
+              </a:rPr>
+              <a:t>Temperatura</a:t>
+            </a:r>
+            <a:r>
+              <a:rPr lang="en-US" dirty="0">
+                <a:ea typeface="+mn-lt"/>
+                <a:cs typeface="+mn-lt"/>
+              </a:rPr>
+              <a:t> (°C)</a:t>
+            </a:r>
+            <a:endParaRPr lang="en-US" dirty="0"/>
+          </a:p>
+          <a:p>
+            <a:pPr marL="383540" indent="-383540"/>
+            <a:r>
+              <a:rPr lang="en-US" dirty="0" err="1">
+                <a:ea typeface="+mn-lt"/>
+                <a:cs typeface="+mn-lt"/>
+              </a:rPr>
+              <a:t>Nubosidad</a:t>
+            </a:r>
+            <a:r>
+              <a:rPr lang="en-US" dirty="0">
+                <a:ea typeface="+mn-lt"/>
+                <a:cs typeface="+mn-lt"/>
+              </a:rPr>
+              <a:t> (%)</a:t>
+            </a:r>
+            <a:endParaRPr lang="en-US" dirty="0"/>
+          </a:p>
+          <a:p>
+            <a:pPr marL="383540" indent="-383540"/>
+            <a:r>
+              <a:rPr lang="en-US" dirty="0" err="1">
+                <a:ea typeface="+mn-lt"/>
+                <a:cs typeface="+mn-lt"/>
+              </a:rPr>
+              <a:t>Humedad</a:t>
+            </a:r>
+            <a:r>
+              <a:rPr lang="en-US" dirty="0">
+                <a:ea typeface="+mn-lt"/>
+                <a:cs typeface="+mn-lt"/>
+              </a:rPr>
+              <a:t> </a:t>
+            </a:r>
+            <a:r>
+              <a:rPr lang="en-US" dirty="0" err="1">
+                <a:ea typeface="+mn-lt"/>
+                <a:cs typeface="+mn-lt"/>
+              </a:rPr>
+              <a:t>relativa</a:t>
+            </a:r>
+            <a:r>
+              <a:rPr lang="en-US" dirty="0">
+                <a:ea typeface="+mn-lt"/>
+                <a:cs typeface="+mn-lt"/>
+              </a:rPr>
+              <a:t> (%)</a:t>
+            </a:r>
+            <a:endParaRPr lang="en-US" dirty="0"/>
+          </a:p>
+          <a:p>
+            <a:pPr marL="383540" indent="-383540"/>
+            <a:r>
+              <a:rPr lang="en-US" dirty="0" err="1">
+                <a:ea typeface="+mn-lt"/>
+                <a:cs typeface="+mn-lt"/>
+              </a:rPr>
+              <a:t>Velocidad</a:t>
+            </a:r>
+            <a:r>
+              <a:rPr lang="en-US" dirty="0">
+                <a:ea typeface="+mn-lt"/>
+                <a:cs typeface="+mn-lt"/>
+              </a:rPr>
+              <a:t> del </a:t>
+            </a:r>
+            <a:r>
+              <a:rPr lang="en-US" dirty="0" err="1">
+                <a:ea typeface="+mn-lt"/>
+                <a:cs typeface="+mn-lt"/>
+              </a:rPr>
+              <a:t>viento</a:t>
+            </a:r>
+            <a:r>
+              <a:rPr lang="en-US" dirty="0">
+                <a:ea typeface="+mn-lt"/>
+                <a:cs typeface="+mn-lt"/>
+              </a:rPr>
+              <a:t> (km/h)</a:t>
+            </a:r>
+            <a:endParaRPr lang="en-US" dirty="0"/>
+          </a:p>
+          <a:p>
+            <a:pPr marL="383540" indent="-383540"/>
+            <a:r>
+              <a:rPr lang="en-US" dirty="0" err="1">
+                <a:ea typeface="+mn-lt"/>
+                <a:cs typeface="+mn-lt"/>
+              </a:rPr>
+              <a:t>Presión</a:t>
+            </a:r>
+            <a:r>
+              <a:rPr lang="en-US" dirty="0">
+                <a:ea typeface="+mn-lt"/>
+                <a:cs typeface="+mn-lt"/>
+              </a:rPr>
+              <a:t> </a:t>
+            </a:r>
+            <a:r>
+              <a:rPr lang="en-US" dirty="0" err="1">
+                <a:ea typeface="+mn-lt"/>
+                <a:cs typeface="+mn-lt"/>
+              </a:rPr>
+              <a:t>barométrica</a:t>
+            </a:r>
+            <a:r>
+              <a:rPr lang="en-US" dirty="0">
+                <a:ea typeface="+mn-lt"/>
+                <a:cs typeface="+mn-lt"/>
+              </a:rPr>
+              <a:t> (mbar)</a:t>
+            </a:r>
+            <a:endParaRPr lang="en-US" dirty="0"/>
+          </a:p>
+          <a:p>
+            <a:pPr marL="383540" indent="-383540"/>
+            <a:r>
+              <a:rPr lang="en-US" dirty="0" err="1">
+                <a:ea typeface="+mn-lt"/>
+                <a:cs typeface="+mn-lt"/>
+              </a:rPr>
+              <a:t>Radiación</a:t>
+            </a:r>
+            <a:r>
+              <a:rPr lang="en-US" dirty="0">
+                <a:ea typeface="+mn-lt"/>
+                <a:cs typeface="+mn-lt"/>
+              </a:rPr>
+              <a:t> </a:t>
+            </a:r>
+            <a:r>
+              <a:rPr lang="en-US" dirty="0" err="1">
+                <a:ea typeface="+mn-lt"/>
+                <a:cs typeface="+mn-lt"/>
+              </a:rPr>
+              <a:t>indirecta</a:t>
+            </a:r>
+            <a:r>
+              <a:rPr lang="en-US" dirty="0">
+                <a:ea typeface="+mn-lt"/>
+                <a:cs typeface="+mn-lt"/>
+              </a:rPr>
+              <a:t> (kW/m2)</a:t>
+            </a:r>
+            <a:endParaRPr lang="en-US" dirty="0"/>
+          </a:p>
+          <a:p>
+            <a:pPr marL="383540" indent="-383540"/>
+            <a:endParaRPr lang="en-US" dirty="0"/>
+          </a:p>
+        </p:txBody>
+      </p:sp>
+      <p:sp>
+        <p:nvSpPr>
+          <p:cNvPr id="5" name="Text Placeholder 4">
+            <a:extLst>
+              <a:ext uri="{FF2B5EF4-FFF2-40B4-BE49-F238E27FC236}">
+                <a16:creationId xmlns:a16="http://schemas.microsoft.com/office/drawing/2014/main" id="{1A2A1A13-FCFF-4363-BA77-5FA08F76E97F}"/>
+              </a:ext>
+            </a:extLst>
+          </p:cNvPr>
+          <p:cNvSpPr>
+            <a:spLocks noGrp="1"/>
+          </p:cNvSpPr>
+          <p:nvPr>
+            <p:ph type="body" sz="quarter" idx="3"/>
+          </p:nvPr>
+        </p:nvSpPr>
+        <p:spPr>
+          <a:xfrm>
+            <a:off x="6525014" y="575126"/>
+            <a:ext cx="4443984" cy="823912"/>
+          </a:xfrm>
+        </p:spPr>
+        <p:txBody>
+          <a:bodyPr/>
+          <a:lstStyle/>
+          <a:p>
+            <a:r>
+              <a:rPr lang="en-US" dirty="0" err="1">
+                <a:ea typeface="+mn-lt"/>
+                <a:cs typeface="+mn-lt"/>
+              </a:rPr>
+              <a:t>Plantas</a:t>
+            </a:r>
+            <a:r>
+              <a:rPr lang="en-US" dirty="0">
+                <a:ea typeface="+mn-lt"/>
+                <a:cs typeface="+mn-lt"/>
+              </a:rPr>
+              <a:t> </a:t>
+            </a:r>
+            <a:r>
+              <a:rPr lang="en-US" dirty="0" err="1">
+                <a:ea typeface="+mn-lt"/>
+                <a:cs typeface="+mn-lt"/>
+              </a:rPr>
+              <a:t>eólicas</a:t>
+            </a:r>
+            <a:r>
+              <a:rPr lang="en-US" dirty="0">
+                <a:ea typeface="+mn-lt"/>
+                <a:cs typeface="+mn-lt"/>
+              </a:rPr>
+              <a:t> (</a:t>
+            </a:r>
+            <a:r>
+              <a:rPr lang="en-US" dirty="0" err="1">
+                <a:ea typeface="+mn-lt"/>
+                <a:cs typeface="+mn-lt"/>
+              </a:rPr>
+              <a:t>aerogeneradores</a:t>
+            </a:r>
+            <a:r>
+              <a:rPr lang="en-US" dirty="0">
+                <a:ea typeface="+mn-lt"/>
+                <a:cs typeface="+mn-lt"/>
+              </a:rPr>
+              <a:t>)</a:t>
+            </a:r>
+          </a:p>
+        </p:txBody>
+      </p:sp>
+      <p:sp>
+        <p:nvSpPr>
+          <p:cNvPr id="6" name="Content Placeholder 5">
+            <a:extLst>
+              <a:ext uri="{FF2B5EF4-FFF2-40B4-BE49-F238E27FC236}">
+                <a16:creationId xmlns:a16="http://schemas.microsoft.com/office/drawing/2014/main" id="{EB05B71B-7EE4-49BD-8966-B9694FDCB43C}"/>
+              </a:ext>
+            </a:extLst>
+          </p:cNvPr>
+          <p:cNvSpPr>
+            <a:spLocks noGrp="1"/>
+          </p:cNvSpPr>
+          <p:nvPr>
+            <p:ph sz="quarter" idx="4"/>
+          </p:nvPr>
+        </p:nvSpPr>
+        <p:spPr>
+          <a:xfrm>
+            <a:off x="6525014" y="1991414"/>
+            <a:ext cx="4443984" cy="3875986"/>
+          </a:xfrm>
+        </p:spPr>
+        <p:txBody>
+          <a:bodyPr vert="horz" lIns="91440" tIns="45720" rIns="91440" bIns="45720" rtlCol="0" anchor="t">
+            <a:normAutofit/>
+          </a:bodyPr>
+          <a:lstStyle/>
+          <a:p>
+            <a:pPr marL="383540" indent="-383540"/>
+            <a:r>
+              <a:rPr lang="en-US" dirty="0" err="1">
+                <a:ea typeface="+mn-lt"/>
+                <a:cs typeface="+mn-lt"/>
+              </a:rPr>
+              <a:t>energía</a:t>
+            </a:r>
+            <a:r>
+              <a:rPr lang="en-US" dirty="0">
+                <a:ea typeface="+mn-lt"/>
+                <a:cs typeface="+mn-lt"/>
+              </a:rPr>
+              <a:t> (MWh)</a:t>
+            </a:r>
+            <a:endParaRPr lang="en-US" dirty="0"/>
+          </a:p>
+          <a:p>
+            <a:pPr marL="383540" indent="-383540"/>
+            <a:r>
+              <a:rPr lang="en-US" dirty="0" err="1">
+                <a:ea typeface="+mn-lt"/>
+                <a:cs typeface="+mn-lt"/>
+              </a:rPr>
+              <a:t>Velocidad</a:t>
+            </a:r>
+            <a:r>
+              <a:rPr lang="en-US" dirty="0">
+                <a:ea typeface="+mn-lt"/>
+                <a:cs typeface="+mn-lt"/>
+              </a:rPr>
+              <a:t> del </a:t>
+            </a:r>
+            <a:r>
+              <a:rPr lang="en-US" dirty="0" err="1">
+                <a:ea typeface="+mn-lt"/>
+                <a:cs typeface="+mn-lt"/>
+              </a:rPr>
+              <a:t>viento</a:t>
+            </a:r>
+            <a:r>
+              <a:rPr lang="en-US" dirty="0">
+                <a:ea typeface="+mn-lt"/>
+                <a:cs typeface="+mn-lt"/>
+              </a:rPr>
+              <a:t> (km/h)</a:t>
+            </a:r>
+            <a:endParaRPr lang="en-US" dirty="0"/>
+          </a:p>
+          <a:p>
+            <a:pPr marL="383540" indent="-383540"/>
+            <a:r>
+              <a:rPr lang="en-US" dirty="0" err="1">
+                <a:ea typeface="+mn-lt"/>
+                <a:cs typeface="+mn-lt"/>
+              </a:rPr>
+              <a:t>Dirección</a:t>
+            </a:r>
+            <a:r>
+              <a:rPr lang="en-US" dirty="0">
+                <a:ea typeface="+mn-lt"/>
+                <a:cs typeface="+mn-lt"/>
+              </a:rPr>
+              <a:t> del </a:t>
+            </a:r>
+            <a:r>
+              <a:rPr lang="en-US" dirty="0" err="1">
+                <a:ea typeface="+mn-lt"/>
+                <a:cs typeface="+mn-lt"/>
+              </a:rPr>
+              <a:t>viento</a:t>
+            </a:r>
+            <a:r>
+              <a:rPr lang="en-US" dirty="0">
+                <a:ea typeface="+mn-lt"/>
+                <a:cs typeface="+mn-lt"/>
+              </a:rPr>
+              <a:t> (</a:t>
+            </a:r>
+            <a:r>
+              <a:rPr lang="en-US" dirty="0" err="1">
+                <a:ea typeface="+mn-lt"/>
+                <a:cs typeface="+mn-lt"/>
+              </a:rPr>
+              <a:t>norte</a:t>
+            </a:r>
+            <a:r>
+              <a:rPr lang="en-US" dirty="0">
+                <a:ea typeface="+mn-lt"/>
+                <a:cs typeface="+mn-lt"/>
+              </a:rPr>
+              <a:t>)</a:t>
+            </a:r>
+            <a:endParaRPr lang="en-US" dirty="0"/>
+          </a:p>
+          <a:p>
+            <a:pPr marL="383540" indent="-383540"/>
+            <a:r>
+              <a:rPr lang="en-US" dirty="0" err="1">
+                <a:ea typeface="+mn-lt"/>
+                <a:cs typeface="+mn-lt"/>
+              </a:rPr>
+              <a:t>Temperatura</a:t>
+            </a:r>
+            <a:r>
+              <a:rPr lang="en-US" dirty="0">
+                <a:ea typeface="+mn-lt"/>
+                <a:cs typeface="+mn-lt"/>
+              </a:rPr>
+              <a:t> (°C)</a:t>
+            </a:r>
+            <a:endParaRPr lang="en-US" dirty="0"/>
+          </a:p>
+          <a:p>
+            <a:pPr marL="383540" indent="-383540"/>
+            <a:r>
+              <a:rPr lang="en-US" dirty="0" err="1">
+                <a:ea typeface="+mn-lt"/>
+                <a:cs typeface="+mn-lt"/>
+              </a:rPr>
+              <a:t>Nubosidad</a:t>
+            </a:r>
+            <a:r>
+              <a:rPr lang="en-US" dirty="0">
+                <a:ea typeface="+mn-lt"/>
+                <a:cs typeface="+mn-lt"/>
+              </a:rPr>
+              <a:t> (%)</a:t>
+            </a:r>
+            <a:endParaRPr lang="en-US" dirty="0"/>
+          </a:p>
+          <a:p>
+            <a:pPr marL="383540" indent="-383540"/>
+            <a:r>
+              <a:rPr lang="en-US" dirty="0" err="1">
+                <a:ea typeface="+mn-lt"/>
+                <a:cs typeface="+mn-lt"/>
+              </a:rPr>
+              <a:t>Humedad</a:t>
+            </a:r>
+            <a:r>
+              <a:rPr lang="en-US" dirty="0">
+                <a:ea typeface="+mn-lt"/>
+                <a:cs typeface="+mn-lt"/>
+              </a:rPr>
+              <a:t> </a:t>
+            </a:r>
+            <a:r>
+              <a:rPr lang="en-US" dirty="0" err="1">
+                <a:ea typeface="+mn-lt"/>
+                <a:cs typeface="+mn-lt"/>
+              </a:rPr>
+              <a:t>relativa</a:t>
+            </a:r>
+            <a:r>
+              <a:rPr lang="en-US" dirty="0">
+                <a:ea typeface="+mn-lt"/>
+                <a:cs typeface="+mn-lt"/>
+              </a:rPr>
+              <a:t> (%)</a:t>
+            </a:r>
+            <a:endParaRPr lang="en-US" dirty="0"/>
+          </a:p>
+          <a:p>
+            <a:pPr marL="383540" indent="-383540"/>
+            <a:r>
+              <a:rPr lang="en-US" dirty="0" err="1">
+                <a:ea typeface="+mn-lt"/>
+                <a:cs typeface="+mn-lt"/>
+              </a:rPr>
+              <a:t>Presión</a:t>
+            </a:r>
+            <a:r>
+              <a:rPr lang="en-US" dirty="0">
+                <a:ea typeface="+mn-lt"/>
+                <a:cs typeface="+mn-lt"/>
+              </a:rPr>
+              <a:t> </a:t>
+            </a:r>
+            <a:r>
+              <a:rPr lang="en-US" dirty="0" err="1">
+                <a:ea typeface="+mn-lt"/>
+                <a:cs typeface="+mn-lt"/>
+              </a:rPr>
+              <a:t>barométrica</a:t>
+            </a:r>
+            <a:r>
+              <a:rPr lang="en-US" dirty="0">
+                <a:ea typeface="+mn-lt"/>
+                <a:cs typeface="+mn-lt"/>
+              </a:rPr>
+              <a:t> (mbar)</a:t>
+            </a:r>
+            <a:endParaRPr lang="en-US" dirty="0"/>
+          </a:p>
+          <a:p>
+            <a:pPr marL="383540" indent="-383540"/>
+            <a:endParaRPr lang="en-US" dirty="0"/>
+          </a:p>
+        </p:txBody>
+      </p:sp>
+      <p:pic>
+        <p:nvPicPr>
+          <p:cNvPr id="2" name="Picture 4" descr="Imagen que contiene dibujo, ventana&#10;&#10;Descripción generada con confianza muy alta">
+            <a:extLst>
+              <a:ext uri="{FF2B5EF4-FFF2-40B4-BE49-F238E27FC236}">
+                <a16:creationId xmlns:a16="http://schemas.microsoft.com/office/drawing/2014/main" id="{AA623E9B-1EF0-4F5C-A46C-717F5D2EDBF5}"/>
+              </a:ext>
+            </a:extLst>
+          </p:cNvPr>
+          <p:cNvPicPr>
+            <a:picLocks noChangeAspect="1"/>
+          </p:cNvPicPr>
+          <p:nvPr/>
+        </p:nvPicPr>
+        <p:blipFill>
+          <a:blip r:embed="rId2"/>
+          <a:stretch>
+            <a:fillRect/>
+          </a:stretch>
+        </p:blipFill>
+        <p:spPr>
+          <a:xfrm>
+            <a:off x="841426" y="5835744"/>
+            <a:ext cx="1202066" cy="977007"/>
+          </a:xfrm>
+          <a:prstGeom prst="rect">
+            <a:avLst/>
+          </a:prstGeom>
+        </p:spPr>
+      </p:pic>
+      <p:pic>
+        <p:nvPicPr>
+          <p:cNvPr id="9" name="Picture 6" descr="Imagen que contiene dibujo&#10;&#10;Descripción generada con confianza muy alta">
+            <a:extLst>
+              <a:ext uri="{FF2B5EF4-FFF2-40B4-BE49-F238E27FC236}">
+                <a16:creationId xmlns:a16="http://schemas.microsoft.com/office/drawing/2014/main" id="{852F08FA-1D98-44CC-8DCC-B695175CDBAE}"/>
+              </a:ext>
+            </a:extLst>
+          </p:cNvPr>
+          <p:cNvPicPr>
+            <a:picLocks noChangeAspect="1"/>
+          </p:cNvPicPr>
+          <p:nvPr/>
+        </p:nvPicPr>
+        <p:blipFill>
+          <a:blip r:embed="rId3">
+            <a:clrChange>
+              <a:clrFrom>
+                <a:srgbClr val="FFFFFF"/>
+              </a:clrFrom>
+              <a:clrTo>
+                <a:srgbClr val="FFFFFF">
+                  <a:alpha val="0"/>
+                </a:srgbClr>
+              </a:clrTo>
+            </a:clrChange>
+          </a:blip>
+          <a:stretch>
+            <a:fillRect/>
+          </a:stretch>
+        </p:blipFill>
+        <p:spPr>
+          <a:xfrm>
+            <a:off x="9532449" y="6235927"/>
+            <a:ext cx="2580196" cy="573080"/>
+          </a:xfrm>
+          <a:prstGeom prst="rect">
+            <a:avLst/>
+          </a:prstGeom>
+        </p:spPr>
+      </p:pic>
+    </p:spTree>
+    <p:extLst>
+      <p:ext uri="{BB962C8B-B14F-4D97-AF65-F5344CB8AC3E}">
+        <p14:creationId xmlns:p14="http://schemas.microsoft.com/office/powerpoint/2010/main" val="3818088132"/>
+      </p:ext>
+    </p:extLst>
+  </p:cSld>
+  <p:clrMapOvr>
+    <a:masterClrMapping/>
+  </p:clrMapOvr>
+</p:sld>
+</file>
+
+<file path=ppt/slides/slide6.xml><?xml version="1.0" encoding="utf-8"?>
 <p:sld xmlns:a="http://schemas.openxmlformats.org/drawingml/2006/main" xmlns:r="http://schemas.openxmlformats.org/officeDocument/2006/relationships" xmlns:p="http://schemas.openxmlformats.org/presentationml/2006/main">
   <p:cSld>
     <p:spTree>
@@ -4274,31 +9494,105 @@
           </a:p>
         </p:txBody>
       </p:sp>
-      <p:sp>
-        <p:nvSpPr>
-          <p:cNvPr id="3" name="Content Placeholder 2">
+      <p:pic>
+        <p:nvPicPr>
+          <p:cNvPr id="5" name="Picture 4" descr="Imagen que contiene dibujo, ventana&#10;&#10;Descripción generada con confianza muy alta">
             <a:extLst>
               <a:ext uri="{FF2B5EF4-FFF2-40B4-BE49-F238E27FC236}">
-                <a16:creationId xmlns:a16="http://schemas.microsoft.com/office/drawing/2014/main" id="{D8BBE944-B727-9340-9834-0F6A8961C821}"/>
+                <a16:creationId xmlns:a16="http://schemas.microsoft.com/office/drawing/2014/main" id="{4D3A1AFE-8A93-41E1-8C54-2BEECC1A9BD1}"/>
               </a:ext>
             </a:extLst>
           </p:cNvPr>
-          <p:cNvSpPr>
-            <a:spLocks noGrp="1"/>
-          </p:cNvSpPr>
+          <p:cNvPicPr>
+            <a:picLocks noChangeAspect="1"/>
+          </p:cNvPicPr>
+          <p:nvPr/>
+        </p:nvPicPr>
+        <p:blipFill>
+          <a:blip r:embed="rId2"/>
+          <a:stretch>
+            <a:fillRect/>
+          </a:stretch>
+        </p:blipFill>
+        <p:spPr>
+          <a:xfrm>
+            <a:off x="841426" y="5835744"/>
+            <a:ext cx="1202066" cy="977007"/>
+          </a:xfrm>
+          <a:prstGeom prst="rect">
+            <a:avLst/>
+          </a:prstGeom>
+        </p:spPr>
+      </p:pic>
+      <p:pic>
+        <p:nvPicPr>
+          <p:cNvPr id="7" name="Picture 6" descr="Imagen que contiene dibujo&#10;&#10;Descripción generada con confianza muy alta">
+            <a:extLst>
+              <a:ext uri="{FF2B5EF4-FFF2-40B4-BE49-F238E27FC236}">
+                <a16:creationId xmlns:a16="http://schemas.microsoft.com/office/drawing/2014/main" id="{290972E6-9D76-4601-A053-D24F5209DAEF}"/>
+              </a:ext>
+            </a:extLst>
+          </p:cNvPr>
+          <p:cNvPicPr>
+            <a:picLocks noChangeAspect="1"/>
+          </p:cNvPicPr>
+          <p:nvPr/>
+        </p:nvPicPr>
+        <p:blipFill>
+          <a:blip r:embed="rId3">
+            <a:clrChange>
+              <a:clrFrom>
+                <a:srgbClr val="FFFFFF"/>
+              </a:clrFrom>
+              <a:clrTo>
+                <a:srgbClr val="FFFFFF">
+                  <a:alpha val="0"/>
+                </a:srgbClr>
+              </a:clrTo>
+            </a:clrChange>
+          </a:blip>
+          <a:stretch>
+            <a:fillRect/>
+          </a:stretch>
+        </p:blipFill>
+        <p:spPr>
+          <a:xfrm>
+            <a:off x="9532449" y="6235927"/>
+            <a:ext cx="2580196" cy="573080"/>
+          </a:xfrm>
+          <a:prstGeom prst="rect">
+            <a:avLst/>
+          </a:prstGeom>
+        </p:spPr>
+      </p:pic>
+      <p:graphicFrame>
+        <p:nvGraphicFramePr>
+          <p:cNvPr id="8" name="Diagrama 8">
+            <a:extLst>
+              <a:ext uri="{FF2B5EF4-FFF2-40B4-BE49-F238E27FC236}">
+                <a16:creationId xmlns:a16="http://schemas.microsoft.com/office/drawing/2014/main" id="{A315780E-96C6-45E6-BB07-CA0C2121F690}"/>
+              </a:ext>
+            </a:extLst>
+          </p:cNvPr>
+          <p:cNvGraphicFramePr/>
           <p:nvPr>
-            <p:ph idx="1"/>
+            <p:extLst>
+              <p:ext uri="{D42A27DB-BD31-4B8C-83A1-F6EECF244321}">
+                <p14:modId xmlns:p14="http://schemas.microsoft.com/office/powerpoint/2010/main" val="3820041995"/>
+              </p:ext>
+            </p:extLst>
           </p:nvPr>
-        </p:nvSpPr>
-        <p:spPr/>
-        <p:txBody>
-          <a:bodyPr/>
-          <a:lstStyle/>
-          <a:p>
-            <a:endParaRPr lang="en-MX"/>
-          </a:p>
-        </p:txBody>
-      </p:sp>
+        </p:nvGraphicFramePr>
+        <p:xfrm>
+          <a:off x="1757083" y="1600200"/>
+          <a:ext cx="9063317" cy="3657600"/>
+        </p:xfrm>
+        <a:graphic>
+          <a:graphicData uri="http://schemas.openxmlformats.org/drawingml/2006/diagram">
+            <dgm:relIds xmlns:dgm="http://schemas.openxmlformats.org/drawingml/2006/diagram" xmlns:r="http://schemas.openxmlformats.org/officeDocument/2006/relationships" r:dm="rId4" r:lo="rId5" r:qs="rId6" r:cs="rId7"/>
+          </a:graphicData>
+        </a:graphic>
+      </p:graphicFrame>
     </p:spTree>
     <p:extLst>
       <p:ext uri="{BB962C8B-B14F-4D97-AF65-F5344CB8AC3E}">
@@ -4312,7 +9606,7 @@
 </p:sld>
 </file>
 
-<file path=ppt/slides/slide6.xml><?xml version="1.0" encoding="utf-8"?>
+<file path=ppt/slides/slide7.xml><?xml version="1.0" encoding="utf-8"?>
 <p:sld xmlns:a="http://schemas.openxmlformats.org/drawingml/2006/main" xmlns:r="http://schemas.openxmlformats.org/officeDocument/2006/relationships" xmlns:p="http://schemas.openxmlformats.org/presentationml/2006/main">
   <p:cSld>
     <p:spTree>
@@ -4382,6 +9676,77 @@
           </a:p>
         </p:txBody>
       </p:sp>
+      <p:pic>
+        <p:nvPicPr>
+          <p:cNvPr id="5" name="Picture 4" descr="Imagen que contiene dibujo, ventana&#10;&#10;Descripción generada con confianza muy alta">
+            <a:extLst>
+              <a:ext uri="{FF2B5EF4-FFF2-40B4-BE49-F238E27FC236}">
+                <a16:creationId xmlns:a16="http://schemas.microsoft.com/office/drawing/2014/main" id="{CAF2F1F8-A21F-422F-8A73-F4A903640A5C}"/>
+              </a:ext>
+            </a:extLst>
+          </p:cNvPr>
+          <p:cNvPicPr>
+            <a:picLocks noChangeAspect="1"/>
+          </p:cNvPicPr>
+          <p:nvPr/>
+        </p:nvPicPr>
+        <p:blipFill>
+          <a:blip r:embed="rId2"/>
+          <a:stretch>
+            <a:fillRect/>
+          </a:stretch>
+        </p:blipFill>
+        <p:spPr>
+          <a:xfrm>
+            <a:off x="841426" y="5835744"/>
+            <a:ext cx="1202066" cy="977007"/>
+          </a:xfrm>
+          <a:prstGeom prst="rect">
+            <a:avLst/>
+          </a:prstGeom>
+        </p:spPr>
+      </p:pic>
+      <p:pic>
+        <p:nvPicPr>
+          <p:cNvPr id="7" name="Picture 6" descr="Imagen que contiene dibujo&#10;&#10;Descripción generada con confianza muy alta">
+            <a:extLst>
+              <a:ext uri="{FF2B5EF4-FFF2-40B4-BE49-F238E27FC236}">
+                <a16:creationId xmlns:a16="http://schemas.microsoft.com/office/drawing/2014/main" id="{3F5EAE1F-54A6-405B-A768-101D97818E83}"/>
+              </a:ext>
+            </a:extLst>
+          </p:cNvPr>
+          <p:cNvPicPr>
+            <a:picLocks noChangeAspect="1"/>
+          </p:cNvPicPr>
+          <p:nvPr/>
+        </p:nvPicPr>
+        <p:blipFill>
+          <a:blip r:embed="rId3">
+            <a:clrChange>
+              <a:clrFrom>
+                <a:srgbClr val="FFFFFF"/>
+              </a:clrFrom>
+              <a:clrTo>
+                <a:srgbClr val="FFFFFF">
+                  <a:alpha val="0"/>
+                </a:srgbClr>
+              </a:clrTo>
+            </a:clrChange>
+          </a:blip>
+          <a:stretch>
+            <a:fillRect/>
+          </a:stretch>
+        </p:blipFill>
+        <p:spPr>
+          <a:xfrm>
+            <a:off x="9532449" y="6235927"/>
+            <a:ext cx="2580196" cy="573080"/>
+          </a:xfrm>
+          <a:prstGeom prst="rect">
+            <a:avLst/>
+          </a:prstGeom>
+        </p:spPr>
+      </p:pic>
     </p:spTree>
     <p:extLst>
       <p:ext uri="{BB962C8B-B14F-4D97-AF65-F5344CB8AC3E}">

--- a/Objetivos.pptx
+++ b/Objetivos.pptx
@@ -121,6 +121,7 @@
 <file path=ppt/revisionInfo.xml><?xml version="1.0" encoding="utf-8"?>
 <p1510:revInfo xmlns:a="http://schemas.openxmlformats.org/drawingml/2006/main" xmlns:r="http://schemas.openxmlformats.org/officeDocument/2006/relationships" xmlns:p1510="http://schemas.microsoft.com/office/powerpoint/2015/10/main">
   <p1510:revLst>
+    <p1510:client id="{346D5A20-10D1-6FB7-53FA-72D15358E854}" v="290" dt="2020-02-25T15:51:39.835"/>
     <p1510:client id="{6582AE36-033B-4B1A-8C12-427885293D41}" v="560" dt="2020-02-24T18:35:16.342"/>
     <p1510:client id="{B28695C3-3ED9-15CC-06B2-3C2097CB54FA}" v="425" dt="2020-02-24T19:35:12.993"/>
     <p1510:client id="{E59C1276-5FD0-61AE-769B-848DA01AAB92}" v="54" dt="2020-02-25T02:57:36.683"/>
@@ -495,6 +496,30 @@
             <ac:picMk id="9" creationId="{852F08FA-1D98-44CC-8DCC-B695175CDBAE}"/>
           </ac:picMkLst>
         </pc:picChg>
+      </pc:sldChg>
+    </pc:docChg>
+  </pc:docChgLst>
+  <pc:docChgLst>
+    <pc:chgData name="Usuario invitado" userId="S::urn:spo:anon#1a5f945502007a8a86e33d0a395b95e903143dea6955522122af1d9688d551ed::" providerId="AD" clId="Web-{346D5A20-10D1-6FB7-53FA-72D15358E854}"/>
+    <pc:docChg chg="modSld">
+      <pc:chgData name="Usuario invitado" userId="S::urn:spo:anon#1a5f945502007a8a86e33d0a395b95e903143dea6955522122af1d9688d551ed::" providerId="AD" clId="Web-{346D5A20-10D1-6FB7-53FA-72D15358E854}" dt="2020-02-25T15:51:39.835" v="289" actId="20577"/>
+      <pc:docMkLst>
+        <pc:docMk/>
+      </pc:docMkLst>
+      <pc:sldChg chg="modSp">
+        <pc:chgData name="Usuario invitado" userId="S::urn:spo:anon#1a5f945502007a8a86e33d0a395b95e903143dea6955522122af1d9688d551ed::" providerId="AD" clId="Web-{346D5A20-10D1-6FB7-53FA-72D15358E854}" dt="2020-02-25T15:51:39.819" v="288" actId="20577"/>
+        <pc:sldMkLst>
+          <pc:docMk/>
+          <pc:sldMk cId="1458668643" sldId="257"/>
+        </pc:sldMkLst>
+        <pc:spChg chg="mod">
+          <ac:chgData name="Usuario invitado" userId="S::urn:spo:anon#1a5f945502007a8a86e33d0a395b95e903143dea6955522122af1d9688d551ed::" providerId="AD" clId="Web-{346D5A20-10D1-6FB7-53FA-72D15358E854}" dt="2020-02-25T15:51:39.819" v="288" actId="20577"/>
+          <ac:spMkLst>
+            <pc:docMk/>
+            <pc:sldMk cId="1458668643" sldId="257"/>
+            <ac:spMk id="3" creationId="{CCB46432-8AFB-3A4E-BFD7-7719BB31E943}"/>
+          </ac:spMkLst>
+        </pc:spChg>
       </pc:sldChg>
     </pc:docChg>
   </pc:docChgLst>
@@ -3884,7 +3909,7 @@
             <a:fld id="{87DE6118-2437-4B30-8E3C-4D2BE6020583}" type="datetimeFigureOut">
               <a:rPr lang="en-US" dirty="0"/>
               <a:pPr/>
-              <a:t>2/24/2020</a:t>
+              <a:t>2/25/2020</a:t>
             </a:fld>
             <a:endParaRPr lang="en-US" dirty="0"/>
           </a:p>
@@ -3953,7 +3978,7 @@
             <a:fld id="{69E57DC2-970A-4B3E-BB1C-7A09969E49DF}" type="slidenum">
               <a:rPr lang="en-US" dirty="0"/>
               <a:pPr/>
-              <a:t>‹#›</a:t>
+              <a:t>‹Nº›</a:t>
             </a:fld>
             <a:endParaRPr lang="en-US" dirty="0"/>
           </a:p>
@@ -4210,7 +4235,7 @@
           <a:p>
             <a:fld id="{87DE6118-2437-4B30-8E3C-4D2BE6020583}" type="datetimeFigureOut">
               <a:rPr lang="en-US" dirty="0"/>
-              <a:t>2/24/2020</a:t>
+              <a:t>2/25/2020</a:t>
             </a:fld>
             <a:endParaRPr lang="en-US" dirty="0"/>
           </a:p>
@@ -4252,7 +4277,7 @@
           <a:p>
             <a:fld id="{69E57DC2-970A-4B3E-BB1C-7A09969E49DF}" type="slidenum">
               <a:rPr lang="en-US" dirty="0"/>
-              <a:t>‹#›</a:t>
+              <a:t>‹Nº›</a:t>
             </a:fld>
             <a:endParaRPr lang="en-US" dirty="0"/>
           </a:p>
@@ -4385,7 +4410,7 @@
           <a:p>
             <a:fld id="{87DE6118-2437-4B30-8E3C-4D2BE6020583}" type="datetimeFigureOut">
               <a:rPr lang="en-US" dirty="0"/>
-              <a:t>2/24/2020</a:t>
+              <a:t>2/25/2020</a:t>
             </a:fld>
             <a:endParaRPr lang="en-US" dirty="0"/>
           </a:p>
@@ -4427,7 +4452,7 @@
           <a:p>
             <a:fld id="{69E57DC2-970A-4B3E-BB1C-7A09969E49DF}" type="slidenum">
               <a:rPr lang="en-US" dirty="0"/>
-              <a:t>‹#›</a:t>
+              <a:t>‹Nº›</a:t>
             </a:fld>
             <a:endParaRPr lang="en-US" dirty="0"/>
           </a:p>
@@ -4550,7 +4575,7 @@
           <a:p>
             <a:fld id="{87DE6118-2437-4B30-8E3C-4D2BE6020583}" type="datetimeFigureOut">
               <a:rPr lang="en-US" dirty="0"/>
-              <a:t>2/24/2020</a:t>
+              <a:t>2/25/2020</a:t>
             </a:fld>
             <a:endParaRPr lang="en-US" dirty="0"/>
           </a:p>
@@ -4592,7 +4617,7 @@
           <a:p>
             <a:fld id="{69E57DC2-970A-4B3E-BB1C-7A09969E49DF}" type="slidenum">
               <a:rPr lang="en-US" dirty="0"/>
-              <a:t>‹#›</a:t>
+              <a:t>‹Nº›</a:t>
             </a:fld>
             <a:endParaRPr lang="en-US" dirty="0"/>
           </a:p>
@@ -4818,7 +4843,7 @@
             <a:fld id="{87DE6118-2437-4B30-8E3C-4D2BE6020583}" type="datetimeFigureOut">
               <a:rPr lang="en-US" dirty="0"/>
               <a:pPr/>
-              <a:t>2/24/2020</a:t>
+              <a:t>2/25/2020</a:t>
             </a:fld>
             <a:endParaRPr lang="en-US" dirty="0"/>
           </a:p>
@@ -4887,7 +4912,7 @@
             <a:fld id="{69E57DC2-970A-4B3E-BB1C-7A09969E49DF}" type="slidenum">
               <a:rPr lang="en-US" dirty="0"/>
               <a:pPr/>
-              <a:t>‹#›</a:t>
+              <a:t>‹Nº›</a:t>
             </a:fld>
             <a:endParaRPr lang="en-US" dirty="0"/>
           </a:p>
@@ -5208,7 +5233,7 @@
           <a:p>
             <a:fld id="{87DE6118-2437-4B30-8E3C-4D2BE6020583}" type="datetimeFigureOut">
               <a:rPr lang="en-US" dirty="0"/>
-              <a:t>2/24/2020</a:t>
+              <a:t>2/25/2020</a:t>
             </a:fld>
             <a:endParaRPr lang="en-US" dirty="0"/>
           </a:p>
@@ -5250,7 +5275,7 @@
           <a:p>
             <a:fld id="{69E57DC2-970A-4B3E-BB1C-7A09969E49DF}" type="slidenum">
               <a:rPr lang="en-US" dirty="0"/>
-              <a:t>‹#›</a:t>
+              <a:t>‹Nº›</a:t>
             </a:fld>
             <a:endParaRPr lang="en-US" dirty="0"/>
           </a:p>
@@ -5680,7 +5705,7 @@
           <a:p>
             <a:fld id="{87DE6118-2437-4B30-8E3C-4D2BE6020583}" type="datetimeFigureOut">
               <a:rPr lang="en-US" dirty="0"/>
-              <a:t>2/24/2020</a:t>
+              <a:t>2/25/2020</a:t>
             </a:fld>
             <a:endParaRPr lang="en-US" dirty="0"/>
           </a:p>
@@ -5722,7 +5747,7 @@
           <a:p>
             <a:fld id="{69E57DC2-970A-4B3E-BB1C-7A09969E49DF}" type="slidenum">
               <a:rPr lang="en-US" dirty="0"/>
-              <a:t>‹#›</a:t>
+              <a:t>‹Nº›</a:t>
             </a:fld>
             <a:endParaRPr lang="en-US" dirty="0"/>
           </a:p>
@@ -5793,7 +5818,7 @@
           <a:p>
             <a:fld id="{87DE6118-2437-4B30-8E3C-4D2BE6020583}" type="datetimeFigureOut">
               <a:rPr lang="en-US" dirty="0"/>
-              <a:t>2/24/2020</a:t>
+              <a:t>2/25/2020</a:t>
             </a:fld>
             <a:endParaRPr lang="en-US" dirty="0"/>
           </a:p>
@@ -5835,7 +5860,7 @@
           <a:p>
             <a:fld id="{69E57DC2-970A-4B3E-BB1C-7A09969E49DF}" type="slidenum">
               <a:rPr lang="en-US" dirty="0"/>
-              <a:t>‹#›</a:t>
+              <a:t>‹Nº›</a:t>
             </a:fld>
             <a:endParaRPr lang="en-US" dirty="0"/>
           </a:p>
@@ -5883,7 +5908,7 @@
           <a:p>
             <a:fld id="{87DE6118-2437-4B30-8E3C-4D2BE6020583}" type="datetimeFigureOut">
               <a:rPr lang="en-US" dirty="0"/>
-              <a:t>2/24/2020</a:t>
+              <a:t>2/25/2020</a:t>
             </a:fld>
             <a:endParaRPr lang="en-US" dirty="0"/>
           </a:p>
@@ -5925,7 +5950,7 @@
           <a:p>
             <a:fld id="{69E57DC2-970A-4B3E-BB1C-7A09969E49DF}" type="slidenum">
               <a:rPr lang="en-US" dirty="0"/>
-              <a:t>‹#›</a:t>
+              <a:t>‹Nº›</a:t>
             </a:fld>
             <a:endParaRPr lang="en-US" dirty="0"/>
           </a:p>
@@ -6225,7 +6250,7 @@
             <a:fld id="{87DE6118-2437-4B30-8E3C-4D2BE6020583}" type="datetimeFigureOut">
               <a:rPr lang="en-US" dirty="0"/>
               <a:pPr/>
-              <a:t>2/24/2020</a:t>
+              <a:t>2/25/2020</a:t>
             </a:fld>
             <a:endParaRPr lang="en-US" dirty="0"/>
           </a:p>
@@ -6294,7 +6319,7 @@
             <a:fld id="{69E57DC2-970A-4B3E-BB1C-7A09969E49DF}" type="slidenum">
               <a:rPr lang="en-US" dirty="0"/>
               <a:pPr/>
-              <a:t>‹#›</a:t>
+              <a:t>‹Nº›</a:t>
             </a:fld>
             <a:endParaRPr lang="en-US" dirty="0"/>
           </a:p>
@@ -6610,7 +6635,7 @@
             <a:fld id="{87DE6118-2437-4B30-8E3C-4D2BE6020583}" type="datetimeFigureOut">
               <a:rPr lang="en-US" dirty="0"/>
               <a:pPr/>
-              <a:t>2/24/2020</a:t>
+              <a:t>2/25/2020</a:t>
             </a:fld>
             <a:endParaRPr lang="en-US" dirty="0"/>
           </a:p>
@@ -6679,7 +6704,7 @@
             <a:fld id="{69E57DC2-970A-4B3E-BB1C-7A09969E49DF}" type="slidenum">
               <a:rPr lang="en-US" dirty="0"/>
               <a:pPr/>
-              <a:t>‹#›</a:t>
+              <a:t>‹Nº›</a:t>
             </a:fld>
             <a:endParaRPr lang="en-US" dirty="0"/>
           </a:p>
@@ -6887,7 +6912,7 @@
             <a:fld id="{87DE6118-2437-4B30-8E3C-4D2BE6020583}" type="datetimeFigureOut">
               <a:rPr lang="en-US" dirty="0"/>
               <a:pPr/>
-              <a:t>2/24/2020</a:t>
+              <a:t>2/25/2020</a:t>
             </a:fld>
             <a:endParaRPr lang="en-US" dirty="0"/>
           </a:p>
@@ -6962,7 +6987,7 @@
             <a:fld id="{69E57DC2-970A-4B3E-BB1C-7A09969E49DF}" type="slidenum">
               <a:rPr lang="en-US" dirty="0"/>
               <a:pPr/>
-              <a:t>‹#›</a:t>
+              <a:t>‹Nº›</a:t>
             </a:fld>
             <a:endParaRPr lang="en-US" dirty="0"/>
           </a:p>
@@ -7950,7 +7975,39 @@
             </a:r>
             <a:r>
               <a:rPr lang="en-MX" dirty="0"/>
-              <a:t> ARIMA para </a:t>
+              <a:t> </a:t>
+            </a:r>
+            <a:r>
+              <a:rPr lang="en-MX" dirty="0" err="1"/>
+              <a:t>como</a:t>
+            </a:r>
+            <a:r>
+              <a:rPr lang="en-MX" dirty="0"/>
+              <a:t> ARIMA y </a:t>
+            </a:r>
+            <a:r>
+              <a:rPr lang="en-MX" dirty="0" err="1"/>
+              <a:t>modelos</a:t>
+            </a:r>
+            <a:r>
+              <a:rPr lang="en-MX" dirty="0"/>
+              <a:t> </a:t>
+            </a:r>
+            <a:r>
+              <a:rPr lang="en-MX" dirty="0" err="1"/>
+              <a:t>dinámicos</a:t>
+            </a:r>
+            <a:r>
+              <a:rPr lang="en-MX" dirty="0"/>
+              <a:t> de </a:t>
+            </a:r>
+            <a:r>
+              <a:rPr lang="en-MX" dirty="0" err="1"/>
+              <a:t>regresión</a:t>
+            </a:r>
+            <a:r>
+              <a:rPr lang="en-MX" dirty="0"/>
+              <a:t> </a:t>
             </a:r>
             <a:r>
               <a:rPr lang="en-MX" dirty="0" err="1"/>
@@ -8006,7 +8063,7 @@
             </a:r>
             <a:r>
               <a:rPr lang="en-MX" dirty="0"/>
-              <a:t>, por </a:t>
+              <a:t>, por que </a:t>
             </a:r>
             <a:r>
               <a:rPr lang="en-MX" dirty="0" err="1"/>
@@ -8022,11 +8079,78 @@
             </a:r>
             <a:r>
               <a:rPr lang="en-MX" dirty="0"/>
-              <a:t> que es </a:t>
+              <a:t> es </a:t>
             </a:r>
             <a:r>
               <a:rPr lang="en-MX" dirty="0" err="1"/>
               <a:t>distinto</a:t>
+            </a:r>
+            <a:r>
+              <a:rPr lang="en-MX" dirty="0"/>
+              <a:t>.</a:t>
+            </a:r>
+          </a:p>
+          <a:p>
+            <a:pPr marL="383540" indent="-383540"/>
+            <a:r>
+              <a:rPr lang="en-MX" dirty="0" err="1"/>
+              <a:t>Pondremos</a:t>
+            </a:r>
+            <a:r>
+              <a:rPr lang="en-MX" dirty="0"/>
+              <a:t> a </a:t>
+            </a:r>
+            <a:r>
+              <a:rPr lang="en-MX" dirty="0" err="1"/>
+              <a:t>competir</a:t>
+            </a:r>
+            <a:r>
+              <a:rPr lang="en-MX" dirty="0"/>
+              <a:t> los </a:t>
+            </a:r>
+            <a:r>
+              <a:rPr lang="en-MX" dirty="0" err="1"/>
+              <a:t>modelos</a:t>
+            </a:r>
+            <a:r>
+              <a:rPr lang="en-MX" dirty="0"/>
+              <a:t> </a:t>
+            </a:r>
+            <a:r>
+              <a:rPr lang="en-MX" dirty="0" err="1"/>
+              <a:t>creados</a:t>
+            </a:r>
+            <a:r>
+              <a:rPr lang="en-MX" dirty="0"/>
+              <a:t>, para </a:t>
+            </a:r>
+            <a:r>
+              <a:rPr lang="en-MX" dirty="0" err="1"/>
+              <a:t>obtener</a:t>
+            </a:r>
+            <a:r>
+              <a:rPr lang="en-MX" dirty="0"/>
+              <a:t> un </a:t>
+            </a:r>
+            <a:r>
+              <a:rPr lang="en-MX" dirty="0" err="1"/>
+              <a:t>menor</a:t>
+            </a:r>
+            <a:r>
+              <a:rPr lang="en-MX" dirty="0"/>
+              <a:t> </a:t>
+            </a:r>
+            <a:r>
+              <a:rPr lang="en-MX" dirty="0" err="1"/>
+              <a:t>tiempo</a:t>
+            </a:r>
+            <a:r>
+              <a:rPr lang="en-MX" dirty="0"/>
+              <a:t> de corrida con mayor </a:t>
+            </a:r>
+            <a:r>
+              <a:rPr lang="en-MX" dirty="0" err="1"/>
+              <a:t>eficiencia</a:t>
             </a:r>
             <a:r>
               <a:rPr lang="en-MX" dirty="0"/>

--- a/Objetivos.pptx
+++ b/Objetivos.pptx
@@ -121,11 +121,10 @@
 <file path=ppt/revisionInfo.xml><?xml version="1.0" encoding="utf-8"?>
 <p1510:revInfo xmlns:a="http://schemas.openxmlformats.org/drawingml/2006/main" xmlns:r="http://schemas.openxmlformats.org/officeDocument/2006/relationships" xmlns:p1510="http://schemas.microsoft.com/office/powerpoint/2015/10/main">
   <p1510:revLst>
-    <p1510:client id="{346D5A20-10D1-6FB7-53FA-72D15358E854}" v="290" dt="2020-02-25T15:51:39.835"/>
-    <p1510:client id="{6582AE36-033B-4B1A-8C12-427885293D41}" v="560" dt="2020-02-24T18:35:16.342"/>
-    <p1510:client id="{B28695C3-3ED9-15CC-06B2-3C2097CB54FA}" v="425" dt="2020-02-24T19:35:12.993"/>
-    <p1510:client id="{E59C1276-5FD0-61AE-769B-848DA01AAB92}" v="54" dt="2020-02-25T02:57:36.683"/>
-    <p1510:client id="{FA168CE2-0FEE-4A9B-95D6-2C6CDEA862C4}" v="3" dt="2020-02-24T15:29:40.478"/>
+    <p1510:client id="{0726E77B-E5FB-254A-AEA0-A317AF9A57A0}" v="1" dt="2020-02-26T23:28:58.352"/>
+    <p1510:client id="{115EB48D-B79A-A044-98DC-B712D5AFD846}" v="55" dt="2020-02-26T23:37:19.118"/>
+    <p1510:client id="{4B437967-FE40-438A-B253-4FB3ECE3B7E8}" v="12" dt="2020-02-26T17:12:13.984"/>
+    <p1510:client id="{596E6A1D-1DC7-25C6-7360-0F5582B8F0CE}" v="11" dt="2020-02-26T20:07:29.488"/>
   </p1510:revLst>
 </p1510:revInfo>
 </file>
@@ -133,125 +132,64 @@
 <file path=ppt/changesInfos/changesInfo1.xml><?xml version="1.0" encoding="utf-8"?>
 <pc:chgInfo xmlns:a="http://schemas.openxmlformats.org/drawingml/2006/main" xmlns:r="http://schemas.openxmlformats.org/officeDocument/2006/relationships" xmlns:ac="http://schemas.microsoft.com/office/drawing/2013/main/command" xmlns:pc="http://schemas.microsoft.com/office/powerpoint/2013/main/command">
   <pc:docChgLst>
-    <pc:chgData name="GONZALEZ JUAREZ, EDGAR RANULFO" userId="S::nt704044@iteso.mx::45deb683-0a65-4bbe-a65f-f6aadfab4d5b" providerId="AD" clId="Web-{6582AE36-033B-4B1A-8C12-427885293D41}"/>
-    <pc:docChg chg="addSld modSld">
-      <pc:chgData name="GONZALEZ JUAREZ, EDGAR RANULFO" userId="S::nt704044@iteso.mx::45deb683-0a65-4bbe-a65f-f6aadfab4d5b" providerId="AD" clId="Web-{6582AE36-033B-4B1A-8C12-427885293D41}" dt="2020-02-24T18:35:16.342" v="543" actId="20577"/>
+    <pc:chgData name="GONZALEZ JUAREZ, EDGAR RANULFO" userId="S::nt704044@iteso.mx::45deb683-0a65-4bbe-a65f-f6aadfab4d5b" providerId="AD" clId="Web-{596E6A1D-1DC7-25C6-7360-0F5582B8F0CE}"/>
+    <pc:docChg chg="modSld">
+      <pc:chgData name="GONZALEZ JUAREZ, EDGAR RANULFO" userId="S::nt704044@iteso.mx::45deb683-0a65-4bbe-a65f-f6aadfab4d5b" providerId="AD" clId="Web-{596E6A1D-1DC7-25C6-7360-0F5582B8F0CE}" dt="2020-02-26T20:07:29.488" v="10" actId="1076"/>
+      <pc:docMkLst>
+        <pc:docMk/>
+      </pc:docMkLst>
+      <pc:sldChg chg="addSp delSp modSp">
+        <pc:chgData name="GONZALEZ JUAREZ, EDGAR RANULFO" userId="S::nt704044@iteso.mx::45deb683-0a65-4bbe-a65f-f6aadfab4d5b" providerId="AD" clId="Web-{596E6A1D-1DC7-25C6-7360-0F5582B8F0CE}" dt="2020-02-26T20:07:29.488" v="10" actId="1076"/>
+        <pc:sldMkLst>
+          <pc:docMk/>
+          <pc:sldMk cId="2676257974" sldId="260"/>
+        </pc:sldMkLst>
+        <pc:spChg chg="del mod">
+          <ac:chgData name="GONZALEZ JUAREZ, EDGAR RANULFO" userId="S::nt704044@iteso.mx::45deb683-0a65-4bbe-a65f-f6aadfab4d5b" providerId="AD" clId="Web-{596E6A1D-1DC7-25C6-7360-0F5582B8F0CE}" dt="2020-02-26T20:06:38.550" v="3"/>
+          <ac:spMkLst>
+            <pc:docMk/>
+            <pc:sldMk cId="2676257974" sldId="260"/>
+            <ac:spMk id="3" creationId="{82BDAB39-FC2B-C646-B060-F12CCE32D520}"/>
+          </ac:spMkLst>
+        </pc:spChg>
+        <pc:spChg chg="add mod">
+          <ac:chgData name="GONZALEZ JUAREZ, EDGAR RANULFO" userId="S::nt704044@iteso.mx::45deb683-0a65-4bbe-a65f-f6aadfab4d5b" providerId="AD" clId="Web-{596E6A1D-1DC7-25C6-7360-0F5582B8F0CE}" dt="2020-02-26T20:07:29.488" v="10" actId="1076"/>
+          <ac:spMkLst>
+            <pc:docMk/>
+            <pc:sldMk cId="2676257974" sldId="260"/>
+            <ac:spMk id="6" creationId="{1E11B2D5-8F52-42C2-AF5D-C478D151ABC5}"/>
+          </ac:spMkLst>
+        </pc:spChg>
+        <pc:cxnChg chg="add mod">
+          <ac:chgData name="GONZALEZ JUAREZ, EDGAR RANULFO" userId="S::nt704044@iteso.mx::45deb683-0a65-4bbe-a65f-f6aadfab4d5b" providerId="AD" clId="Web-{596E6A1D-1DC7-25C6-7360-0F5582B8F0CE}" dt="2020-02-26T20:07:10.847" v="7" actId="1076"/>
+          <ac:cxnSpMkLst>
+            <pc:docMk/>
+            <pc:sldMk cId="2676257974" sldId="260"/>
+            <ac:cxnSpMk id="4" creationId="{C8258509-04B3-4133-B041-7E01FB097D63}"/>
+          </ac:cxnSpMkLst>
+        </pc:cxnChg>
+      </pc:sldChg>
+    </pc:docChg>
+  </pc:docChgLst>
+  <pc:docChgLst>
+    <pc:chgData name="FLORES OROZCO, OSCAR ALFONSO" userId="cbabab3f-5c82-4661-a2f0-f7108694391b" providerId="ADAL" clId="{0726E77B-E5FB-254A-AEA0-A317AF9A57A0}"/>
+    <pc:docChg chg="modSld">
+      <pc:chgData name="FLORES OROZCO, OSCAR ALFONSO" userId="cbabab3f-5c82-4661-a2f0-f7108694391b" providerId="ADAL" clId="{0726E77B-E5FB-254A-AEA0-A317AF9A57A0}" dt="2020-02-26T23:28:58.352" v="0" actId="790"/>
       <pc:docMkLst>
         <pc:docMk/>
       </pc:docMkLst>
       <pc:sldChg chg="modSp">
-        <pc:chgData name="GONZALEZ JUAREZ, EDGAR RANULFO" userId="S::nt704044@iteso.mx::45deb683-0a65-4bbe-a65f-f6aadfab4d5b" providerId="AD" clId="Web-{6582AE36-033B-4B1A-8C12-427885293D41}" dt="2020-02-24T16:20:57.729" v="20" actId="1076"/>
-        <pc:sldMkLst>
-          <pc:docMk/>
-          <pc:sldMk cId="1239683755" sldId="256"/>
-        </pc:sldMkLst>
-        <pc:spChg chg="mod">
-          <ac:chgData name="GONZALEZ JUAREZ, EDGAR RANULFO" userId="S::nt704044@iteso.mx::45deb683-0a65-4bbe-a65f-f6aadfab4d5b" providerId="AD" clId="Web-{6582AE36-033B-4B1A-8C12-427885293D41}" dt="2020-02-24T16:19:56.151" v="3" actId="20577"/>
-          <ac:spMkLst>
-            <pc:docMk/>
-            <pc:sldMk cId="1239683755" sldId="256"/>
-            <ac:spMk id="2" creationId="{93C4E60A-3A5F-264E-AB10-75A57D7901AE}"/>
-          </ac:spMkLst>
-        </pc:spChg>
-        <pc:spChg chg="mod">
-          <ac:chgData name="GONZALEZ JUAREZ, EDGAR RANULFO" userId="S::nt704044@iteso.mx::45deb683-0a65-4bbe-a65f-f6aadfab4d5b" providerId="AD" clId="Web-{6582AE36-033B-4B1A-8C12-427885293D41}" dt="2020-02-24T16:20:57.729" v="20" actId="1076"/>
-          <ac:spMkLst>
-            <pc:docMk/>
-            <pc:sldMk cId="1239683755" sldId="256"/>
-            <ac:spMk id="3" creationId="{7ED6CC36-57EC-D147-BB46-47E14D976AE5}"/>
-          </ac:spMkLst>
-        </pc:spChg>
-        <pc:picChg chg="mod">
-          <ac:chgData name="GONZALEZ JUAREZ, EDGAR RANULFO" userId="S::nt704044@iteso.mx::45deb683-0a65-4bbe-a65f-f6aadfab4d5b" providerId="AD" clId="Web-{6582AE36-033B-4B1A-8C12-427885293D41}" dt="2020-02-24T16:19:46.729" v="1" actId="1076"/>
-          <ac:picMkLst>
-            <pc:docMk/>
-            <pc:sldMk cId="1239683755" sldId="256"/>
-            <ac:picMk id="5" creationId="{C5E48ABA-84D1-234C-B69A-ADE7F92A09BD}"/>
-          </ac:picMkLst>
-        </pc:picChg>
-        <pc:picChg chg="mod">
-          <ac:chgData name="GONZALEZ JUAREZ, EDGAR RANULFO" userId="S::nt704044@iteso.mx::45deb683-0a65-4bbe-a65f-f6aadfab4d5b" providerId="AD" clId="Web-{6582AE36-033B-4B1A-8C12-427885293D41}" dt="2020-02-24T16:20:51.182" v="19" actId="1076"/>
-          <ac:picMkLst>
-            <pc:docMk/>
-            <pc:sldMk cId="1239683755" sldId="256"/>
-            <ac:picMk id="7" creationId="{6D349698-91B3-7A40-80D0-4F6ADD69B816}"/>
-          </ac:picMkLst>
-        </pc:picChg>
-      </pc:sldChg>
-      <pc:sldChg chg="modSp">
-        <pc:chgData name="GONZALEZ JUAREZ, EDGAR RANULFO" userId="S::nt704044@iteso.mx::45deb683-0a65-4bbe-a65f-f6aadfab4d5b" providerId="AD" clId="Web-{6582AE36-033B-4B1A-8C12-427885293D41}" dt="2020-02-24T18:35:15.529" v="542" actId="20577"/>
-        <pc:sldMkLst>
-          <pc:docMk/>
-          <pc:sldMk cId="1458668643" sldId="257"/>
-        </pc:sldMkLst>
-        <pc:spChg chg="mod">
-          <ac:chgData name="GONZALEZ JUAREZ, EDGAR RANULFO" userId="S::nt704044@iteso.mx::45deb683-0a65-4bbe-a65f-f6aadfab4d5b" providerId="AD" clId="Web-{6582AE36-033B-4B1A-8C12-427885293D41}" dt="2020-02-24T18:35:15.529" v="542" actId="20577"/>
-          <ac:spMkLst>
-            <pc:docMk/>
-            <pc:sldMk cId="1458668643" sldId="257"/>
-            <ac:spMk id="3" creationId="{CCB46432-8AFB-3A4E-BFD7-7719BB31E943}"/>
-          </ac:spMkLst>
-        </pc:spChg>
-      </pc:sldChg>
-      <pc:sldChg chg="modSp">
-        <pc:chgData name="GONZALEZ JUAREZ, EDGAR RANULFO" userId="S::nt704044@iteso.mx::45deb683-0a65-4bbe-a65f-f6aadfab4d5b" providerId="AD" clId="Web-{6582AE36-033B-4B1A-8C12-427885293D41}" dt="2020-02-24T16:27:45.324" v="141" actId="14100"/>
-        <pc:sldMkLst>
-          <pc:docMk/>
-          <pc:sldMk cId="2945647010" sldId="258"/>
-        </pc:sldMkLst>
-        <pc:spChg chg="mod">
-          <ac:chgData name="GONZALEZ JUAREZ, EDGAR RANULFO" userId="S::nt704044@iteso.mx::45deb683-0a65-4bbe-a65f-f6aadfab4d5b" providerId="AD" clId="Web-{6582AE36-033B-4B1A-8C12-427885293D41}" dt="2020-02-24T16:27:45.324" v="141" actId="14100"/>
-          <ac:spMkLst>
-            <pc:docMk/>
-            <pc:sldMk cId="2945647010" sldId="258"/>
-            <ac:spMk id="3" creationId="{AF4555AA-EF74-0749-BCE6-2B73EA7879F7}"/>
-          </ac:spMkLst>
-        </pc:spChg>
-      </pc:sldChg>
-      <pc:sldChg chg="delSp modSp new">
-        <pc:chgData name="GONZALEZ JUAREZ, EDGAR RANULFO" userId="S::nt704044@iteso.mx::45deb683-0a65-4bbe-a65f-f6aadfab4d5b" providerId="AD" clId="Web-{6582AE36-033B-4B1A-8C12-427885293D41}" dt="2020-02-24T16:30:15.075" v="214" actId="20577"/>
+        <pc:chgData name="FLORES OROZCO, OSCAR ALFONSO" userId="cbabab3f-5c82-4661-a2f0-f7108694391b" providerId="ADAL" clId="{0726E77B-E5FB-254A-AEA0-A317AF9A57A0}" dt="2020-02-26T23:28:58.352" v="0" actId="790"/>
         <pc:sldMkLst>
           <pc:docMk/>
           <pc:sldMk cId="3818088132" sldId="262"/>
         </pc:sldMkLst>
-        <pc:spChg chg="del">
-          <ac:chgData name="GONZALEZ JUAREZ, EDGAR RANULFO" userId="S::nt704044@iteso.mx::45deb683-0a65-4bbe-a65f-f6aadfab4d5b" providerId="AD" clId="Web-{6582AE36-033B-4B1A-8C12-427885293D41}" dt="2020-02-24T16:28:35.387" v="146"/>
-          <ac:spMkLst>
-            <pc:docMk/>
-            <pc:sldMk cId="3818088132" sldId="262"/>
-            <ac:spMk id="2" creationId="{CC686DCB-348D-431C-9D19-96B7A3C69563}"/>
-          </ac:spMkLst>
-        </pc:spChg>
         <pc:spChg chg="mod">
-          <ac:chgData name="GONZALEZ JUAREZ, EDGAR RANULFO" userId="S::nt704044@iteso.mx::45deb683-0a65-4bbe-a65f-f6aadfab4d5b" providerId="AD" clId="Web-{6582AE36-033B-4B1A-8C12-427885293D41}" dt="2020-02-24T16:30:15.075" v="214" actId="20577"/>
+          <ac:chgData name="FLORES OROZCO, OSCAR ALFONSO" userId="cbabab3f-5c82-4661-a2f0-f7108694391b" providerId="ADAL" clId="{0726E77B-E5FB-254A-AEA0-A317AF9A57A0}" dt="2020-02-26T23:28:58.352" v="0" actId="790"/>
           <ac:spMkLst>
             <pc:docMk/>
             <pc:sldMk cId="3818088132" sldId="262"/>
             <ac:spMk id="3" creationId="{2A477AE5-FD09-4D19-9E7E-C43AE5B9D0CB}"/>
-          </ac:spMkLst>
-        </pc:spChg>
-        <pc:spChg chg="mod">
-          <ac:chgData name="GONZALEZ JUAREZ, EDGAR RANULFO" userId="S::nt704044@iteso.mx::45deb683-0a65-4bbe-a65f-f6aadfab4d5b" providerId="AD" clId="Web-{6582AE36-033B-4B1A-8C12-427885293D41}" dt="2020-02-24T16:29:26.840" v="181" actId="20577"/>
-          <ac:spMkLst>
-            <pc:docMk/>
-            <pc:sldMk cId="3818088132" sldId="262"/>
-            <ac:spMk id="4" creationId="{E34448EB-ED9C-4904-ABC2-94D5AF429258}"/>
-          </ac:spMkLst>
-        </pc:spChg>
-        <pc:spChg chg="mod">
-          <ac:chgData name="GONZALEZ JUAREZ, EDGAR RANULFO" userId="S::nt704044@iteso.mx::45deb683-0a65-4bbe-a65f-f6aadfab4d5b" providerId="AD" clId="Web-{6582AE36-033B-4B1A-8C12-427885293D41}" dt="2020-02-24T16:30:12.465" v="211" actId="20577"/>
-          <ac:spMkLst>
-            <pc:docMk/>
-            <pc:sldMk cId="3818088132" sldId="262"/>
-            <ac:spMk id="5" creationId="{1A2A1A13-FCFF-4363-BA77-5FA08F76E97F}"/>
-          </ac:spMkLst>
-        </pc:spChg>
-        <pc:spChg chg="mod">
-          <ac:chgData name="GONZALEZ JUAREZ, EDGAR RANULFO" userId="S::nt704044@iteso.mx::45deb683-0a65-4bbe-a65f-f6aadfab4d5b" providerId="AD" clId="Web-{6582AE36-033B-4B1A-8C12-427885293D41}" dt="2020-02-24T16:30:06.028" v="207" actId="20577"/>
-          <ac:spMkLst>
-            <pc:docMk/>
-            <pc:sldMk cId="3818088132" sldId="262"/>
-            <ac:spMk id="6" creationId="{EB05B71B-7EE4-49BD-8966-B9694FDCB43C}"/>
           </ac:spMkLst>
         </pc:spChg>
       </pc:sldChg>
@@ -282,6 +220,141 @@
     </pc:docChg>
   </pc:docChgLst>
   <pc:docChgLst>
+    <pc:chgData name="GONZALEZ JUAREZ, EDGAR RANULFO" userId="45deb683-0a65-4bbe-a65f-f6aadfab4d5b" providerId="ADAL" clId="{115EB48D-B79A-A044-98DC-B712D5AFD846}"/>
+    <pc:docChg chg="custSel modSld">
+      <pc:chgData name="GONZALEZ JUAREZ, EDGAR RANULFO" userId="45deb683-0a65-4bbe-a65f-f6aadfab4d5b" providerId="ADAL" clId="{115EB48D-B79A-A044-98DC-B712D5AFD846}" dt="2020-02-26T23:37:19.118" v="54" actId="14100"/>
+      <pc:docMkLst>
+        <pc:docMk/>
+      </pc:docMkLst>
+      <pc:sldChg chg="modSp">
+        <pc:chgData name="GONZALEZ JUAREZ, EDGAR RANULFO" userId="45deb683-0a65-4bbe-a65f-f6aadfab4d5b" providerId="ADAL" clId="{115EB48D-B79A-A044-98DC-B712D5AFD846}" dt="2020-02-26T23:37:19.118" v="54" actId="14100"/>
+        <pc:sldMkLst>
+          <pc:docMk/>
+          <pc:sldMk cId="2945647010" sldId="258"/>
+        </pc:sldMkLst>
+        <pc:spChg chg="mod">
+          <ac:chgData name="GONZALEZ JUAREZ, EDGAR RANULFO" userId="45deb683-0a65-4bbe-a65f-f6aadfab4d5b" providerId="ADAL" clId="{115EB48D-B79A-A044-98DC-B712D5AFD846}" dt="2020-02-26T23:37:19.118" v="54" actId="14100"/>
+          <ac:spMkLst>
+            <pc:docMk/>
+            <pc:sldMk cId="2945647010" sldId="258"/>
+            <ac:spMk id="3" creationId="{AF4555AA-EF74-0749-BCE6-2B73EA7879F7}"/>
+          </ac:spMkLst>
+        </pc:spChg>
+      </pc:sldChg>
+      <pc:sldChg chg="addSp delSp modSp">
+        <pc:chgData name="GONZALEZ JUAREZ, EDGAR RANULFO" userId="45deb683-0a65-4bbe-a65f-f6aadfab4d5b" providerId="ADAL" clId="{115EB48D-B79A-A044-98DC-B712D5AFD846}" dt="2020-02-26T20:12:30.357" v="47" actId="11529"/>
+        <pc:sldMkLst>
+          <pc:docMk/>
+          <pc:sldMk cId="2676257974" sldId="260"/>
+        </pc:sldMkLst>
+        <pc:spChg chg="mod">
+          <ac:chgData name="GONZALEZ JUAREZ, EDGAR RANULFO" userId="45deb683-0a65-4bbe-a65f-f6aadfab4d5b" providerId="ADAL" clId="{115EB48D-B79A-A044-98DC-B712D5AFD846}" dt="2020-02-26T20:10:46.585" v="15" actId="1076"/>
+          <ac:spMkLst>
+            <pc:docMk/>
+            <pc:sldMk cId="2676257974" sldId="260"/>
+            <ac:spMk id="6" creationId="{1E11B2D5-8F52-42C2-AF5D-C478D151ABC5}"/>
+          </ac:spMkLst>
+        </pc:spChg>
+        <pc:spChg chg="add del mod">
+          <ac:chgData name="GONZALEZ JUAREZ, EDGAR RANULFO" userId="45deb683-0a65-4bbe-a65f-f6aadfab4d5b" providerId="ADAL" clId="{115EB48D-B79A-A044-98DC-B712D5AFD846}" dt="2020-02-26T20:10:05.530" v="3" actId="478"/>
+          <ac:spMkLst>
+            <pc:docMk/>
+            <pc:sldMk cId="2676257974" sldId="260"/>
+            <ac:spMk id="8" creationId="{06D94BF4-9D97-5440-A0EB-1AD6C77A131A}"/>
+          </ac:spMkLst>
+        </pc:spChg>
+        <pc:spChg chg="add mod">
+          <ac:chgData name="GONZALEZ JUAREZ, EDGAR RANULFO" userId="45deb683-0a65-4bbe-a65f-f6aadfab4d5b" providerId="ADAL" clId="{115EB48D-B79A-A044-98DC-B712D5AFD846}" dt="2020-02-26T20:10:18.379" v="7" actId="1076"/>
+          <ac:spMkLst>
+            <pc:docMk/>
+            <pc:sldMk cId="2676257974" sldId="260"/>
+            <ac:spMk id="9" creationId="{E149BE47-68F3-3748-8351-495EA2E59F60}"/>
+          </ac:spMkLst>
+        </pc:spChg>
+        <pc:spChg chg="add mod">
+          <ac:chgData name="GONZALEZ JUAREZ, EDGAR RANULFO" userId="45deb683-0a65-4bbe-a65f-f6aadfab4d5b" providerId="ADAL" clId="{115EB48D-B79A-A044-98DC-B712D5AFD846}" dt="2020-02-26T20:11:35.185" v="28" actId="207"/>
+          <ac:spMkLst>
+            <pc:docMk/>
+            <pc:sldMk cId="2676257974" sldId="260"/>
+            <ac:spMk id="10" creationId="{C9E75EDE-EFED-1345-B249-C6160BF82FF8}"/>
+          </ac:spMkLst>
+        </pc:spChg>
+        <pc:spChg chg="add mod">
+          <ac:chgData name="GONZALEZ JUAREZ, EDGAR RANULFO" userId="45deb683-0a65-4bbe-a65f-f6aadfab4d5b" providerId="ADAL" clId="{115EB48D-B79A-A044-98DC-B712D5AFD846}" dt="2020-02-26T20:10:40.940" v="14" actId="1076"/>
+          <ac:spMkLst>
+            <pc:docMk/>
+            <pc:sldMk cId="2676257974" sldId="260"/>
+            <ac:spMk id="11" creationId="{2A8C0A57-FD48-594B-BA85-6C660880059B}"/>
+          </ac:spMkLst>
+        </pc:spChg>
+        <pc:spChg chg="add mod">
+          <ac:chgData name="GONZALEZ JUAREZ, EDGAR RANULFO" userId="45deb683-0a65-4bbe-a65f-f6aadfab4d5b" providerId="ADAL" clId="{115EB48D-B79A-A044-98DC-B712D5AFD846}" dt="2020-02-26T20:10:36.504" v="13" actId="1076"/>
+          <ac:spMkLst>
+            <pc:docMk/>
+            <pc:sldMk cId="2676257974" sldId="260"/>
+            <ac:spMk id="12" creationId="{EEF7F888-BE4F-9341-92AC-8979CF1FC09D}"/>
+          </ac:spMkLst>
+        </pc:spChg>
+        <pc:spChg chg="add mod">
+          <ac:chgData name="GONZALEZ JUAREZ, EDGAR RANULFO" userId="45deb683-0a65-4bbe-a65f-f6aadfab4d5b" providerId="ADAL" clId="{115EB48D-B79A-A044-98DC-B712D5AFD846}" dt="2020-02-26T20:10:58.568" v="17" actId="1076"/>
+          <ac:spMkLst>
+            <pc:docMk/>
+            <pc:sldMk cId="2676257974" sldId="260"/>
+            <ac:spMk id="13" creationId="{C72CE95A-8B8F-314E-A7C9-6C4C23E88DC8}"/>
+          </ac:spMkLst>
+        </pc:spChg>
+        <pc:spChg chg="add mod">
+          <ac:chgData name="GONZALEZ JUAREZ, EDGAR RANULFO" userId="45deb683-0a65-4bbe-a65f-f6aadfab4d5b" providerId="ADAL" clId="{115EB48D-B79A-A044-98DC-B712D5AFD846}" dt="2020-02-26T20:11:02.001" v="19" actId="1076"/>
+          <ac:spMkLst>
+            <pc:docMk/>
+            <pc:sldMk cId="2676257974" sldId="260"/>
+            <ac:spMk id="14" creationId="{1ABB3394-4D23-2B4E-9F82-E1AFC6487FD1}"/>
+          </ac:spMkLst>
+        </pc:spChg>
+        <pc:spChg chg="add mod">
+          <ac:chgData name="GONZALEZ JUAREZ, EDGAR RANULFO" userId="45deb683-0a65-4bbe-a65f-f6aadfab4d5b" providerId="ADAL" clId="{115EB48D-B79A-A044-98DC-B712D5AFD846}" dt="2020-02-26T20:11:07.310" v="21" actId="1076"/>
+          <ac:spMkLst>
+            <pc:docMk/>
+            <pc:sldMk cId="2676257974" sldId="260"/>
+            <ac:spMk id="15" creationId="{8D711227-5817-F242-9A07-21EF5CCB32D2}"/>
+          </ac:spMkLst>
+        </pc:spChg>
+        <pc:spChg chg="add del mod">
+          <ac:chgData name="GONZALEZ JUAREZ, EDGAR RANULFO" userId="45deb683-0a65-4bbe-a65f-f6aadfab4d5b" providerId="ADAL" clId="{115EB48D-B79A-A044-98DC-B712D5AFD846}" dt="2020-02-26T20:11:16.102" v="24" actId="478"/>
+          <ac:spMkLst>
+            <pc:docMk/>
+            <pc:sldMk cId="2676257974" sldId="260"/>
+            <ac:spMk id="16" creationId="{0808D0D0-340B-E945-BBF1-CA72CC9F9B4F}"/>
+          </ac:spMkLst>
+        </pc:spChg>
+        <pc:spChg chg="add mod">
+          <ac:chgData name="GONZALEZ JUAREZ, EDGAR RANULFO" userId="45deb683-0a65-4bbe-a65f-f6aadfab4d5b" providerId="ADAL" clId="{115EB48D-B79A-A044-98DC-B712D5AFD846}" dt="2020-02-26T20:12:20.061" v="46" actId="1076"/>
+          <ac:spMkLst>
+            <pc:docMk/>
+            <pc:sldMk cId="2676257974" sldId="260"/>
+            <ac:spMk id="17" creationId="{4DBD3720-2FB2-7043-9931-138062F767D9}"/>
+          </ac:spMkLst>
+        </pc:spChg>
+        <pc:cxnChg chg="mod">
+          <ac:chgData name="GONZALEZ JUAREZ, EDGAR RANULFO" userId="45deb683-0a65-4bbe-a65f-f6aadfab4d5b" providerId="ADAL" clId="{115EB48D-B79A-A044-98DC-B712D5AFD846}" dt="2020-02-26T20:11:19.207" v="25" actId="14100"/>
+          <ac:cxnSpMkLst>
+            <pc:docMk/>
+            <pc:sldMk cId="2676257974" sldId="260"/>
+            <ac:cxnSpMk id="4" creationId="{C8258509-04B3-4133-B041-7E01FB097D63}"/>
+          </ac:cxnSpMkLst>
+        </pc:cxnChg>
+        <pc:cxnChg chg="add mod">
+          <ac:chgData name="GONZALEZ JUAREZ, EDGAR RANULFO" userId="45deb683-0a65-4bbe-a65f-f6aadfab4d5b" providerId="ADAL" clId="{115EB48D-B79A-A044-98DC-B712D5AFD846}" dt="2020-02-26T20:12:30.357" v="47" actId="11529"/>
+          <ac:cxnSpMkLst>
+            <pc:docMk/>
+            <pc:sldMk cId="2676257974" sldId="260"/>
+            <ac:cxnSpMk id="19" creationId="{C830C38C-307E-DD41-A4A5-EB9E6F211CE7}"/>
+          </ac:cxnSpMkLst>
+        </pc:cxnChg>
+      </pc:sldChg>
+    </pc:docChg>
+  </pc:docChgLst>
+  <pc:docChgLst>
     <pc:chgData name="GONZALEZ JUAREZ, EDGAR RANULFO" userId="S::nt704044@iteso.mx::45deb683-0a65-4bbe-a65f-f6aadfab4d5b" providerId="AD" clId="Web-{FA168CE2-0FEE-4A9B-95D6-2C6CDEA862C4}"/>
     <pc:docChg chg="modSld">
       <pc:chgData name="GONZALEZ JUAREZ, EDGAR RANULFO" userId="S::nt704044@iteso.mx::45deb683-0a65-4bbe-a65f-f6aadfab4d5b" providerId="AD" clId="Web-{FA168CE2-0FEE-4A9B-95D6-2C6CDEA862C4}" dt="2020-02-24T15:29:21.571" v="1" actId="20577"/>
@@ -302,6 +375,30 @@
             <ac:spMk id="2" creationId="{93C4E60A-3A5F-264E-AB10-75A57D7901AE}"/>
           </ac:spMkLst>
         </pc:spChg>
+      </pc:sldChg>
+    </pc:docChg>
+  </pc:docChgLst>
+  <pc:docChgLst>
+    <pc:chgData name="JOB RAMIREZ CAMBERO" userId="be6c691b-50ec-49fa-92b9-9f4b02bbcbae" providerId="ADAL" clId="{4B437967-FE40-438A-B253-4FB3ECE3B7E8}"/>
+    <pc:docChg chg="modSld">
+      <pc:chgData name="JOB RAMIREZ CAMBERO" userId="be6c691b-50ec-49fa-92b9-9f4b02bbcbae" providerId="ADAL" clId="{4B437967-FE40-438A-B253-4FB3ECE3B7E8}" dt="2020-02-26T17:12:13.983" v="11" actId="20577"/>
+      <pc:docMkLst>
+        <pc:docMk/>
+      </pc:docMkLst>
+      <pc:sldChg chg="modSp">
+        <pc:chgData name="JOB RAMIREZ CAMBERO" userId="be6c691b-50ec-49fa-92b9-9f4b02bbcbae" providerId="ADAL" clId="{4B437967-FE40-438A-B253-4FB3ECE3B7E8}" dt="2020-02-26T17:12:13.983" v="11" actId="20577"/>
+        <pc:sldMkLst>
+          <pc:docMk/>
+          <pc:sldMk cId="3605588211" sldId="259"/>
+        </pc:sldMkLst>
+        <pc:graphicFrameChg chg="mod">
+          <ac:chgData name="JOB RAMIREZ CAMBERO" userId="be6c691b-50ec-49fa-92b9-9f4b02bbcbae" providerId="ADAL" clId="{4B437967-FE40-438A-B253-4FB3ECE3B7E8}" dt="2020-02-26T17:12:13.983" v="11" actId="20577"/>
+          <ac:graphicFrameMkLst>
+            <pc:docMk/>
+            <pc:sldMk cId="3605588211" sldId="259"/>
+            <ac:graphicFrameMk id="8" creationId="{A315780E-96C6-45E6-BB07-CA0C2121F690}"/>
+          </ac:graphicFrameMkLst>
+        </pc:graphicFrameChg>
       </pc:sldChg>
     </pc:docChg>
   </pc:docChgLst>
@@ -518,6 +615,131 @@
             <pc:docMk/>
             <pc:sldMk cId="1458668643" sldId="257"/>
             <ac:spMk id="3" creationId="{CCB46432-8AFB-3A4E-BFD7-7719BB31E943}"/>
+          </ac:spMkLst>
+        </pc:spChg>
+      </pc:sldChg>
+    </pc:docChg>
+  </pc:docChgLst>
+  <pc:docChgLst>
+    <pc:chgData name="GONZALEZ JUAREZ, EDGAR RANULFO" userId="S::nt704044@iteso.mx::45deb683-0a65-4bbe-a65f-f6aadfab4d5b" providerId="AD" clId="Web-{6582AE36-033B-4B1A-8C12-427885293D41}"/>
+    <pc:docChg chg="addSld modSld">
+      <pc:chgData name="GONZALEZ JUAREZ, EDGAR RANULFO" userId="S::nt704044@iteso.mx::45deb683-0a65-4bbe-a65f-f6aadfab4d5b" providerId="AD" clId="Web-{6582AE36-033B-4B1A-8C12-427885293D41}" dt="2020-02-24T18:35:16.342" v="543" actId="20577"/>
+      <pc:docMkLst>
+        <pc:docMk/>
+      </pc:docMkLst>
+      <pc:sldChg chg="modSp">
+        <pc:chgData name="GONZALEZ JUAREZ, EDGAR RANULFO" userId="S::nt704044@iteso.mx::45deb683-0a65-4bbe-a65f-f6aadfab4d5b" providerId="AD" clId="Web-{6582AE36-033B-4B1A-8C12-427885293D41}" dt="2020-02-24T16:20:57.729" v="20" actId="1076"/>
+        <pc:sldMkLst>
+          <pc:docMk/>
+          <pc:sldMk cId="1239683755" sldId="256"/>
+        </pc:sldMkLst>
+        <pc:spChg chg="mod">
+          <ac:chgData name="GONZALEZ JUAREZ, EDGAR RANULFO" userId="S::nt704044@iteso.mx::45deb683-0a65-4bbe-a65f-f6aadfab4d5b" providerId="AD" clId="Web-{6582AE36-033B-4B1A-8C12-427885293D41}" dt="2020-02-24T16:19:56.151" v="3" actId="20577"/>
+          <ac:spMkLst>
+            <pc:docMk/>
+            <pc:sldMk cId="1239683755" sldId="256"/>
+            <ac:spMk id="2" creationId="{93C4E60A-3A5F-264E-AB10-75A57D7901AE}"/>
+          </ac:spMkLst>
+        </pc:spChg>
+        <pc:spChg chg="mod">
+          <ac:chgData name="GONZALEZ JUAREZ, EDGAR RANULFO" userId="S::nt704044@iteso.mx::45deb683-0a65-4bbe-a65f-f6aadfab4d5b" providerId="AD" clId="Web-{6582AE36-033B-4B1A-8C12-427885293D41}" dt="2020-02-24T16:20:57.729" v="20" actId="1076"/>
+          <ac:spMkLst>
+            <pc:docMk/>
+            <pc:sldMk cId="1239683755" sldId="256"/>
+            <ac:spMk id="3" creationId="{7ED6CC36-57EC-D147-BB46-47E14D976AE5}"/>
+          </ac:spMkLst>
+        </pc:spChg>
+        <pc:picChg chg="mod">
+          <ac:chgData name="GONZALEZ JUAREZ, EDGAR RANULFO" userId="S::nt704044@iteso.mx::45deb683-0a65-4bbe-a65f-f6aadfab4d5b" providerId="AD" clId="Web-{6582AE36-033B-4B1A-8C12-427885293D41}" dt="2020-02-24T16:19:46.729" v="1" actId="1076"/>
+          <ac:picMkLst>
+            <pc:docMk/>
+            <pc:sldMk cId="1239683755" sldId="256"/>
+            <ac:picMk id="5" creationId="{C5E48ABA-84D1-234C-B69A-ADE7F92A09BD}"/>
+          </ac:picMkLst>
+        </pc:picChg>
+        <pc:picChg chg="mod">
+          <ac:chgData name="GONZALEZ JUAREZ, EDGAR RANULFO" userId="S::nt704044@iteso.mx::45deb683-0a65-4bbe-a65f-f6aadfab4d5b" providerId="AD" clId="Web-{6582AE36-033B-4B1A-8C12-427885293D41}" dt="2020-02-24T16:20:51.182" v="19" actId="1076"/>
+          <ac:picMkLst>
+            <pc:docMk/>
+            <pc:sldMk cId="1239683755" sldId="256"/>
+            <ac:picMk id="7" creationId="{6D349698-91B3-7A40-80D0-4F6ADD69B816}"/>
+          </ac:picMkLst>
+        </pc:picChg>
+      </pc:sldChg>
+      <pc:sldChg chg="modSp">
+        <pc:chgData name="GONZALEZ JUAREZ, EDGAR RANULFO" userId="S::nt704044@iteso.mx::45deb683-0a65-4bbe-a65f-f6aadfab4d5b" providerId="AD" clId="Web-{6582AE36-033B-4B1A-8C12-427885293D41}" dt="2020-02-24T18:35:15.529" v="542" actId="20577"/>
+        <pc:sldMkLst>
+          <pc:docMk/>
+          <pc:sldMk cId="1458668643" sldId="257"/>
+        </pc:sldMkLst>
+        <pc:spChg chg="mod">
+          <ac:chgData name="GONZALEZ JUAREZ, EDGAR RANULFO" userId="S::nt704044@iteso.mx::45deb683-0a65-4bbe-a65f-f6aadfab4d5b" providerId="AD" clId="Web-{6582AE36-033B-4B1A-8C12-427885293D41}" dt="2020-02-24T18:35:15.529" v="542" actId="20577"/>
+          <ac:spMkLst>
+            <pc:docMk/>
+            <pc:sldMk cId="1458668643" sldId="257"/>
+            <ac:spMk id="3" creationId="{CCB46432-8AFB-3A4E-BFD7-7719BB31E943}"/>
+          </ac:spMkLst>
+        </pc:spChg>
+      </pc:sldChg>
+      <pc:sldChg chg="modSp">
+        <pc:chgData name="GONZALEZ JUAREZ, EDGAR RANULFO" userId="S::nt704044@iteso.mx::45deb683-0a65-4bbe-a65f-f6aadfab4d5b" providerId="AD" clId="Web-{6582AE36-033B-4B1A-8C12-427885293D41}" dt="2020-02-24T16:27:45.324" v="141" actId="14100"/>
+        <pc:sldMkLst>
+          <pc:docMk/>
+          <pc:sldMk cId="2945647010" sldId="258"/>
+        </pc:sldMkLst>
+        <pc:spChg chg="mod">
+          <ac:chgData name="GONZALEZ JUAREZ, EDGAR RANULFO" userId="S::nt704044@iteso.mx::45deb683-0a65-4bbe-a65f-f6aadfab4d5b" providerId="AD" clId="Web-{6582AE36-033B-4B1A-8C12-427885293D41}" dt="2020-02-24T16:27:45.324" v="141" actId="14100"/>
+          <ac:spMkLst>
+            <pc:docMk/>
+            <pc:sldMk cId="2945647010" sldId="258"/>
+            <ac:spMk id="3" creationId="{AF4555AA-EF74-0749-BCE6-2B73EA7879F7}"/>
+          </ac:spMkLst>
+        </pc:spChg>
+      </pc:sldChg>
+      <pc:sldChg chg="delSp modSp new">
+        <pc:chgData name="GONZALEZ JUAREZ, EDGAR RANULFO" userId="S::nt704044@iteso.mx::45deb683-0a65-4bbe-a65f-f6aadfab4d5b" providerId="AD" clId="Web-{6582AE36-033B-4B1A-8C12-427885293D41}" dt="2020-02-24T16:30:15.075" v="214" actId="20577"/>
+        <pc:sldMkLst>
+          <pc:docMk/>
+          <pc:sldMk cId="3818088132" sldId="262"/>
+        </pc:sldMkLst>
+        <pc:spChg chg="del">
+          <ac:chgData name="GONZALEZ JUAREZ, EDGAR RANULFO" userId="S::nt704044@iteso.mx::45deb683-0a65-4bbe-a65f-f6aadfab4d5b" providerId="AD" clId="Web-{6582AE36-033B-4B1A-8C12-427885293D41}" dt="2020-02-24T16:28:35.387" v="146"/>
+          <ac:spMkLst>
+            <pc:docMk/>
+            <pc:sldMk cId="3818088132" sldId="262"/>
+            <ac:spMk id="2" creationId="{CC686DCB-348D-431C-9D19-96B7A3C69563}"/>
+          </ac:spMkLst>
+        </pc:spChg>
+        <pc:spChg chg="mod">
+          <ac:chgData name="GONZALEZ JUAREZ, EDGAR RANULFO" userId="S::nt704044@iteso.mx::45deb683-0a65-4bbe-a65f-f6aadfab4d5b" providerId="AD" clId="Web-{6582AE36-033B-4B1A-8C12-427885293D41}" dt="2020-02-24T16:30:15.075" v="214" actId="20577"/>
+          <ac:spMkLst>
+            <pc:docMk/>
+            <pc:sldMk cId="3818088132" sldId="262"/>
+            <ac:spMk id="3" creationId="{2A477AE5-FD09-4D19-9E7E-C43AE5B9D0CB}"/>
+          </ac:spMkLst>
+        </pc:spChg>
+        <pc:spChg chg="mod">
+          <ac:chgData name="GONZALEZ JUAREZ, EDGAR RANULFO" userId="S::nt704044@iteso.mx::45deb683-0a65-4bbe-a65f-f6aadfab4d5b" providerId="AD" clId="Web-{6582AE36-033B-4B1A-8C12-427885293D41}" dt="2020-02-24T16:29:26.840" v="181" actId="20577"/>
+          <ac:spMkLst>
+            <pc:docMk/>
+            <pc:sldMk cId="3818088132" sldId="262"/>
+            <ac:spMk id="4" creationId="{E34448EB-ED9C-4904-ABC2-94D5AF429258}"/>
+          </ac:spMkLst>
+        </pc:spChg>
+        <pc:spChg chg="mod">
+          <ac:chgData name="GONZALEZ JUAREZ, EDGAR RANULFO" userId="S::nt704044@iteso.mx::45deb683-0a65-4bbe-a65f-f6aadfab4d5b" providerId="AD" clId="Web-{6582AE36-033B-4B1A-8C12-427885293D41}" dt="2020-02-24T16:30:12.465" v="211" actId="20577"/>
+          <ac:spMkLst>
+            <pc:docMk/>
+            <pc:sldMk cId="3818088132" sldId="262"/>
+            <ac:spMk id="5" creationId="{1A2A1A13-FCFF-4363-BA77-5FA08F76E97F}"/>
+          </ac:spMkLst>
+        </pc:spChg>
+        <pc:spChg chg="mod">
+          <ac:chgData name="GONZALEZ JUAREZ, EDGAR RANULFO" userId="S::nt704044@iteso.mx::45deb683-0a65-4bbe-a65f-f6aadfab4d5b" providerId="AD" clId="Web-{6582AE36-033B-4B1A-8C12-427885293D41}" dt="2020-02-24T16:30:06.028" v="207" actId="20577"/>
+          <ac:spMkLst>
+            <pc:docMk/>
+            <pc:sldMk cId="3818088132" sldId="262"/>
+            <ac:spMk id="6" creationId="{EB05B71B-7EE4-49BD-8966-B9694FDCB43C}"/>
           </ac:spMkLst>
         </pc:spChg>
       </pc:sldChg>
@@ -1293,28 +1515,42 @@
         <a:p>
           <a:pPr rtl="0"/>
           <a:r>
-            <a:rPr lang="es-ES" dirty="0">
+            <a:rPr lang="es-ES">
               <a:latin typeface="Franklin Gothic Book" panose="020B0503020102020204"/>
             </a:rPr>
             <a:t>Herramientas a</a:t>
           </a:r>
           <a:r>
-            <a:rPr lang="es-ES" b="0" i="0" u="none" strike="noStrike" cap="none" baseline="0" noProof="0" dirty="0">
+            <a:rPr lang="es-ES" b="0" i="0" u="none" strike="noStrike" cap="none" baseline="0" noProof="0">
               <a:latin typeface="Franklin Gothic Book"/>
             </a:rPr>
             <a:t> utilizar</a:t>
           </a:r>
-          <a:endParaRPr lang="es-ES" dirty="0"/>
+          <a:endParaRPr lang="es-ES"/>
         </a:p>
       </dgm:t>
     </dgm:pt>
     <dgm:pt modelId="{44DD7418-F7FE-4406-B555-969C2728C6CB}" type="parTrans" cxnId="{852FE933-D577-4B26-8C0A-0197F5B5D45F}">
       <dgm:prSet/>
       <dgm:spPr/>
+      <dgm:t>
+        <a:bodyPr/>
+        <a:lstStyle/>
+        <a:p>
+          <a:endParaRPr lang="en-GB"/>
+        </a:p>
+      </dgm:t>
     </dgm:pt>
     <dgm:pt modelId="{516A6B8B-E7EC-45B1-A2AB-D35FD1720E95}" type="sibTrans" cxnId="{852FE933-D577-4B26-8C0A-0197F5B5D45F}">
       <dgm:prSet/>
       <dgm:spPr/>
+      <dgm:t>
+        <a:bodyPr/>
+        <a:lstStyle/>
+        <a:p>
+          <a:endParaRPr lang="en-GB"/>
+        </a:p>
+      </dgm:t>
     </dgm:pt>
     <dgm:pt modelId="{E8B80405-E08E-4501-8CA6-9782A00BEDA1}">
       <dgm:prSet phldrT="[Texto]" phldr="0"/>
@@ -1325,28 +1561,42 @@
         <a:p>
           <a:pPr rtl="0"/>
           <a:r>
-            <a:rPr lang="es-ES" dirty="0" err="1">
+            <a:rPr lang="es-ES" err="1">
               <a:latin typeface="Franklin Gothic Book" panose="020B0503020102020204"/>
             </a:rPr>
             <a:t>Jupyter</a:t>
           </a:r>
           <a:r>
-            <a:rPr lang="es-ES" dirty="0">
+            <a:rPr lang="es-ES">
               <a:latin typeface="Franklin Gothic Book" panose="020B0503020102020204"/>
             </a:rPr>
             <a:t> notebook</a:t>
           </a:r>
-          <a:endParaRPr lang="es-ES" dirty="0"/>
+          <a:endParaRPr lang="es-ES"/>
         </a:p>
       </dgm:t>
     </dgm:pt>
     <dgm:pt modelId="{E45B81FC-E2E4-4FA1-B4EB-43FBEA56AE39}" type="parTrans" cxnId="{141D8AE2-C063-4AF9-A33C-80392657CCE6}">
       <dgm:prSet/>
       <dgm:spPr/>
+      <dgm:t>
+        <a:bodyPr/>
+        <a:lstStyle/>
+        <a:p>
+          <a:endParaRPr lang="en-GB"/>
+        </a:p>
+      </dgm:t>
     </dgm:pt>
     <dgm:pt modelId="{07972362-2143-48D4-B3AA-E678B19225D5}" type="sibTrans" cxnId="{141D8AE2-C063-4AF9-A33C-80392657CCE6}">
       <dgm:prSet/>
       <dgm:spPr/>
+      <dgm:t>
+        <a:bodyPr/>
+        <a:lstStyle/>
+        <a:p>
+          <a:endParaRPr lang="en-GB"/>
+        </a:p>
+      </dgm:t>
     </dgm:pt>
     <dgm:pt modelId="{C651DCCF-9C76-4B81-BFD3-ED1FC601BC1B}">
       <dgm:prSet phldrT="[Texto]" phldr="0"/>
@@ -1357,22 +1607,36 @@
         <a:p>
           <a:pPr rtl="0"/>
           <a:r>
-            <a:rPr lang="es-ES" dirty="0">
+            <a:rPr lang="es-ES">
               <a:latin typeface="Franklin Gothic Book" panose="020B0503020102020204"/>
             </a:rPr>
             <a:t>Librerías a considerar</a:t>
           </a:r>
-          <a:endParaRPr lang="es-ES" dirty="0"/>
+          <a:endParaRPr lang="es-ES"/>
         </a:p>
       </dgm:t>
     </dgm:pt>
     <dgm:pt modelId="{606A3EC6-C617-44D9-B3C3-E653D3644378}" type="parTrans" cxnId="{BFD2EB2F-C244-4CF8-811A-1E4AE3A2C793}">
       <dgm:prSet/>
       <dgm:spPr/>
+      <dgm:t>
+        <a:bodyPr/>
+        <a:lstStyle/>
+        <a:p>
+          <a:endParaRPr lang="en-GB"/>
+        </a:p>
+      </dgm:t>
     </dgm:pt>
     <dgm:pt modelId="{285FE26C-F23A-452A-B977-1634660A6756}" type="sibTrans" cxnId="{BFD2EB2F-C244-4CF8-811A-1E4AE3A2C793}">
       <dgm:prSet/>
       <dgm:spPr/>
+      <dgm:t>
+        <a:bodyPr/>
+        <a:lstStyle/>
+        <a:p>
+          <a:endParaRPr lang="en-GB"/>
+        </a:p>
+      </dgm:t>
     </dgm:pt>
     <dgm:pt modelId="{1DF90F56-0DD4-4A00-804F-9947935A7882}">
       <dgm:prSet phldr="0"/>
@@ -1383,7 +1647,7 @@
         <a:p>
           <a:pPr rtl="0"/>
           <a:r>
-            <a:rPr lang="es-ES" b="0" i="0" u="none" strike="noStrike" cap="none" baseline="0" noProof="0" dirty="0">
+            <a:rPr lang="es-ES" b="0" i="0" u="none" strike="noStrike" cap="none" baseline="0" noProof="0">
               <a:latin typeface="Franklin Gothic Book"/>
             </a:rPr>
             <a:t>Excel</a:t>
@@ -1394,10 +1658,24 @@
     <dgm:pt modelId="{C0DD96A3-E5F1-4559-B218-D40F0DA68176}" type="parTrans" cxnId="{D946C4FD-C986-47C0-B3BB-7D1837A453F2}">
       <dgm:prSet/>
       <dgm:spPr/>
+      <dgm:t>
+        <a:bodyPr/>
+        <a:lstStyle/>
+        <a:p>
+          <a:endParaRPr lang="en-GB"/>
+        </a:p>
+      </dgm:t>
     </dgm:pt>
     <dgm:pt modelId="{D97666D5-9DDC-494B-AFB9-78C7EC75C71B}" type="sibTrans" cxnId="{D946C4FD-C986-47C0-B3BB-7D1837A453F2}">
       <dgm:prSet/>
       <dgm:spPr/>
+      <dgm:t>
+        <a:bodyPr/>
+        <a:lstStyle/>
+        <a:p>
+          <a:endParaRPr lang="en-GB"/>
+        </a:p>
+      </dgm:t>
     </dgm:pt>
     <dgm:pt modelId="{86602EFF-810C-4A03-9D3D-8EB969BB4D1E}">
       <dgm:prSet phldr="0"/>
@@ -1407,12 +1685,12 @@
         <a:lstStyle/>
         <a:p>
           <a:r>
-            <a:rPr lang="es-ES" dirty="0" err="1">
+            <a:rPr lang="es-ES" err="1">
               <a:latin typeface="Franklin Gothic Book" panose="020B0503020102020204"/>
             </a:rPr>
             <a:t>pmarima</a:t>
           </a:r>
-          <a:endParaRPr lang="es-ES" dirty="0">
+          <a:endParaRPr lang="es-ES">
             <a:latin typeface="Franklin Gothic Book" panose="020B0503020102020204"/>
           </a:endParaRPr>
         </a:p>
@@ -1421,10 +1699,24 @@
     <dgm:pt modelId="{D82DB795-FFC2-41CD-9F66-7A1CB02901EC}" type="parTrans" cxnId="{3724DA89-1E66-4250-95BD-4EEFC64DF6EE}">
       <dgm:prSet/>
       <dgm:spPr/>
+      <dgm:t>
+        <a:bodyPr/>
+        <a:lstStyle/>
+        <a:p>
+          <a:endParaRPr lang="en-GB"/>
+        </a:p>
+      </dgm:t>
     </dgm:pt>
     <dgm:pt modelId="{0E8EF56A-A3DB-4DB7-8B66-5054C3A14B43}" type="sibTrans" cxnId="{3724DA89-1E66-4250-95BD-4EEFC64DF6EE}">
       <dgm:prSet/>
       <dgm:spPr/>
+      <dgm:t>
+        <a:bodyPr/>
+        <a:lstStyle/>
+        <a:p>
+          <a:endParaRPr lang="en-GB"/>
+        </a:p>
+      </dgm:t>
     </dgm:pt>
     <dgm:pt modelId="{312237D2-DE54-4A53-8B51-F8B6B544AD86}">
       <dgm:prSet phldr="0"/>
@@ -1434,7 +1726,7 @@
         <a:lstStyle/>
         <a:p>
           <a:r>
-            <a:rPr lang="es-ES" dirty="0">
+            <a:rPr lang="es-ES">
               <a:latin typeface="Franklin Gothic Book" panose="020B0503020102020204"/>
             </a:rPr>
             <a:t>statsmodels</a:t>
@@ -1445,10 +1737,24 @@
     <dgm:pt modelId="{16D0395B-156A-427A-9685-8ED5F203876B}" type="parTrans" cxnId="{2C354BBE-4090-4F68-AE01-65A6C1CD846C}">
       <dgm:prSet/>
       <dgm:spPr/>
+      <dgm:t>
+        <a:bodyPr/>
+        <a:lstStyle/>
+        <a:p>
+          <a:endParaRPr lang="en-GB"/>
+        </a:p>
+      </dgm:t>
     </dgm:pt>
     <dgm:pt modelId="{445403E0-16E9-455A-B875-89229822898C}" type="sibTrans" cxnId="{2C354BBE-4090-4F68-AE01-65A6C1CD846C}">
       <dgm:prSet/>
       <dgm:spPr/>
+      <dgm:t>
+        <a:bodyPr/>
+        <a:lstStyle/>
+        <a:p>
+          <a:endParaRPr lang="en-GB"/>
+        </a:p>
+      </dgm:t>
     </dgm:pt>
     <dgm:pt modelId="{1F5317A3-C8A3-42B0-93AF-E1F7EC66F99D}">
       <dgm:prSet phldr="0"/>
@@ -1459,7 +1765,7 @@
         <a:p>
           <a:pPr rtl="0"/>
           <a:r>
-            <a:rPr lang="es-ES" dirty="0">
+            <a:rPr lang="es-ES">
               <a:latin typeface="Franklin Gothic Book" panose="020B0503020102020204"/>
             </a:rPr>
             <a:t>pandas</a:t>
@@ -1470,10 +1776,24 @@
     <dgm:pt modelId="{684AEE38-9483-4389-BCC5-9FF94B0C624B}" type="parTrans" cxnId="{28BA0134-B24F-4BA4-9CBC-CDDCCBB0150D}">
       <dgm:prSet/>
       <dgm:spPr/>
+      <dgm:t>
+        <a:bodyPr/>
+        <a:lstStyle/>
+        <a:p>
+          <a:endParaRPr lang="en-GB"/>
+        </a:p>
+      </dgm:t>
     </dgm:pt>
     <dgm:pt modelId="{BE428507-6E5A-4A72-A395-1D6968EB7D90}" type="sibTrans" cxnId="{28BA0134-B24F-4BA4-9CBC-CDDCCBB0150D}">
       <dgm:prSet/>
       <dgm:spPr/>
+      <dgm:t>
+        <a:bodyPr/>
+        <a:lstStyle/>
+        <a:p>
+          <a:endParaRPr lang="en-GB"/>
+        </a:p>
+      </dgm:t>
     </dgm:pt>
     <dgm:pt modelId="{D3FB7CBD-0BFF-4EC6-9A6D-5C12C4968119}">
       <dgm:prSet phldr="0"/>
@@ -1484,7 +1804,7 @@
         <a:p>
           <a:pPr rtl="0"/>
           <a:r>
-            <a:rPr lang="es-ES" dirty="0">
+            <a:rPr lang="es-ES">
               <a:latin typeface="Franklin Gothic Book" panose="020B0503020102020204"/>
             </a:rPr>
             <a:t>numpy</a:t>
@@ -1495,10 +1815,24 @@
     <dgm:pt modelId="{0443B619-0A04-4BC1-A61D-CC36E1133C0D}" type="parTrans" cxnId="{F79D340B-627B-4D36-9FCA-11304C13A97B}">
       <dgm:prSet/>
       <dgm:spPr/>
+      <dgm:t>
+        <a:bodyPr/>
+        <a:lstStyle/>
+        <a:p>
+          <a:endParaRPr lang="en-GB"/>
+        </a:p>
+      </dgm:t>
     </dgm:pt>
     <dgm:pt modelId="{CEF9D69C-7380-4B8D-954B-80A694458451}" type="sibTrans" cxnId="{F79D340B-627B-4D36-9FCA-11304C13A97B}">
       <dgm:prSet/>
       <dgm:spPr/>
+      <dgm:t>
+        <a:bodyPr/>
+        <a:lstStyle/>
+        <a:p>
+          <a:endParaRPr lang="en-GB"/>
+        </a:p>
+      </dgm:t>
     </dgm:pt>
     <dgm:pt modelId="{229E1D95-DA7D-43A6-B254-8D5342E184E4}">
       <dgm:prSet phldr="0"/>
@@ -1509,7 +1843,7 @@
         <a:p>
           <a:pPr rtl="0"/>
           <a:r>
-            <a:rPr lang="es-ES" dirty="0">
+            <a:rPr lang="es-ES">
               <a:latin typeface="Franklin Gothic Book" panose="020B0503020102020204"/>
             </a:rPr>
             <a:t>Meta a lograr</a:t>
@@ -1520,10 +1854,24 @@
     <dgm:pt modelId="{B8C810DC-2882-4F36-8CDE-0E2E3B54ADAF}" type="parTrans" cxnId="{F0BEB106-43F8-4972-8BD1-92417E0EE8D7}">
       <dgm:prSet/>
       <dgm:spPr/>
+      <dgm:t>
+        <a:bodyPr/>
+        <a:lstStyle/>
+        <a:p>
+          <a:endParaRPr lang="en-GB"/>
+        </a:p>
+      </dgm:t>
     </dgm:pt>
     <dgm:pt modelId="{28C70065-D593-4CEF-A667-B59137B31066}" type="sibTrans" cxnId="{F0BEB106-43F8-4972-8BD1-92417E0EE8D7}">
       <dgm:prSet/>
       <dgm:spPr/>
+      <dgm:t>
+        <a:bodyPr/>
+        <a:lstStyle/>
+        <a:p>
+          <a:endParaRPr lang="en-GB"/>
+        </a:p>
+      </dgm:t>
     </dgm:pt>
     <dgm:pt modelId="{DDB108ED-7763-4A70-B612-EE67721E60C2}">
       <dgm:prSet phldr="0"/>
@@ -1533,7 +1881,7 @@
         <a:lstStyle/>
         <a:p>
           <a:r>
-            <a:rPr lang="es-ES" dirty="0">
+            <a:rPr lang="es-ES">
               <a:latin typeface="Franklin Gothic Book" panose="020B0503020102020204"/>
             </a:rPr>
             <a:t>Python</a:t>
@@ -1544,10 +1892,24 @@
     <dgm:pt modelId="{A8A3F184-791B-4BE1-BDDB-64179DC13712}" type="parTrans" cxnId="{813FE3B8-B1ED-4488-854F-1659C3D27DC7}">
       <dgm:prSet/>
       <dgm:spPr/>
+      <dgm:t>
+        <a:bodyPr/>
+        <a:lstStyle/>
+        <a:p>
+          <a:endParaRPr lang="en-GB"/>
+        </a:p>
+      </dgm:t>
     </dgm:pt>
     <dgm:pt modelId="{DEA60333-8F4C-494A-B5F3-20F2DED08381}" type="sibTrans" cxnId="{813FE3B8-B1ED-4488-854F-1659C3D27DC7}">
       <dgm:prSet/>
       <dgm:spPr/>
+      <dgm:t>
+        <a:bodyPr/>
+        <a:lstStyle/>
+        <a:p>
+          <a:endParaRPr lang="en-GB"/>
+        </a:p>
+      </dgm:t>
     </dgm:pt>
     <dgm:pt modelId="{56FCB88C-3DB5-48BB-BBC1-933B0892A183}">
       <dgm:prSet phldr="0"/>
@@ -1558,10 +1920,10 @@
         <a:p>
           <a:pPr rtl="0"/>
           <a:r>
-            <a:rPr lang="es-ES" dirty="0">
+            <a:rPr lang="es-ES">
               <a:latin typeface="Franklin Gothic Book" panose="020B0503020102020204"/>
             </a:rPr>
-            <a:t>Modelos ARIMA para la predicción de generación en las plantas intermitentes</a:t>
+            <a:t>Modelos ARIMA o dinámicos para la predicción de generación en las plantas intermitentes</a:t>
           </a:r>
         </a:p>
       </dgm:t>
@@ -1569,10 +1931,24 @@
     <dgm:pt modelId="{9242A2E5-C312-4603-A198-9B7E73748E9F}" type="parTrans" cxnId="{4CEF840A-C866-4C3F-A1EC-90805761F296}">
       <dgm:prSet/>
       <dgm:spPr/>
+      <dgm:t>
+        <a:bodyPr/>
+        <a:lstStyle/>
+        <a:p>
+          <a:endParaRPr lang="en-GB"/>
+        </a:p>
+      </dgm:t>
     </dgm:pt>
     <dgm:pt modelId="{5966756D-A22E-4C76-8E98-E348B2160043}" type="sibTrans" cxnId="{4CEF840A-C866-4C3F-A1EC-90805761F296}">
       <dgm:prSet/>
       <dgm:spPr/>
+      <dgm:t>
+        <a:bodyPr/>
+        <a:lstStyle/>
+        <a:p>
+          <a:endParaRPr lang="en-GB"/>
+        </a:p>
+      </dgm:t>
     </dgm:pt>
     <dgm:pt modelId="{C99263CC-1F5B-4648-9286-85EF66799BB5}">
       <dgm:prSet phldr="0"/>
@@ -1583,7 +1959,7 @@
         <a:p>
           <a:pPr rtl="0"/>
           <a:r>
-            <a:rPr lang="es-ES" dirty="0">
+            <a:rPr lang="es-ES">
               <a:latin typeface="Franklin Gothic Book" panose="020B0503020102020204"/>
             </a:rPr>
             <a:t>Criterios a contemplar</a:t>
@@ -1594,10 +1970,24 @@
     <dgm:pt modelId="{A302C273-F965-43F8-B85B-6550E5D58DE0}" type="parTrans" cxnId="{C076A0E2-BB3B-492A-A2D4-0E25A132C21B}">
       <dgm:prSet/>
       <dgm:spPr/>
+      <dgm:t>
+        <a:bodyPr/>
+        <a:lstStyle/>
+        <a:p>
+          <a:endParaRPr lang="en-GB"/>
+        </a:p>
+      </dgm:t>
     </dgm:pt>
     <dgm:pt modelId="{FCCE83A8-0887-4234-84CC-5D62B47F2999}" type="sibTrans" cxnId="{C076A0E2-BB3B-492A-A2D4-0E25A132C21B}">
       <dgm:prSet/>
       <dgm:spPr/>
+      <dgm:t>
+        <a:bodyPr/>
+        <a:lstStyle/>
+        <a:p>
+          <a:endParaRPr lang="en-GB"/>
+        </a:p>
+      </dgm:t>
     </dgm:pt>
     <dgm:pt modelId="{D0D27EA0-BC51-44BA-A7F9-D2662D7AFB0A}">
       <dgm:prSet phldr="0"/>
@@ -1608,7 +1998,7 @@
         <a:p>
           <a:pPr rtl="0"/>
           <a:r>
-            <a:rPr lang="es-ES" dirty="0">
+            <a:rPr lang="es-ES">
               <a:latin typeface="Franklin Gothic Book" panose="020B0503020102020204"/>
             </a:rPr>
             <a:t>MAPE y MAE &lt; 10%</a:t>
@@ -1619,10 +2009,24 @@
     <dgm:pt modelId="{96AD1ED6-44A4-47FC-B233-D9798C1A5BA7}" type="parTrans" cxnId="{D90CDB8F-D8E1-400E-8073-8F033B9E88B8}">
       <dgm:prSet/>
       <dgm:spPr/>
+      <dgm:t>
+        <a:bodyPr/>
+        <a:lstStyle/>
+        <a:p>
+          <a:endParaRPr lang="en-GB"/>
+        </a:p>
+      </dgm:t>
     </dgm:pt>
     <dgm:pt modelId="{E36B47E7-7B26-471C-8BF9-28CC0D5E3DF7}" type="sibTrans" cxnId="{D90CDB8F-D8E1-400E-8073-8F033B9E88B8}">
       <dgm:prSet/>
       <dgm:spPr/>
+      <dgm:t>
+        <a:bodyPr/>
+        <a:lstStyle/>
+        <a:p>
+          <a:endParaRPr lang="en-GB"/>
+        </a:p>
+      </dgm:t>
     </dgm:pt>
     <dgm:pt modelId="{EB1289DD-D3E3-433A-91BB-BFBE5DD1BB96}">
       <dgm:prSet phldr="0"/>
@@ -1633,7 +2037,7 @@
         <a:p>
           <a:pPr rtl="0"/>
           <a:r>
-            <a:rPr lang="es-ES" dirty="0">
+            <a:rPr lang="es-ES">
               <a:latin typeface="Franklin Gothic Book" panose="020B0503020102020204"/>
             </a:rPr>
             <a:t>Tiempo de ejecución &lt; 10 minutos</a:t>
@@ -1644,10 +2048,24 @@
     <dgm:pt modelId="{B3EC3504-2982-4F19-9BB5-1376DBC672FC}" type="parTrans" cxnId="{E965AAB8-6641-42FC-A4AE-5047C783A3C7}">
       <dgm:prSet/>
       <dgm:spPr/>
+      <dgm:t>
+        <a:bodyPr/>
+        <a:lstStyle/>
+        <a:p>
+          <a:endParaRPr lang="en-GB"/>
+        </a:p>
+      </dgm:t>
     </dgm:pt>
     <dgm:pt modelId="{E55E8685-5E95-4A25-94C1-1D84F94750BB}" type="sibTrans" cxnId="{E965AAB8-6641-42FC-A4AE-5047C783A3C7}">
       <dgm:prSet/>
       <dgm:spPr/>
+      <dgm:t>
+        <a:bodyPr/>
+        <a:lstStyle/>
+        <a:p>
+          <a:endParaRPr lang="en-GB"/>
+        </a:p>
+      </dgm:t>
     </dgm:pt>
     <dgm:pt modelId="{5A8548ED-59BB-47D5-B73F-1F6CBE9E8246}">
       <dgm:prSet phldr="0"/>
@@ -1658,7 +2076,7 @@
         <a:p>
           <a:pPr rtl="0"/>
           <a:r>
-            <a:rPr lang="es-ES" dirty="0">
+            <a:rPr lang="es-ES">
               <a:latin typeface="Franklin Gothic Book" panose="020B0503020102020204"/>
             </a:rPr>
             <a:t>Plataforma para sincronizar</a:t>
@@ -1669,10 +2087,24 @@
     <dgm:pt modelId="{B7CB221C-8A08-4712-949E-A49D169CF715}" type="parTrans" cxnId="{7DADF102-8ADD-4064-9B27-D2C7D3721DDC}">
       <dgm:prSet/>
       <dgm:spPr/>
+      <dgm:t>
+        <a:bodyPr/>
+        <a:lstStyle/>
+        <a:p>
+          <a:endParaRPr lang="en-GB"/>
+        </a:p>
+      </dgm:t>
     </dgm:pt>
     <dgm:pt modelId="{FD541FEE-A24B-40B0-A263-1F0796E4967B}" type="sibTrans" cxnId="{7DADF102-8ADD-4064-9B27-D2C7D3721DDC}">
       <dgm:prSet/>
       <dgm:spPr/>
+      <dgm:t>
+        <a:bodyPr/>
+        <a:lstStyle/>
+        <a:p>
+          <a:endParaRPr lang="en-GB"/>
+        </a:p>
+      </dgm:t>
     </dgm:pt>
     <dgm:pt modelId="{BB32758C-FA51-4F64-93B6-9F81C71D5278}">
       <dgm:prSet phldr="0"/>
@@ -1682,7 +2114,7 @@
         <a:lstStyle/>
         <a:p>
           <a:r>
-            <a:rPr lang="es-ES" dirty="0">
+            <a:rPr lang="es-ES">
               <a:latin typeface="Franklin Gothic Book" panose="020B0503020102020204"/>
             </a:rPr>
             <a:t>GitHub</a:t>
@@ -1693,10 +2125,24 @@
     <dgm:pt modelId="{EC9A49BA-0AA6-4997-9C35-0C1D45EFD050}" type="parTrans" cxnId="{103F521C-F426-4587-93C1-7DD279AFEF8F}">
       <dgm:prSet/>
       <dgm:spPr/>
+      <dgm:t>
+        <a:bodyPr/>
+        <a:lstStyle/>
+        <a:p>
+          <a:endParaRPr lang="en-GB"/>
+        </a:p>
+      </dgm:t>
     </dgm:pt>
     <dgm:pt modelId="{F11F7D7B-6BCF-40C2-ABFF-59C8164A1493}" type="sibTrans" cxnId="{103F521C-F426-4587-93C1-7DD279AFEF8F}">
       <dgm:prSet/>
       <dgm:spPr/>
+      <dgm:t>
+        <a:bodyPr/>
+        <a:lstStyle/>
+        <a:p>
+          <a:endParaRPr lang="en-GB"/>
+        </a:p>
+      </dgm:t>
     </dgm:pt>
     <dgm:pt modelId="{4583EA47-73EE-42AE-ACAB-10D9DCC615E5}">
       <dgm:prSet phldr="0"/>
@@ -1706,7 +2152,7 @@
         <a:lstStyle/>
         <a:p>
           <a:r>
-            <a:rPr lang="es-ES" dirty="0">
+            <a:rPr lang="es-ES">
               <a:latin typeface="Franklin Gothic Book" panose="020B0503020102020204"/>
             </a:rPr>
             <a:t>GitKraken</a:t>
@@ -1717,10 +2163,24 @@
     <dgm:pt modelId="{33AC1E7B-C58A-470C-B58D-273969922D8D}" type="parTrans" cxnId="{10FF8796-BE5F-4D9E-89DB-B0C0B75651BB}">
       <dgm:prSet/>
       <dgm:spPr/>
+      <dgm:t>
+        <a:bodyPr/>
+        <a:lstStyle/>
+        <a:p>
+          <a:endParaRPr lang="en-GB"/>
+        </a:p>
+      </dgm:t>
     </dgm:pt>
     <dgm:pt modelId="{3D8B8914-BEDA-4994-ABCB-60D3BDCBAEDA}" type="sibTrans" cxnId="{10FF8796-BE5F-4D9E-89DB-B0C0B75651BB}">
       <dgm:prSet/>
       <dgm:spPr/>
+      <dgm:t>
+        <a:bodyPr/>
+        <a:lstStyle/>
+        <a:p>
+          <a:endParaRPr lang="en-GB"/>
+        </a:p>
+      </dgm:t>
     </dgm:pt>
     <dgm:pt modelId="{5DDE445F-9914-4A2D-B9F7-484F0DC8218C}" type="pres">
       <dgm:prSet presAssocID="{5E169D4E-E665-47DF-8C21-74D25C7B53AB}" presName="CompostProcess" presStyleCnt="0">
@@ -1808,11 +2268,11 @@
     <dgm:cxn modelId="{852FE933-D577-4B26-8C0A-0197F5B5D45F}" srcId="{5E169D4E-E665-47DF-8C21-74D25C7B53AB}" destId="{566E6149-5414-47E2-9E06-C25F155CE261}" srcOrd="0" destOrd="0" parTransId="{44DD7418-F7FE-4406-B555-969C2728C6CB}" sibTransId="{516A6B8B-E7EC-45B1-A2AB-D35FD1720E95}"/>
     <dgm:cxn modelId="{28BA0134-B24F-4BA4-9CBC-CDDCCBB0150D}" srcId="{C651DCCF-9C76-4B81-BFD3-ED1FC601BC1B}" destId="{1F5317A3-C8A3-42B0-93AF-E1F7EC66F99D}" srcOrd="0" destOrd="0" parTransId="{684AEE38-9483-4389-BCC5-9FF94B0C624B}" sibTransId="{BE428507-6E5A-4A72-A395-1D6968EB7D90}"/>
     <dgm:cxn modelId="{3DEF6E38-1E38-4579-B770-A112F6C1CAA8}" type="presOf" srcId="{5A8548ED-59BB-47D5-B73F-1F6CBE9E8246}" destId="{90E1DD51-E411-4F0E-B155-7FA86A47E358}" srcOrd="0" destOrd="0" presId="urn:microsoft.com/office/officeart/2005/8/layout/hProcess9"/>
+    <dgm:cxn modelId="{E325B24B-F635-4AF1-8672-A213A77C5AB9}" type="presOf" srcId="{56FCB88C-3DB5-48BB-BBC1-933B0892A183}" destId="{33CA34D7-7EA4-472B-B473-660254D53C05}" srcOrd="0" destOrd="1" presId="urn:microsoft.com/office/officeart/2005/8/layout/hProcess9"/>
+    <dgm:cxn modelId="{CB861754-3AF0-40E9-895D-5D5A8D508769}" type="presOf" srcId="{1DF90F56-0DD4-4A00-804F-9947935A7882}" destId="{4D44B79E-2FA4-4D04-923D-DDB182FC3EDD}" srcOrd="0" destOrd="1" presId="urn:microsoft.com/office/officeart/2005/8/layout/hProcess9"/>
     <dgm:cxn modelId="{3A57155D-BC27-4AC6-AD9E-F77C66BFECEE}" type="presOf" srcId="{229E1D95-DA7D-43A6-B254-8D5342E184E4}" destId="{33CA34D7-7EA4-472B-B473-660254D53C05}" srcOrd="0" destOrd="0" presId="urn:microsoft.com/office/officeart/2005/8/layout/hProcess9"/>
     <dgm:cxn modelId="{555C8662-9104-4593-9779-48D00811BCD6}" type="presOf" srcId="{D3FB7CBD-0BFF-4EC6-9A6D-5C12C4968119}" destId="{CB1CDA73-5F1F-48E0-83B2-C7A9EF811319}" srcOrd="0" destOrd="2" presId="urn:microsoft.com/office/officeart/2005/8/layout/hProcess9"/>
-    <dgm:cxn modelId="{E325B24B-F635-4AF1-8672-A213A77C5AB9}" type="presOf" srcId="{56FCB88C-3DB5-48BB-BBC1-933B0892A183}" destId="{33CA34D7-7EA4-472B-B473-660254D53C05}" srcOrd="0" destOrd="1" presId="urn:microsoft.com/office/officeart/2005/8/layout/hProcess9"/>
     <dgm:cxn modelId="{5BA89A71-6509-44D7-ABEB-62935B17B2C5}" type="presOf" srcId="{C99263CC-1F5B-4648-9286-85EF66799BB5}" destId="{48DCF71A-86DA-4F4D-B314-2F6F81536381}" srcOrd="0" destOrd="0" presId="urn:microsoft.com/office/officeart/2005/8/layout/hProcess9"/>
-    <dgm:cxn modelId="{CB861754-3AF0-40E9-895D-5D5A8D508769}" type="presOf" srcId="{1DF90F56-0DD4-4A00-804F-9947935A7882}" destId="{4D44B79E-2FA4-4D04-923D-DDB182FC3EDD}" srcOrd="0" destOrd="1" presId="urn:microsoft.com/office/officeart/2005/8/layout/hProcess9"/>
     <dgm:cxn modelId="{6731D078-C244-4827-90C3-B0C28A359C11}" type="presOf" srcId="{312237D2-DE54-4A53-8B51-F8B6B544AD86}" destId="{CB1CDA73-5F1F-48E0-83B2-C7A9EF811319}" srcOrd="0" destOrd="4" presId="urn:microsoft.com/office/officeart/2005/8/layout/hProcess9"/>
     <dgm:cxn modelId="{A5A69C7C-8FFB-473A-A43D-CFBC6F468C86}" type="presOf" srcId="{EB1289DD-D3E3-433A-91BB-BFBE5DD1BB96}" destId="{48DCF71A-86DA-4F4D-B314-2F6F81536381}" srcOrd="0" destOrd="2" presId="urn:microsoft.com/office/officeart/2005/8/layout/hProcess9"/>
     <dgm:cxn modelId="{3724DA89-1E66-4250-95BD-4EEFC64DF6EE}" srcId="{C651DCCF-9C76-4B81-BFD3-ED1FC601BC1B}" destId="{86602EFF-810C-4A03-9D3D-8EB969BB4D1E}" srcOrd="2" destOrd="0" parTransId="{D82DB795-FFC2-41CD-9F66-7A1CB02901EC}" sibTransId="{0E8EF56A-A3DB-4DB7-8B66-5054C3A14B43}"/>
@@ -1951,12 +2411,12 @@
         </a:fontRef>
       </dsp:style>
       <dsp:txBody>
-        <a:bodyPr spcFirstLastPara="0" vert="horz" wrap="square" lIns="60960" tIns="60960" rIns="60960" bIns="60960" numCol="1" spcCol="1270" anchor="t" anchorCtr="0">
+        <a:bodyPr spcFirstLastPara="0" vert="horz" wrap="square" lIns="57150" tIns="57150" rIns="57150" bIns="57150" numCol="1" spcCol="1270" anchor="t" anchorCtr="0">
           <a:noAutofit/>
         </a:bodyPr>
         <a:lstStyle/>
         <a:p>
-          <a:pPr marL="0" lvl="0" indent="0" algn="l" defTabSz="711200" rtl="0">
+          <a:pPr marL="0" lvl="0" indent="0" algn="l" defTabSz="666750" rtl="0">
             <a:lnSpc>
               <a:spcPct val="90000"/>
             </a:lnSpc>
@@ -1969,18 +2429,18 @@
             <a:buNone/>
           </a:pPr>
           <a:r>
-            <a:rPr lang="es-ES" sz="1600" kern="1200" dirty="0">
+            <a:rPr lang="es-ES" sz="1500" kern="1200">
               <a:latin typeface="Franklin Gothic Book" panose="020B0503020102020204"/>
             </a:rPr>
             <a:t>Herramientas a</a:t>
           </a:r>
           <a:r>
-            <a:rPr lang="es-ES" sz="1600" b="0" i="0" u="none" strike="noStrike" kern="1200" cap="none" baseline="0" noProof="0" dirty="0">
+            <a:rPr lang="es-ES" sz="1500" b="0" i="0" u="none" strike="noStrike" kern="1200" cap="none" baseline="0" noProof="0">
               <a:latin typeface="Franklin Gothic Book"/>
             </a:rPr>
             <a:t> utilizar</a:t>
           </a:r>
-          <a:endParaRPr lang="es-ES" sz="1600" kern="1200" dirty="0"/>
+          <a:endParaRPr lang="es-ES" sz="1500" kern="1200"/>
         </a:p>
         <a:p>
           <a:pPr marL="114300" lvl="1" indent="-114300" algn="l" defTabSz="533400" rtl="0">
@@ -1996,7 +2456,7 @@
             <a:buChar char="•"/>
           </a:pPr>
           <a:r>
-            <a:rPr lang="es-ES" sz="1200" b="0" i="0" u="none" strike="noStrike" kern="1200" cap="none" baseline="0" noProof="0" dirty="0">
+            <a:rPr lang="es-ES" sz="1200" b="0" i="0" u="none" strike="noStrike" kern="1200" cap="none" baseline="0" noProof="0">
               <a:latin typeface="Franklin Gothic Book"/>
             </a:rPr>
             <a:t>Excel</a:t>
@@ -2016,7 +2476,7 @@
             <a:buChar char="•"/>
           </a:pPr>
           <a:r>
-            <a:rPr lang="es-ES" sz="1200" kern="1200" dirty="0">
+            <a:rPr lang="es-ES" sz="1200" kern="1200">
               <a:latin typeface="Franklin Gothic Book" panose="020B0503020102020204"/>
             </a:rPr>
             <a:t>Python</a:t>
@@ -2036,18 +2496,18 @@
             <a:buChar char="•"/>
           </a:pPr>
           <a:r>
-            <a:rPr lang="es-ES" sz="1200" kern="1200" dirty="0" err="1">
+            <a:rPr lang="es-ES" sz="1200" kern="1200" err="1">
               <a:latin typeface="Franklin Gothic Book" panose="020B0503020102020204"/>
             </a:rPr>
             <a:t>Jupyter</a:t>
           </a:r>
           <a:r>
-            <a:rPr lang="es-ES" sz="1200" kern="1200" dirty="0">
+            <a:rPr lang="es-ES" sz="1200" kern="1200">
               <a:latin typeface="Franklin Gothic Book" panose="020B0503020102020204"/>
             </a:rPr>
             <a:t> notebook</a:t>
           </a:r>
-          <a:endParaRPr lang="es-ES" sz="1200" kern="1200" dirty="0"/>
+          <a:endParaRPr lang="es-ES" sz="1200" kern="1200"/>
         </a:p>
       </dsp:txBody>
       <dsp:txXfrm>
@@ -2104,12 +2564,12 @@
         </a:fontRef>
       </dsp:style>
       <dsp:txBody>
-        <a:bodyPr spcFirstLastPara="0" vert="horz" wrap="square" lIns="60960" tIns="60960" rIns="60960" bIns="60960" numCol="1" spcCol="1270" anchor="t" anchorCtr="0">
+        <a:bodyPr spcFirstLastPara="0" vert="horz" wrap="square" lIns="57150" tIns="57150" rIns="57150" bIns="57150" numCol="1" spcCol="1270" anchor="t" anchorCtr="0">
           <a:noAutofit/>
         </a:bodyPr>
         <a:lstStyle/>
         <a:p>
-          <a:pPr marL="0" lvl="0" indent="0" algn="l" defTabSz="711200" rtl="0">
+          <a:pPr marL="0" lvl="0" indent="0" algn="l" defTabSz="666750" rtl="0">
             <a:lnSpc>
               <a:spcPct val="90000"/>
             </a:lnSpc>
@@ -2122,7 +2582,7 @@
             <a:buNone/>
           </a:pPr>
           <a:r>
-            <a:rPr lang="es-ES" sz="1600" kern="1200" dirty="0">
+            <a:rPr lang="es-ES" sz="1500" kern="1200">
               <a:latin typeface="Franklin Gothic Book" panose="020B0503020102020204"/>
             </a:rPr>
             <a:t>Plataforma para sincronizar</a:t>
@@ -2142,7 +2602,7 @@
             <a:buChar char="•"/>
           </a:pPr>
           <a:r>
-            <a:rPr lang="es-ES" sz="1200" kern="1200" dirty="0">
+            <a:rPr lang="es-ES" sz="1200" kern="1200">
               <a:latin typeface="Franklin Gothic Book" panose="020B0503020102020204"/>
             </a:rPr>
             <a:t>GitHub</a:t>
@@ -2162,7 +2622,7 @@
             <a:buChar char="•"/>
           </a:pPr>
           <a:r>
-            <a:rPr lang="es-ES" sz="1200" kern="1200" dirty="0">
+            <a:rPr lang="es-ES" sz="1200" kern="1200">
               <a:latin typeface="Franklin Gothic Book" panose="020B0503020102020204"/>
             </a:rPr>
             <a:t>GitKraken</a:t>
@@ -2223,12 +2683,12 @@
         </a:fontRef>
       </dsp:style>
       <dsp:txBody>
-        <a:bodyPr spcFirstLastPara="0" vert="horz" wrap="square" lIns="60960" tIns="60960" rIns="60960" bIns="60960" numCol="1" spcCol="1270" anchor="t" anchorCtr="0">
+        <a:bodyPr spcFirstLastPara="0" vert="horz" wrap="square" lIns="57150" tIns="57150" rIns="57150" bIns="57150" numCol="1" spcCol="1270" anchor="t" anchorCtr="0">
           <a:noAutofit/>
         </a:bodyPr>
         <a:lstStyle/>
         <a:p>
-          <a:pPr marL="0" lvl="0" indent="0" algn="l" defTabSz="711200" rtl="0">
+          <a:pPr marL="0" lvl="0" indent="0" algn="l" defTabSz="666750" rtl="0">
             <a:lnSpc>
               <a:spcPct val="90000"/>
             </a:lnSpc>
@@ -2241,12 +2701,12 @@
             <a:buNone/>
           </a:pPr>
           <a:r>
-            <a:rPr lang="es-ES" sz="1600" kern="1200" dirty="0">
+            <a:rPr lang="es-ES" sz="1500" kern="1200">
               <a:latin typeface="Franklin Gothic Book" panose="020B0503020102020204"/>
             </a:rPr>
             <a:t>Librerías a considerar</a:t>
           </a:r>
-          <a:endParaRPr lang="es-ES" sz="1600" kern="1200" dirty="0"/>
+          <a:endParaRPr lang="es-ES" sz="1500" kern="1200"/>
         </a:p>
         <a:p>
           <a:pPr marL="114300" lvl="1" indent="-114300" algn="l" defTabSz="533400" rtl="0">
@@ -2262,7 +2722,7 @@
             <a:buChar char="•"/>
           </a:pPr>
           <a:r>
-            <a:rPr lang="es-ES" sz="1200" kern="1200" dirty="0">
+            <a:rPr lang="es-ES" sz="1200" kern="1200">
               <a:latin typeface="Franklin Gothic Book" panose="020B0503020102020204"/>
             </a:rPr>
             <a:t>pandas</a:t>
@@ -2282,7 +2742,7 @@
             <a:buChar char="•"/>
           </a:pPr>
           <a:r>
-            <a:rPr lang="es-ES" sz="1200" kern="1200" dirty="0">
+            <a:rPr lang="es-ES" sz="1200" kern="1200">
               <a:latin typeface="Franklin Gothic Book" panose="020B0503020102020204"/>
             </a:rPr>
             <a:t>numpy</a:t>
@@ -2302,12 +2762,12 @@
             <a:buChar char="•"/>
           </a:pPr>
           <a:r>
-            <a:rPr lang="es-ES" sz="1200" kern="1200" dirty="0" err="1">
+            <a:rPr lang="es-ES" sz="1200" kern="1200" err="1">
               <a:latin typeface="Franklin Gothic Book" panose="020B0503020102020204"/>
             </a:rPr>
             <a:t>pmarima</a:t>
           </a:r>
-          <a:endParaRPr lang="es-ES" sz="1200" kern="1200" dirty="0">
+          <a:endParaRPr lang="es-ES" sz="1200" kern="1200">
             <a:latin typeface="Franklin Gothic Book" panose="020B0503020102020204"/>
           </a:endParaRPr>
         </a:p>
@@ -2325,7 +2785,7 @@
             <a:buChar char="•"/>
           </a:pPr>
           <a:r>
-            <a:rPr lang="es-ES" sz="1200" kern="1200" dirty="0">
+            <a:rPr lang="es-ES" sz="1200" kern="1200">
               <a:latin typeface="Franklin Gothic Book" panose="020B0503020102020204"/>
             </a:rPr>
             <a:t>statsmodels</a:t>
@@ -2386,12 +2846,12 @@
         </a:fontRef>
       </dsp:style>
       <dsp:txBody>
-        <a:bodyPr spcFirstLastPara="0" vert="horz" wrap="square" lIns="60960" tIns="60960" rIns="60960" bIns="60960" numCol="1" spcCol="1270" anchor="t" anchorCtr="0">
+        <a:bodyPr spcFirstLastPara="0" vert="horz" wrap="square" lIns="57150" tIns="57150" rIns="57150" bIns="57150" numCol="1" spcCol="1270" anchor="t" anchorCtr="0">
           <a:noAutofit/>
         </a:bodyPr>
         <a:lstStyle/>
         <a:p>
-          <a:pPr marL="0" lvl="0" indent="0" algn="l" defTabSz="711200" rtl="0">
+          <a:pPr marL="0" lvl="0" indent="0" algn="l" defTabSz="666750" rtl="0">
             <a:lnSpc>
               <a:spcPct val="90000"/>
             </a:lnSpc>
@@ -2404,7 +2864,7 @@
             <a:buNone/>
           </a:pPr>
           <a:r>
-            <a:rPr lang="es-ES" sz="1600" kern="1200" dirty="0">
+            <a:rPr lang="es-ES" sz="1500" kern="1200">
               <a:latin typeface="Franklin Gothic Book" panose="020B0503020102020204"/>
             </a:rPr>
             <a:t>Criterios a contemplar</a:t>
@@ -2424,7 +2884,7 @@
             <a:buChar char="•"/>
           </a:pPr>
           <a:r>
-            <a:rPr lang="es-ES" sz="1200" kern="1200" dirty="0">
+            <a:rPr lang="es-ES" sz="1200" kern="1200">
               <a:latin typeface="Franklin Gothic Book" panose="020B0503020102020204"/>
             </a:rPr>
             <a:t>MAPE y MAE &lt; 10%</a:t>
@@ -2444,7 +2904,7 @@
             <a:buChar char="•"/>
           </a:pPr>
           <a:r>
-            <a:rPr lang="es-ES" sz="1200" kern="1200" dirty="0">
+            <a:rPr lang="es-ES" sz="1200" kern="1200">
               <a:latin typeface="Franklin Gothic Book" panose="020B0503020102020204"/>
             </a:rPr>
             <a:t>Tiempo de ejecución &lt; 10 minutos</a:t>
@@ -2505,12 +2965,12 @@
         </a:fontRef>
       </dsp:style>
       <dsp:txBody>
-        <a:bodyPr spcFirstLastPara="0" vert="horz" wrap="square" lIns="60960" tIns="60960" rIns="60960" bIns="60960" numCol="1" spcCol="1270" anchor="t" anchorCtr="0">
+        <a:bodyPr spcFirstLastPara="0" vert="horz" wrap="square" lIns="57150" tIns="57150" rIns="57150" bIns="57150" numCol="1" spcCol="1270" anchor="t" anchorCtr="0">
           <a:noAutofit/>
         </a:bodyPr>
         <a:lstStyle/>
         <a:p>
-          <a:pPr marL="0" lvl="0" indent="0" algn="l" defTabSz="711200" rtl="0">
+          <a:pPr marL="0" lvl="0" indent="0" algn="l" defTabSz="666750" rtl="0">
             <a:lnSpc>
               <a:spcPct val="90000"/>
             </a:lnSpc>
@@ -2523,7 +2983,7 @@
             <a:buNone/>
           </a:pPr>
           <a:r>
-            <a:rPr lang="es-ES" sz="1600" kern="1200" dirty="0">
+            <a:rPr lang="es-ES" sz="1500" kern="1200">
               <a:latin typeface="Franklin Gothic Book" panose="020B0503020102020204"/>
             </a:rPr>
             <a:t>Meta a lograr</a:t>
@@ -2543,10 +3003,10 @@
             <a:buChar char="•"/>
           </a:pPr>
           <a:r>
-            <a:rPr lang="es-ES" sz="1200" kern="1200" dirty="0">
+            <a:rPr lang="es-ES" sz="1200" kern="1200">
               <a:latin typeface="Franklin Gothic Book" panose="020B0503020102020204"/>
             </a:rPr>
-            <a:t>Modelos ARIMA para la predicción de generación en las plantas intermitentes</a:t>
+            <a:t>Modelos ARIMA o dinámicos para la predicción de generación en las plantas intermitentes</a:t>
           </a:r>
         </a:p>
       </dsp:txBody>
@@ -3798,7 +4258,6 @@
               <a:rPr lang="en-US"/>
               <a:t>Click to edit Master title style</a:t>
             </a:r>
-            <a:endParaRPr lang="en-US" dirty="0"/>
           </a:p>
         </p:txBody>
       </p:sp>
@@ -3874,7 +4333,6 @@
               <a:rPr lang="en-US"/>
               <a:t>Click to edit Master subtitle style</a:t>
             </a:r>
-            <a:endParaRPr lang="en-US" dirty="0"/>
           </a:p>
         </p:txBody>
       </p:sp>
@@ -3909,9 +4367,9 @@
             <a:fld id="{87DE6118-2437-4B30-8E3C-4D2BE6020583}" type="datetimeFigureOut">
               <a:rPr lang="en-US" dirty="0"/>
               <a:pPr/>
-              <a:t>2/25/2020</a:t>
+              <a:t>2/26/20</a:t>
             </a:fld>
-            <a:endParaRPr lang="en-US" dirty="0"/>
+            <a:endParaRPr lang="en-US"/>
           </a:p>
         </p:txBody>
       </p:sp>
@@ -3943,7 +4401,7 @@
             </a:lvl1pPr>
           </a:lstStyle>
           <a:p>
-            <a:endParaRPr lang="en-US" dirty="0"/>
+            <a:endParaRPr lang="en-US"/>
           </a:p>
         </p:txBody>
       </p:sp>
@@ -3978,9 +4436,9 @@
             <a:fld id="{69E57DC2-970A-4B3E-BB1C-7A09969E49DF}" type="slidenum">
               <a:rPr lang="en-US" dirty="0"/>
               <a:pPr/>
-              <a:t>‹Nº›</a:t>
+              <a:t>‹#›</a:t>
             </a:fld>
-            <a:endParaRPr lang="en-US" dirty="0"/>
+            <a:endParaRPr lang="en-US"/>
           </a:p>
         </p:txBody>
       </p:sp>
@@ -4157,7 +4615,6 @@
               <a:rPr lang="en-US"/>
               <a:t>Click to edit Master title style</a:t>
             </a:r>
-            <a:endParaRPr lang="en-US" dirty="0"/>
           </a:p>
         </p:txBody>
       </p:sp>
@@ -4214,7 +4671,6 @@
               <a:rPr lang="en-US"/>
               <a:t>Fifth level</a:t>
             </a:r>
-            <a:endParaRPr lang="en-US" dirty="0"/>
           </a:p>
         </p:txBody>
       </p:sp>
@@ -4235,9 +4691,9 @@
           <a:p>
             <a:fld id="{87DE6118-2437-4B30-8E3C-4D2BE6020583}" type="datetimeFigureOut">
               <a:rPr lang="en-US" dirty="0"/>
-              <a:t>2/25/2020</a:t>
+              <a:t>2/26/20</a:t>
             </a:fld>
-            <a:endParaRPr lang="en-US" dirty="0"/>
+            <a:endParaRPr lang="en-US"/>
           </a:p>
         </p:txBody>
       </p:sp>
@@ -4256,7 +4712,7 @@
           <a:bodyPr/>
           <a:lstStyle/>
           <a:p>
-            <a:endParaRPr lang="en-US" dirty="0"/>
+            <a:endParaRPr lang="en-US"/>
           </a:p>
         </p:txBody>
       </p:sp>
@@ -4277,9 +4733,9 @@
           <a:p>
             <a:fld id="{69E57DC2-970A-4B3E-BB1C-7A09969E49DF}" type="slidenum">
               <a:rPr lang="en-US" dirty="0"/>
-              <a:t>‹Nº›</a:t>
+              <a:t>‹#›</a:t>
             </a:fld>
-            <a:endParaRPr lang="en-US" dirty="0"/>
+            <a:endParaRPr lang="en-US"/>
           </a:p>
         </p:txBody>
       </p:sp>
@@ -4332,7 +4788,6 @@
               <a:rPr lang="en-US"/>
               <a:t>Click to edit Master title style</a:t>
             </a:r>
-            <a:endParaRPr lang="en-US" dirty="0"/>
           </a:p>
         </p:txBody>
       </p:sp>
@@ -4389,7 +4844,6 @@
               <a:rPr lang="en-US"/>
               <a:t>Fifth level</a:t>
             </a:r>
-            <a:endParaRPr lang="en-US" dirty="0"/>
           </a:p>
         </p:txBody>
       </p:sp>
@@ -4410,9 +4864,9 @@
           <a:p>
             <a:fld id="{87DE6118-2437-4B30-8E3C-4D2BE6020583}" type="datetimeFigureOut">
               <a:rPr lang="en-US" dirty="0"/>
-              <a:t>2/25/2020</a:t>
+              <a:t>2/26/20</a:t>
             </a:fld>
-            <a:endParaRPr lang="en-US" dirty="0"/>
+            <a:endParaRPr lang="en-US"/>
           </a:p>
         </p:txBody>
       </p:sp>
@@ -4431,7 +4885,7 @@
           <a:bodyPr/>
           <a:lstStyle/>
           <a:p>
-            <a:endParaRPr lang="en-US" dirty="0"/>
+            <a:endParaRPr lang="en-US"/>
           </a:p>
         </p:txBody>
       </p:sp>
@@ -4452,9 +4906,9 @@
           <a:p>
             <a:fld id="{69E57DC2-970A-4B3E-BB1C-7A09969E49DF}" type="slidenum">
               <a:rPr lang="en-US" dirty="0"/>
-              <a:t>‹Nº›</a:t>
+              <a:t>‹#›</a:t>
             </a:fld>
-            <a:endParaRPr lang="en-US" dirty="0"/>
+            <a:endParaRPr lang="en-US"/>
           </a:p>
         </p:txBody>
       </p:sp>
@@ -4502,7 +4956,6 @@
               <a:rPr lang="en-US"/>
               <a:t>Click to edit Master title style</a:t>
             </a:r>
-            <a:endParaRPr lang="en-US" dirty="0"/>
           </a:p>
         </p:txBody>
       </p:sp>
@@ -4554,7 +5007,6 @@
               <a:rPr lang="en-US"/>
               <a:t>Fifth level</a:t>
             </a:r>
-            <a:endParaRPr lang="en-US" dirty="0"/>
           </a:p>
         </p:txBody>
       </p:sp>
@@ -4575,9 +5027,9 @@
           <a:p>
             <a:fld id="{87DE6118-2437-4B30-8E3C-4D2BE6020583}" type="datetimeFigureOut">
               <a:rPr lang="en-US" dirty="0"/>
-              <a:t>2/25/2020</a:t>
+              <a:t>2/26/20</a:t>
             </a:fld>
-            <a:endParaRPr lang="en-US" dirty="0"/>
+            <a:endParaRPr lang="en-US"/>
           </a:p>
         </p:txBody>
       </p:sp>
@@ -4596,7 +5048,7 @@
           <a:bodyPr/>
           <a:lstStyle/>
           <a:p>
-            <a:endParaRPr lang="en-US" dirty="0"/>
+            <a:endParaRPr lang="en-US"/>
           </a:p>
         </p:txBody>
       </p:sp>
@@ -4617,9 +5069,9 @@
           <a:p>
             <a:fld id="{69E57DC2-970A-4B3E-BB1C-7A09969E49DF}" type="slidenum">
               <a:rPr lang="en-US" dirty="0"/>
-              <a:t>‹Nº›</a:t>
+              <a:t>‹#›</a:t>
             </a:fld>
-            <a:endParaRPr lang="en-US" dirty="0"/>
+            <a:endParaRPr lang="en-US"/>
           </a:p>
         </p:txBody>
       </p:sp>
@@ -4682,7 +5134,6 @@
               <a:rPr lang="en-US"/>
               <a:t>Click to edit Master title style</a:t>
             </a:r>
-            <a:endParaRPr lang="en-US" dirty="0"/>
           </a:p>
         </p:txBody>
       </p:sp>
@@ -4843,9 +5294,9 @@
             <a:fld id="{87DE6118-2437-4B30-8E3C-4D2BE6020583}" type="datetimeFigureOut">
               <a:rPr lang="en-US" dirty="0"/>
               <a:pPr/>
-              <a:t>2/25/2020</a:t>
+              <a:t>2/26/20</a:t>
             </a:fld>
-            <a:endParaRPr lang="en-US" dirty="0"/>
+            <a:endParaRPr lang="en-US"/>
           </a:p>
         </p:txBody>
       </p:sp>
@@ -4877,7 +5328,7 @@
             </a:lvl1pPr>
           </a:lstStyle>
           <a:p>
-            <a:endParaRPr lang="en-US" dirty="0"/>
+            <a:endParaRPr lang="en-US"/>
           </a:p>
         </p:txBody>
       </p:sp>
@@ -4912,9 +5363,9 @@
             <a:fld id="{69E57DC2-970A-4B3E-BB1C-7A09969E49DF}" type="slidenum">
               <a:rPr lang="en-US" dirty="0"/>
               <a:pPr/>
-              <a:t>‹Nº›</a:t>
+              <a:t>‹#›</a:t>
             </a:fld>
-            <a:endParaRPr lang="en-US" dirty="0"/>
+            <a:endParaRPr lang="en-US"/>
           </a:p>
         </p:txBody>
       </p:sp>
@@ -5026,7 +5477,6 @@
               <a:rPr lang="en-US"/>
               <a:t>Click to edit Master title style</a:t>
             </a:r>
-            <a:endParaRPr lang="en-US" dirty="0"/>
           </a:p>
         </p:txBody>
       </p:sp>
@@ -5119,7 +5569,6 @@
               <a:rPr lang="en-US"/>
               <a:t>Fifth level</a:t>
             </a:r>
-            <a:endParaRPr lang="en-US" dirty="0"/>
           </a:p>
         </p:txBody>
       </p:sp>
@@ -5212,7 +5661,6 @@
               <a:rPr lang="en-US"/>
               <a:t>Fifth level</a:t>
             </a:r>
-            <a:endParaRPr lang="en-US" dirty="0"/>
           </a:p>
         </p:txBody>
       </p:sp>
@@ -5233,9 +5681,9 @@
           <a:p>
             <a:fld id="{87DE6118-2437-4B30-8E3C-4D2BE6020583}" type="datetimeFigureOut">
               <a:rPr lang="en-US" dirty="0"/>
-              <a:t>2/25/2020</a:t>
+              <a:t>2/26/20</a:t>
             </a:fld>
-            <a:endParaRPr lang="en-US" dirty="0"/>
+            <a:endParaRPr lang="en-US"/>
           </a:p>
         </p:txBody>
       </p:sp>
@@ -5254,7 +5702,7 @@
           <a:bodyPr/>
           <a:lstStyle/>
           <a:p>
-            <a:endParaRPr lang="en-US" dirty="0"/>
+            <a:endParaRPr lang="en-US"/>
           </a:p>
         </p:txBody>
       </p:sp>
@@ -5275,9 +5723,9 @@
           <a:p>
             <a:fld id="{69E57DC2-970A-4B3E-BB1C-7A09969E49DF}" type="slidenum">
               <a:rPr lang="en-US" dirty="0"/>
-              <a:t>‹Nº›</a:t>
+              <a:t>‹#›</a:t>
             </a:fld>
-            <a:endParaRPr lang="en-US" dirty="0"/>
+            <a:endParaRPr lang="en-US"/>
           </a:p>
         </p:txBody>
       </p:sp>
@@ -5338,7 +5786,6 @@
               <a:rPr lang="en-US"/>
               <a:t>Click to edit Master title style</a:t>
             </a:r>
-            <a:endParaRPr lang="en-US" dirty="0"/>
           </a:p>
         </p:txBody>
       </p:sp>
@@ -5511,7 +5958,6 @@
               <a:rPr lang="en-US"/>
               <a:t>Fifth level</a:t>
             </a:r>
-            <a:endParaRPr lang="en-US" dirty="0"/>
           </a:p>
         </p:txBody>
       </p:sp>
@@ -5684,7 +6130,6 @@
               <a:rPr lang="en-US"/>
               <a:t>Fifth level</a:t>
             </a:r>
-            <a:endParaRPr lang="en-US" dirty="0"/>
           </a:p>
         </p:txBody>
       </p:sp>
@@ -5705,9 +6150,9 @@
           <a:p>
             <a:fld id="{87DE6118-2437-4B30-8E3C-4D2BE6020583}" type="datetimeFigureOut">
               <a:rPr lang="en-US" dirty="0"/>
-              <a:t>2/25/2020</a:t>
+              <a:t>2/26/20</a:t>
             </a:fld>
-            <a:endParaRPr lang="en-US" dirty="0"/>
+            <a:endParaRPr lang="en-US"/>
           </a:p>
         </p:txBody>
       </p:sp>
@@ -5726,7 +6171,7 @@
           <a:bodyPr/>
           <a:lstStyle/>
           <a:p>
-            <a:endParaRPr lang="en-US" dirty="0"/>
+            <a:endParaRPr lang="en-US"/>
           </a:p>
         </p:txBody>
       </p:sp>
@@ -5747,9 +6192,9 @@
           <a:p>
             <a:fld id="{69E57DC2-970A-4B3E-BB1C-7A09969E49DF}" type="slidenum">
               <a:rPr lang="en-US" dirty="0"/>
-              <a:t>‹Nº›</a:t>
+              <a:t>‹#›</a:t>
             </a:fld>
-            <a:endParaRPr lang="en-US" dirty="0"/>
+            <a:endParaRPr lang="en-US"/>
           </a:p>
         </p:txBody>
       </p:sp>
@@ -5797,7 +6242,6 @@
               <a:rPr lang="en-US"/>
               <a:t>Click to edit Master title style</a:t>
             </a:r>
-            <a:endParaRPr lang="en-US" dirty="0"/>
           </a:p>
         </p:txBody>
       </p:sp>
@@ -5818,9 +6262,9 @@
           <a:p>
             <a:fld id="{87DE6118-2437-4B30-8E3C-4D2BE6020583}" type="datetimeFigureOut">
               <a:rPr lang="en-US" dirty="0"/>
-              <a:t>2/25/2020</a:t>
+              <a:t>2/26/20</a:t>
             </a:fld>
-            <a:endParaRPr lang="en-US" dirty="0"/>
+            <a:endParaRPr lang="en-US"/>
           </a:p>
         </p:txBody>
       </p:sp>
@@ -5839,7 +6283,7 @@
           <a:bodyPr/>
           <a:lstStyle/>
           <a:p>
-            <a:endParaRPr lang="en-US" dirty="0"/>
+            <a:endParaRPr lang="en-US"/>
           </a:p>
         </p:txBody>
       </p:sp>
@@ -5860,9 +6304,9 @@
           <a:p>
             <a:fld id="{69E57DC2-970A-4B3E-BB1C-7A09969E49DF}" type="slidenum">
               <a:rPr lang="en-US" dirty="0"/>
-              <a:t>‹Nº›</a:t>
+              <a:t>‹#›</a:t>
             </a:fld>
-            <a:endParaRPr lang="en-US" dirty="0"/>
+            <a:endParaRPr lang="en-US"/>
           </a:p>
         </p:txBody>
       </p:sp>
@@ -5908,9 +6352,9 @@
           <a:p>
             <a:fld id="{87DE6118-2437-4B30-8E3C-4D2BE6020583}" type="datetimeFigureOut">
               <a:rPr lang="en-US" dirty="0"/>
-              <a:t>2/25/2020</a:t>
+              <a:t>2/26/20</a:t>
             </a:fld>
-            <a:endParaRPr lang="en-US" dirty="0"/>
+            <a:endParaRPr lang="en-US"/>
           </a:p>
         </p:txBody>
       </p:sp>
@@ -5929,7 +6373,7 @@
           <a:bodyPr/>
           <a:lstStyle/>
           <a:p>
-            <a:endParaRPr lang="en-US" dirty="0"/>
+            <a:endParaRPr lang="en-US"/>
           </a:p>
         </p:txBody>
       </p:sp>
@@ -5950,9 +6394,9 @@
           <a:p>
             <a:fld id="{69E57DC2-970A-4B3E-BB1C-7A09969E49DF}" type="slidenum">
               <a:rPr lang="en-US" dirty="0"/>
-              <a:t>‹Nº›</a:t>
+              <a:t>‹#›</a:t>
             </a:fld>
-            <a:endParaRPr lang="en-US" dirty="0"/>
+            <a:endParaRPr lang="en-US"/>
           </a:p>
         </p:txBody>
       </p:sp>
@@ -6056,7 +6500,6 @@
               <a:rPr lang="en-US"/>
               <a:t>Click to edit Master title style</a:t>
             </a:r>
-            <a:endParaRPr lang="en-US" dirty="0"/>
           </a:p>
         </p:txBody>
       </p:sp>
@@ -6141,7 +6584,6 @@
               <a:rPr lang="en-US"/>
               <a:t>Fifth level</a:t>
             </a:r>
-            <a:endParaRPr lang="en-US" dirty="0"/>
           </a:p>
         </p:txBody>
       </p:sp>
@@ -6250,9 +6692,9 @@
             <a:fld id="{87DE6118-2437-4B30-8E3C-4D2BE6020583}" type="datetimeFigureOut">
               <a:rPr lang="en-US" dirty="0"/>
               <a:pPr/>
-              <a:t>2/25/2020</a:t>
+              <a:t>2/26/20</a:t>
             </a:fld>
-            <a:endParaRPr lang="en-US" dirty="0"/>
+            <a:endParaRPr lang="en-US"/>
           </a:p>
         </p:txBody>
       </p:sp>
@@ -6284,7 +6726,7 @@
             </a:lvl1pPr>
           </a:lstStyle>
           <a:p>
-            <a:endParaRPr lang="en-US" dirty="0"/>
+            <a:endParaRPr lang="en-US"/>
           </a:p>
         </p:txBody>
       </p:sp>
@@ -6319,9 +6761,9 @@
             <a:fld id="{69E57DC2-970A-4B3E-BB1C-7A09969E49DF}" type="slidenum">
               <a:rPr lang="en-US" dirty="0"/>
               <a:pPr/>
-              <a:t>‹Nº›</a:t>
+              <a:t>‹#›</a:t>
             </a:fld>
-            <a:endParaRPr lang="en-US" dirty="0"/>
+            <a:endParaRPr lang="en-US"/>
           </a:p>
         </p:txBody>
       </p:sp>
@@ -6459,7 +6901,6 @@
               <a:rPr lang="en-US"/>
               <a:t>Click to edit Master title style</a:t>
             </a:r>
-            <a:endParaRPr lang="en-US" dirty="0"/>
           </a:p>
         </p:txBody>
       </p:sp>
@@ -6526,7 +6967,6 @@
               <a:rPr lang="en-US"/>
               <a:t>Click icon to add picture</a:t>
             </a:r>
-            <a:endParaRPr lang="en-US" dirty="0"/>
           </a:p>
         </p:txBody>
       </p:sp>
@@ -6635,9 +7075,9 @@
             <a:fld id="{87DE6118-2437-4B30-8E3C-4D2BE6020583}" type="datetimeFigureOut">
               <a:rPr lang="en-US" dirty="0"/>
               <a:pPr/>
-              <a:t>2/25/2020</a:t>
+              <a:t>2/26/20</a:t>
             </a:fld>
-            <a:endParaRPr lang="en-US" dirty="0"/>
+            <a:endParaRPr lang="en-US"/>
           </a:p>
         </p:txBody>
       </p:sp>
@@ -6669,7 +7109,7 @@
             </a:lvl1pPr>
           </a:lstStyle>
           <a:p>
-            <a:endParaRPr lang="en-US" dirty="0"/>
+            <a:endParaRPr lang="en-US"/>
           </a:p>
         </p:txBody>
       </p:sp>
@@ -6704,9 +7144,9 @@
             <a:fld id="{69E57DC2-970A-4B3E-BB1C-7A09969E49DF}" type="slidenum">
               <a:rPr lang="en-US" dirty="0"/>
               <a:pPr/>
-              <a:t>‹Nº›</a:t>
+              <a:t>‹#›</a:t>
             </a:fld>
-            <a:endParaRPr lang="en-US" dirty="0"/>
+            <a:endParaRPr lang="en-US"/>
           </a:p>
         </p:txBody>
       </p:sp>
@@ -6812,7 +7252,6 @@
               <a:rPr lang="en-US"/>
               <a:t>Click to edit Master title style</a:t>
             </a:r>
-            <a:endParaRPr lang="en-US" dirty="0"/>
           </a:p>
         </p:txBody>
       </p:sp>
@@ -6874,7 +7313,6 @@
               <a:rPr lang="en-US"/>
               <a:t>Fifth level</a:t>
             </a:r>
-            <a:endParaRPr lang="en-US" dirty="0"/>
           </a:p>
         </p:txBody>
       </p:sp>
@@ -6912,9 +7350,9 @@
             <a:fld id="{87DE6118-2437-4B30-8E3C-4D2BE6020583}" type="datetimeFigureOut">
               <a:rPr lang="en-US" dirty="0"/>
               <a:pPr/>
-              <a:t>2/25/2020</a:t>
+              <a:t>2/26/20</a:t>
             </a:fld>
-            <a:endParaRPr lang="en-US" dirty="0"/>
+            <a:endParaRPr lang="en-US"/>
           </a:p>
         </p:txBody>
       </p:sp>
@@ -6949,7 +7387,7 @@
             </a:lvl1pPr>
           </a:lstStyle>
           <a:p>
-            <a:endParaRPr lang="en-US" dirty="0"/>
+            <a:endParaRPr lang="en-US"/>
           </a:p>
         </p:txBody>
       </p:sp>
@@ -6987,9 +7425,9 @@
             <a:fld id="{69E57DC2-970A-4B3E-BB1C-7A09969E49DF}" type="slidenum">
               <a:rPr lang="en-US" dirty="0"/>
               <a:pPr/>
-              <a:t>‹Nº›</a:t>
+              <a:t>‹#›</a:t>
             </a:fld>
-            <a:endParaRPr lang="en-US" dirty="0"/>
+            <a:endParaRPr lang="en-US"/>
           </a:p>
         </p:txBody>
       </p:sp>
@@ -7448,17 +7886,17 @@
           <a:p>
             <a:pPr algn="r"/>
             <a:r>
-              <a:rPr lang="en-US" b="1" dirty="0"/>
+              <a:rPr lang="en-US" b="1"/>
               <a:t>PAP ITESO</a:t>
             </a:r>
             <a:br>
-              <a:rPr lang="en-US" b="1" dirty="0"/>
+              <a:rPr lang="en-US" b="1"/>
             </a:br>
             <a:r>
-              <a:rPr lang="en-US" b="1" dirty="0"/>
+              <a:rPr lang="en-US" b="1"/>
               <a:t>2020</a:t>
             </a:r>
-            <a:endParaRPr lang="en-MX" dirty="0"/>
+            <a:endParaRPr lang="en-MX"/>
           </a:p>
         </p:txBody>
       </p:sp>
@@ -7496,7 +7934,7 @@
               </a:lnSpc>
             </a:pPr>
             <a:r>
-              <a:rPr lang="en-US" sz="1400" b="1" dirty="0"/>
+              <a:rPr lang="en-US" sz="1400" b="1"/>
               <a:t>Flores Orozco, Oscar Alfonso</a:t>
             </a:r>
             <a:endParaRPr lang="es-ES"/>
@@ -7508,7 +7946,7 @@
               </a:lnSpc>
             </a:pPr>
             <a:r>
-              <a:rPr lang="en-US" sz="1400" b="1" dirty="0"/>
+              <a:rPr lang="en-US" sz="1400" b="1"/>
               <a:t>Ramírez Cambero, Job</a:t>
             </a:r>
           </a:p>
@@ -7519,14 +7957,14 @@
               </a:lnSpc>
             </a:pPr>
             <a:r>
-              <a:rPr lang="en-US" sz="1400" b="1" dirty="0"/>
+              <a:rPr lang="en-US" sz="1400" b="1"/>
               <a:t>González Juárez, Edgar </a:t>
             </a:r>
             <a:r>
               <a:rPr lang="en-US" sz="1400" b="1" err="1"/>
               <a:t>Ranulfo</a:t>
             </a:r>
-            <a:endParaRPr lang="en-US" sz="2400" b="1" dirty="0"/>
+            <a:endParaRPr lang="en-US" sz="2400" b="1"/>
           </a:p>
           <a:p>
             <a:pPr>
@@ -7534,7 +7972,7 @@
                 <a:spcPct val="150000"/>
               </a:lnSpc>
             </a:pPr>
-            <a:endParaRPr lang="en-MX" sz="2800" dirty="0"/>
+            <a:endParaRPr lang="en-MX" sz="2800"/>
           </a:p>
         </p:txBody>
       </p:sp>
@@ -7669,34 +8107,34 @@
           <a:p>
             <a:pPr algn="ctr"/>
             <a:r>
-              <a:rPr lang="en-US" sz="6600" b="1" dirty="0" err="1"/>
+              <a:rPr lang="en-US" sz="6600" b="1" err="1"/>
               <a:t>Pronósticos</a:t>
             </a:r>
             <a:r>
-              <a:rPr lang="en-US" sz="6600" b="1" dirty="0"/>
+              <a:rPr lang="en-US" sz="6600" b="1"/>
               <a:t> de </a:t>
             </a:r>
             <a:r>
-              <a:rPr lang="en-US" sz="6600" b="1" dirty="0" err="1"/>
+              <a:rPr lang="en-US" sz="6600" b="1" err="1"/>
               <a:t>generación</a:t>
             </a:r>
             <a:r>
-              <a:rPr lang="en-US" sz="6600" b="1" dirty="0"/>
+              <a:rPr lang="en-US" sz="6600" b="1"/>
               <a:t> de </a:t>
             </a:r>
             <a:r>
-              <a:rPr lang="en-US" sz="6600" b="1" dirty="0" err="1"/>
+              <a:rPr lang="en-US" sz="6600" b="1" err="1"/>
               <a:t>plantas</a:t>
             </a:r>
             <a:r>
-              <a:rPr lang="en-US" sz="6600" b="1" dirty="0"/>
+              <a:rPr lang="en-US" sz="6600" b="1"/>
               <a:t> </a:t>
             </a:r>
             <a:r>
-              <a:rPr lang="en-US" sz="6600" b="1" dirty="0" err="1"/>
+              <a:rPr lang="en-US" sz="6600" b="1" err="1"/>
               <a:t>intermitentes</a:t>
             </a:r>
-            <a:endParaRPr lang="en-MX" sz="6600" dirty="0"/>
+            <a:endParaRPr lang="en-MX" sz="6600"/>
           </a:p>
         </p:txBody>
       </p:sp>
@@ -7823,7 +8261,7 @@
           <a:lstStyle/>
           <a:p>
             <a:r>
-              <a:rPr lang="en-MX" dirty="0"/>
+              <a:rPr lang="en-MX"/>
               <a:t>Objetivo General:</a:t>
             </a:r>
           </a:p>
@@ -7854,307 +8292,29 @@
           <a:p>
             <a:pPr marL="383540" indent="-383540"/>
             <a:r>
-              <a:rPr lang="en-MX" dirty="0" err="1">
-                <a:ea typeface="+mn-lt"/>
-                <a:cs typeface="+mn-lt"/>
-              </a:rPr>
-              <a:t>Generar</a:t>
-            </a:r>
-            <a:r>
-              <a:rPr lang="en-MX" dirty="0">
-                <a:ea typeface="+mn-lt"/>
-                <a:cs typeface="+mn-lt"/>
-              </a:rPr>
-              <a:t> un </a:t>
-            </a:r>
-            <a:r>
-              <a:rPr lang="en-MX" dirty="0" err="1">
-                <a:ea typeface="+mn-lt"/>
-                <a:cs typeface="+mn-lt"/>
-              </a:rPr>
-              <a:t>modelo</a:t>
-            </a:r>
-            <a:r>
-              <a:rPr lang="en-MX" dirty="0">
-                <a:ea typeface="+mn-lt"/>
-                <a:cs typeface="+mn-lt"/>
-              </a:rPr>
-              <a:t> para el </a:t>
-            </a:r>
-            <a:r>
-              <a:rPr lang="en-MX" dirty="0" err="1">
-                <a:ea typeface="+mn-lt"/>
-                <a:cs typeface="+mn-lt"/>
-              </a:rPr>
-              <a:t>pronóstico</a:t>
-            </a:r>
-            <a:r>
-              <a:rPr lang="en-MX" dirty="0">
-                <a:ea typeface="+mn-lt"/>
-                <a:cs typeface="+mn-lt"/>
-              </a:rPr>
-              <a:t> de variables </a:t>
-            </a:r>
-            <a:r>
-              <a:rPr lang="en-MX" dirty="0" err="1">
-                <a:ea typeface="+mn-lt"/>
-                <a:cs typeface="+mn-lt"/>
-              </a:rPr>
-              <a:t>horarias</a:t>
-            </a:r>
-            <a:r>
-              <a:rPr lang="en-MX" dirty="0"/>
-              <a:t>, </a:t>
-            </a:r>
-            <a:r>
-              <a:rPr lang="en-MX" dirty="0" err="1"/>
-              <a:t>usando</a:t>
-            </a:r>
-            <a:r>
-              <a:rPr lang="en-MX" dirty="0"/>
-              <a:t> </a:t>
-            </a:r>
-            <a:r>
-              <a:rPr lang="en-MX" dirty="0" err="1"/>
-              <a:t>datos</a:t>
-            </a:r>
-            <a:r>
-              <a:rPr lang="en-MX" dirty="0"/>
-              <a:t> de </a:t>
-            </a:r>
-            <a:r>
-              <a:rPr lang="en-MX" dirty="0" err="1"/>
-              <a:t>generación</a:t>
-            </a:r>
-            <a:r>
-              <a:rPr lang="en-MX" dirty="0"/>
-              <a:t> de </a:t>
-            </a:r>
-            <a:r>
-              <a:rPr lang="en-MX" dirty="0" err="1"/>
-              <a:t>energía</a:t>
-            </a:r>
-            <a:r>
-              <a:rPr lang="en-MX" dirty="0"/>
-              <a:t> </a:t>
-            </a:r>
-            <a:r>
-              <a:rPr lang="en-MX" dirty="0" err="1"/>
-              <a:t>proveídos</a:t>
-            </a:r>
-            <a:r>
-              <a:rPr lang="en-MX" dirty="0"/>
-              <a:t> por el CENACE. </a:t>
+              <a:rPr lang="en-MX">
+                <a:ea typeface="+mn-lt"/>
+                <a:cs typeface="+mn-lt"/>
+              </a:rPr>
+              <a:t>Generar un modelo para el pronóstico de variables horarias</a:t>
+            </a:r>
+            <a:r>
+              <a:rPr lang="en-MX"/>
+              <a:t>, usando datos de generación de energía proveídos por el CENACE. </a:t>
             </a:r>
           </a:p>
           <a:p>
             <a:pPr marL="383540" indent="-383540"/>
             <a:r>
-              <a:rPr lang="en-MX" dirty="0"/>
-              <a:t>Se </a:t>
-            </a:r>
-            <a:r>
-              <a:rPr lang="en-MX" dirty="0" err="1"/>
-              <a:t>utilizarán</a:t>
-            </a:r>
-            <a:r>
-              <a:rPr lang="en-MX" dirty="0"/>
-              <a:t> </a:t>
-            </a:r>
-            <a:r>
-              <a:rPr lang="en-MX" dirty="0" err="1"/>
-              <a:t>modelos</a:t>
-            </a:r>
-            <a:r>
-              <a:rPr lang="en-MX" dirty="0"/>
-              <a:t> </a:t>
-            </a:r>
-            <a:r>
-              <a:rPr lang="en-MX" dirty="0" err="1"/>
-              <a:t>autorregresivos</a:t>
-            </a:r>
-            <a:r>
-              <a:rPr lang="en-MX" dirty="0"/>
-              <a:t> </a:t>
-            </a:r>
-            <a:r>
-              <a:rPr lang="en-MX" dirty="0" err="1"/>
-              <a:t>como</a:t>
-            </a:r>
-            <a:r>
-              <a:rPr lang="en-MX" dirty="0"/>
-              <a:t> ARIMA y </a:t>
-            </a:r>
-            <a:r>
-              <a:rPr lang="en-MX" dirty="0" err="1"/>
-              <a:t>modelos</a:t>
-            </a:r>
-            <a:r>
-              <a:rPr lang="en-MX" dirty="0"/>
-              <a:t> </a:t>
-            </a:r>
-            <a:r>
-              <a:rPr lang="en-MX" dirty="0" err="1"/>
-              <a:t>dinámicos</a:t>
-            </a:r>
-            <a:r>
-              <a:rPr lang="en-MX" dirty="0"/>
-              <a:t> de </a:t>
-            </a:r>
-            <a:r>
-              <a:rPr lang="en-MX" dirty="0" err="1"/>
-              <a:t>regresión</a:t>
-            </a:r>
-            <a:r>
-              <a:rPr lang="en-MX" dirty="0"/>
-              <a:t> </a:t>
-            </a:r>
-            <a:r>
-              <a:rPr lang="en-MX" dirty="0" err="1"/>
-              <a:t>hacer</a:t>
-            </a:r>
-            <a:r>
-              <a:rPr lang="en-MX" dirty="0"/>
-              <a:t> las </a:t>
-            </a:r>
-            <a:r>
-              <a:rPr lang="en-MX" dirty="0" err="1"/>
-              <a:t>predicciones</a:t>
-            </a:r>
-            <a:r>
-              <a:rPr lang="en-MX" dirty="0"/>
-              <a:t> y se </a:t>
-            </a:r>
-            <a:r>
-              <a:rPr lang="en-MX" dirty="0" err="1"/>
-              <a:t>hará</a:t>
-            </a:r>
-            <a:r>
-              <a:rPr lang="en-MX" dirty="0"/>
-              <a:t> una </a:t>
-            </a:r>
-            <a:r>
-              <a:rPr lang="en-MX" dirty="0" err="1"/>
-              <a:t>diferenciación</a:t>
-            </a:r>
-            <a:r>
-              <a:rPr lang="en-MX" dirty="0"/>
-              <a:t> entre </a:t>
-            </a:r>
-            <a:r>
-              <a:rPr lang="en-MX" dirty="0" err="1"/>
-              <a:t>plantas</a:t>
-            </a:r>
-            <a:r>
-              <a:rPr lang="en-MX" dirty="0"/>
-              <a:t> </a:t>
-            </a:r>
-            <a:r>
-              <a:rPr lang="en-MX" dirty="0" err="1"/>
-              <a:t>solares</a:t>
-            </a:r>
-            <a:r>
-              <a:rPr lang="en-MX" dirty="0"/>
-              <a:t> y </a:t>
-            </a:r>
-            <a:r>
-              <a:rPr lang="en-MX" dirty="0" err="1"/>
-              <a:t>eólicas</a:t>
-            </a:r>
-            <a:r>
-              <a:rPr lang="en-MX" dirty="0"/>
-              <a:t>, por que </a:t>
-            </a:r>
-            <a:r>
-              <a:rPr lang="en-MX" dirty="0" err="1"/>
-              <a:t>su</a:t>
-            </a:r>
-            <a:r>
-              <a:rPr lang="en-MX" dirty="0"/>
-              <a:t> </a:t>
-            </a:r>
-            <a:r>
-              <a:rPr lang="en-MX" dirty="0" err="1"/>
-              <a:t>comportamiento</a:t>
-            </a:r>
-            <a:r>
-              <a:rPr lang="en-MX" dirty="0"/>
-              <a:t> es </a:t>
-            </a:r>
-            <a:r>
-              <a:rPr lang="en-MX" dirty="0" err="1"/>
-              <a:t>distinto</a:t>
-            </a:r>
-            <a:r>
-              <a:rPr lang="en-MX" dirty="0"/>
-              <a:t>.</a:t>
+              <a:rPr lang="en-MX"/>
+              <a:t>Se utilizarán modelos autorregresivos como ARIMA y modelos dinámicos de regresión hacer las predicciones y se hará una diferenciación entre plantas solares y eólicas, por que su comportamiento es distinto.</a:t>
             </a:r>
           </a:p>
           <a:p>
             <a:pPr marL="383540" indent="-383540"/>
             <a:r>
-              <a:rPr lang="en-MX" dirty="0" err="1"/>
-              <a:t>Pondremos</a:t>
-            </a:r>
-            <a:r>
-              <a:rPr lang="en-MX" dirty="0"/>
-              <a:t> a </a:t>
-            </a:r>
-            <a:r>
-              <a:rPr lang="en-MX" dirty="0" err="1"/>
-              <a:t>competir</a:t>
-            </a:r>
-            <a:r>
-              <a:rPr lang="en-MX" dirty="0"/>
-              <a:t> los </a:t>
-            </a:r>
-            <a:r>
-              <a:rPr lang="en-MX" dirty="0" err="1"/>
-              <a:t>modelos</a:t>
-            </a:r>
-            <a:r>
-              <a:rPr lang="en-MX" dirty="0"/>
-              <a:t> </a:t>
-            </a:r>
-            <a:r>
-              <a:rPr lang="en-MX" dirty="0" err="1"/>
-              <a:t>creados</a:t>
-            </a:r>
-            <a:r>
-              <a:rPr lang="en-MX" dirty="0"/>
-              <a:t>, para </a:t>
-            </a:r>
-            <a:r>
-              <a:rPr lang="en-MX" dirty="0" err="1"/>
-              <a:t>obtener</a:t>
-            </a:r>
-            <a:r>
-              <a:rPr lang="en-MX" dirty="0"/>
-              <a:t> un </a:t>
-            </a:r>
-            <a:r>
-              <a:rPr lang="en-MX" dirty="0" err="1"/>
-              <a:t>menor</a:t>
-            </a:r>
-            <a:r>
-              <a:rPr lang="en-MX" dirty="0"/>
-              <a:t> </a:t>
-            </a:r>
-            <a:r>
-              <a:rPr lang="en-MX" dirty="0" err="1"/>
-              <a:t>tiempo</a:t>
-            </a:r>
-            <a:r>
-              <a:rPr lang="en-MX" dirty="0"/>
-              <a:t> de corrida con mayor </a:t>
-            </a:r>
-            <a:r>
-              <a:rPr lang="en-MX" dirty="0" err="1"/>
-              <a:t>eficiencia</a:t>
-            </a:r>
-            <a:r>
-              <a:rPr lang="en-MX" dirty="0"/>
-              <a:t>.</a:t>
+              <a:rPr lang="en-MX"/>
+              <a:t>Pondremos a competir los modelos creados, para obtener un menor tiempo de corrida con mayor eficiencia.</a:t>
             </a:r>
           </a:p>
           <a:p>
@@ -8163,7 +8323,7 @@
           </a:p>
           <a:p>
             <a:pPr marL="383540" indent="-383540"/>
-            <a:endParaRPr lang="en-MX" dirty="0"/>
+            <a:endParaRPr lang="en-MX"/>
           </a:p>
         </p:txBody>
       </p:sp>
@@ -8290,7 +8450,7 @@
           <a:lstStyle/>
           <a:p>
             <a:r>
-              <a:rPr lang="en-MX" dirty="0"/>
+              <a:rPr lang="en-MX"/>
               <a:t>Objetivos Específicos:</a:t>
             </a:r>
           </a:p>
@@ -8315,7 +8475,7 @@
         <p:spPr>
           <a:xfrm>
             <a:off x="1371600" y="2012731"/>
-            <a:ext cx="9601200" cy="4243552"/>
+            <a:ext cx="9601200" cy="3622525"/>
           </a:xfrm>
         </p:spPr>
         <p:txBody>
@@ -8326,84 +8486,84 @@
           <a:p>
             <a:pPr marL="383540" indent="-383540"/>
             <a:r>
-              <a:rPr lang="en-US" dirty="0" err="1">
+              <a:rPr lang="en-US" err="1">
                 <a:ea typeface="+mn-lt"/>
                 <a:cs typeface="+mn-lt"/>
               </a:rPr>
               <a:t>Buscar</a:t>
             </a:r>
             <a:r>
-              <a:rPr lang="en-US" dirty="0">
+              <a:rPr lang="en-US">
                 <a:ea typeface="+mn-lt"/>
                 <a:cs typeface="+mn-lt"/>
               </a:rPr>
               <a:t> </a:t>
             </a:r>
             <a:r>
-              <a:rPr lang="en-US" dirty="0" err="1">
+              <a:rPr lang="en-US" err="1">
                 <a:ea typeface="+mn-lt"/>
                 <a:cs typeface="+mn-lt"/>
               </a:rPr>
               <a:t>continuar</a:t>
             </a:r>
             <a:r>
-              <a:rPr lang="en-US" dirty="0">
+              <a:rPr lang="en-US">
                 <a:ea typeface="+mn-lt"/>
                 <a:cs typeface="+mn-lt"/>
               </a:rPr>
               <a:t> con el </a:t>
             </a:r>
             <a:r>
-              <a:rPr lang="en-US" dirty="0" err="1">
+              <a:rPr lang="en-US" err="1">
                 <a:ea typeface="+mn-lt"/>
                 <a:cs typeface="+mn-lt"/>
               </a:rPr>
               <a:t>trabajo</a:t>
             </a:r>
             <a:r>
-              <a:rPr lang="en-US" dirty="0">
+              <a:rPr lang="en-US">
                 <a:ea typeface="+mn-lt"/>
                 <a:cs typeface="+mn-lt"/>
               </a:rPr>
               <a:t> de </a:t>
             </a:r>
             <a:r>
-              <a:rPr lang="en-US" dirty="0" err="1">
+              <a:rPr lang="en-US" err="1">
                 <a:ea typeface="+mn-lt"/>
                 <a:cs typeface="+mn-lt"/>
               </a:rPr>
               <a:t>nuestros</a:t>
             </a:r>
             <a:r>
-              <a:rPr lang="en-US" dirty="0">
+              <a:rPr lang="en-US">
                 <a:ea typeface="+mn-lt"/>
                 <a:cs typeface="+mn-lt"/>
               </a:rPr>
               <a:t> </a:t>
             </a:r>
             <a:r>
-              <a:rPr lang="en-US" dirty="0" err="1">
+              <a:rPr lang="en-US" err="1">
                 <a:ea typeface="+mn-lt"/>
                 <a:cs typeface="+mn-lt"/>
               </a:rPr>
               <a:t>compañeros</a:t>
             </a:r>
             <a:r>
-              <a:rPr lang="en-US" dirty="0">
+              <a:rPr lang="en-US">
                 <a:ea typeface="+mn-lt"/>
                 <a:cs typeface="+mn-lt"/>
               </a:rPr>
               <a:t> del </a:t>
             </a:r>
             <a:r>
-              <a:rPr lang="en-US" dirty="0" err="1">
+              <a:rPr lang="en-US" err="1">
                 <a:ea typeface="+mn-lt"/>
                 <a:cs typeface="+mn-lt"/>
               </a:rPr>
               <a:t>semestre</a:t>
             </a:r>
             <a:r>
-              <a:rPr lang="en-US" dirty="0">
+              <a:rPr lang="en-US">
                 <a:ea typeface="+mn-lt"/>
                 <a:cs typeface="+mn-lt"/>
               </a:rPr>
@@ -8413,42 +8573,42 @@
           <a:p>
             <a:pPr marL="383540" indent="-383540"/>
             <a:r>
-              <a:rPr lang="en-US" dirty="0" err="1">
+              <a:rPr lang="en-US" err="1">
                 <a:ea typeface="+mn-lt"/>
                 <a:cs typeface="+mn-lt"/>
               </a:rPr>
               <a:t>Obtener</a:t>
             </a:r>
             <a:r>
-              <a:rPr lang="en-US" dirty="0">
+              <a:rPr lang="en-US">
                 <a:ea typeface="+mn-lt"/>
                 <a:cs typeface="+mn-lt"/>
               </a:rPr>
               <a:t> </a:t>
             </a:r>
             <a:r>
-              <a:rPr lang="en-US" dirty="0" err="1">
+              <a:rPr lang="en-US" err="1">
                 <a:ea typeface="+mn-lt"/>
                 <a:cs typeface="+mn-lt"/>
               </a:rPr>
               <a:t>datos</a:t>
             </a:r>
             <a:r>
-              <a:rPr lang="en-US" dirty="0">
+              <a:rPr lang="en-US">
                 <a:ea typeface="+mn-lt"/>
                 <a:cs typeface="+mn-lt"/>
               </a:rPr>
               <a:t> </a:t>
             </a:r>
             <a:r>
-              <a:rPr lang="en-US" dirty="0" err="1">
+              <a:rPr lang="en-US" err="1">
                 <a:ea typeface="+mn-lt"/>
                 <a:cs typeface="+mn-lt"/>
               </a:rPr>
               <a:t>históricos</a:t>
             </a:r>
             <a:r>
-              <a:rPr lang="en-US" dirty="0">
+              <a:rPr lang="en-US">
                 <a:ea typeface="+mn-lt"/>
                 <a:cs typeface="+mn-lt"/>
               </a:rPr>
@@ -8461,55 +8621,55 @@
               <a:buNone/>
             </a:pPr>
             <a:r>
-              <a:rPr lang="en-US" dirty="0">
+              <a:rPr lang="en-US">
                 <a:ea typeface="+mn-lt"/>
                 <a:cs typeface="+mn-lt"/>
               </a:rPr>
               <a:t>                 </a:t>
             </a:r>
             <a:r>
-              <a:rPr lang="en-US" dirty="0" err="1">
+              <a:rPr lang="en-US" err="1">
                 <a:ea typeface="+mn-lt"/>
                 <a:cs typeface="+mn-lt"/>
               </a:rPr>
               <a:t>Plantas</a:t>
             </a:r>
             <a:r>
-              <a:rPr lang="en-US" dirty="0">
+              <a:rPr lang="en-US">
                 <a:ea typeface="+mn-lt"/>
                 <a:cs typeface="+mn-lt"/>
               </a:rPr>
               <a:t> </a:t>
             </a:r>
             <a:r>
-              <a:rPr lang="en-US" dirty="0" err="1">
+              <a:rPr lang="en-US" err="1">
                 <a:ea typeface="+mn-lt"/>
                 <a:cs typeface="+mn-lt"/>
               </a:rPr>
               <a:t>solares</a:t>
             </a:r>
             <a:r>
-              <a:rPr lang="en-US" dirty="0">
+              <a:rPr lang="en-US">
                 <a:ea typeface="+mn-lt"/>
                 <a:cs typeface="+mn-lt"/>
               </a:rPr>
               <a:t> (</a:t>
             </a:r>
             <a:r>
-              <a:rPr lang="en-US" dirty="0" err="1">
+              <a:rPr lang="en-US" err="1">
                 <a:ea typeface="+mn-lt"/>
                 <a:cs typeface="+mn-lt"/>
               </a:rPr>
               <a:t>fotovoltaicas</a:t>
             </a:r>
             <a:r>
-              <a:rPr lang="en-US" dirty="0">
+              <a:rPr lang="en-US">
                 <a:ea typeface="+mn-lt"/>
                 <a:cs typeface="+mn-lt"/>
               </a:rPr>
               <a:t>)</a:t>
             </a:r>
-            <a:endParaRPr lang="en-MX" dirty="0">
+            <a:endParaRPr lang="en-MX">
               <a:ea typeface="+mn-lt"/>
               <a:cs typeface="+mn-lt"/>
             </a:endParaRPr>
@@ -8519,49 +8679,49 @@
               <a:buNone/>
             </a:pPr>
             <a:r>
-              <a:rPr lang="en-US" dirty="0">
+              <a:rPr lang="en-US">
                 <a:ea typeface="+mn-lt"/>
                 <a:cs typeface="+mn-lt"/>
               </a:rPr>
               <a:t>                 </a:t>
             </a:r>
             <a:r>
-              <a:rPr lang="en-US" dirty="0" err="1">
+              <a:rPr lang="en-US" err="1">
                 <a:ea typeface="+mn-lt"/>
                 <a:cs typeface="+mn-lt"/>
               </a:rPr>
               <a:t>Plantas</a:t>
             </a:r>
             <a:r>
-              <a:rPr lang="en-US" dirty="0">
+              <a:rPr lang="en-US">
                 <a:ea typeface="+mn-lt"/>
                 <a:cs typeface="+mn-lt"/>
               </a:rPr>
               <a:t> </a:t>
             </a:r>
             <a:r>
-              <a:rPr lang="en-US" dirty="0" err="1">
+              <a:rPr lang="en-US" err="1">
                 <a:ea typeface="+mn-lt"/>
                 <a:cs typeface="+mn-lt"/>
               </a:rPr>
               <a:t>eólicas</a:t>
             </a:r>
             <a:r>
-              <a:rPr lang="en-US" dirty="0">
+              <a:rPr lang="en-US">
                 <a:ea typeface="+mn-lt"/>
                 <a:cs typeface="+mn-lt"/>
               </a:rPr>
               <a:t> (</a:t>
             </a:r>
             <a:r>
-              <a:rPr lang="en-US" dirty="0" err="1">
+              <a:rPr lang="en-US" err="1">
                 <a:ea typeface="+mn-lt"/>
                 <a:cs typeface="+mn-lt"/>
               </a:rPr>
               <a:t>aerogeneradores</a:t>
             </a:r>
             <a:r>
-              <a:rPr lang="en-US" dirty="0">
+              <a:rPr lang="en-US">
                 <a:ea typeface="+mn-lt"/>
                 <a:cs typeface="+mn-lt"/>
               </a:rPr>
@@ -8572,214 +8732,210 @@
           <a:p>
             <a:pPr marL="383540" indent="-383540"/>
             <a:r>
-              <a:rPr lang="en-US" dirty="0" err="1">
+              <a:rPr lang="en-US" err="1">
                 <a:ea typeface="+mn-lt"/>
                 <a:cs typeface="+mn-lt"/>
               </a:rPr>
               <a:t>Filtrar</a:t>
             </a:r>
             <a:r>
-              <a:rPr lang="en-US" dirty="0">
+              <a:rPr lang="en-US">
                 <a:ea typeface="+mn-lt"/>
                 <a:cs typeface="+mn-lt"/>
               </a:rPr>
               <a:t> y </a:t>
             </a:r>
             <a:r>
-              <a:rPr lang="en-US" dirty="0" err="1">
+              <a:rPr lang="en-US" err="1">
                 <a:ea typeface="+mn-lt"/>
                 <a:cs typeface="+mn-lt"/>
               </a:rPr>
               <a:t>ordernar</a:t>
             </a:r>
             <a:r>
-              <a:rPr lang="en-US" dirty="0">
+              <a:rPr lang="en-US">
                 <a:ea typeface="+mn-lt"/>
                 <a:cs typeface="+mn-lt"/>
               </a:rPr>
               <a:t> la </a:t>
             </a:r>
             <a:r>
-              <a:rPr lang="en-US" dirty="0" err="1">
+              <a:rPr lang="en-US" err="1">
                 <a:ea typeface="+mn-lt"/>
                 <a:cs typeface="+mn-lt"/>
               </a:rPr>
               <a:t>información</a:t>
             </a:r>
             <a:r>
-              <a:rPr lang="en-US" dirty="0">
+              <a:rPr lang="en-US">
                 <a:ea typeface="+mn-lt"/>
                 <a:cs typeface="+mn-lt"/>
               </a:rPr>
               <a:t> </a:t>
             </a:r>
             <a:r>
-              <a:rPr lang="en-US" dirty="0" err="1">
+              <a:rPr lang="en-US" err="1">
                 <a:ea typeface="+mn-lt"/>
                 <a:cs typeface="+mn-lt"/>
               </a:rPr>
               <a:t>obtenida</a:t>
             </a:r>
-            <a:endParaRPr lang="en-MX" dirty="0" err="1"/>
+            <a:endParaRPr lang="en-MX"/>
           </a:p>
           <a:p>
             <a:pPr marL="383540" indent="-383540"/>
             <a:r>
-              <a:rPr lang="en-US" dirty="0" err="1">
+              <a:rPr lang="en-US" err="1">
                 <a:ea typeface="+mn-lt"/>
                 <a:cs typeface="+mn-lt"/>
               </a:rPr>
               <a:t>Obtener</a:t>
             </a:r>
             <a:r>
-              <a:rPr lang="en-US" dirty="0">
+              <a:rPr lang="en-US">
                 <a:ea typeface="+mn-lt"/>
                 <a:cs typeface="+mn-lt"/>
               </a:rPr>
               <a:t> un </a:t>
             </a:r>
             <a:r>
-              <a:rPr lang="en-US" dirty="0" err="1">
+              <a:rPr lang="en-US" err="1">
                 <a:ea typeface="+mn-lt"/>
                 <a:cs typeface="+mn-lt"/>
               </a:rPr>
               <a:t>modelo</a:t>
             </a:r>
             <a:r>
-              <a:rPr lang="en-US" dirty="0">
+              <a:rPr lang="en-US">
                 <a:ea typeface="+mn-lt"/>
                 <a:cs typeface="+mn-lt"/>
               </a:rPr>
               <a:t> para el </a:t>
             </a:r>
             <a:r>
-              <a:rPr lang="en-US" dirty="0" err="1">
+              <a:rPr lang="en-US" err="1">
                 <a:ea typeface="+mn-lt"/>
                 <a:cs typeface="+mn-lt"/>
               </a:rPr>
               <a:t>pronóstico</a:t>
             </a:r>
             <a:r>
-              <a:rPr lang="en-US" dirty="0">
+              <a:rPr lang="en-US">
                 <a:ea typeface="+mn-lt"/>
                 <a:cs typeface="+mn-lt"/>
               </a:rPr>
               <a:t> de las variables.</a:t>
             </a:r>
-            <a:endParaRPr lang="en-MX" dirty="0"/>
+            <a:endParaRPr lang="en-MX"/>
           </a:p>
           <a:p>
             <a:pPr marL="383540" indent="-383540"/>
             <a:r>
-              <a:rPr lang="en-US" dirty="0" err="1">
+              <a:rPr lang="en-US" err="1">
                 <a:ea typeface="+mn-lt"/>
                 <a:cs typeface="+mn-lt"/>
               </a:rPr>
               <a:t>Probar</a:t>
             </a:r>
             <a:r>
-              <a:rPr lang="en-US" dirty="0">
+              <a:rPr lang="en-US">
                 <a:ea typeface="+mn-lt"/>
                 <a:cs typeface="+mn-lt"/>
               </a:rPr>
               <a:t> el </a:t>
             </a:r>
             <a:r>
-              <a:rPr lang="en-US" dirty="0" err="1">
+              <a:rPr lang="en-US" err="1">
                 <a:ea typeface="+mn-lt"/>
                 <a:cs typeface="+mn-lt"/>
               </a:rPr>
               <a:t>modelo</a:t>
             </a:r>
             <a:r>
-              <a:rPr lang="en-US" dirty="0">
+              <a:rPr lang="en-US">
                 <a:ea typeface="+mn-lt"/>
                 <a:cs typeface="+mn-lt"/>
               </a:rPr>
               <a:t> </a:t>
             </a:r>
             <a:r>
-              <a:rPr lang="en-US" dirty="0" err="1">
+              <a:rPr lang="en-US" err="1">
                 <a:ea typeface="+mn-lt"/>
                 <a:cs typeface="+mn-lt"/>
               </a:rPr>
               <a:t>obtenido</a:t>
             </a:r>
             <a:r>
-              <a:rPr lang="en-US" dirty="0">
+              <a:rPr lang="en-US">
                 <a:ea typeface="+mn-lt"/>
                 <a:cs typeface="+mn-lt"/>
               </a:rPr>
               <a:t> y </a:t>
             </a:r>
             <a:r>
-              <a:rPr lang="en-US" dirty="0" err="1">
+              <a:rPr lang="en-US" err="1">
                 <a:ea typeface="+mn-lt"/>
                 <a:cs typeface="+mn-lt"/>
               </a:rPr>
               <a:t>obtener</a:t>
             </a:r>
             <a:r>
-              <a:rPr lang="en-US" dirty="0">
+              <a:rPr lang="en-US">
                 <a:ea typeface="+mn-lt"/>
                 <a:cs typeface="+mn-lt"/>
               </a:rPr>
               <a:t> sus </a:t>
             </a:r>
             <a:r>
-              <a:rPr lang="en-US" dirty="0" err="1">
+              <a:rPr lang="en-US" err="1">
                 <a:ea typeface="+mn-lt"/>
                 <a:cs typeface="+mn-lt"/>
               </a:rPr>
               <a:t>estadísticos</a:t>
             </a:r>
             <a:r>
-              <a:rPr lang="en-US" dirty="0">
+              <a:rPr lang="en-US">
                 <a:ea typeface="+mn-lt"/>
                 <a:cs typeface="+mn-lt"/>
               </a:rPr>
               <a:t>.</a:t>
             </a:r>
-            <a:endParaRPr lang="en-MX" dirty="0" err="1"/>
+            <a:endParaRPr lang="en-MX"/>
           </a:p>
           <a:p>
             <a:pPr marL="383540" indent="-383540"/>
             <a:r>
-              <a:rPr lang="en-US" dirty="0" err="1"/>
+              <a:rPr lang="en-US" err="1"/>
               <a:t>Optimizar</a:t>
             </a:r>
             <a:r>
-              <a:rPr lang="en-US" dirty="0"/>
+              <a:rPr lang="en-US"/>
               <a:t> el </a:t>
             </a:r>
             <a:r>
-              <a:rPr lang="en-US" dirty="0" err="1"/>
+              <a:rPr lang="en-US" err="1"/>
               <a:t>tiempo</a:t>
             </a:r>
             <a:r>
-              <a:rPr lang="en-US" dirty="0"/>
+              <a:rPr lang="en-US"/>
               <a:t> de </a:t>
             </a:r>
             <a:r>
-              <a:rPr lang="en-US" dirty="0" err="1"/>
+              <a:rPr lang="en-US" err="1"/>
               <a:t>salida</a:t>
             </a:r>
             <a:r>
-              <a:rPr lang="en-US" dirty="0"/>
+              <a:rPr lang="en-US"/>
               <a:t> del </a:t>
             </a:r>
             <a:r>
-              <a:rPr lang="en-US" dirty="0" err="1"/>
+              <a:rPr lang="en-US" err="1"/>
               <a:t>código</a:t>
             </a:r>
             <a:r>
-              <a:rPr lang="en-US" dirty="0"/>
+              <a:rPr lang="en-US"/>
               <a:t>.</a:t>
             </a:r>
-          </a:p>
-          <a:p>
-            <a:pPr marL="383540" indent="-383540"/>
-            <a:endParaRPr lang="en-MX" dirty="0"/>
           </a:p>
         </p:txBody>
       </p:sp>
@@ -8939,7 +9095,7 @@
               <a:t> (</a:t>
             </a:r>
             <a:r>
-              <a:rPr lang="en-US" dirty="0" err="1">
+              <a:rPr lang="es-ES_tradnl" dirty="0">
                 <a:ea typeface="+mn-lt"/>
                 <a:cs typeface="+mn-lt"/>
               </a:rPr>
@@ -8986,206 +9142,206 @@
           <a:p>
             <a:pPr marL="383540" indent="-383540"/>
             <a:r>
-              <a:rPr lang="en-US" dirty="0" err="1">
+              <a:rPr lang="en-US" err="1">
                 <a:ea typeface="+mn-lt"/>
                 <a:cs typeface="+mn-lt"/>
               </a:rPr>
               <a:t>Energía</a:t>
             </a:r>
             <a:r>
-              <a:rPr lang="en-US" dirty="0">
+              <a:rPr lang="en-US">
                 <a:ea typeface="+mn-lt"/>
                 <a:cs typeface="+mn-lt"/>
               </a:rPr>
               <a:t> (MWh)</a:t>
             </a:r>
-            <a:endParaRPr lang="en-US" dirty="0"/>
+            <a:endParaRPr lang="en-US"/>
           </a:p>
           <a:p>
             <a:pPr marL="383540" indent="-383540"/>
             <a:r>
-              <a:rPr lang="en-US" dirty="0" err="1">
+              <a:rPr lang="en-US" err="1">
                 <a:ea typeface="+mn-lt"/>
                 <a:cs typeface="+mn-lt"/>
               </a:rPr>
               <a:t>Radiación</a:t>
             </a:r>
             <a:r>
-              <a:rPr lang="en-US" dirty="0">
+              <a:rPr lang="en-US">
                 <a:ea typeface="+mn-lt"/>
                 <a:cs typeface="+mn-lt"/>
               </a:rPr>
               <a:t> solar (kW/m2)</a:t>
             </a:r>
-            <a:endParaRPr lang="en-US" dirty="0"/>
+            <a:endParaRPr lang="en-US"/>
           </a:p>
           <a:p>
             <a:pPr marL="383540" indent="-383540"/>
             <a:r>
-              <a:rPr lang="en-US" dirty="0" err="1">
+              <a:rPr lang="en-US" err="1">
                 <a:ea typeface="+mn-lt"/>
                 <a:cs typeface="+mn-lt"/>
               </a:rPr>
               <a:t>Temperatura</a:t>
             </a:r>
             <a:r>
-              <a:rPr lang="en-US" dirty="0">
+              <a:rPr lang="en-US">
                 <a:ea typeface="+mn-lt"/>
                 <a:cs typeface="+mn-lt"/>
               </a:rPr>
               <a:t> (°C)</a:t>
             </a:r>
-            <a:endParaRPr lang="en-US" dirty="0"/>
+            <a:endParaRPr lang="en-US"/>
           </a:p>
           <a:p>
             <a:pPr marL="383540" indent="-383540"/>
             <a:r>
-              <a:rPr lang="en-US" dirty="0" err="1">
+              <a:rPr lang="en-US" err="1">
                 <a:ea typeface="+mn-lt"/>
                 <a:cs typeface="+mn-lt"/>
               </a:rPr>
               <a:t>Nubosidad</a:t>
             </a:r>
             <a:r>
-              <a:rPr lang="en-US" dirty="0">
+              <a:rPr lang="en-US">
                 <a:ea typeface="+mn-lt"/>
                 <a:cs typeface="+mn-lt"/>
               </a:rPr>
               <a:t> (%)</a:t>
             </a:r>
-            <a:endParaRPr lang="en-US" dirty="0"/>
+            <a:endParaRPr lang="en-US"/>
           </a:p>
           <a:p>
             <a:pPr marL="383540" indent="-383540"/>
             <a:r>
-              <a:rPr lang="en-US" dirty="0" err="1">
+              <a:rPr lang="en-US" err="1">
                 <a:ea typeface="+mn-lt"/>
                 <a:cs typeface="+mn-lt"/>
               </a:rPr>
               <a:t>Humedad</a:t>
             </a:r>
             <a:r>
-              <a:rPr lang="en-US" dirty="0">
+              <a:rPr lang="en-US">
                 <a:ea typeface="+mn-lt"/>
                 <a:cs typeface="+mn-lt"/>
               </a:rPr>
               <a:t> </a:t>
             </a:r>
             <a:r>
-              <a:rPr lang="en-US" dirty="0" err="1">
+              <a:rPr lang="en-US" err="1">
                 <a:ea typeface="+mn-lt"/>
                 <a:cs typeface="+mn-lt"/>
               </a:rPr>
               <a:t>relativa</a:t>
             </a:r>
             <a:r>
-              <a:rPr lang="en-US" dirty="0">
+              <a:rPr lang="en-US">
                 <a:ea typeface="+mn-lt"/>
                 <a:cs typeface="+mn-lt"/>
               </a:rPr>
               <a:t> (%)</a:t>
             </a:r>
-            <a:endParaRPr lang="en-US" dirty="0"/>
+            <a:endParaRPr lang="en-US"/>
           </a:p>
           <a:p>
             <a:pPr marL="383540" indent="-383540"/>
             <a:r>
-              <a:rPr lang="en-US" dirty="0" err="1">
+              <a:rPr lang="en-US" err="1">
                 <a:ea typeface="+mn-lt"/>
                 <a:cs typeface="+mn-lt"/>
               </a:rPr>
               <a:t>Velocidad</a:t>
             </a:r>
             <a:r>
-              <a:rPr lang="en-US" dirty="0">
+              <a:rPr lang="en-US">
                 <a:ea typeface="+mn-lt"/>
                 <a:cs typeface="+mn-lt"/>
               </a:rPr>
               <a:t> del </a:t>
             </a:r>
             <a:r>
-              <a:rPr lang="en-US" dirty="0" err="1">
+              <a:rPr lang="en-US" err="1">
                 <a:ea typeface="+mn-lt"/>
                 <a:cs typeface="+mn-lt"/>
               </a:rPr>
               <a:t>viento</a:t>
             </a:r>
             <a:r>
-              <a:rPr lang="en-US" dirty="0">
+              <a:rPr lang="en-US">
                 <a:ea typeface="+mn-lt"/>
                 <a:cs typeface="+mn-lt"/>
               </a:rPr>
               <a:t> (km/h)</a:t>
             </a:r>
-            <a:endParaRPr lang="en-US" dirty="0"/>
+            <a:endParaRPr lang="en-US"/>
           </a:p>
           <a:p>
             <a:pPr marL="383540" indent="-383540"/>
             <a:r>
-              <a:rPr lang="en-US" dirty="0" err="1">
+              <a:rPr lang="en-US" err="1">
                 <a:ea typeface="+mn-lt"/>
                 <a:cs typeface="+mn-lt"/>
               </a:rPr>
               <a:t>Presión</a:t>
             </a:r>
             <a:r>
-              <a:rPr lang="en-US" dirty="0">
+              <a:rPr lang="en-US">
                 <a:ea typeface="+mn-lt"/>
                 <a:cs typeface="+mn-lt"/>
               </a:rPr>
               <a:t> </a:t>
             </a:r>
             <a:r>
-              <a:rPr lang="en-US" dirty="0" err="1">
+              <a:rPr lang="en-US" err="1">
                 <a:ea typeface="+mn-lt"/>
                 <a:cs typeface="+mn-lt"/>
               </a:rPr>
               <a:t>barométrica</a:t>
             </a:r>
             <a:r>
-              <a:rPr lang="en-US" dirty="0">
+              <a:rPr lang="en-US">
                 <a:ea typeface="+mn-lt"/>
                 <a:cs typeface="+mn-lt"/>
               </a:rPr>
               <a:t> (mbar)</a:t>
             </a:r>
-            <a:endParaRPr lang="en-US" dirty="0"/>
+            <a:endParaRPr lang="en-US"/>
           </a:p>
           <a:p>
             <a:pPr marL="383540" indent="-383540"/>
             <a:r>
-              <a:rPr lang="en-US" dirty="0" err="1">
+              <a:rPr lang="en-US" err="1">
                 <a:ea typeface="+mn-lt"/>
                 <a:cs typeface="+mn-lt"/>
               </a:rPr>
               <a:t>Radiación</a:t>
             </a:r>
             <a:r>
-              <a:rPr lang="en-US" dirty="0">
+              <a:rPr lang="en-US">
                 <a:ea typeface="+mn-lt"/>
                 <a:cs typeface="+mn-lt"/>
               </a:rPr>
               <a:t> </a:t>
             </a:r>
             <a:r>
-              <a:rPr lang="en-US" dirty="0" err="1">
+              <a:rPr lang="en-US" err="1">
                 <a:ea typeface="+mn-lt"/>
                 <a:cs typeface="+mn-lt"/>
               </a:rPr>
               <a:t>indirecta</a:t>
             </a:r>
             <a:r>
-              <a:rPr lang="en-US" dirty="0">
+              <a:rPr lang="en-US">
                 <a:ea typeface="+mn-lt"/>
                 <a:cs typeface="+mn-lt"/>
               </a:rPr>
               <a:t> (kW/m2)</a:t>
             </a:r>
-            <a:endParaRPr lang="en-US" dirty="0"/>
+            <a:endParaRPr lang="en-US"/>
           </a:p>
           <a:p>
             <a:pPr marL="383540" indent="-383540"/>
-            <a:endParaRPr lang="en-US" dirty="0"/>
+            <a:endParaRPr lang="en-US"/>
           </a:p>
         </p:txBody>
       </p:sp>
@@ -9216,42 +9372,42 @@
           <a:lstStyle/>
           <a:p>
             <a:r>
-              <a:rPr lang="en-US" dirty="0" err="1">
+              <a:rPr lang="en-US" err="1">
                 <a:ea typeface="+mn-lt"/>
                 <a:cs typeface="+mn-lt"/>
               </a:rPr>
               <a:t>Plantas</a:t>
             </a:r>
             <a:r>
-              <a:rPr lang="en-US" dirty="0">
+              <a:rPr lang="en-US">
                 <a:ea typeface="+mn-lt"/>
                 <a:cs typeface="+mn-lt"/>
               </a:rPr>
               <a:t> </a:t>
             </a:r>
             <a:r>
-              <a:rPr lang="en-US" dirty="0" err="1">
+              <a:rPr lang="en-US" err="1">
                 <a:ea typeface="+mn-lt"/>
                 <a:cs typeface="+mn-lt"/>
               </a:rPr>
               <a:t>eólicas</a:t>
             </a:r>
             <a:r>
-              <a:rPr lang="en-US" dirty="0">
+              <a:rPr lang="en-US">
                 <a:ea typeface="+mn-lt"/>
                 <a:cs typeface="+mn-lt"/>
               </a:rPr>
               <a:t> (</a:t>
             </a:r>
             <a:r>
-              <a:rPr lang="en-US" dirty="0" err="1">
+              <a:rPr lang="en-US" err="1">
                 <a:ea typeface="+mn-lt"/>
                 <a:cs typeface="+mn-lt"/>
               </a:rPr>
               <a:t>aerogeneradores</a:t>
             </a:r>
             <a:r>
-              <a:rPr lang="en-US" dirty="0">
+              <a:rPr lang="en-US">
                 <a:ea typeface="+mn-lt"/>
                 <a:cs typeface="+mn-lt"/>
               </a:rPr>
@@ -9290,202 +9446,202 @@
           <a:p>
             <a:pPr marL="383540" indent="-383540"/>
             <a:r>
-              <a:rPr lang="en-US" dirty="0" err="1">
+              <a:rPr lang="en-US" err="1">
                 <a:ea typeface="+mn-lt"/>
                 <a:cs typeface="+mn-lt"/>
               </a:rPr>
               <a:t>energía</a:t>
             </a:r>
             <a:r>
-              <a:rPr lang="en-US" dirty="0">
+              <a:rPr lang="en-US">
                 <a:ea typeface="+mn-lt"/>
                 <a:cs typeface="+mn-lt"/>
               </a:rPr>
               <a:t> (MWh)</a:t>
             </a:r>
-            <a:endParaRPr lang="en-US" dirty="0"/>
+            <a:endParaRPr lang="en-US"/>
           </a:p>
           <a:p>
             <a:pPr marL="383540" indent="-383540"/>
             <a:r>
-              <a:rPr lang="en-US" dirty="0" err="1">
+              <a:rPr lang="en-US" err="1">
                 <a:ea typeface="+mn-lt"/>
                 <a:cs typeface="+mn-lt"/>
               </a:rPr>
               <a:t>Velocidad</a:t>
             </a:r>
             <a:r>
-              <a:rPr lang="en-US" dirty="0">
+              <a:rPr lang="en-US">
                 <a:ea typeface="+mn-lt"/>
                 <a:cs typeface="+mn-lt"/>
               </a:rPr>
               <a:t> del </a:t>
             </a:r>
             <a:r>
-              <a:rPr lang="en-US" dirty="0" err="1">
+              <a:rPr lang="en-US" err="1">
                 <a:ea typeface="+mn-lt"/>
                 <a:cs typeface="+mn-lt"/>
               </a:rPr>
               <a:t>viento</a:t>
             </a:r>
             <a:r>
-              <a:rPr lang="en-US" dirty="0">
+              <a:rPr lang="en-US">
                 <a:ea typeface="+mn-lt"/>
                 <a:cs typeface="+mn-lt"/>
               </a:rPr>
               <a:t> (km/h)</a:t>
             </a:r>
-            <a:endParaRPr lang="en-US" dirty="0"/>
+            <a:endParaRPr lang="en-US"/>
           </a:p>
           <a:p>
             <a:pPr marL="383540" indent="-383540"/>
             <a:r>
-              <a:rPr lang="en-US" dirty="0" err="1">
+              <a:rPr lang="en-US" err="1">
                 <a:ea typeface="+mn-lt"/>
                 <a:cs typeface="+mn-lt"/>
               </a:rPr>
               <a:t>Dirección</a:t>
             </a:r>
             <a:r>
-              <a:rPr lang="en-US" dirty="0">
+              <a:rPr lang="en-US">
                 <a:ea typeface="+mn-lt"/>
                 <a:cs typeface="+mn-lt"/>
               </a:rPr>
               <a:t> del </a:t>
             </a:r>
             <a:r>
-              <a:rPr lang="en-US" dirty="0" err="1">
+              <a:rPr lang="en-US" err="1">
                 <a:ea typeface="+mn-lt"/>
                 <a:cs typeface="+mn-lt"/>
               </a:rPr>
               <a:t>viento</a:t>
             </a:r>
             <a:r>
-              <a:rPr lang="en-US" dirty="0">
+              <a:rPr lang="en-US">
                 <a:ea typeface="+mn-lt"/>
                 <a:cs typeface="+mn-lt"/>
               </a:rPr>
               <a:t> (</a:t>
             </a:r>
             <a:r>
-              <a:rPr lang="en-US" dirty="0" err="1">
+              <a:rPr lang="en-US" err="1">
                 <a:ea typeface="+mn-lt"/>
                 <a:cs typeface="+mn-lt"/>
               </a:rPr>
               <a:t>norte</a:t>
             </a:r>
             <a:r>
-              <a:rPr lang="en-US" dirty="0">
+              <a:rPr lang="en-US">
                 <a:ea typeface="+mn-lt"/>
                 <a:cs typeface="+mn-lt"/>
               </a:rPr>
               <a:t>)</a:t>
             </a:r>
-            <a:endParaRPr lang="en-US" dirty="0"/>
+            <a:endParaRPr lang="en-US"/>
           </a:p>
           <a:p>
             <a:pPr marL="383540" indent="-383540"/>
             <a:r>
-              <a:rPr lang="en-US" dirty="0" err="1">
+              <a:rPr lang="en-US" err="1">
                 <a:ea typeface="+mn-lt"/>
                 <a:cs typeface="+mn-lt"/>
               </a:rPr>
               <a:t>Temperatura</a:t>
             </a:r>
             <a:r>
-              <a:rPr lang="en-US" dirty="0">
+              <a:rPr lang="en-US">
                 <a:ea typeface="+mn-lt"/>
                 <a:cs typeface="+mn-lt"/>
               </a:rPr>
               <a:t> (°C)</a:t>
             </a:r>
-            <a:endParaRPr lang="en-US" dirty="0"/>
+            <a:endParaRPr lang="en-US"/>
           </a:p>
           <a:p>
             <a:pPr marL="383540" indent="-383540"/>
             <a:r>
-              <a:rPr lang="en-US" dirty="0" err="1">
+              <a:rPr lang="en-US" err="1">
                 <a:ea typeface="+mn-lt"/>
                 <a:cs typeface="+mn-lt"/>
               </a:rPr>
               <a:t>Nubosidad</a:t>
             </a:r>
             <a:r>
-              <a:rPr lang="en-US" dirty="0">
+              <a:rPr lang="en-US">
                 <a:ea typeface="+mn-lt"/>
                 <a:cs typeface="+mn-lt"/>
               </a:rPr>
               <a:t> (%)</a:t>
             </a:r>
-            <a:endParaRPr lang="en-US" dirty="0"/>
+            <a:endParaRPr lang="en-US"/>
           </a:p>
           <a:p>
             <a:pPr marL="383540" indent="-383540"/>
             <a:r>
-              <a:rPr lang="en-US" dirty="0" err="1">
+              <a:rPr lang="en-US" err="1">
                 <a:ea typeface="+mn-lt"/>
                 <a:cs typeface="+mn-lt"/>
               </a:rPr>
               <a:t>Humedad</a:t>
             </a:r>
             <a:r>
-              <a:rPr lang="en-US" dirty="0">
+              <a:rPr lang="en-US">
                 <a:ea typeface="+mn-lt"/>
                 <a:cs typeface="+mn-lt"/>
               </a:rPr>
               <a:t> </a:t>
             </a:r>
             <a:r>
-              <a:rPr lang="en-US" dirty="0" err="1">
+              <a:rPr lang="en-US" err="1">
                 <a:ea typeface="+mn-lt"/>
                 <a:cs typeface="+mn-lt"/>
               </a:rPr>
               <a:t>relativa</a:t>
             </a:r>
             <a:r>
-              <a:rPr lang="en-US" dirty="0">
+              <a:rPr lang="en-US">
                 <a:ea typeface="+mn-lt"/>
                 <a:cs typeface="+mn-lt"/>
               </a:rPr>
               <a:t> (%)</a:t>
             </a:r>
-            <a:endParaRPr lang="en-US" dirty="0"/>
+            <a:endParaRPr lang="en-US"/>
           </a:p>
           <a:p>
             <a:pPr marL="383540" indent="-383540"/>
             <a:r>
-              <a:rPr lang="en-US" dirty="0" err="1">
+              <a:rPr lang="en-US" err="1">
                 <a:ea typeface="+mn-lt"/>
                 <a:cs typeface="+mn-lt"/>
               </a:rPr>
               <a:t>Presión</a:t>
             </a:r>
             <a:r>
-              <a:rPr lang="en-US" dirty="0">
+              <a:rPr lang="en-US">
                 <a:ea typeface="+mn-lt"/>
                 <a:cs typeface="+mn-lt"/>
               </a:rPr>
               <a:t> </a:t>
             </a:r>
             <a:r>
-              <a:rPr lang="en-US" dirty="0" err="1">
+              <a:rPr lang="en-US" err="1">
                 <a:ea typeface="+mn-lt"/>
                 <a:cs typeface="+mn-lt"/>
               </a:rPr>
               <a:t>barométrica</a:t>
             </a:r>
             <a:r>
-              <a:rPr lang="en-US" dirty="0">
+              <a:rPr lang="en-US">
                 <a:ea typeface="+mn-lt"/>
                 <a:cs typeface="+mn-lt"/>
               </a:rPr>
               <a:t> (mbar)</a:t>
             </a:r>
-            <a:endParaRPr lang="en-US" dirty="0"/>
+            <a:endParaRPr lang="en-US"/>
           </a:p>
           <a:p>
             <a:pPr marL="383540" indent="-383540"/>
-            <a:endParaRPr lang="en-US" dirty="0"/>
+            <a:endParaRPr lang="en-US"/>
           </a:p>
         </p:txBody>
       </p:sp>
@@ -9612,7 +9768,7 @@
           <a:lstStyle/>
           <a:p>
             <a:r>
-              <a:rPr lang="en-MX" dirty="0"/>
+              <a:rPr lang="en-MX"/>
               <a:t>Metodología de trabajo:</a:t>
             </a:r>
           </a:p>
@@ -9702,7 +9858,7 @@
           <p:nvPr>
             <p:extLst>
               <p:ext uri="{D42A27DB-BD31-4B8C-83A1-F6EECF244321}">
-                <p14:modId xmlns:p14="http://schemas.microsoft.com/office/powerpoint/2010/main" val="3820041995"/>
+                <p14:modId xmlns:p14="http://schemas.microsoft.com/office/powerpoint/2010/main" val="2696771429"/>
               </p:ext>
             </p:extLst>
           </p:nvPr>
@@ -9769,34 +9925,9 @@
           <a:lstStyle/>
           <a:p>
             <a:r>
-              <a:rPr lang="en-MX" dirty="0"/>
+              <a:rPr lang="en-MX"/>
               <a:t>Avances:</a:t>
             </a:r>
-          </a:p>
-        </p:txBody>
-      </p:sp>
-      <p:sp>
-        <p:nvSpPr>
-          <p:cNvPr id="3" name="Content Placeholder 2">
-            <a:extLst>
-              <a:ext uri="{FF2B5EF4-FFF2-40B4-BE49-F238E27FC236}">
-                <a16:creationId xmlns:a16="http://schemas.microsoft.com/office/drawing/2014/main" id="{82BDAB39-FC2B-C646-B060-F12CCE32D520}"/>
-              </a:ext>
-            </a:extLst>
-          </p:cNvPr>
-          <p:cNvSpPr>
-            <a:spLocks noGrp="1"/>
-          </p:cNvSpPr>
-          <p:nvPr>
-            <p:ph idx="1"/>
-          </p:nvPr>
-        </p:nvSpPr>
-        <p:spPr/>
-        <p:txBody>
-          <a:bodyPr/>
-          <a:lstStyle/>
-          <a:p>
-            <a:endParaRPr lang="en-MX"/>
           </a:p>
         </p:txBody>
       </p:sp>
@@ -9871,6 +10002,511 @@
           </a:prstGeom>
         </p:spPr>
       </p:pic>
+      <p:cxnSp>
+        <p:nvCxnSpPr>
+          <p:cNvPr id="4" name="Straight Arrow Connector 3">
+            <a:extLst>
+              <a:ext uri="{FF2B5EF4-FFF2-40B4-BE49-F238E27FC236}">
+                <a16:creationId xmlns:a16="http://schemas.microsoft.com/office/drawing/2014/main" id="{C8258509-04B3-4133-B041-7E01FB097D63}"/>
+              </a:ext>
+            </a:extLst>
+          </p:cNvPr>
+          <p:cNvCxnSpPr>
+            <a:cxnSpLocks/>
+            <a:endCxn id="15" idx="6"/>
+          </p:cNvCxnSpPr>
+          <p:nvPr/>
+        </p:nvCxnSpPr>
+        <p:spPr>
+          <a:xfrm flipV="1">
+            <a:off x="1739462" y="3509538"/>
+            <a:ext cx="8697113" cy="19312"/>
+          </a:xfrm>
+          <a:prstGeom prst="straightConnector1">
+            <a:avLst/>
+          </a:prstGeom>
+        </p:spPr>
+        <p:style>
+          <a:lnRef idx="1">
+            <a:schemeClr val="accent1"/>
+          </a:lnRef>
+          <a:fillRef idx="0">
+            <a:schemeClr val="accent1"/>
+          </a:fillRef>
+          <a:effectRef idx="0">
+            <a:schemeClr val="accent1"/>
+          </a:effectRef>
+          <a:fontRef idx="minor">
+            <a:schemeClr val="tx1"/>
+          </a:fontRef>
+        </p:style>
+      </p:cxnSp>
+      <p:sp>
+        <p:nvSpPr>
+          <p:cNvPr id="6" name="Oval 5">
+            <a:extLst>
+              <a:ext uri="{FF2B5EF4-FFF2-40B4-BE49-F238E27FC236}">
+                <a16:creationId xmlns:a16="http://schemas.microsoft.com/office/drawing/2014/main" id="{1E11B2D5-8F52-42C2-AF5D-C478D151ABC5}"/>
+              </a:ext>
+            </a:extLst>
+          </p:cNvPr>
+          <p:cNvSpPr/>
+          <p:nvPr/>
+        </p:nvSpPr>
+        <p:spPr>
+          <a:xfrm>
+            <a:off x="1767840" y="3395237"/>
+            <a:ext cx="241738" cy="241738"/>
+          </a:xfrm>
+          <a:prstGeom prst="ellipse">
+            <a:avLst/>
+          </a:prstGeom>
+          <a:solidFill>
+            <a:schemeClr val="bg1"/>
+          </a:solidFill>
+        </p:spPr>
+        <p:style>
+          <a:lnRef idx="2">
+            <a:schemeClr val="accent1">
+              <a:shade val="50000"/>
+            </a:schemeClr>
+          </a:lnRef>
+          <a:fillRef idx="1">
+            <a:schemeClr val="accent1"/>
+          </a:fillRef>
+          <a:effectRef idx="0">
+            <a:schemeClr val="accent1"/>
+          </a:effectRef>
+          <a:fontRef idx="minor">
+            <a:schemeClr val="lt1"/>
+          </a:fontRef>
+        </p:style>
+        <p:txBody>
+          <a:bodyPr rtlCol="0" anchor="ctr"/>
+          <a:lstStyle/>
+          <a:p>
+            <a:pPr algn="ctr"/>
+            <a:endParaRPr lang="en-US"/>
+          </a:p>
+        </p:txBody>
+      </p:sp>
+      <p:sp>
+        <p:nvSpPr>
+          <p:cNvPr id="9" name="Oval 8">
+            <a:extLst>
+              <a:ext uri="{FF2B5EF4-FFF2-40B4-BE49-F238E27FC236}">
+                <a16:creationId xmlns:a16="http://schemas.microsoft.com/office/drawing/2014/main" id="{E149BE47-68F3-3748-8351-495EA2E59F60}"/>
+              </a:ext>
+            </a:extLst>
+          </p:cNvPr>
+          <p:cNvSpPr/>
+          <p:nvPr/>
+        </p:nvSpPr>
+        <p:spPr>
+          <a:xfrm>
+            <a:off x="3016863" y="3407980"/>
+            <a:ext cx="241738" cy="241738"/>
+          </a:xfrm>
+          <a:prstGeom prst="ellipse">
+            <a:avLst/>
+          </a:prstGeom>
+          <a:solidFill>
+            <a:schemeClr val="bg1"/>
+          </a:solidFill>
+        </p:spPr>
+        <p:style>
+          <a:lnRef idx="2">
+            <a:schemeClr val="accent1">
+              <a:shade val="50000"/>
+            </a:schemeClr>
+          </a:lnRef>
+          <a:fillRef idx="1">
+            <a:schemeClr val="accent1"/>
+          </a:fillRef>
+          <a:effectRef idx="0">
+            <a:schemeClr val="accent1"/>
+          </a:effectRef>
+          <a:fontRef idx="minor">
+            <a:schemeClr val="lt1"/>
+          </a:fontRef>
+        </p:style>
+        <p:txBody>
+          <a:bodyPr rtlCol="0" anchor="ctr"/>
+          <a:lstStyle/>
+          <a:p>
+            <a:pPr algn="ctr"/>
+            <a:endParaRPr lang="en-US"/>
+          </a:p>
+        </p:txBody>
+      </p:sp>
+      <p:sp>
+        <p:nvSpPr>
+          <p:cNvPr id="10" name="Oval 9">
+            <a:extLst>
+              <a:ext uri="{FF2B5EF4-FFF2-40B4-BE49-F238E27FC236}">
+                <a16:creationId xmlns:a16="http://schemas.microsoft.com/office/drawing/2014/main" id="{C9E75EDE-EFED-1345-B249-C6160BF82FF8}"/>
+              </a:ext>
+            </a:extLst>
+          </p:cNvPr>
+          <p:cNvSpPr/>
+          <p:nvPr/>
+        </p:nvSpPr>
+        <p:spPr>
+          <a:xfrm>
+            <a:off x="4294264" y="3398258"/>
+            <a:ext cx="241738" cy="241738"/>
+          </a:xfrm>
+          <a:prstGeom prst="ellipse">
+            <a:avLst/>
+          </a:prstGeom>
+          <a:solidFill>
+            <a:schemeClr val="tx2">
+              <a:lumMod val="60000"/>
+              <a:lumOff val="40000"/>
+            </a:schemeClr>
+          </a:solidFill>
+        </p:spPr>
+        <p:style>
+          <a:lnRef idx="2">
+            <a:schemeClr val="accent1">
+              <a:shade val="50000"/>
+            </a:schemeClr>
+          </a:lnRef>
+          <a:fillRef idx="1">
+            <a:schemeClr val="accent1"/>
+          </a:fillRef>
+          <a:effectRef idx="0">
+            <a:schemeClr val="accent1"/>
+          </a:effectRef>
+          <a:fontRef idx="minor">
+            <a:schemeClr val="lt1"/>
+          </a:fontRef>
+        </p:style>
+        <p:txBody>
+          <a:bodyPr rtlCol="0" anchor="ctr"/>
+          <a:lstStyle/>
+          <a:p>
+            <a:pPr algn="ctr"/>
+            <a:endParaRPr lang="en-US"/>
+          </a:p>
+        </p:txBody>
+      </p:sp>
+      <p:sp>
+        <p:nvSpPr>
+          <p:cNvPr id="11" name="Oval 10">
+            <a:extLst>
+              <a:ext uri="{FF2B5EF4-FFF2-40B4-BE49-F238E27FC236}">
+                <a16:creationId xmlns:a16="http://schemas.microsoft.com/office/drawing/2014/main" id="{2A8C0A57-FD48-594B-BA85-6C660880059B}"/>
+              </a:ext>
+            </a:extLst>
+          </p:cNvPr>
+          <p:cNvSpPr/>
+          <p:nvPr/>
+        </p:nvSpPr>
+        <p:spPr>
+          <a:xfrm>
+            <a:off x="5514909" y="3406667"/>
+            <a:ext cx="241738" cy="241738"/>
+          </a:xfrm>
+          <a:prstGeom prst="ellipse">
+            <a:avLst/>
+          </a:prstGeom>
+          <a:solidFill>
+            <a:schemeClr val="bg1"/>
+          </a:solidFill>
+        </p:spPr>
+        <p:style>
+          <a:lnRef idx="2">
+            <a:schemeClr val="accent1">
+              <a:shade val="50000"/>
+            </a:schemeClr>
+          </a:lnRef>
+          <a:fillRef idx="1">
+            <a:schemeClr val="accent1"/>
+          </a:fillRef>
+          <a:effectRef idx="0">
+            <a:schemeClr val="accent1"/>
+          </a:effectRef>
+          <a:fontRef idx="minor">
+            <a:schemeClr val="lt1"/>
+          </a:fontRef>
+        </p:style>
+        <p:txBody>
+          <a:bodyPr rtlCol="0" anchor="ctr"/>
+          <a:lstStyle/>
+          <a:p>
+            <a:pPr algn="ctr"/>
+            <a:endParaRPr lang="en-US"/>
+          </a:p>
+        </p:txBody>
+      </p:sp>
+      <p:sp>
+        <p:nvSpPr>
+          <p:cNvPr id="12" name="Oval 11">
+            <a:extLst>
+              <a:ext uri="{FF2B5EF4-FFF2-40B4-BE49-F238E27FC236}">
+                <a16:creationId xmlns:a16="http://schemas.microsoft.com/office/drawing/2014/main" id="{EEF7F888-BE4F-9341-92AC-8979CF1FC09D}"/>
+              </a:ext>
+            </a:extLst>
+          </p:cNvPr>
+          <p:cNvSpPr/>
+          <p:nvPr/>
+        </p:nvSpPr>
+        <p:spPr>
+          <a:xfrm>
+            <a:off x="6728197" y="3407980"/>
+            <a:ext cx="241738" cy="241738"/>
+          </a:xfrm>
+          <a:prstGeom prst="ellipse">
+            <a:avLst/>
+          </a:prstGeom>
+          <a:solidFill>
+            <a:schemeClr val="bg1"/>
+          </a:solidFill>
+        </p:spPr>
+        <p:style>
+          <a:lnRef idx="2">
+            <a:schemeClr val="accent1">
+              <a:shade val="50000"/>
+            </a:schemeClr>
+          </a:lnRef>
+          <a:fillRef idx="1">
+            <a:schemeClr val="accent1"/>
+          </a:fillRef>
+          <a:effectRef idx="0">
+            <a:schemeClr val="accent1"/>
+          </a:effectRef>
+          <a:fontRef idx="minor">
+            <a:schemeClr val="lt1"/>
+          </a:fontRef>
+        </p:style>
+        <p:txBody>
+          <a:bodyPr rtlCol="0" anchor="ctr"/>
+          <a:lstStyle/>
+          <a:p>
+            <a:pPr algn="ctr"/>
+            <a:endParaRPr lang="en-US"/>
+          </a:p>
+        </p:txBody>
+      </p:sp>
+      <p:sp>
+        <p:nvSpPr>
+          <p:cNvPr id="13" name="Oval 12">
+            <a:extLst>
+              <a:ext uri="{FF2B5EF4-FFF2-40B4-BE49-F238E27FC236}">
+                <a16:creationId xmlns:a16="http://schemas.microsoft.com/office/drawing/2014/main" id="{C72CE95A-8B8F-314E-A7C9-6C4C23E88DC8}"/>
+              </a:ext>
+            </a:extLst>
+          </p:cNvPr>
+          <p:cNvSpPr/>
+          <p:nvPr/>
+        </p:nvSpPr>
+        <p:spPr>
+          <a:xfrm>
+            <a:off x="7939382" y="3397078"/>
+            <a:ext cx="241738" cy="241738"/>
+          </a:xfrm>
+          <a:prstGeom prst="ellipse">
+            <a:avLst/>
+          </a:prstGeom>
+          <a:solidFill>
+            <a:schemeClr val="bg1"/>
+          </a:solidFill>
+        </p:spPr>
+        <p:style>
+          <a:lnRef idx="2">
+            <a:schemeClr val="accent1">
+              <a:shade val="50000"/>
+            </a:schemeClr>
+          </a:lnRef>
+          <a:fillRef idx="1">
+            <a:schemeClr val="accent1"/>
+          </a:fillRef>
+          <a:effectRef idx="0">
+            <a:schemeClr val="accent1"/>
+          </a:effectRef>
+          <a:fontRef idx="minor">
+            <a:schemeClr val="lt1"/>
+          </a:fontRef>
+        </p:style>
+        <p:txBody>
+          <a:bodyPr rtlCol="0" anchor="ctr"/>
+          <a:lstStyle/>
+          <a:p>
+            <a:pPr algn="ctr"/>
+            <a:endParaRPr lang="en-US"/>
+          </a:p>
+        </p:txBody>
+      </p:sp>
+      <p:sp>
+        <p:nvSpPr>
+          <p:cNvPr id="14" name="Oval 13">
+            <a:extLst>
+              <a:ext uri="{FF2B5EF4-FFF2-40B4-BE49-F238E27FC236}">
+                <a16:creationId xmlns:a16="http://schemas.microsoft.com/office/drawing/2014/main" id="{1ABB3394-4D23-2B4E-9F82-E1AFC6487FD1}"/>
+              </a:ext>
+            </a:extLst>
+          </p:cNvPr>
+          <p:cNvSpPr/>
+          <p:nvPr/>
+        </p:nvSpPr>
+        <p:spPr>
+          <a:xfrm>
+            <a:off x="9054268" y="3385648"/>
+            <a:ext cx="241738" cy="241738"/>
+          </a:xfrm>
+          <a:prstGeom prst="ellipse">
+            <a:avLst/>
+          </a:prstGeom>
+          <a:solidFill>
+            <a:schemeClr val="bg1"/>
+          </a:solidFill>
+        </p:spPr>
+        <p:style>
+          <a:lnRef idx="2">
+            <a:schemeClr val="accent1">
+              <a:shade val="50000"/>
+            </a:schemeClr>
+          </a:lnRef>
+          <a:fillRef idx="1">
+            <a:schemeClr val="accent1"/>
+          </a:fillRef>
+          <a:effectRef idx="0">
+            <a:schemeClr val="accent1"/>
+          </a:effectRef>
+          <a:fontRef idx="minor">
+            <a:schemeClr val="lt1"/>
+          </a:fontRef>
+        </p:style>
+        <p:txBody>
+          <a:bodyPr rtlCol="0" anchor="ctr"/>
+          <a:lstStyle/>
+          <a:p>
+            <a:pPr algn="ctr"/>
+            <a:endParaRPr lang="en-US"/>
+          </a:p>
+        </p:txBody>
+      </p:sp>
+      <p:sp>
+        <p:nvSpPr>
+          <p:cNvPr id="15" name="Oval 14">
+            <a:extLst>
+              <a:ext uri="{FF2B5EF4-FFF2-40B4-BE49-F238E27FC236}">
+                <a16:creationId xmlns:a16="http://schemas.microsoft.com/office/drawing/2014/main" id="{8D711227-5817-F242-9A07-21EF5CCB32D2}"/>
+              </a:ext>
+            </a:extLst>
+          </p:cNvPr>
+          <p:cNvSpPr/>
+          <p:nvPr/>
+        </p:nvSpPr>
+        <p:spPr>
+          <a:xfrm>
+            <a:off x="10194837" y="3388669"/>
+            <a:ext cx="241738" cy="241738"/>
+          </a:xfrm>
+          <a:prstGeom prst="ellipse">
+            <a:avLst/>
+          </a:prstGeom>
+          <a:solidFill>
+            <a:schemeClr val="bg1"/>
+          </a:solidFill>
+        </p:spPr>
+        <p:style>
+          <a:lnRef idx="2">
+            <a:schemeClr val="accent1">
+              <a:shade val="50000"/>
+            </a:schemeClr>
+          </a:lnRef>
+          <a:fillRef idx="1">
+            <a:schemeClr val="accent1"/>
+          </a:fillRef>
+          <a:effectRef idx="0">
+            <a:schemeClr val="accent1"/>
+          </a:effectRef>
+          <a:fontRef idx="minor">
+            <a:schemeClr val="lt1"/>
+          </a:fontRef>
+        </p:style>
+        <p:txBody>
+          <a:bodyPr rtlCol="0" anchor="ctr"/>
+          <a:lstStyle/>
+          <a:p>
+            <a:pPr algn="ctr"/>
+            <a:endParaRPr lang="en-US"/>
+          </a:p>
+        </p:txBody>
+      </p:sp>
+      <p:sp>
+        <p:nvSpPr>
+          <p:cNvPr id="17" name="TextBox 16">
+            <a:extLst>
+              <a:ext uri="{FF2B5EF4-FFF2-40B4-BE49-F238E27FC236}">
+                <a16:creationId xmlns:a16="http://schemas.microsoft.com/office/drawing/2014/main" id="{4DBD3720-2FB2-7043-9931-138062F767D9}"/>
+              </a:ext>
+            </a:extLst>
+          </p:cNvPr>
+          <p:cNvSpPr txBox="1"/>
+          <p:nvPr/>
+        </p:nvSpPr>
+        <p:spPr>
+          <a:xfrm>
+            <a:off x="4294264" y="2273258"/>
+            <a:ext cx="3497580" cy="369332"/>
+          </a:xfrm>
+          <a:prstGeom prst="rect">
+            <a:avLst/>
+          </a:prstGeom>
+          <a:noFill/>
+        </p:spPr>
+        <p:txBody>
+          <a:bodyPr wrap="square" rtlCol="0">
+            <a:spAutoFit/>
+          </a:bodyPr>
+          <a:lstStyle/>
+          <a:p>
+            <a:r>
+              <a:rPr lang="en-MX" dirty="0"/>
+              <a:t>Estamos en…</a:t>
+            </a:r>
+          </a:p>
+        </p:txBody>
+      </p:sp>
+      <p:cxnSp>
+        <p:nvCxnSpPr>
+          <p:cNvPr id="19" name="Straight Connector 18">
+            <a:extLst>
+              <a:ext uri="{FF2B5EF4-FFF2-40B4-BE49-F238E27FC236}">
+                <a16:creationId xmlns:a16="http://schemas.microsoft.com/office/drawing/2014/main" id="{C830C38C-307E-DD41-A4A5-EB9E6F211CE7}"/>
+              </a:ext>
+            </a:extLst>
+          </p:cNvPr>
+          <p:cNvCxnSpPr/>
+          <p:nvPr/>
+        </p:nvCxnSpPr>
+        <p:spPr>
+          <a:xfrm flipV="1">
+            <a:off x="4415133" y="2655953"/>
+            <a:ext cx="0" cy="606974"/>
+          </a:xfrm>
+          <a:prstGeom prst="line">
+            <a:avLst/>
+          </a:prstGeom>
+        </p:spPr>
+        <p:style>
+          <a:lnRef idx="1">
+            <a:schemeClr val="accent1"/>
+          </a:lnRef>
+          <a:fillRef idx="0">
+            <a:schemeClr val="accent1"/>
+          </a:fillRef>
+          <a:effectRef idx="0">
+            <a:schemeClr val="accent1"/>
+          </a:effectRef>
+          <a:fontRef idx="minor">
+            <a:schemeClr val="tx1"/>
+          </a:fontRef>
+        </p:style>
+      </p:cxnSp>
     </p:spTree>
     <p:extLst>
       <p:ext uri="{BB962C8B-B14F-4D97-AF65-F5344CB8AC3E}">
